--- a/Python Session/Python_12_may.pptx
+++ b/Python Session/Python_12_may.pptx
@@ -2,15 +2,12 @@
 <file path=ppt/presentation.xml><?xml version="1.0" encoding="utf-8"?>
 <p:presentation xmlns:a="http://schemas.openxmlformats.org/drawingml/2006/main" xmlns:r="http://schemas.openxmlformats.org/officeDocument/2006/relationships" xmlns:p="http://schemas.openxmlformats.org/presentationml/2006/main" saveSubsetFonts="1">
   <p:sldMasterIdLst>
-    <p:sldMasterId id="2147483648" r:id="rId1"/>
+    <p:sldMasterId id="2147483660" r:id="rId1"/>
   </p:sldMasterIdLst>
   <p:sldIdLst>
-    <p:sldId id="262" r:id="rId2"/>
-    <p:sldId id="263" r:id="rId3"/>
-    <p:sldId id="265" r:id="rId4"/>
-    <p:sldId id="266" r:id="rId5"/>
-    <p:sldId id="267" r:id="rId6"/>
-    <p:sldId id="264" r:id="rId7"/>
+    <p:sldId id="256" r:id="rId2"/>
+    <p:sldId id="259" r:id="rId3"/>
+    <p:sldId id="257" r:id="rId4"/>
   </p:sldIdLst>
   <p:sldSz cx="12192000" cy="6858000"/>
   <p:notesSz cx="6858000" cy="9144000"/>
@@ -118,7 +115,7 @@
 </file>
 
 <file path=ppt/slideLayouts/slideLayout1.xml><?xml version="1.0" encoding="utf-8"?>
-<p:sldLayout xmlns:a="http://schemas.openxmlformats.org/drawingml/2006/main" xmlns:r="http://schemas.openxmlformats.org/officeDocument/2006/relationships" xmlns:p="http://schemas.openxmlformats.org/presentationml/2006/main" type="title" preserve="1">
+<p:sldLayout xmlns:a="http://schemas.openxmlformats.org/drawingml/2006/main" xmlns:r="http://schemas.openxmlformats.org/officeDocument/2006/relationships" xmlns:p="http://schemas.openxmlformats.org/presentationml/2006/main" showMasterSp="0" type="title" preserve="1">
   <p:cSld name="Title Slide">
     <p:spTree>
       <p:nvGrpSpPr>
@@ -136,6 +133,82 @@
       </p:grpSpPr>
       <p:sp>
         <p:nvSpPr>
+          <p:cNvPr id="7" name="Rectangle 6"/>
+          <p:cNvSpPr/>
+          <p:nvPr/>
+        </p:nvSpPr>
+        <p:spPr>
+          <a:xfrm>
+            <a:off x="3175" y="6400800"/>
+            <a:ext cx="12188825" cy="457200"/>
+          </a:xfrm>
+          <a:prstGeom prst="rect">
+            <a:avLst/>
+          </a:prstGeom>
+          <a:solidFill>
+            <a:schemeClr val="accent2"/>
+          </a:solidFill>
+          <a:ln>
+            <a:noFill/>
+          </a:ln>
+        </p:spPr>
+        <p:style>
+          <a:lnRef idx="2">
+            <a:schemeClr val="accent1">
+              <a:shade val="50000"/>
+            </a:schemeClr>
+          </a:lnRef>
+          <a:fillRef idx="1">
+            <a:schemeClr val="accent1"/>
+          </a:fillRef>
+          <a:effectRef idx="0">
+            <a:schemeClr val="accent1"/>
+          </a:effectRef>
+          <a:fontRef idx="minor">
+            <a:schemeClr val="lt1"/>
+          </a:fontRef>
+        </p:style>
+      </p:sp>
+      <p:sp>
+        <p:nvSpPr>
+          <p:cNvPr id="8" name="Rectangle 7"/>
+          <p:cNvSpPr/>
+          <p:nvPr/>
+        </p:nvSpPr>
+        <p:spPr>
+          <a:xfrm>
+            <a:off x="15" y="6334316"/>
+            <a:ext cx="12188825" cy="64008"/>
+          </a:xfrm>
+          <a:prstGeom prst="rect">
+            <a:avLst/>
+          </a:prstGeom>
+          <a:solidFill>
+            <a:schemeClr val="accent1"/>
+          </a:solidFill>
+          <a:ln>
+            <a:noFill/>
+          </a:ln>
+        </p:spPr>
+        <p:style>
+          <a:lnRef idx="2">
+            <a:schemeClr val="accent1">
+              <a:shade val="50000"/>
+            </a:schemeClr>
+          </a:lnRef>
+          <a:fillRef idx="1">
+            <a:schemeClr val="accent1"/>
+          </a:fillRef>
+          <a:effectRef idx="0">
+            <a:schemeClr val="accent1"/>
+          </a:effectRef>
+          <a:fontRef idx="minor">
+            <a:schemeClr val="lt1"/>
+          </a:fontRef>
+        </p:style>
+      </p:sp>
+      <p:sp>
+        <p:nvSpPr>
           <p:cNvPr id="2" name="Title 1"/>
           <p:cNvSpPr>
             <a:spLocks noGrp="1"/>
@@ -146,15 +219,27 @@
         </p:nvSpPr>
         <p:spPr>
           <a:xfrm>
-            <a:off x="1524000" y="1122363"/>
-            <a:ext cx="9144000" cy="2387600"/>
+            <a:off x="1097280" y="758952"/>
+            <a:ext cx="10058400" cy="3566160"/>
           </a:xfrm>
         </p:spPr>
         <p:txBody>
-          <a:bodyPr anchor="b"/>
+          <a:bodyPr anchor="b">
+            <a:normAutofit/>
+          </a:bodyPr>
           <a:lstStyle>
-            <a:lvl1pPr algn="ctr">
-              <a:defRPr sz="6000"/>
+            <a:lvl1pPr algn="l">
+              <a:lnSpc>
+                <a:spcPct val="85000"/>
+              </a:lnSpc>
+              <a:defRPr sz="8000" spc="-50" baseline="0">
+                <a:solidFill>
+                  <a:schemeClr val="tx1">
+                    <a:lumMod val="85000"/>
+                    <a:lumOff val="15000"/>
+                  </a:schemeClr>
+                </a:solidFill>
+              </a:defRPr>
             </a:lvl1pPr>
           </a:lstStyle>
           <a:p>
@@ -162,7 +247,7 @@
               <a:rPr lang="en-US" smtClean="0"/>
               <a:t>Click to edit Master title style</a:t>
             </a:r>
-            <a:endParaRPr lang="en-IN"/>
+            <a:endParaRPr lang="en-US" dirty="0"/>
           </a:p>
         </p:txBody>
       </p:sp>
@@ -178,48 +263,55 @@
         </p:nvSpPr>
         <p:spPr>
           <a:xfrm>
-            <a:off x="1524000" y="3602038"/>
-            <a:ext cx="9144000" cy="1655762"/>
+            <a:off x="1100051" y="4455620"/>
+            <a:ext cx="10058400" cy="1143000"/>
           </a:xfrm>
         </p:spPr>
         <p:txBody>
-          <a:bodyPr/>
+          <a:bodyPr lIns="91440" rIns="91440">
+            <a:normAutofit/>
+          </a:bodyPr>
           <a:lstStyle>
-            <a:lvl1pPr marL="0" indent="0" algn="ctr">
+            <a:lvl1pPr marL="0" indent="0" algn="l">
               <a:buNone/>
-              <a:defRPr sz="2400"/>
+              <a:defRPr sz="2400" cap="all" spc="200" baseline="0">
+                <a:solidFill>
+                  <a:schemeClr val="tx2"/>
+                </a:solidFill>
+                <a:latin typeface="+mj-lt"/>
+              </a:defRPr>
             </a:lvl1pPr>
             <a:lvl2pPr marL="457200" indent="0" algn="ctr">
               <a:buNone/>
-              <a:defRPr sz="2000"/>
+              <a:defRPr sz="2400"/>
             </a:lvl2pPr>
             <a:lvl3pPr marL="914400" indent="0" algn="ctr">
               <a:buNone/>
-              <a:defRPr sz="1800"/>
+              <a:defRPr sz="2400"/>
             </a:lvl3pPr>
             <a:lvl4pPr marL="1371600" indent="0" algn="ctr">
               <a:buNone/>
-              <a:defRPr sz="1600"/>
+              <a:defRPr sz="2000"/>
             </a:lvl4pPr>
             <a:lvl5pPr marL="1828800" indent="0" algn="ctr">
               <a:buNone/>
-              <a:defRPr sz="1600"/>
+              <a:defRPr sz="2000"/>
             </a:lvl5pPr>
             <a:lvl6pPr marL="2286000" indent="0" algn="ctr">
               <a:buNone/>
-              <a:defRPr sz="1600"/>
+              <a:defRPr sz="2000"/>
             </a:lvl6pPr>
             <a:lvl7pPr marL="2743200" indent="0" algn="ctr">
               <a:buNone/>
-              <a:defRPr sz="1600"/>
+              <a:defRPr sz="2000"/>
             </a:lvl7pPr>
             <a:lvl8pPr marL="3200400" indent="0" algn="ctr">
               <a:buNone/>
-              <a:defRPr sz="1600"/>
+              <a:defRPr sz="2000"/>
             </a:lvl8pPr>
             <a:lvl9pPr marL="3657600" indent="0" algn="ctr">
               <a:buNone/>
-              <a:defRPr sz="1600"/>
+              <a:defRPr sz="2000"/>
             </a:lvl9pPr>
           </a:lstStyle>
           <a:p>
@@ -227,7 +319,7 @@
               <a:rPr lang="en-US" smtClean="0"/>
               <a:t>Click to edit Master subtitle style</a:t>
             </a:r>
-            <a:endParaRPr lang="en-IN"/>
+            <a:endParaRPr lang="en-US" dirty="0"/>
           </a:p>
         </p:txBody>
       </p:sp>
@@ -246,9 +338,9 @@
           <a:bodyPr/>
           <a:lstStyle/>
           <a:p>
-            <a:fld id="{4301CC33-C1E3-43D5-954C-D3879CCC99B6}" type="datetimeFigureOut">
+            <a:fld id="{89423816-5A68-4C9F-82ED-FF89F03C3494}" type="datetimeFigureOut">
               <a:rPr lang="en-IN" smtClean="0"/>
-              <a:t>02-05-2022</a:t>
+              <a:t>08-05-2022</a:t>
             </a:fld>
             <a:endParaRPr lang="en-IN"/>
           </a:p>
@@ -288,7 +380,7 @@
           <a:bodyPr/>
           <a:lstStyle/>
           <a:p>
-            <a:fld id="{CB30A393-CD7A-45A1-9433-308CC08C211E}" type="slidenum">
+            <a:fld id="{28753ADB-4130-4D2A-A2EC-70E8F67882C9}" type="slidenum">
               <a:rPr lang="en-IN" smtClean="0"/>
               <a:t>‹#›</a:t>
             </a:fld>
@@ -296,10 +388,48 @@
           </a:p>
         </p:txBody>
       </p:sp>
+      <p:cxnSp>
+        <p:nvCxnSpPr>
+          <p:cNvPr id="9" name="Straight Connector 8"/>
+          <p:cNvCxnSpPr/>
+          <p:nvPr/>
+        </p:nvCxnSpPr>
+        <p:spPr>
+          <a:xfrm>
+            <a:off x="1207658" y="4343400"/>
+            <a:ext cx="9875520" cy="0"/>
+          </a:xfrm>
+          <a:prstGeom prst="line">
+            <a:avLst/>
+          </a:prstGeom>
+          <a:ln w="6350">
+            <a:solidFill>
+              <a:schemeClr val="tx1">
+                <a:lumMod val="50000"/>
+                <a:lumOff val="50000"/>
+              </a:schemeClr>
+            </a:solidFill>
+          </a:ln>
+        </p:spPr>
+        <p:style>
+          <a:lnRef idx="1">
+            <a:schemeClr val="accent1"/>
+          </a:lnRef>
+          <a:fillRef idx="0">
+            <a:schemeClr val="accent1"/>
+          </a:fillRef>
+          <a:effectRef idx="0">
+            <a:schemeClr val="accent1"/>
+          </a:effectRef>
+          <a:fontRef idx="minor">
+            <a:schemeClr val="tx1"/>
+          </a:fontRef>
+        </p:style>
+      </p:cxnSp>
     </p:spTree>
     <p:extLst>
       <p:ext uri="{BB962C8B-B14F-4D97-AF65-F5344CB8AC3E}">
-        <p14:creationId xmlns:p14="http://schemas.microsoft.com/office/powerpoint/2010/main" val="2143301740"/>
+        <p14:creationId xmlns:p14="http://schemas.microsoft.com/office/powerpoint/2010/main" val="1712848178"/>
       </p:ext>
     </p:extLst>
   </p:cSld>
@@ -345,7 +475,7 @@
               <a:rPr lang="en-US" smtClean="0"/>
               <a:t>Click to edit Master title style</a:t>
             </a:r>
-            <a:endParaRPr lang="en-IN"/>
+            <a:endParaRPr lang="en-US" dirty="0"/>
           </a:p>
         </p:txBody>
       </p:sp>
@@ -361,7 +491,7 @@
         </p:nvSpPr>
         <p:spPr/>
         <p:txBody>
-          <a:bodyPr vert="eaVert"/>
+          <a:bodyPr vert="eaVert" lIns="45720" tIns="0" rIns="45720" bIns="0"/>
           <a:lstStyle/>
           <a:p>
             <a:pPr lvl="0"/>
@@ -397,7 +527,7 @@
               <a:rPr lang="en-US" smtClean="0"/>
               <a:t>Fifth level</a:t>
             </a:r>
-            <a:endParaRPr lang="en-IN"/>
+            <a:endParaRPr lang="en-US" dirty="0"/>
           </a:p>
         </p:txBody>
       </p:sp>
@@ -416,9 +546,9 @@
           <a:bodyPr/>
           <a:lstStyle/>
           <a:p>
-            <a:fld id="{4301CC33-C1E3-43D5-954C-D3879CCC99B6}" type="datetimeFigureOut">
+            <a:fld id="{89423816-5A68-4C9F-82ED-FF89F03C3494}" type="datetimeFigureOut">
               <a:rPr lang="en-IN" smtClean="0"/>
-              <a:t>02-05-2022</a:t>
+              <a:t>08-05-2022</a:t>
             </a:fld>
             <a:endParaRPr lang="en-IN"/>
           </a:p>
@@ -458,7 +588,7 @@
           <a:bodyPr/>
           <a:lstStyle/>
           <a:p>
-            <a:fld id="{CB30A393-CD7A-45A1-9433-308CC08C211E}" type="slidenum">
+            <a:fld id="{28753ADB-4130-4D2A-A2EC-70E8F67882C9}" type="slidenum">
               <a:rPr lang="en-IN" smtClean="0"/>
               <a:t>‹#›</a:t>
             </a:fld>
@@ -469,7 +599,7 @@
     </p:spTree>
     <p:extLst>
       <p:ext uri="{BB962C8B-B14F-4D97-AF65-F5344CB8AC3E}">
-        <p14:creationId xmlns:p14="http://schemas.microsoft.com/office/powerpoint/2010/main" val="3213425778"/>
+        <p14:creationId xmlns:p14="http://schemas.microsoft.com/office/powerpoint/2010/main" val="2727256731"/>
       </p:ext>
     </p:extLst>
   </p:cSld>
@@ -480,7 +610,7 @@
 </file>
 
 <file path=ppt/slideLayouts/slideLayout11.xml><?xml version="1.0" encoding="utf-8"?>
-<p:sldLayout xmlns:a="http://schemas.openxmlformats.org/drawingml/2006/main" xmlns:r="http://schemas.openxmlformats.org/officeDocument/2006/relationships" xmlns:p="http://schemas.openxmlformats.org/presentationml/2006/main" type="vertTitleAndTx" preserve="1">
+<p:sldLayout xmlns:a="http://schemas.openxmlformats.org/drawingml/2006/main" xmlns:r="http://schemas.openxmlformats.org/officeDocument/2006/relationships" xmlns:p="http://schemas.openxmlformats.org/presentationml/2006/main" showMasterSp="0" type="vertTitleAndTx" preserve="1">
   <p:cSld name="Vertical Title and Text">
     <p:spTree>
       <p:nvGrpSpPr>
@@ -498,6 +628,82 @@
       </p:grpSpPr>
       <p:sp>
         <p:nvSpPr>
+          <p:cNvPr id="7" name="Rectangle 6"/>
+          <p:cNvSpPr/>
+          <p:nvPr/>
+        </p:nvSpPr>
+        <p:spPr>
+          <a:xfrm>
+            <a:off x="3175" y="6400800"/>
+            <a:ext cx="12188825" cy="457200"/>
+          </a:xfrm>
+          <a:prstGeom prst="rect">
+            <a:avLst/>
+          </a:prstGeom>
+          <a:solidFill>
+            <a:schemeClr val="accent2"/>
+          </a:solidFill>
+          <a:ln>
+            <a:noFill/>
+          </a:ln>
+        </p:spPr>
+        <p:style>
+          <a:lnRef idx="2">
+            <a:schemeClr val="accent1">
+              <a:shade val="50000"/>
+            </a:schemeClr>
+          </a:lnRef>
+          <a:fillRef idx="1">
+            <a:schemeClr val="accent1"/>
+          </a:fillRef>
+          <a:effectRef idx="0">
+            <a:schemeClr val="accent1"/>
+          </a:effectRef>
+          <a:fontRef idx="minor">
+            <a:schemeClr val="lt1"/>
+          </a:fontRef>
+        </p:style>
+      </p:sp>
+      <p:sp>
+        <p:nvSpPr>
+          <p:cNvPr id="8" name="Rectangle 7"/>
+          <p:cNvSpPr/>
+          <p:nvPr/>
+        </p:nvSpPr>
+        <p:spPr>
+          <a:xfrm>
+            <a:off x="15" y="6334316"/>
+            <a:ext cx="12188825" cy="64008"/>
+          </a:xfrm>
+          <a:prstGeom prst="rect">
+            <a:avLst/>
+          </a:prstGeom>
+          <a:solidFill>
+            <a:schemeClr val="accent1"/>
+          </a:solidFill>
+          <a:ln>
+            <a:noFill/>
+          </a:ln>
+        </p:spPr>
+        <p:style>
+          <a:lnRef idx="2">
+            <a:schemeClr val="accent1">
+              <a:shade val="50000"/>
+            </a:schemeClr>
+          </a:lnRef>
+          <a:fillRef idx="1">
+            <a:schemeClr val="accent1"/>
+          </a:fillRef>
+          <a:effectRef idx="0">
+            <a:schemeClr val="accent1"/>
+          </a:effectRef>
+          <a:fontRef idx="minor">
+            <a:schemeClr val="lt1"/>
+          </a:fontRef>
+        </p:style>
+      </p:sp>
+      <p:sp>
+        <p:nvSpPr>
           <p:cNvPr id="2" name="Vertical Title 1"/>
           <p:cNvSpPr>
             <a:spLocks noGrp="1"/>
@@ -508,8 +714,8 @@
         </p:nvSpPr>
         <p:spPr>
           <a:xfrm>
-            <a:off x="8724900" y="365125"/>
-            <a:ext cx="2628900" cy="5811838"/>
+            <a:off x="8724900" y="414778"/>
+            <a:ext cx="2628900" cy="5757421"/>
           </a:xfrm>
         </p:spPr>
         <p:txBody>
@@ -520,7 +726,7 @@
               <a:rPr lang="en-US" smtClean="0"/>
               <a:t>Click to edit Master title style</a:t>
             </a:r>
-            <a:endParaRPr lang="en-IN"/>
+            <a:endParaRPr lang="en-US" dirty="0"/>
           </a:p>
         </p:txBody>
       </p:sp>
@@ -536,12 +742,12 @@
         </p:nvSpPr>
         <p:spPr>
           <a:xfrm>
-            <a:off x="838200" y="365125"/>
-            <a:ext cx="7734300" cy="5811838"/>
+            <a:off x="838200" y="414778"/>
+            <a:ext cx="7734300" cy="5757422"/>
           </a:xfrm>
         </p:spPr>
         <p:txBody>
-          <a:bodyPr vert="eaVert"/>
+          <a:bodyPr vert="eaVert" lIns="45720" tIns="0" rIns="45720" bIns="0"/>
           <a:lstStyle/>
           <a:p>
             <a:pPr lvl="0"/>
@@ -577,7 +783,7 @@
               <a:rPr lang="en-US" smtClean="0"/>
               <a:t>Fifth level</a:t>
             </a:r>
-            <a:endParaRPr lang="en-IN"/>
+            <a:endParaRPr lang="en-US" dirty="0"/>
           </a:p>
         </p:txBody>
       </p:sp>
@@ -596,9 +802,9 @@
           <a:bodyPr/>
           <a:lstStyle/>
           <a:p>
-            <a:fld id="{4301CC33-C1E3-43D5-954C-D3879CCC99B6}" type="datetimeFigureOut">
+            <a:fld id="{89423816-5A68-4C9F-82ED-FF89F03C3494}" type="datetimeFigureOut">
               <a:rPr lang="en-IN" smtClean="0"/>
-              <a:t>02-05-2022</a:t>
+              <a:t>08-05-2022</a:t>
             </a:fld>
             <a:endParaRPr lang="en-IN"/>
           </a:p>
@@ -638,7 +844,7 @@
           <a:bodyPr/>
           <a:lstStyle/>
           <a:p>
-            <a:fld id="{CB30A393-CD7A-45A1-9433-308CC08C211E}" type="slidenum">
+            <a:fld id="{28753ADB-4130-4D2A-A2EC-70E8F67882C9}" type="slidenum">
               <a:rPr lang="en-IN" smtClean="0"/>
               <a:t>‹#›</a:t>
             </a:fld>
@@ -649,7 +855,7 @@
     </p:spTree>
     <p:extLst>
       <p:ext uri="{BB962C8B-B14F-4D97-AF65-F5344CB8AC3E}">
-        <p14:creationId xmlns:p14="http://schemas.microsoft.com/office/powerpoint/2010/main" val="3605973144"/>
+        <p14:creationId xmlns:p14="http://schemas.microsoft.com/office/powerpoint/2010/main" val="3106342734"/>
       </p:ext>
     </p:extLst>
   </p:cSld>
@@ -689,13 +895,17 @@
         <p:spPr/>
         <p:txBody>
           <a:bodyPr/>
-          <a:lstStyle/>
+          <a:lstStyle>
+            <a:lvl1pPr marL="0">
+              <a:defRPr/>
+            </a:lvl1pPr>
+          </a:lstStyle>
           <a:p>
             <a:r>
               <a:rPr lang="en-US" smtClean="0"/>
               <a:t>Click to edit Master title style</a:t>
             </a:r>
-            <a:endParaRPr lang="en-IN"/>
+            <a:endParaRPr lang="en-US" dirty="0"/>
           </a:p>
         </p:txBody>
       </p:sp>
@@ -747,7 +957,7 @@
               <a:rPr lang="en-US" smtClean="0"/>
               <a:t>Fifth level</a:t>
             </a:r>
-            <a:endParaRPr lang="en-IN"/>
+            <a:endParaRPr lang="en-US" dirty="0"/>
           </a:p>
         </p:txBody>
       </p:sp>
@@ -766,9 +976,9 @@
           <a:bodyPr/>
           <a:lstStyle/>
           <a:p>
-            <a:fld id="{4301CC33-C1E3-43D5-954C-D3879CCC99B6}" type="datetimeFigureOut">
+            <a:fld id="{89423816-5A68-4C9F-82ED-FF89F03C3494}" type="datetimeFigureOut">
               <a:rPr lang="en-IN" smtClean="0"/>
-              <a:t>02-05-2022</a:t>
+              <a:t>08-05-2022</a:t>
             </a:fld>
             <a:endParaRPr lang="en-IN"/>
           </a:p>
@@ -808,7 +1018,7 @@
           <a:bodyPr/>
           <a:lstStyle/>
           <a:p>
-            <a:fld id="{CB30A393-CD7A-45A1-9433-308CC08C211E}" type="slidenum">
+            <a:fld id="{28753ADB-4130-4D2A-A2EC-70E8F67882C9}" type="slidenum">
               <a:rPr lang="en-IN" smtClean="0"/>
               <a:t>‹#›</a:t>
             </a:fld>
@@ -819,7 +1029,7 @@
     </p:spTree>
     <p:extLst>
       <p:ext uri="{BB962C8B-B14F-4D97-AF65-F5344CB8AC3E}">
-        <p14:creationId xmlns:p14="http://schemas.microsoft.com/office/powerpoint/2010/main" val="136956784"/>
+        <p14:creationId xmlns:p14="http://schemas.microsoft.com/office/powerpoint/2010/main" val="199830131"/>
       </p:ext>
     </p:extLst>
   </p:cSld>
@@ -830,8 +1040,16 @@
 </file>
 
 <file path=ppt/slideLayouts/slideLayout3.xml><?xml version="1.0" encoding="utf-8"?>
-<p:sldLayout xmlns:a="http://schemas.openxmlformats.org/drawingml/2006/main" xmlns:r="http://schemas.openxmlformats.org/officeDocument/2006/relationships" xmlns:p="http://schemas.openxmlformats.org/presentationml/2006/main" type="secHead" preserve="1">
+<p:sldLayout xmlns:a="http://schemas.openxmlformats.org/drawingml/2006/main" xmlns:r="http://schemas.openxmlformats.org/officeDocument/2006/relationships" xmlns:p="http://schemas.openxmlformats.org/presentationml/2006/main" showMasterSp="0" type="secHead" preserve="1">
   <p:cSld name="Section Header">
+    <p:bg>
+      <p:bgPr>
+        <a:solidFill>
+          <a:schemeClr val="bg1"/>
+        </a:solidFill>
+        <a:effectLst/>
+      </p:bgPr>
+    </p:bg>
     <p:spTree>
       <p:nvGrpSpPr>
         <p:cNvPr id="1" name=""/>
@@ -848,6 +1066,82 @@
       </p:grpSpPr>
       <p:sp>
         <p:nvSpPr>
+          <p:cNvPr id="7" name="Rectangle 6"/>
+          <p:cNvSpPr/>
+          <p:nvPr/>
+        </p:nvSpPr>
+        <p:spPr>
+          <a:xfrm>
+            <a:off x="3175" y="6400800"/>
+            <a:ext cx="12188825" cy="457200"/>
+          </a:xfrm>
+          <a:prstGeom prst="rect">
+            <a:avLst/>
+          </a:prstGeom>
+          <a:solidFill>
+            <a:schemeClr val="accent2"/>
+          </a:solidFill>
+          <a:ln>
+            <a:noFill/>
+          </a:ln>
+        </p:spPr>
+        <p:style>
+          <a:lnRef idx="2">
+            <a:schemeClr val="accent1">
+              <a:shade val="50000"/>
+            </a:schemeClr>
+          </a:lnRef>
+          <a:fillRef idx="1">
+            <a:schemeClr val="accent1"/>
+          </a:fillRef>
+          <a:effectRef idx="0">
+            <a:schemeClr val="accent1"/>
+          </a:effectRef>
+          <a:fontRef idx="minor">
+            <a:schemeClr val="lt1"/>
+          </a:fontRef>
+        </p:style>
+      </p:sp>
+      <p:sp>
+        <p:nvSpPr>
+          <p:cNvPr id="8" name="Rectangle 7"/>
+          <p:cNvSpPr/>
+          <p:nvPr/>
+        </p:nvSpPr>
+        <p:spPr>
+          <a:xfrm>
+            <a:off x="15" y="6334316"/>
+            <a:ext cx="12188825" cy="64008"/>
+          </a:xfrm>
+          <a:prstGeom prst="rect">
+            <a:avLst/>
+          </a:prstGeom>
+          <a:solidFill>
+            <a:schemeClr val="accent1"/>
+          </a:solidFill>
+          <a:ln>
+            <a:noFill/>
+          </a:ln>
+        </p:spPr>
+        <p:style>
+          <a:lnRef idx="2">
+            <a:schemeClr val="accent1">
+              <a:shade val="50000"/>
+            </a:schemeClr>
+          </a:lnRef>
+          <a:fillRef idx="1">
+            <a:schemeClr val="accent1"/>
+          </a:fillRef>
+          <a:effectRef idx="0">
+            <a:schemeClr val="accent1"/>
+          </a:effectRef>
+          <a:fontRef idx="minor">
+            <a:schemeClr val="lt1"/>
+          </a:fontRef>
+        </p:style>
+      </p:sp>
+      <p:sp>
+        <p:nvSpPr>
           <p:cNvPr id="2" name="Title 1"/>
           <p:cNvSpPr>
             <a:spLocks noGrp="1"/>
@@ -858,15 +1152,27 @@
         </p:nvSpPr>
         <p:spPr>
           <a:xfrm>
-            <a:off x="831850" y="1709738"/>
-            <a:ext cx="10515600" cy="2852737"/>
+            <a:off x="1097280" y="758952"/>
+            <a:ext cx="10058400" cy="3566160"/>
           </a:xfrm>
         </p:spPr>
         <p:txBody>
-          <a:bodyPr anchor="b"/>
+          <a:bodyPr anchor="b" anchorCtr="0">
+            <a:normAutofit/>
+          </a:bodyPr>
           <a:lstStyle>
             <a:lvl1pPr>
-              <a:defRPr sz="6000"/>
+              <a:lnSpc>
+                <a:spcPct val="85000"/>
+              </a:lnSpc>
+              <a:defRPr sz="8000" b="0">
+                <a:solidFill>
+                  <a:schemeClr val="tx1">
+                    <a:lumMod val="85000"/>
+                    <a:lumOff val="15000"/>
+                  </a:schemeClr>
+                </a:solidFill>
+              </a:defRPr>
             </a:lvl1pPr>
           </a:lstStyle>
           <a:p>
@@ -874,7 +1180,7 @@
               <a:rPr lang="en-US" smtClean="0"/>
               <a:t>Click to edit Master title style</a:t>
             </a:r>
-            <a:endParaRPr lang="en-IN"/>
+            <a:endParaRPr lang="en-US" dirty="0"/>
           </a:p>
         </p:txBody>
       </p:sp>
@@ -890,26 +1196,27 @@
         </p:nvSpPr>
         <p:spPr>
           <a:xfrm>
-            <a:off x="831850" y="4589463"/>
-            <a:ext cx="10515600" cy="1500187"/>
+            <a:off x="1097280" y="4453128"/>
+            <a:ext cx="10058400" cy="1143000"/>
           </a:xfrm>
         </p:spPr>
         <p:txBody>
-          <a:bodyPr/>
+          <a:bodyPr lIns="91440" rIns="91440" anchor="t" anchorCtr="0">
+            <a:normAutofit/>
+          </a:bodyPr>
           <a:lstStyle>
             <a:lvl1pPr marL="0" indent="0">
               <a:buNone/>
-              <a:defRPr sz="2400">
+              <a:defRPr sz="2400" cap="all" spc="200" baseline="0">
                 <a:solidFill>
-                  <a:schemeClr val="tx1">
-                    <a:tint val="75000"/>
-                  </a:schemeClr>
+                  <a:schemeClr val="tx2"/>
                 </a:solidFill>
+                <a:latin typeface="+mj-lt"/>
               </a:defRPr>
             </a:lvl1pPr>
             <a:lvl2pPr marL="457200" indent="0">
               <a:buNone/>
-              <a:defRPr sz="2000">
+              <a:defRPr sz="1800">
                 <a:solidFill>
                   <a:schemeClr val="tx1">
                     <a:tint val="75000"/>
@@ -919,7 +1226,7 @@
             </a:lvl2pPr>
             <a:lvl3pPr marL="914400" indent="0">
               <a:buNone/>
-              <a:defRPr sz="1800">
+              <a:defRPr sz="1600">
                 <a:solidFill>
                   <a:schemeClr val="tx1">
                     <a:tint val="75000"/>
@@ -929,7 +1236,7 @@
             </a:lvl3pPr>
             <a:lvl4pPr marL="1371600" indent="0">
               <a:buNone/>
-              <a:defRPr sz="1600">
+              <a:defRPr sz="1400">
                 <a:solidFill>
                   <a:schemeClr val="tx1">
                     <a:tint val="75000"/>
@@ -939,7 +1246,7 @@
             </a:lvl4pPr>
             <a:lvl5pPr marL="1828800" indent="0">
               <a:buNone/>
-              <a:defRPr sz="1600">
+              <a:defRPr sz="1400">
                 <a:solidFill>
                   <a:schemeClr val="tx1">
                     <a:tint val="75000"/>
@@ -949,7 +1256,7 @@
             </a:lvl5pPr>
             <a:lvl6pPr marL="2286000" indent="0">
               <a:buNone/>
-              <a:defRPr sz="1600">
+              <a:defRPr sz="1400">
                 <a:solidFill>
                   <a:schemeClr val="tx1">
                     <a:tint val="75000"/>
@@ -959,7 +1266,7 @@
             </a:lvl6pPr>
             <a:lvl7pPr marL="2743200" indent="0">
               <a:buNone/>
-              <a:defRPr sz="1600">
+              <a:defRPr sz="1400">
                 <a:solidFill>
                   <a:schemeClr val="tx1">
                     <a:tint val="75000"/>
@@ -969,7 +1276,7 @@
             </a:lvl7pPr>
             <a:lvl8pPr marL="3200400" indent="0">
               <a:buNone/>
-              <a:defRPr sz="1600">
+              <a:defRPr sz="1400">
                 <a:solidFill>
                   <a:schemeClr val="tx1">
                     <a:tint val="75000"/>
@@ -979,7 +1286,7 @@
             </a:lvl8pPr>
             <a:lvl9pPr marL="3657600" indent="0">
               <a:buNone/>
-              <a:defRPr sz="1600">
+              <a:defRPr sz="1400">
                 <a:solidFill>
                   <a:schemeClr val="tx1">
                     <a:tint val="75000"/>
@@ -1012,9 +1319,9 @@
           <a:bodyPr/>
           <a:lstStyle/>
           <a:p>
-            <a:fld id="{4301CC33-C1E3-43D5-954C-D3879CCC99B6}" type="datetimeFigureOut">
+            <a:fld id="{89423816-5A68-4C9F-82ED-FF89F03C3494}" type="datetimeFigureOut">
               <a:rPr lang="en-IN" smtClean="0"/>
-              <a:t>02-05-2022</a:t>
+              <a:t>08-05-2022</a:t>
             </a:fld>
             <a:endParaRPr lang="en-IN"/>
           </a:p>
@@ -1054,7 +1361,7 @@
           <a:bodyPr/>
           <a:lstStyle/>
           <a:p>
-            <a:fld id="{CB30A393-CD7A-45A1-9433-308CC08C211E}" type="slidenum">
+            <a:fld id="{28753ADB-4130-4D2A-A2EC-70E8F67882C9}" type="slidenum">
               <a:rPr lang="en-IN" smtClean="0"/>
               <a:t>‹#›</a:t>
             </a:fld>
@@ -1062,10 +1369,48 @@
           </a:p>
         </p:txBody>
       </p:sp>
+      <p:cxnSp>
+        <p:nvCxnSpPr>
+          <p:cNvPr id="9" name="Straight Connector 8"/>
+          <p:cNvCxnSpPr/>
+          <p:nvPr/>
+        </p:nvCxnSpPr>
+        <p:spPr>
+          <a:xfrm>
+            <a:off x="1207658" y="4343400"/>
+            <a:ext cx="9875520" cy="0"/>
+          </a:xfrm>
+          <a:prstGeom prst="line">
+            <a:avLst/>
+          </a:prstGeom>
+          <a:ln w="6350">
+            <a:solidFill>
+              <a:schemeClr val="tx1">
+                <a:lumMod val="50000"/>
+                <a:lumOff val="50000"/>
+              </a:schemeClr>
+            </a:solidFill>
+          </a:ln>
+        </p:spPr>
+        <p:style>
+          <a:lnRef idx="1">
+            <a:schemeClr val="accent1"/>
+          </a:lnRef>
+          <a:fillRef idx="0">
+            <a:schemeClr val="accent1"/>
+          </a:fillRef>
+          <a:effectRef idx="0">
+            <a:schemeClr val="accent1"/>
+          </a:effectRef>
+          <a:fontRef idx="minor">
+            <a:schemeClr val="tx1"/>
+          </a:fontRef>
+        </p:style>
+      </p:cxnSp>
     </p:spTree>
     <p:extLst>
       <p:ext uri="{BB962C8B-B14F-4D97-AF65-F5344CB8AC3E}">
-        <p14:creationId xmlns:p14="http://schemas.microsoft.com/office/powerpoint/2010/main" val="2584327038"/>
+        <p14:creationId xmlns:p14="http://schemas.microsoft.com/office/powerpoint/2010/main" val="2569997444"/>
       </p:ext>
     </p:extLst>
   </p:cSld>
@@ -1094,7 +1439,7 @@
       </p:grpSpPr>
       <p:sp>
         <p:nvSpPr>
-          <p:cNvPr id="2" name="Title 1"/>
+          <p:cNvPr id="8" name="Title 7"/>
           <p:cNvSpPr>
             <a:spLocks noGrp="1"/>
           </p:cNvSpPr>
@@ -1102,7 +1447,12 @@
             <p:ph type="title"/>
           </p:nvPr>
         </p:nvSpPr>
-        <p:spPr/>
+        <p:spPr>
+          <a:xfrm>
+            <a:off x="1097280" y="286603"/>
+            <a:ext cx="10058400" cy="1450757"/>
+          </a:xfrm>
+        </p:spPr>
         <p:txBody>
           <a:bodyPr/>
           <a:lstStyle/>
@@ -1111,7 +1461,7 @@
               <a:rPr lang="en-US" smtClean="0"/>
               <a:t>Click to edit Master title style</a:t>
             </a:r>
-            <a:endParaRPr lang="en-IN"/>
+            <a:endParaRPr lang="en-US" dirty="0"/>
           </a:p>
         </p:txBody>
       </p:sp>
@@ -1127,8 +1477,8 @@
         </p:nvSpPr>
         <p:spPr>
           <a:xfrm>
-            <a:off x="838200" y="1825625"/>
-            <a:ext cx="5181600" cy="4351338"/>
+            <a:off x="1097279" y="1845734"/>
+            <a:ext cx="4937760" cy="4023360"/>
           </a:xfrm>
         </p:spPr>
         <p:txBody>
@@ -1168,7 +1518,7 @@
               <a:rPr lang="en-US" smtClean="0"/>
               <a:t>Fifth level</a:t>
             </a:r>
-            <a:endParaRPr lang="en-IN"/>
+            <a:endParaRPr lang="en-US" dirty="0"/>
           </a:p>
         </p:txBody>
       </p:sp>
@@ -1184,8 +1534,8 @@
         </p:nvSpPr>
         <p:spPr>
           <a:xfrm>
-            <a:off x="6172200" y="1825625"/>
-            <a:ext cx="5181600" cy="4351338"/>
+            <a:off x="6217920" y="1845735"/>
+            <a:ext cx="4937760" cy="4023360"/>
           </a:xfrm>
         </p:spPr>
         <p:txBody>
@@ -1225,7 +1575,7 @@
               <a:rPr lang="en-US" smtClean="0"/>
               <a:t>Fifth level</a:t>
             </a:r>
-            <a:endParaRPr lang="en-IN"/>
+            <a:endParaRPr lang="en-US" dirty="0"/>
           </a:p>
         </p:txBody>
       </p:sp>
@@ -1244,9 +1594,9 @@
           <a:bodyPr/>
           <a:lstStyle/>
           <a:p>
-            <a:fld id="{4301CC33-C1E3-43D5-954C-D3879CCC99B6}" type="datetimeFigureOut">
+            <a:fld id="{89423816-5A68-4C9F-82ED-FF89F03C3494}" type="datetimeFigureOut">
               <a:rPr lang="en-IN" smtClean="0"/>
-              <a:t>02-05-2022</a:t>
+              <a:t>08-05-2022</a:t>
             </a:fld>
             <a:endParaRPr lang="en-IN"/>
           </a:p>
@@ -1286,7 +1636,7 @@
           <a:bodyPr/>
           <a:lstStyle/>
           <a:p>
-            <a:fld id="{CB30A393-CD7A-45A1-9433-308CC08C211E}" type="slidenum">
+            <a:fld id="{28753ADB-4130-4D2A-A2EC-70E8F67882C9}" type="slidenum">
               <a:rPr lang="en-IN" smtClean="0"/>
               <a:t>‹#›</a:t>
             </a:fld>
@@ -1297,7 +1647,7 @@
     </p:spTree>
     <p:extLst>
       <p:ext uri="{BB962C8B-B14F-4D97-AF65-F5344CB8AC3E}">
-        <p14:creationId xmlns:p14="http://schemas.microsoft.com/office/powerpoint/2010/main" val="3139458306"/>
+        <p14:creationId xmlns:p14="http://schemas.microsoft.com/office/powerpoint/2010/main" val="3800384144"/>
       </p:ext>
     </p:extLst>
   </p:cSld>
@@ -1326,7 +1676,7 @@
       </p:grpSpPr>
       <p:sp>
         <p:nvSpPr>
-          <p:cNvPr id="2" name="Title 1"/>
+          <p:cNvPr id="10" name="Title 9"/>
           <p:cNvSpPr>
             <a:spLocks noGrp="1"/>
           </p:cNvSpPr>
@@ -1336,8 +1686,8 @@
         </p:nvSpPr>
         <p:spPr>
           <a:xfrm>
-            <a:off x="839788" y="365125"/>
-            <a:ext cx="10515600" cy="1325563"/>
+            <a:off x="1097280" y="286603"/>
+            <a:ext cx="10058400" cy="1450757"/>
           </a:xfrm>
         </p:spPr>
         <p:txBody>
@@ -1348,7 +1698,7 @@
               <a:rPr lang="en-US" smtClean="0"/>
               <a:t>Click to edit Master title style</a:t>
             </a:r>
-            <a:endParaRPr lang="en-IN"/>
+            <a:endParaRPr lang="en-US" dirty="0"/>
           </a:p>
         </p:txBody>
       </p:sp>
@@ -1364,16 +1714,22 @@
         </p:nvSpPr>
         <p:spPr>
           <a:xfrm>
-            <a:off x="839788" y="1681163"/>
-            <a:ext cx="5157787" cy="823912"/>
+            <a:off x="1097280" y="1846052"/>
+            <a:ext cx="4937760" cy="736282"/>
           </a:xfrm>
         </p:spPr>
         <p:txBody>
-          <a:bodyPr anchor="b"/>
+          <a:bodyPr lIns="91440" rIns="91440" anchor="ctr">
+            <a:normAutofit/>
+          </a:bodyPr>
           <a:lstStyle>
             <a:lvl1pPr marL="0" indent="0">
               <a:buNone/>
-              <a:defRPr sz="2400" b="1"/>
+              <a:defRPr sz="2000" b="0" cap="all" baseline="0">
+                <a:solidFill>
+                  <a:schemeClr val="tx2"/>
+                </a:solidFill>
+              </a:defRPr>
             </a:lvl1pPr>
             <a:lvl2pPr marL="457200" indent="0">
               <a:buNone/>
@@ -1429,8 +1785,8 @@
         </p:nvSpPr>
         <p:spPr>
           <a:xfrm>
-            <a:off x="839788" y="2505075"/>
-            <a:ext cx="5157787" cy="3684588"/>
+            <a:off x="1097280" y="2582334"/>
+            <a:ext cx="4937760" cy="3378200"/>
           </a:xfrm>
         </p:spPr>
         <p:txBody>
@@ -1470,7 +1826,7 @@
               <a:rPr lang="en-US" smtClean="0"/>
               <a:t>Fifth level</a:t>
             </a:r>
-            <a:endParaRPr lang="en-IN"/>
+            <a:endParaRPr lang="en-US" dirty="0"/>
           </a:p>
         </p:txBody>
       </p:sp>
@@ -1486,16 +1842,22 @@
         </p:nvSpPr>
         <p:spPr>
           <a:xfrm>
-            <a:off x="6172200" y="1681163"/>
-            <a:ext cx="5183188" cy="823912"/>
+            <a:off x="6217920" y="1846052"/>
+            <a:ext cx="4937760" cy="736282"/>
           </a:xfrm>
         </p:spPr>
         <p:txBody>
-          <a:bodyPr anchor="b"/>
+          <a:bodyPr lIns="91440" rIns="91440" anchor="ctr">
+            <a:normAutofit/>
+          </a:bodyPr>
           <a:lstStyle>
             <a:lvl1pPr marL="0" indent="0">
               <a:buNone/>
-              <a:defRPr sz="2400" b="1"/>
+              <a:defRPr sz="2000" b="0" cap="all" baseline="0">
+                <a:solidFill>
+                  <a:schemeClr val="tx2"/>
+                </a:solidFill>
+              </a:defRPr>
             </a:lvl1pPr>
             <a:lvl2pPr marL="457200" indent="0">
               <a:buNone/>
@@ -1551,8 +1913,8 @@
         </p:nvSpPr>
         <p:spPr>
           <a:xfrm>
-            <a:off x="6172200" y="2505075"/>
-            <a:ext cx="5183188" cy="3684588"/>
+            <a:off x="6217920" y="2582334"/>
+            <a:ext cx="4937760" cy="3378200"/>
           </a:xfrm>
         </p:spPr>
         <p:txBody>
@@ -1592,7 +1954,7 @@
               <a:rPr lang="en-US" smtClean="0"/>
               <a:t>Fifth level</a:t>
             </a:r>
-            <a:endParaRPr lang="en-IN"/>
+            <a:endParaRPr lang="en-US" dirty="0"/>
           </a:p>
         </p:txBody>
       </p:sp>
@@ -1611,9 +1973,9 @@
           <a:bodyPr/>
           <a:lstStyle/>
           <a:p>
-            <a:fld id="{4301CC33-C1E3-43D5-954C-D3879CCC99B6}" type="datetimeFigureOut">
+            <a:fld id="{89423816-5A68-4C9F-82ED-FF89F03C3494}" type="datetimeFigureOut">
               <a:rPr lang="en-IN" smtClean="0"/>
-              <a:t>02-05-2022</a:t>
+              <a:t>08-05-2022</a:t>
             </a:fld>
             <a:endParaRPr lang="en-IN"/>
           </a:p>
@@ -1653,7 +2015,7 @@
           <a:bodyPr/>
           <a:lstStyle/>
           <a:p>
-            <a:fld id="{CB30A393-CD7A-45A1-9433-308CC08C211E}" type="slidenum">
+            <a:fld id="{28753ADB-4130-4D2A-A2EC-70E8F67882C9}" type="slidenum">
               <a:rPr lang="en-IN" smtClean="0"/>
               <a:t>‹#›</a:t>
             </a:fld>
@@ -1664,7 +2026,7 @@
     </p:spTree>
     <p:extLst>
       <p:ext uri="{BB962C8B-B14F-4D97-AF65-F5344CB8AC3E}">
-        <p14:creationId xmlns:p14="http://schemas.microsoft.com/office/powerpoint/2010/main" val="3777369794"/>
+        <p14:creationId xmlns:p14="http://schemas.microsoft.com/office/powerpoint/2010/main" val="705766992"/>
       </p:ext>
     </p:extLst>
   </p:cSld>
@@ -1710,7 +2072,7 @@
               <a:rPr lang="en-US" smtClean="0"/>
               <a:t>Click to edit Master title style</a:t>
             </a:r>
-            <a:endParaRPr lang="en-IN"/>
+            <a:endParaRPr lang="en-US" dirty="0"/>
           </a:p>
         </p:txBody>
       </p:sp>
@@ -1729,9 +2091,9 @@
           <a:bodyPr/>
           <a:lstStyle/>
           <a:p>
-            <a:fld id="{4301CC33-C1E3-43D5-954C-D3879CCC99B6}" type="datetimeFigureOut">
+            <a:fld id="{89423816-5A68-4C9F-82ED-FF89F03C3494}" type="datetimeFigureOut">
               <a:rPr lang="en-IN" smtClean="0"/>
-              <a:t>02-05-2022</a:t>
+              <a:t>08-05-2022</a:t>
             </a:fld>
             <a:endParaRPr lang="en-IN"/>
           </a:p>
@@ -1771,7 +2133,7 @@
           <a:bodyPr/>
           <a:lstStyle/>
           <a:p>
-            <a:fld id="{CB30A393-CD7A-45A1-9433-308CC08C211E}" type="slidenum">
+            <a:fld id="{28753ADB-4130-4D2A-A2EC-70E8F67882C9}" type="slidenum">
               <a:rPr lang="en-IN" smtClean="0"/>
               <a:t>‹#›</a:t>
             </a:fld>
@@ -1782,7 +2144,7 @@
     </p:spTree>
     <p:extLst>
       <p:ext uri="{BB962C8B-B14F-4D97-AF65-F5344CB8AC3E}">
-        <p14:creationId xmlns:p14="http://schemas.microsoft.com/office/powerpoint/2010/main" val="3694406794"/>
+        <p14:creationId xmlns:p14="http://schemas.microsoft.com/office/powerpoint/2010/main" val="1132496146"/>
       </p:ext>
     </p:extLst>
   </p:cSld>
@@ -1793,7 +2155,7 @@
 </file>
 
 <file path=ppt/slideLayouts/slideLayout7.xml><?xml version="1.0" encoding="utf-8"?>
-<p:sldLayout xmlns:a="http://schemas.openxmlformats.org/drawingml/2006/main" xmlns:r="http://schemas.openxmlformats.org/officeDocument/2006/relationships" xmlns:p="http://schemas.openxmlformats.org/presentationml/2006/main" type="blank" preserve="1">
+<p:sldLayout xmlns:a="http://schemas.openxmlformats.org/drawingml/2006/main" xmlns:r="http://schemas.openxmlformats.org/officeDocument/2006/relationships" xmlns:p="http://schemas.openxmlformats.org/presentationml/2006/main" showMasterSp="0" type="blank" preserve="1">
   <p:cSld name="Blank">
     <p:spTree>
       <p:nvGrpSpPr>
@@ -1811,7 +2173,83 @@
       </p:grpSpPr>
       <p:sp>
         <p:nvSpPr>
-          <p:cNvPr id="2" name="Date Placeholder 1"/>
+          <p:cNvPr id="5" name="Rectangle 4"/>
+          <p:cNvSpPr/>
+          <p:nvPr/>
+        </p:nvSpPr>
+        <p:spPr>
+          <a:xfrm>
+            <a:off x="3175" y="6400800"/>
+            <a:ext cx="12188825" cy="457200"/>
+          </a:xfrm>
+          <a:prstGeom prst="rect">
+            <a:avLst/>
+          </a:prstGeom>
+          <a:solidFill>
+            <a:schemeClr val="accent2"/>
+          </a:solidFill>
+          <a:ln>
+            <a:noFill/>
+          </a:ln>
+        </p:spPr>
+        <p:style>
+          <a:lnRef idx="2">
+            <a:schemeClr val="accent1">
+              <a:shade val="50000"/>
+            </a:schemeClr>
+          </a:lnRef>
+          <a:fillRef idx="1">
+            <a:schemeClr val="accent1"/>
+          </a:fillRef>
+          <a:effectRef idx="0">
+            <a:schemeClr val="accent1"/>
+          </a:effectRef>
+          <a:fontRef idx="minor">
+            <a:schemeClr val="lt1"/>
+          </a:fontRef>
+        </p:style>
+      </p:sp>
+      <p:sp>
+        <p:nvSpPr>
+          <p:cNvPr id="6" name="Rectangle 5"/>
+          <p:cNvSpPr/>
+          <p:nvPr/>
+        </p:nvSpPr>
+        <p:spPr>
+          <a:xfrm>
+            <a:off x="15" y="6334316"/>
+            <a:ext cx="12188825" cy="64008"/>
+          </a:xfrm>
+          <a:prstGeom prst="rect">
+            <a:avLst/>
+          </a:prstGeom>
+          <a:solidFill>
+            <a:schemeClr val="accent1"/>
+          </a:solidFill>
+          <a:ln>
+            <a:noFill/>
+          </a:ln>
+        </p:spPr>
+        <p:style>
+          <a:lnRef idx="2">
+            <a:schemeClr val="accent1">
+              <a:shade val="50000"/>
+            </a:schemeClr>
+          </a:lnRef>
+          <a:fillRef idx="1">
+            <a:schemeClr val="accent1"/>
+          </a:fillRef>
+          <a:effectRef idx="0">
+            <a:schemeClr val="accent1"/>
+          </a:effectRef>
+          <a:fontRef idx="minor">
+            <a:schemeClr val="lt1"/>
+          </a:fontRef>
+        </p:style>
+      </p:sp>
+      <p:sp>
+        <p:nvSpPr>
+          <p:cNvPr id="7" name="Date Placeholder 6"/>
           <p:cNvSpPr>
             <a:spLocks noGrp="1"/>
           </p:cNvSpPr>
@@ -1824,9 +2262,9 @@
           <a:bodyPr/>
           <a:lstStyle/>
           <a:p>
-            <a:fld id="{4301CC33-C1E3-43D5-954C-D3879CCC99B6}" type="datetimeFigureOut">
+            <a:fld id="{89423816-5A68-4C9F-82ED-FF89F03C3494}" type="datetimeFigureOut">
               <a:rPr lang="en-IN" smtClean="0"/>
-              <a:t>02-05-2022</a:t>
+              <a:t>08-05-2022</a:t>
             </a:fld>
             <a:endParaRPr lang="en-IN"/>
           </a:p>
@@ -1834,7 +2272,7 @@
       </p:sp>
       <p:sp>
         <p:nvSpPr>
-          <p:cNvPr id="3" name="Footer Placeholder 2"/>
+          <p:cNvPr id="8" name="Footer Placeholder 7"/>
           <p:cNvSpPr>
             <a:spLocks noGrp="1"/>
           </p:cNvSpPr>
@@ -1845,7 +2283,15 @@
         <p:spPr/>
         <p:txBody>
           <a:bodyPr/>
-          <a:lstStyle/>
+          <a:lstStyle>
+            <a:lvl1pPr>
+              <a:defRPr>
+                <a:solidFill>
+                  <a:srgbClr val="FFFFFF"/>
+                </a:solidFill>
+              </a:defRPr>
+            </a:lvl1pPr>
+          </a:lstStyle>
           <a:p>
             <a:endParaRPr lang="en-IN"/>
           </a:p>
@@ -1853,7 +2299,7 @@
       </p:sp>
       <p:sp>
         <p:nvSpPr>
-          <p:cNvPr id="4" name="Slide Number Placeholder 3"/>
+          <p:cNvPr id="9" name="Slide Number Placeholder 8"/>
           <p:cNvSpPr>
             <a:spLocks noGrp="1"/>
           </p:cNvSpPr>
@@ -1866,7 +2312,7 @@
           <a:bodyPr/>
           <a:lstStyle/>
           <a:p>
-            <a:fld id="{CB30A393-CD7A-45A1-9433-308CC08C211E}" type="slidenum">
+            <a:fld id="{28753ADB-4130-4D2A-A2EC-70E8F67882C9}" type="slidenum">
               <a:rPr lang="en-IN" smtClean="0"/>
               <a:t>‹#›</a:t>
             </a:fld>
@@ -1877,7 +2323,7 @@
     </p:spTree>
     <p:extLst>
       <p:ext uri="{BB962C8B-B14F-4D97-AF65-F5344CB8AC3E}">
-        <p14:creationId xmlns:p14="http://schemas.microsoft.com/office/powerpoint/2010/main" val="3792721006"/>
+        <p14:creationId xmlns:p14="http://schemas.microsoft.com/office/powerpoint/2010/main" val="1911636070"/>
       </p:ext>
     </p:extLst>
   </p:cSld>
@@ -1888,7 +2334,7 @@
 </file>
 
 <file path=ppt/slideLayouts/slideLayout8.xml><?xml version="1.0" encoding="utf-8"?>
-<p:sldLayout xmlns:a="http://schemas.openxmlformats.org/drawingml/2006/main" xmlns:r="http://schemas.openxmlformats.org/officeDocument/2006/relationships" xmlns:p="http://schemas.openxmlformats.org/presentationml/2006/main" type="objTx" preserve="1">
+<p:sldLayout xmlns:a="http://schemas.openxmlformats.org/drawingml/2006/main" xmlns:r="http://schemas.openxmlformats.org/officeDocument/2006/relationships" xmlns:p="http://schemas.openxmlformats.org/presentationml/2006/main" showMasterSp="0" type="objTx" preserve="1">
   <p:cSld name="Content with Caption">
     <p:spTree>
       <p:nvGrpSpPr>
@@ -1906,6 +2352,82 @@
       </p:grpSpPr>
       <p:sp>
         <p:nvSpPr>
+          <p:cNvPr id="8" name="Rectangle 7"/>
+          <p:cNvSpPr/>
+          <p:nvPr/>
+        </p:nvSpPr>
+        <p:spPr>
+          <a:xfrm>
+            <a:off x="16" y="0"/>
+            <a:ext cx="4050791" cy="6858000"/>
+          </a:xfrm>
+          <a:prstGeom prst="rect">
+            <a:avLst/>
+          </a:prstGeom>
+          <a:solidFill>
+            <a:schemeClr val="accent2"/>
+          </a:solidFill>
+          <a:ln>
+            <a:noFill/>
+          </a:ln>
+        </p:spPr>
+        <p:style>
+          <a:lnRef idx="2">
+            <a:schemeClr val="accent1">
+              <a:shade val="50000"/>
+            </a:schemeClr>
+          </a:lnRef>
+          <a:fillRef idx="1">
+            <a:schemeClr val="accent1"/>
+          </a:fillRef>
+          <a:effectRef idx="0">
+            <a:schemeClr val="accent1"/>
+          </a:effectRef>
+          <a:fontRef idx="minor">
+            <a:schemeClr val="lt1"/>
+          </a:fontRef>
+        </p:style>
+      </p:sp>
+      <p:sp>
+        <p:nvSpPr>
+          <p:cNvPr id="9" name="Rectangle 8"/>
+          <p:cNvSpPr/>
+          <p:nvPr/>
+        </p:nvSpPr>
+        <p:spPr>
+          <a:xfrm>
+            <a:off x="4040071" y="0"/>
+            <a:ext cx="64008" cy="6858000"/>
+          </a:xfrm>
+          <a:prstGeom prst="rect">
+            <a:avLst/>
+          </a:prstGeom>
+          <a:solidFill>
+            <a:schemeClr val="accent1"/>
+          </a:solidFill>
+          <a:ln>
+            <a:noFill/>
+          </a:ln>
+        </p:spPr>
+        <p:style>
+          <a:lnRef idx="2">
+            <a:schemeClr val="accent1">
+              <a:shade val="50000"/>
+            </a:schemeClr>
+          </a:lnRef>
+          <a:fillRef idx="1">
+            <a:schemeClr val="accent1"/>
+          </a:fillRef>
+          <a:effectRef idx="0">
+            <a:schemeClr val="accent1"/>
+          </a:effectRef>
+          <a:fontRef idx="minor">
+            <a:schemeClr val="lt1"/>
+          </a:fontRef>
+        </p:style>
+      </p:sp>
+      <p:sp>
+        <p:nvSpPr>
           <p:cNvPr id="2" name="Title 1"/>
           <p:cNvSpPr>
             <a:spLocks noGrp="1"/>
@@ -1916,15 +2438,21 @@
         </p:nvSpPr>
         <p:spPr>
           <a:xfrm>
-            <a:off x="839788" y="457200"/>
-            <a:ext cx="3932237" cy="1600200"/>
+            <a:off x="457200" y="594359"/>
+            <a:ext cx="3200400" cy="2286000"/>
           </a:xfrm>
         </p:spPr>
         <p:txBody>
-          <a:bodyPr anchor="b"/>
+          <a:bodyPr anchor="b">
+            <a:normAutofit/>
+          </a:bodyPr>
           <a:lstStyle>
             <a:lvl1pPr>
-              <a:defRPr sz="3200"/>
+              <a:defRPr sz="3600" b="0">
+                <a:solidFill>
+                  <a:srgbClr val="FFFFFF"/>
+                </a:solidFill>
+              </a:defRPr>
             </a:lvl1pPr>
           </a:lstStyle>
           <a:p>
@@ -1932,7 +2460,7 @@
               <a:rPr lang="en-US" smtClean="0"/>
               <a:t>Click to edit Master title style</a:t>
             </a:r>
-            <a:endParaRPr lang="en-IN"/>
+            <a:endParaRPr lang="en-US" dirty="0"/>
           </a:p>
         </p:txBody>
       </p:sp>
@@ -1948,41 +2476,13 @@
         </p:nvSpPr>
         <p:spPr>
           <a:xfrm>
-            <a:off x="5183188" y="987425"/>
-            <a:ext cx="6172200" cy="4873625"/>
+            <a:off x="4800600" y="731520"/>
+            <a:ext cx="6492240" cy="5257800"/>
           </a:xfrm>
         </p:spPr>
         <p:txBody>
           <a:bodyPr/>
-          <a:lstStyle>
-            <a:lvl1pPr>
-              <a:defRPr sz="3200"/>
-            </a:lvl1pPr>
-            <a:lvl2pPr>
-              <a:defRPr sz="2800"/>
-            </a:lvl2pPr>
-            <a:lvl3pPr>
-              <a:defRPr sz="2400"/>
-            </a:lvl3pPr>
-            <a:lvl4pPr>
-              <a:defRPr sz="2000"/>
-            </a:lvl4pPr>
-            <a:lvl5pPr>
-              <a:defRPr sz="2000"/>
-            </a:lvl5pPr>
-            <a:lvl6pPr>
-              <a:defRPr sz="2000"/>
-            </a:lvl6pPr>
-            <a:lvl7pPr>
-              <a:defRPr sz="2000"/>
-            </a:lvl7pPr>
-            <a:lvl8pPr>
-              <a:defRPr sz="2000"/>
-            </a:lvl8pPr>
-            <a:lvl9pPr>
-              <a:defRPr sz="2000"/>
-            </a:lvl9pPr>
-          </a:lstStyle>
+          <a:lstStyle/>
           <a:p>
             <a:pPr lvl="0"/>
             <a:r>
@@ -2017,7 +2517,7 @@
               <a:rPr lang="en-US" smtClean="0"/>
               <a:t>Fifth level</a:t>
             </a:r>
-            <a:endParaRPr lang="en-IN"/>
+            <a:endParaRPr lang="en-US" dirty="0"/>
           </a:p>
         </p:txBody>
       </p:sp>
@@ -2033,48 +2533,54 @@
         </p:nvSpPr>
         <p:spPr>
           <a:xfrm>
-            <a:off x="839788" y="2057400"/>
-            <a:ext cx="3932237" cy="3811588"/>
+            <a:off x="457200" y="2926080"/>
+            <a:ext cx="3200400" cy="3379124"/>
           </a:xfrm>
         </p:spPr>
         <p:txBody>
-          <a:bodyPr/>
+          <a:bodyPr lIns="91440" rIns="91440">
+            <a:normAutofit/>
+          </a:bodyPr>
           <a:lstStyle>
             <a:lvl1pPr marL="0" indent="0">
               <a:buNone/>
-              <a:defRPr sz="1600"/>
+              <a:defRPr sz="1500">
+                <a:solidFill>
+                  <a:srgbClr val="FFFFFF"/>
+                </a:solidFill>
+              </a:defRPr>
             </a:lvl1pPr>
             <a:lvl2pPr marL="457200" indent="0">
               <a:buNone/>
-              <a:defRPr sz="1400"/>
+              <a:defRPr sz="1200"/>
             </a:lvl2pPr>
             <a:lvl3pPr marL="914400" indent="0">
               <a:buNone/>
-              <a:defRPr sz="1200"/>
+              <a:defRPr sz="1000"/>
             </a:lvl3pPr>
             <a:lvl4pPr marL="1371600" indent="0">
               <a:buNone/>
-              <a:defRPr sz="1000"/>
+              <a:defRPr sz="900"/>
             </a:lvl4pPr>
             <a:lvl5pPr marL="1828800" indent="0">
               <a:buNone/>
-              <a:defRPr sz="1000"/>
+              <a:defRPr sz="900"/>
             </a:lvl5pPr>
             <a:lvl6pPr marL="2286000" indent="0">
               <a:buNone/>
-              <a:defRPr sz="1000"/>
+              <a:defRPr sz="900"/>
             </a:lvl6pPr>
             <a:lvl7pPr marL="2743200" indent="0">
               <a:buNone/>
-              <a:defRPr sz="1000"/>
+              <a:defRPr sz="900"/>
             </a:lvl7pPr>
             <a:lvl8pPr marL="3200400" indent="0">
               <a:buNone/>
-              <a:defRPr sz="1000"/>
+              <a:defRPr sz="900"/>
             </a:lvl8pPr>
             <a:lvl9pPr marL="3657600" indent="0">
               <a:buNone/>
-              <a:defRPr sz="1000"/>
+              <a:defRPr sz="900"/>
             </a:lvl9pPr>
           </a:lstStyle>
           <a:p>
@@ -2096,14 +2602,23 @@
             <p:ph type="dt" sz="half" idx="10"/>
           </p:nvPr>
         </p:nvSpPr>
-        <p:spPr/>
+        <p:spPr>
+          <a:xfrm>
+            <a:off x="465512" y="6459785"/>
+            <a:ext cx="2618510" cy="365125"/>
+          </a:xfrm>
+        </p:spPr>
         <p:txBody>
           <a:bodyPr/>
-          <a:lstStyle/>
-          <a:p>
-            <a:fld id="{4301CC33-C1E3-43D5-954C-D3879CCC99B6}" type="datetimeFigureOut">
+          <a:lstStyle>
+            <a:lvl1pPr algn="l">
+              <a:defRPr/>
+            </a:lvl1pPr>
+          </a:lstStyle>
+          <a:p>
+            <a:fld id="{89423816-5A68-4C9F-82ED-FF89F03C3494}" type="datetimeFigureOut">
               <a:rPr lang="en-IN" smtClean="0"/>
-              <a:t>02-05-2022</a:t>
+              <a:t>08-05-2022</a:t>
             </a:fld>
             <a:endParaRPr lang="en-IN"/>
           </a:p>
@@ -2119,10 +2634,23 @@
             <p:ph type="ftr" sz="quarter" idx="11"/>
           </p:nvPr>
         </p:nvSpPr>
-        <p:spPr/>
+        <p:spPr>
+          <a:xfrm>
+            <a:off x="4800600" y="6459785"/>
+            <a:ext cx="4648200" cy="365125"/>
+          </a:xfrm>
+        </p:spPr>
         <p:txBody>
           <a:bodyPr/>
-          <a:lstStyle/>
+          <a:lstStyle>
+            <a:lvl1pPr algn="l">
+              <a:defRPr>
+                <a:solidFill>
+                  <a:schemeClr val="tx2"/>
+                </a:solidFill>
+              </a:defRPr>
+            </a:lvl1pPr>
+          </a:lstStyle>
           <a:p>
             <a:endParaRPr lang="en-IN"/>
           </a:p>
@@ -2141,9 +2669,17 @@
         <p:spPr/>
         <p:txBody>
           <a:bodyPr/>
-          <a:lstStyle/>
-          <a:p>
-            <a:fld id="{CB30A393-CD7A-45A1-9433-308CC08C211E}" type="slidenum">
+          <a:lstStyle>
+            <a:lvl1pPr>
+              <a:defRPr>
+                <a:solidFill>
+                  <a:schemeClr val="tx2"/>
+                </a:solidFill>
+              </a:defRPr>
+            </a:lvl1pPr>
+          </a:lstStyle>
+          <a:p>
+            <a:fld id="{28753ADB-4130-4D2A-A2EC-70E8F67882C9}" type="slidenum">
               <a:rPr lang="en-IN" smtClean="0"/>
               <a:t>‹#›</a:t>
             </a:fld>
@@ -2154,7 +2690,7 @@
     </p:spTree>
     <p:extLst>
       <p:ext uri="{BB962C8B-B14F-4D97-AF65-F5344CB8AC3E}">
-        <p14:creationId xmlns:p14="http://schemas.microsoft.com/office/powerpoint/2010/main" val="3556587331"/>
+        <p14:creationId xmlns:p14="http://schemas.microsoft.com/office/powerpoint/2010/main" val="2672239394"/>
       </p:ext>
     </p:extLst>
   </p:cSld>
@@ -2165,7 +2701,7 @@
 </file>
 
 <file path=ppt/slideLayouts/slideLayout9.xml><?xml version="1.0" encoding="utf-8"?>
-<p:sldLayout xmlns:a="http://schemas.openxmlformats.org/drawingml/2006/main" xmlns:r="http://schemas.openxmlformats.org/officeDocument/2006/relationships" xmlns:p="http://schemas.openxmlformats.org/presentationml/2006/main" type="picTx" preserve="1">
+<p:sldLayout xmlns:a="http://schemas.openxmlformats.org/drawingml/2006/main" xmlns:r="http://schemas.openxmlformats.org/officeDocument/2006/relationships" xmlns:p="http://schemas.openxmlformats.org/presentationml/2006/main" showMasterSp="0" type="picTx" preserve="1">
   <p:cSld name="Picture with Caption">
     <p:spTree>
       <p:nvGrpSpPr>
@@ -2183,6 +2719,82 @@
       </p:grpSpPr>
       <p:sp>
         <p:nvSpPr>
+          <p:cNvPr id="8" name="Rectangle 7"/>
+          <p:cNvSpPr/>
+          <p:nvPr/>
+        </p:nvSpPr>
+        <p:spPr>
+          <a:xfrm>
+            <a:off x="0" y="4953000"/>
+            <a:ext cx="12188825" cy="1905000"/>
+          </a:xfrm>
+          <a:prstGeom prst="rect">
+            <a:avLst/>
+          </a:prstGeom>
+          <a:solidFill>
+            <a:schemeClr val="accent2"/>
+          </a:solidFill>
+          <a:ln>
+            <a:noFill/>
+          </a:ln>
+        </p:spPr>
+        <p:style>
+          <a:lnRef idx="2">
+            <a:schemeClr val="accent1">
+              <a:shade val="50000"/>
+            </a:schemeClr>
+          </a:lnRef>
+          <a:fillRef idx="1">
+            <a:schemeClr val="accent1"/>
+          </a:fillRef>
+          <a:effectRef idx="0">
+            <a:schemeClr val="accent1"/>
+          </a:effectRef>
+          <a:fontRef idx="minor">
+            <a:schemeClr val="lt1"/>
+          </a:fontRef>
+        </p:style>
+      </p:sp>
+      <p:sp>
+        <p:nvSpPr>
+          <p:cNvPr id="9" name="Rectangle 8"/>
+          <p:cNvSpPr/>
+          <p:nvPr/>
+        </p:nvSpPr>
+        <p:spPr>
+          <a:xfrm>
+            <a:off x="15" y="4915076"/>
+            <a:ext cx="12188825" cy="64008"/>
+          </a:xfrm>
+          <a:prstGeom prst="rect">
+            <a:avLst/>
+          </a:prstGeom>
+          <a:solidFill>
+            <a:schemeClr val="accent1"/>
+          </a:solidFill>
+          <a:ln>
+            <a:noFill/>
+          </a:ln>
+        </p:spPr>
+        <p:style>
+          <a:lnRef idx="2">
+            <a:schemeClr val="accent1">
+              <a:shade val="50000"/>
+            </a:schemeClr>
+          </a:lnRef>
+          <a:fillRef idx="1">
+            <a:schemeClr val="accent1"/>
+          </a:fillRef>
+          <a:effectRef idx="0">
+            <a:schemeClr val="accent1"/>
+          </a:effectRef>
+          <a:fontRef idx="minor">
+            <a:schemeClr val="lt1"/>
+          </a:fontRef>
+        </p:style>
+      </p:sp>
+      <p:sp>
+        <p:nvSpPr>
           <p:cNvPr id="2" name="Title 1"/>
           <p:cNvSpPr>
             <a:spLocks noGrp="1"/>
@@ -2193,15 +2805,21 @@
         </p:nvSpPr>
         <p:spPr>
           <a:xfrm>
-            <a:off x="839788" y="457200"/>
-            <a:ext cx="3932237" cy="1600200"/>
+            <a:off x="1097280" y="5074920"/>
+            <a:ext cx="10113264" cy="822960"/>
           </a:xfrm>
         </p:spPr>
         <p:txBody>
-          <a:bodyPr anchor="b"/>
+          <a:bodyPr lIns="91440" tIns="0" rIns="91440" bIns="0" anchor="b">
+            <a:noAutofit/>
+          </a:bodyPr>
           <a:lstStyle>
             <a:lvl1pPr>
-              <a:defRPr sz="3200"/>
+              <a:defRPr sz="3600" b="0">
+                <a:solidFill>
+                  <a:srgbClr val="FFFFFF"/>
+                </a:solidFill>
+              </a:defRPr>
             </a:lvl1pPr>
           </a:lstStyle>
           <a:p>
@@ -2209,7 +2827,7 @@
               <a:rPr lang="en-US" smtClean="0"/>
               <a:t>Click to edit Master title style</a:t>
             </a:r>
-            <a:endParaRPr lang="en-IN"/>
+            <a:endParaRPr lang="en-US" dirty="0"/>
           </a:p>
         </p:txBody>
       </p:sp>
@@ -2217,7 +2835,7 @@
         <p:nvSpPr>
           <p:cNvPr id="3" name="Picture Placeholder 2"/>
           <p:cNvSpPr>
-            <a:spLocks noGrp="1"/>
+            <a:spLocks noGrp="1" noChangeAspect="1"/>
           </p:cNvSpPr>
           <p:nvPr>
             <p:ph type="pic" idx="1"/>
@@ -2225,16 +2843,26 @@
         </p:nvSpPr>
         <p:spPr>
           <a:xfrm>
-            <a:off x="5183188" y="987425"/>
-            <a:ext cx="6172200" cy="4873625"/>
+            <a:off x="15" y="0"/>
+            <a:ext cx="12191985" cy="4915076"/>
           </a:xfrm>
+          <a:blipFill>
+            <a:blip r:embed="rId2"/>
+            <a:stretch>
+              <a:fillRect/>
+            </a:stretch>
+          </a:blipFill>
         </p:spPr>
         <p:txBody>
-          <a:bodyPr/>
+          <a:bodyPr lIns="457200" tIns="457200" anchor="t"/>
           <a:lstStyle>
             <a:lvl1pPr marL="0" indent="0">
               <a:buNone/>
-              <a:defRPr sz="3200"/>
+              <a:defRPr sz="3200">
+                <a:solidFill>
+                  <a:schemeClr val="bg1"/>
+                </a:solidFill>
+              </a:defRPr>
             </a:lvl1pPr>
             <a:lvl2pPr marL="457200" indent="0">
               <a:buNone/>
@@ -2270,7 +2898,11 @@
             </a:lvl9pPr>
           </a:lstStyle>
           <a:p>
-            <a:endParaRPr lang="en-IN"/>
+            <a:r>
+              <a:rPr lang="en-US" smtClean="0"/>
+              <a:t>Click icon to add picture</a:t>
+            </a:r>
+            <a:endParaRPr lang="en-US" dirty="0"/>
           </a:p>
         </p:txBody>
       </p:sp>
@@ -2286,48 +2918,60 @@
         </p:nvSpPr>
         <p:spPr>
           <a:xfrm>
-            <a:off x="839788" y="2057400"/>
-            <a:ext cx="3932237" cy="3811588"/>
+            <a:off x="1097280" y="5907023"/>
+            <a:ext cx="10113264" cy="594360"/>
           </a:xfrm>
         </p:spPr>
         <p:txBody>
-          <a:bodyPr/>
+          <a:bodyPr lIns="91440" tIns="0" rIns="91440" bIns="0">
+            <a:normAutofit/>
+          </a:bodyPr>
           <a:lstStyle>
             <a:lvl1pPr marL="0" indent="0">
+              <a:spcBef>
+                <a:spcPts val="0"/>
+              </a:spcBef>
+              <a:spcAft>
+                <a:spcPts val="600"/>
+              </a:spcAft>
               <a:buNone/>
-              <a:defRPr sz="1600"/>
+              <a:defRPr sz="1500">
+                <a:solidFill>
+                  <a:srgbClr val="FFFFFF"/>
+                </a:solidFill>
+              </a:defRPr>
             </a:lvl1pPr>
             <a:lvl2pPr marL="457200" indent="0">
               <a:buNone/>
-              <a:defRPr sz="1400"/>
+              <a:defRPr sz="1200"/>
             </a:lvl2pPr>
             <a:lvl3pPr marL="914400" indent="0">
               <a:buNone/>
-              <a:defRPr sz="1200"/>
+              <a:defRPr sz="1000"/>
             </a:lvl3pPr>
             <a:lvl4pPr marL="1371600" indent="0">
               <a:buNone/>
-              <a:defRPr sz="1000"/>
+              <a:defRPr sz="900"/>
             </a:lvl4pPr>
             <a:lvl5pPr marL="1828800" indent="0">
               <a:buNone/>
-              <a:defRPr sz="1000"/>
+              <a:defRPr sz="900"/>
             </a:lvl5pPr>
             <a:lvl6pPr marL="2286000" indent="0">
               <a:buNone/>
-              <a:defRPr sz="1000"/>
+              <a:defRPr sz="900"/>
             </a:lvl6pPr>
             <a:lvl7pPr marL="2743200" indent="0">
               <a:buNone/>
-              <a:defRPr sz="1000"/>
+              <a:defRPr sz="900"/>
             </a:lvl7pPr>
             <a:lvl8pPr marL="3200400" indent="0">
               <a:buNone/>
-              <a:defRPr sz="1000"/>
+              <a:defRPr sz="900"/>
             </a:lvl8pPr>
             <a:lvl9pPr marL="3657600" indent="0">
               <a:buNone/>
-              <a:defRPr sz="1000"/>
+              <a:defRPr sz="900"/>
             </a:lvl9pPr>
           </a:lstStyle>
           <a:p>
@@ -2354,9 +2998,9 @@
           <a:bodyPr/>
           <a:lstStyle/>
           <a:p>
-            <a:fld id="{4301CC33-C1E3-43D5-954C-D3879CCC99B6}" type="datetimeFigureOut">
+            <a:fld id="{89423816-5A68-4C9F-82ED-FF89F03C3494}" type="datetimeFigureOut">
               <a:rPr lang="en-IN" smtClean="0"/>
-              <a:t>02-05-2022</a:t>
+              <a:t>08-05-2022</a:t>
             </a:fld>
             <a:endParaRPr lang="en-IN"/>
           </a:p>
@@ -2396,7 +3040,7 @@
           <a:bodyPr/>
           <a:lstStyle/>
           <a:p>
-            <a:fld id="{CB30A393-CD7A-45A1-9433-308CC08C211E}" type="slidenum">
+            <a:fld id="{28753ADB-4130-4D2A-A2EC-70E8F67882C9}" type="slidenum">
               <a:rPr lang="en-IN" smtClean="0"/>
               <a:t>‹#›</a:t>
             </a:fld>
@@ -2407,7 +3051,7 @@
     </p:spTree>
     <p:extLst>
       <p:ext uri="{BB962C8B-B14F-4D97-AF65-F5344CB8AC3E}">
-        <p14:creationId xmlns:p14="http://schemas.microsoft.com/office/powerpoint/2010/main" val="2736573313"/>
+        <p14:creationId xmlns:p14="http://schemas.microsoft.com/office/powerpoint/2010/main" val="2237881435"/>
       </p:ext>
     </p:extLst>
   </p:cSld>
@@ -2441,6 +3085,82 @@
       </p:grpSpPr>
       <p:sp>
         <p:nvSpPr>
+          <p:cNvPr id="7" name="Rectangle 6"/>
+          <p:cNvSpPr/>
+          <p:nvPr/>
+        </p:nvSpPr>
+        <p:spPr>
+          <a:xfrm>
+            <a:off x="1" y="6400800"/>
+            <a:ext cx="12192000" cy="457200"/>
+          </a:xfrm>
+          <a:prstGeom prst="rect">
+            <a:avLst/>
+          </a:prstGeom>
+          <a:solidFill>
+            <a:schemeClr val="accent2"/>
+          </a:solidFill>
+          <a:ln>
+            <a:noFill/>
+          </a:ln>
+        </p:spPr>
+        <p:style>
+          <a:lnRef idx="2">
+            <a:schemeClr val="accent1">
+              <a:shade val="50000"/>
+            </a:schemeClr>
+          </a:lnRef>
+          <a:fillRef idx="1">
+            <a:schemeClr val="accent1"/>
+          </a:fillRef>
+          <a:effectRef idx="0">
+            <a:schemeClr val="accent1"/>
+          </a:effectRef>
+          <a:fontRef idx="minor">
+            <a:schemeClr val="lt1"/>
+          </a:fontRef>
+        </p:style>
+      </p:sp>
+      <p:sp>
+        <p:nvSpPr>
+          <p:cNvPr id="9" name="Rectangle 8"/>
+          <p:cNvSpPr/>
+          <p:nvPr/>
+        </p:nvSpPr>
+        <p:spPr>
+          <a:xfrm>
+            <a:off x="0" y="6334316"/>
+            <a:ext cx="12192001" cy="65998"/>
+          </a:xfrm>
+          <a:prstGeom prst="rect">
+            <a:avLst/>
+          </a:prstGeom>
+          <a:solidFill>
+            <a:schemeClr val="accent1"/>
+          </a:solidFill>
+          <a:ln>
+            <a:noFill/>
+          </a:ln>
+        </p:spPr>
+        <p:style>
+          <a:lnRef idx="2">
+            <a:schemeClr val="accent1">
+              <a:shade val="50000"/>
+            </a:schemeClr>
+          </a:lnRef>
+          <a:fillRef idx="1">
+            <a:schemeClr val="accent1"/>
+          </a:fillRef>
+          <a:effectRef idx="0">
+            <a:schemeClr val="accent1"/>
+          </a:effectRef>
+          <a:fontRef idx="minor">
+            <a:schemeClr val="lt1"/>
+          </a:fontRef>
+        </p:style>
+      </p:sp>
+      <p:sp>
+        <p:nvSpPr>
           <p:cNvPr id="2" name="Title Placeholder 1"/>
           <p:cNvSpPr>
             <a:spLocks noGrp="1"/>
@@ -2451,15 +3171,15 @@
         </p:nvSpPr>
         <p:spPr>
           <a:xfrm>
-            <a:off x="838200" y="365125"/>
-            <a:ext cx="10515600" cy="1325563"/>
+            <a:off x="1097280" y="286603"/>
+            <a:ext cx="10058400" cy="1450757"/>
           </a:xfrm>
           <a:prstGeom prst="rect">
             <a:avLst/>
           </a:prstGeom>
         </p:spPr>
         <p:txBody>
-          <a:bodyPr vert="horz" lIns="91440" tIns="45720" rIns="91440" bIns="45720" rtlCol="0" anchor="ctr">
+          <a:bodyPr vert="horz" lIns="91440" tIns="45720" rIns="91440" bIns="45720" rtlCol="0" anchor="b">
             <a:normAutofit/>
           </a:bodyPr>
           <a:lstStyle/>
@@ -2468,7 +3188,7 @@
               <a:rPr lang="en-US" smtClean="0"/>
               <a:t>Click to edit Master title style</a:t>
             </a:r>
-            <a:endParaRPr lang="en-IN"/>
+            <a:endParaRPr lang="en-US" dirty="0"/>
           </a:p>
         </p:txBody>
       </p:sp>
@@ -2484,15 +3204,15 @@
         </p:nvSpPr>
         <p:spPr>
           <a:xfrm>
-            <a:off x="838200" y="1825625"/>
-            <a:ext cx="10515600" cy="4351338"/>
+            <a:off x="1097280" y="1845734"/>
+            <a:ext cx="10058400" cy="4023360"/>
           </a:xfrm>
           <a:prstGeom prst="rect">
             <a:avLst/>
           </a:prstGeom>
         </p:spPr>
         <p:txBody>
-          <a:bodyPr vert="horz" lIns="91440" tIns="45720" rIns="91440" bIns="45720" rtlCol="0">
+          <a:bodyPr vert="horz" lIns="0" tIns="45720" rIns="0" bIns="45720" rtlCol="0">
             <a:normAutofit/>
           </a:bodyPr>
           <a:lstStyle/>
@@ -2530,7 +3250,7 @@
               <a:rPr lang="en-US" smtClean="0"/>
               <a:t>Fifth level</a:t>
             </a:r>
-            <a:endParaRPr lang="en-IN"/>
+            <a:endParaRPr lang="en-US" dirty="0"/>
           </a:p>
         </p:txBody>
       </p:sp>
@@ -2546,8 +3266,8 @@
         </p:nvSpPr>
         <p:spPr>
           <a:xfrm>
-            <a:off x="838200" y="6356350"/>
-            <a:ext cx="2743200" cy="365125"/>
+            <a:off x="1097280" y="6459785"/>
+            <a:ext cx="2472271" cy="365125"/>
           </a:xfrm>
           <a:prstGeom prst="rect">
             <a:avLst/>
@@ -2557,19 +3277,17 @@
           <a:bodyPr vert="horz" lIns="91440" tIns="45720" rIns="91440" bIns="45720" rtlCol="0" anchor="ctr"/>
           <a:lstStyle>
             <a:lvl1pPr algn="l">
-              <a:defRPr sz="1200">
+              <a:defRPr sz="900">
                 <a:solidFill>
-                  <a:schemeClr val="tx1">
-                    <a:tint val="75000"/>
-                  </a:schemeClr>
+                  <a:srgbClr val="FFFFFF"/>
                 </a:solidFill>
               </a:defRPr>
             </a:lvl1pPr>
           </a:lstStyle>
           <a:p>
-            <a:fld id="{4301CC33-C1E3-43D5-954C-D3879CCC99B6}" type="datetimeFigureOut">
+            <a:fld id="{89423816-5A68-4C9F-82ED-FF89F03C3494}" type="datetimeFigureOut">
               <a:rPr lang="en-IN" smtClean="0"/>
-              <a:t>02-05-2022</a:t>
+              <a:t>08-05-2022</a:t>
             </a:fld>
             <a:endParaRPr lang="en-IN"/>
           </a:p>
@@ -2587,8 +3305,8 @@
         </p:nvSpPr>
         <p:spPr>
           <a:xfrm>
-            <a:off x="4038600" y="6356350"/>
-            <a:ext cx="4114800" cy="365125"/>
+            <a:off x="3686185" y="6459785"/>
+            <a:ext cx="4822804" cy="365125"/>
           </a:xfrm>
           <a:prstGeom prst="rect">
             <a:avLst/>
@@ -2598,11 +3316,9 @@
           <a:bodyPr vert="horz" lIns="91440" tIns="45720" rIns="91440" bIns="45720" rtlCol="0" anchor="ctr"/>
           <a:lstStyle>
             <a:lvl1pPr algn="ctr">
-              <a:defRPr sz="1200">
+              <a:defRPr sz="900" cap="all" baseline="0">
                 <a:solidFill>
-                  <a:schemeClr val="tx1">
-                    <a:tint val="75000"/>
-                  </a:schemeClr>
+                  <a:srgbClr val="FFFFFF"/>
                 </a:solidFill>
               </a:defRPr>
             </a:lvl1pPr>
@@ -2624,8 +3340,8 @@
         </p:nvSpPr>
         <p:spPr>
           <a:xfrm>
-            <a:off x="8610600" y="6356350"/>
-            <a:ext cx="2743200" cy="365125"/>
+            <a:off x="9900458" y="6459785"/>
+            <a:ext cx="1312025" cy="365125"/>
           </a:xfrm>
           <a:prstGeom prst="rect">
             <a:avLst/>
@@ -2635,17 +3351,15 @@
           <a:bodyPr vert="horz" lIns="91440" tIns="45720" rIns="91440" bIns="45720" rtlCol="0" anchor="ctr"/>
           <a:lstStyle>
             <a:lvl1pPr algn="r">
-              <a:defRPr sz="1200">
+              <a:defRPr sz="1050">
                 <a:solidFill>
-                  <a:schemeClr val="tx1">
-                    <a:tint val="75000"/>
-                  </a:schemeClr>
+                  <a:srgbClr val="FFFFFF"/>
                 </a:solidFill>
               </a:defRPr>
             </a:lvl1pPr>
           </a:lstStyle>
           <a:p>
-            <a:fld id="{CB30A393-CD7A-45A1-9433-308CC08C211E}" type="slidenum">
+            <a:fld id="{28753ADB-4130-4D2A-A2EC-70E8F67882C9}" type="slidenum">
               <a:rPr lang="en-IN" smtClean="0"/>
               <a:t>‹#›</a:t>
             </a:fld>
@@ -2653,40 +3367,81 @@
           </a:p>
         </p:txBody>
       </p:sp>
+      <p:cxnSp>
+        <p:nvCxnSpPr>
+          <p:cNvPr id="10" name="Straight Connector 9"/>
+          <p:cNvCxnSpPr/>
+          <p:nvPr/>
+        </p:nvCxnSpPr>
+        <p:spPr>
+          <a:xfrm>
+            <a:off x="1193532" y="1737845"/>
+            <a:ext cx="9966960" cy="0"/>
+          </a:xfrm>
+          <a:prstGeom prst="line">
+            <a:avLst/>
+          </a:prstGeom>
+          <a:ln w="6350">
+            <a:solidFill>
+              <a:schemeClr val="tx1">
+                <a:lumMod val="50000"/>
+                <a:lumOff val="50000"/>
+              </a:schemeClr>
+            </a:solidFill>
+          </a:ln>
+        </p:spPr>
+        <p:style>
+          <a:lnRef idx="1">
+            <a:schemeClr val="accent1"/>
+          </a:lnRef>
+          <a:fillRef idx="0">
+            <a:schemeClr val="accent1"/>
+          </a:fillRef>
+          <a:effectRef idx="0">
+            <a:schemeClr val="accent1"/>
+          </a:effectRef>
+          <a:fontRef idx="minor">
+            <a:schemeClr val="tx1"/>
+          </a:fontRef>
+        </p:style>
+      </p:cxnSp>
     </p:spTree>
     <p:extLst>
       <p:ext uri="{BB962C8B-B14F-4D97-AF65-F5344CB8AC3E}">
-        <p14:creationId xmlns:p14="http://schemas.microsoft.com/office/powerpoint/2010/main" val="3880799541"/>
+        <p14:creationId xmlns:p14="http://schemas.microsoft.com/office/powerpoint/2010/main" val="60287818"/>
       </p:ext>
     </p:extLst>
   </p:cSld>
   <p:clrMap bg1="lt1" tx1="dk1" bg2="lt2" tx2="dk2" accent1="accent1" accent2="accent2" accent3="accent3" accent4="accent4" accent5="accent5" accent6="accent6" hlink="hlink" folHlink="folHlink"/>
   <p:sldLayoutIdLst>
-    <p:sldLayoutId id="2147483649" r:id="rId1"/>
-    <p:sldLayoutId id="2147483650" r:id="rId2"/>
-    <p:sldLayoutId id="2147483651" r:id="rId3"/>
-    <p:sldLayoutId id="2147483652" r:id="rId4"/>
-    <p:sldLayoutId id="2147483653" r:id="rId5"/>
-    <p:sldLayoutId id="2147483654" r:id="rId6"/>
-    <p:sldLayoutId id="2147483655" r:id="rId7"/>
-    <p:sldLayoutId id="2147483656" r:id="rId8"/>
-    <p:sldLayoutId id="2147483657" r:id="rId9"/>
-    <p:sldLayoutId id="2147483658" r:id="rId10"/>
-    <p:sldLayoutId id="2147483659" r:id="rId11"/>
+    <p:sldLayoutId id="2147483661" r:id="rId1"/>
+    <p:sldLayoutId id="2147483662" r:id="rId2"/>
+    <p:sldLayoutId id="2147483663" r:id="rId3"/>
+    <p:sldLayoutId id="2147483664" r:id="rId4"/>
+    <p:sldLayoutId id="2147483665" r:id="rId5"/>
+    <p:sldLayoutId id="2147483666" r:id="rId6"/>
+    <p:sldLayoutId id="2147483667" r:id="rId7"/>
+    <p:sldLayoutId id="2147483668" r:id="rId8"/>
+    <p:sldLayoutId id="2147483669" r:id="rId9"/>
+    <p:sldLayoutId id="2147483670" r:id="rId10"/>
+    <p:sldLayoutId id="2147483671" r:id="rId11"/>
   </p:sldLayoutIdLst>
   <p:txStyles>
     <p:titleStyle>
       <a:lvl1pPr algn="l" defTabSz="914400" rtl="0" eaLnBrk="1" latinLnBrk="0" hangingPunct="1">
         <a:lnSpc>
-          <a:spcPct val="90000"/>
+          <a:spcPct val="85000"/>
         </a:lnSpc>
         <a:spcBef>
           <a:spcPct val="0"/>
         </a:spcBef>
         <a:buNone/>
-        <a:defRPr sz="4400" kern="1200">
+        <a:defRPr sz="4800" kern="1200" spc="-50" baseline="0">
           <a:solidFill>
-            <a:schemeClr val="tx1"/>
+            <a:schemeClr val="tx1">
+              <a:lumMod val="75000"/>
+              <a:lumOff val="25000"/>
+            </a:schemeClr>
           </a:solidFill>
           <a:latin typeface="+mj-lt"/>
           <a:ea typeface="+mj-ea"/>
@@ -2695,162 +3450,244 @@
       </a:lvl1pPr>
     </p:titleStyle>
     <p:bodyStyle>
-      <a:lvl1pPr marL="228600" indent="-228600" algn="l" defTabSz="914400" rtl="0" eaLnBrk="1" latinLnBrk="0" hangingPunct="1">
+      <a:lvl1pPr marL="91440" indent="-91440" algn="l" defTabSz="914400" rtl="0" eaLnBrk="1" latinLnBrk="0" hangingPunct="1">
         <a:lnSpc>
           <a:spcPct val="90000"/>
         </a:lnSpc>
         <a:spcBef>
-          <a:spcPts val="1000"/>
+          <a:spcPts val="1200"/>
         </a:spcBef>
-        <a:buFont typeface="Arial" panose="020B0604020202020204" pitchFamily="34" charset="0"/>
-        <a:buChar char="•"/>
-        <a:defRPr sz="2800" kern="1200">
+        <a:spcAft>
+          <a:spcPts val="200"/>
+        </a:spcAft>
+        <a:buClr>
+          <a:schemeClr val="accent1"/>
+        </a:buClr>
+        <a:buSzPct val="100000"/>
+        <a:buFont typeface="Calibri" panose="020F0502020204030204" pitchFamily="34" charset="0"/>
+        <a:buChar char=" "/>
+        <a:defRPr sz="2000" kern="1200">
           <a:solidFill>
-            <a:schemeClr val="tx1"/>
+            <a:schemeClr val="tx1">
+              <a:lumMod val="75000"/>
+              <a:lumOff val="25000"/>
+            </a:schemeClr>
           </a:solidFill>
           <a:latin typeface="+mn-lt"/>
           <a:ea typeface="+mn-ea"/>
           <a:cs typeface="+mn-cs"/>
         </a:defRPr>
       </a:lvl1pPr>
-      <a:lvl2pPr marL="685800" indent="-228600" algn="l" defTabSz="914400" rtl="0" eaLnBrk="1" latinLnBrk="0" hangingPunct="1">
+      <a:lvl2pPr marL="384048" indent="-182880" algn="l" defTabSz="914400" rtl="0" eaLnBrk="1" latinLnBrk="0" hangingPunct="1">
         <a:lnSpc>
           <a:spcPct val="90000"/>
         </a:lnSpc>
         <a:spcBef>
-          <a:spcPts val="500"/>
+          <a:spcPts val="200"/>
         </a:spcBef>
-        <a:buFont typeface="Arial" panose="020B0604020202020204" pitchFamily="34" charset="0"/>
-        <a:buChar char="•"/>
-        <a:defRPr sz="2400" kern="1200">
+        <a:spcAft>
+          <a:spcPts val="400"/>
+        </a:spcAft>
+        <a:buClr>
+          <a:schemeClr val="accent1"/>
+        </a:buClr>
+        <a:buFont typeface="Calibri" pitchFamily="34" charset="0"/>
+        <a:buChar char="◦"/>
+        <a:defRPr sz="1800" kern="1200">
           <a:solidFill>
-            <a:schemeClr val="tx1"/>
+            <a:schemeClr val="tx1">
+              <a:lumMod val="75000"/>
+              <a:lumOff val="25000"/>
+            </a:schemeClr>
           </a:solidFill>
           <a:latin typeface="+mn-lt"/>
           <a:ea typeface="+mn-ea"/>
           <a:cs typeface="+mn-cs"/>
         </a:defRPr>
       </a:lvl2pPr>
-      <a:lvl3pPr marL="1143000" indent="-228600" algn="l" defTabSz="914400" rtl="0" eaLnBrk="1" latinLnBrk="0" hangingPunct="1">
+      <a:lvl3pPr marL="566928" indent="-182880" algn="l" defTabSz="914400" rtl="0" eaLnBrk="1" latinLnBrk="0" hangingPunct="1">
         <a:lnSpc>
           <a:spcPct val="90000"/>
         </a:lnSpc>
         <a:spcBef>
-          <a:spcPts val="500"/>
+          <a:spcPts val="200"/>
         </a:spcBef>
-        <a:buFont typeface="Arial" panose="020B0604020202020204" pitchFamily="34" charset="0"/>
-        <a:buChar char="•"/>
-        <a:defRPr sz="2000" kern="1200">
+        <a:spcAft>
+          <a:spcPts val="400"/>
+        </a:spcAft>
+        <a:buClr>
+          <a:schemeClr val="accent1"/>
+        </a:buClr>
+        <a:buFont typeface="Calibri" pitchFamily="34" charset="0"/>
+        <a:buChar char="◦"/>
+        <a:defRPr sz="1400" kern="1200">
           <a:solidFill>
-            <a:schemeClr val="tx1"/>
+            <a:schemeClr val="tx1">
+              <a:lumMod val="75000"/>
+              <a:lumOff val="25000"/>
+            </a:schemeClr>
           </a:solidFill>
           <a:latin typeface="+mn-lt"/>
           <a:ea typeface="+mn-ea"/>
           <a:cs typeface="+mn-cs"/>
         </a:defRPr>
       </a:lvl3pPr>
-      <a:lvl4pPr marL="1600200" indent="-228600" algn="l" defTabSz="914400" rtl="0" eaLnBrk="1" latinLnBrk="0" hangingPunct="1">
+      <a:lvl4pPr marL="749808" indent="-182880" algn="l" defTabSz="914400" rtl="0" eaLnBrk="1" latinLnBrk="0" hangingPunct="1">
         <a:lnSpc>
           <a:spcPct val="90000"/>
         </a:lnSpc>
         <a:spcBef>
-          <a:spcPts val="500"/>
+          <a:spcPts val="200"/>
         </a:spcBef>
-        <a:buFont typeface="Arial" panose="020B0604020202020204" pitchFamily="34" charset="0"/>
-        <a:buChar char="•"/>
-        <a:defRPr sz="1800" kern="1200">
+        <a:spcAft>
+          <a:spcPts val="400"/>
+        </a:spcAft>
+        <a:buClr>
+          <a:schemeClr val="accent1"/>
+        </a:buClr>
+        <a:buFont typeface="Calibri" pitchFamily="34" charset="0"/>
+        <a:buChar char="◦"/>
+        <a:defRPr sz="1400" kern="1200">
           <a:solidFill>
-            <a:schemeClr val="tx1"/>
+            <a:schemeClr val="tx1">
+              <a:lumMod val="75000"/>
+              <a:lumOff val="25000"/>
+            </a:schemeClr>
           </a:solidFill>
           <a:latin typeface="+mn-lt"/>
           <a:ea typeface="+mn-ea"/>
           <a:cs typeface="+mn-cs"/>
         </a:defRPr>
       </a:lvl4pPr>
-      <a:lvl5pPr marL="2057400" indent="-228600" algn="l" defTabSz="914400" rtl="0" eaLnBrk="1" latinLnBrk="0" hangingPunct="1">
+      <a:lvl5pPr marL="932688" indent="-182880" algn="l" defTabSz="914400" rtl="0" eaLnBrk="1" latinLnBrk="0" hangingPunct="1">
         <a:lnSpc>
           <a:spcPct val="90000"/>
         </a:lnSpc>
         <a:spcBef>
-          <a:spcPts val="500"/>
+          <a:spcPts val="200"/>
         </a:spcBef>
-        <a:buFont typeface="Arial" panose="020B0604020202020204" pitchFamily="34" charset="0"/>
-        <a:buChar char="•"/>
-        <a:defRPr sz="1800" kern="1200">
+        <a:spcAft>
+          <a:spcPts val="400"/>
+        </a:spcAft>
+        <a:buClr>
+          <a:schemeClr val="accent1"/>
+        </a:buClr>
+        <a:buFont typeface="Calibri" pitchFamily="34" charset="0"/>
+        <a:buChar char="◦"/>
+        <a:defRPr sz="1400" kern="1200">
           <a:solidFill>
-            <a:schemeClr val="tx1"/>
+            <a:schemeClr val="tx1">
+              <a:lumMod val="75000"/>
+              <a:lumOff val="25000"/>
+            </a:schemeClr>
           </a:solidFill>
           <a:latin typeface="+mn-lt"/>
           <a:ea typeface="+mn-ea"/>
           <a:cs typeface="+mn-cs"/>
         </a:defRPr>
       </a:lvl5pPr>
-      <a:lvl6pPr marL="2514600" indent="-228600" algn="l" defTabSz="914400" rtl="0" eaLnBrk="1" latinLnBrk="0" hangingPunct="1">
+      <a:lvl6pPr marL="1100000" indent="-228600" algn="l" defTabSz="914400" rtl="0" eaLnBrk="1" latinLnBrk="0" hangingPunct="1">
         <a:lnSpc>
           <a:spcPct val="90000"/>
         </a:lnSpc>
         <a:spcBef>
-          <a:spcPts val="500"/>
+          <a:spcPts val="200"/>
         </a:spcBef>
-        <a:buFont typeface="Arial" panose="020B0604020202020204" pitchFamily="34" charset="0"/>
-        <a:buChar char="•"/>
-        <a:defRPr sz="1800" kern="1200">
+        <a:spcAft>
+          <a:spcPts val="400"/>
+        </a:spcAft>
+        <a:buClr>
+          <a:schemeClr val="accent1"/>
+        </a:buClr>
+        <a:buFont typeface="Calibri" pitchFamily="34" charset="0"/>
+        <a:buChar char="◦"/>
+        <a:defRPr sz="1400" kern="1200">
           <a:solidFill>
-            <a:schemeClr val="tx1"/>
+            <a:schemeClr val="tx1">
+              <a:lumMod val="75000"/>
+              <a:lumOff val="25000"/>
+            </a:schemeClr>
           </a:solidFill>
           <a:latin typeface="+mn-lt"/>
           <a:ea typeface="+mn-ea"/>
           <a:cs typeface="+mn-cs"/>
         </a:defRPr>
       </a:lvl6pPr>
-      <a:lvl7pPr marL="2971800" indent="-228600" algn="l" defTabSz="914400" rtl="0" eaLnBrk="1" latinLnBrk="0" hangingPunct="1">
+      <a:lvl7pPr marL="1300000" indent="-228600" algn="l" defTabSz="914400" rtl="0" eaLnBrk="1" latinLnBrk="0" hangingPunct="1">
         <a:lnSpc>
           <a:spcPct val="90000"/>
         </a:lnSpc>
         <a:spcBef>
-          <a:spcPts val="500"/>
+          <a:spcPts val="200"/>
         </a:spcBef>
-        <a:buFont typeface="Arial" panose="020B0604020202020204" pitchFamily="34" charset="0"/>
-        <a:buChar char="•"/>
-        <a:defRPr sz="1800" kern="1200">
+        <a:spcAft>
+          <a:spcPts val="400"/>
+        </a:spcAft>
+        <a:buClr>
+          <a:schemeClr val="accent1"/>
+        </a:buClr>
+        <a:buFont typeface="Calibri" pitchFamily="34" charset="0"/>
+        <a:buChar char="◦"/>
+        <a:defRPr sz="1400" kern="1200">
           <a:solidFill>
-            <a:schemeClr val="tx1"/>
+            <a:schemeClr val="tx1">
+              <a:lumMod val="75000"/>
+              <a:lumOff val="25000"/>
+            </a:schemeClr>
           </a:solidFill>
           <a:latin typeface="+mn-lt"/>
           <a:ea typeface="+mn-ea"/>
           <a:cs typeface="+mn-cs"/>
         </a:defRPr>
       </a:lvl7pPr>
-      <a:lvl8pPr marL="3429000" indent="-228600" algn="l" defTabSz="914400" rtl="0" eaLnBrk="1" latinLnBrk="0" hangingPunct="1">
+      <a:lvl8pPr marL="1500000" indent="-228600" algn="l" defTabSz="914400" rtl="0" eaLnBrk="1" latinLnBrk="0" hangingPunct="1">
         <a:lnSpc>
           <a:spcPct val="90000"/>
         </a:lnSpc>
         <a:spcBef>
-          <a:spcPts val="500"/>
+          <a:spcPts val="200"/>
         </a:spcBef>
-        <a:buFont typeface="Arial" panose="020B0604020202020204" pitchFamily="34" charset="0"/>
-        <a:buChar char="•"/>
-        <a:defRPr sz="1800" kern="1200">
+        <a:spcAft>
+          <a:spcPts val="400"/>
+        </a:spcAft>
+        <a:buClr>
+          <a:schemeClr val="accent1"/>
+        </a:buClr>
+        <a:buFont typeface="Calibri" pitchFamily="34" charset="0"/>
+        <a:buChar char="◦"/>
+        <a:defRPr sz="1400" kern="1200">
           <a:solidFill>
-            <a:schemeClr val="tx1"/>
+            <a:schemeClr val="tx1">
+              <a:lumMod val="75000"/>
+              <a:lumOff val="25000"/>
+            </a:schemeClr>
           </a:solidFill>
           <a:latin typeface="+mn-lt"/>
           <a:ea typeface="+mn-ea"/>
           <a:cs typeface="+mn-cs"/>
         </a:defRPr>
       </a:lvl8pPr>
-      <a:lvl9pPr marL="3886200" indent="-228600" algn="l" defTabSz="914400" rtl="0" eaLnBrk="1" latinLnBrk="0" hangingPunct="1">
+      <a:lvl9pPr marL="1700000" indent="-228600" algn="l" defTabSz="914400" rtl="0" eaLnBrk="1" latinLnBrk="0" hangingPunct="1">
         <a:lnSpc>
           <a:spcPct val="90000"/>
         </a:lnSpc>
         <a:spcBef>
-          <a:spcPts val="500"/>
+          <a:spcPts val="200"/>
         </a:spcBef>
-        <a:buFont typeface="Arial" panose="020B0604020202020204" pitchFamily="34" charset="0"/>
-        <a:buChar char="•"/>
-        <a:defRPr sz="1800" kern="1200">
+        <a:spcAft>
+          <a:spcPts val="400"/>
+        </a:spcAft>
+        <a:buClr>
+          <a:schemeClr val="accent1"/>
+        </a:buClr>
+        <a:buFont typeface="Calibri" pitchFamily="34" charset="0"/>
+        <a:buChar char="◦"/>
+        <a:defRPr sz="1400" kern="1200">
           <a:solidFill>
-            <a:schemeClr val="tx1"/>
+            <a:schemeClr val="tx1">
+              <a:lumMod val="75000"/>
+              <a:lumOff val="25000"/>
+            </a:schemeClr>
           </a:solidFill>
           <a:latin typeface="+mn-lt"/>
           <a:ea typeface="+mn-ea"/>
@@ -2981,71 +3818,13 @@
             <a:spLocks noGrp="1"/>
           </p:cNvSpPr>
           <p:nvPr>
-            <p:ph type="ctrTitle"/>
+            <p:ph type="ctrTitle" idx="4294967295"/>
           </p:nvPr>
         </p:nvSpPr>
         <p:spPr>
           <a:xfrm>
-            <a:off x="1857286" y="427289"/>
-            <a:ext cx="7756733" cy="675117"/>
-          </a:xfrm>
-        </p:spPr>
-        <p:txBody>
-          <a:bodyPr>
-            <a:normAutofit fontScale="90000"/>
-          </a:bodyPr>
-          <a:lstStyle/>
-          <a:p>
-            <a:r>
-              <a:rPr lang="en-IN" sz="2800" b="1" dirty="0" smtClean="0"/>
-              <a:t/>
-            </a:r>
-            <a:br>
-              <a:rPr lang="en-IN" sz="2800" b="1" dirty="0" smtClean="0"/>
-            </a:br>
-            <a:r>
-              <a:rPr lang="en-IN" sz="2800" b="1" dirty="0"/>
-              <a:t/>
-            </a:r>
-            <a:br>
-              <a:rPr lang="en-IN" sz="2800" b="1" dirty="0"/>
-            </a:br>
-            <a:r>
-              <a:rPr lang="en-IN" sz="2800" b="1" dirty="0" smtClean="0"/>
-              <a:t/>
-            </a:r>
-            <a:br>
-              <a:rPr lang="en-IN" sz="2800" b="1" dirty="0" smtClean="0"/>
-            </a:br>
-            <a:r>
-              <a:rPr lang="en-IN" sz="2800" b="1" dirty="0"/>
-              <a:t/>
-            </a:r>
-            <a:br>
-              <a:rPr lang="en-IN" sz="2800" b="1" dirty="0"/>
-            </a:br>
-            <a:r>
-              <a:rPr lang="en-IN" sz="2800" b="1" dirty="0" smtClean="0"/>
-              <a:t>Control Flow</a:t>
-            </a:r>
-            <a:endParaRPr lang="en-US" sz="2800" b="1" dirty="0"/>
-          </a:p>
-        </p:txBody>
-      </p:sp>
-      <p:sp>
-        <p:nvSpPr>
-          <p:cNvPr id="3" name="Subtitle 2"/>
-          <p:cNvSpPr>
-            <a:spLocks noGrp="1"/>
-          </p:cNvSpPr>
-          <p:nvPr>
-            <p:ph type="subTitle" idx="1"/>
-          </p:nvPr>
-        </p:nvSpPr>
-        <p:spPr>
-          <a:xfrm>
-            <a:off x="1239140" y="1452785"/>
-            <a:ext cx="10246407" cy="4862557"/>
+            <a:off x="4221622" y="105918"/>
+            <a:ext cx="2777384" cy="749300"/>
           </a:xfrm>
         </p:spPr>
         <p:txBody>
@@ -3054,475 +3833,1640 @@
           </a:bodyPr>
           <a:lstStyle/>
           <a:p>
+            <a:r>
+              <a:rPr lang="en-US" b="1" u="sng" dirty="0" smtClean="0">
+                <a:latin typeface="Algerian" panose="04020705040A02060702" pitchFamily="82" charset="0"/>
+              </a:rPr>
+              <a:t>String</a:t>
+            </a:r>
+            <a:endParaRPr lang="en-IN" b="1" u="sng" dirty="0">
+              <a:latin typeface="Algerian" panose="04020705040A02060702" pitchFamily="82" charset="0"/>
+            </a:endParaRPr>
+          </a:p>
+        </p:txBody>
+      </p:sp>
+      <p:sp>
+        <p:nvSpPr>
+          <p:cNvPr id="3" name="Subtitle 2"/>
+          <p:cNvSpPr>
+            <a:spLocks noGrp="1"/>
+          </p:cNvSpPr>
+          <p:nvPr>
+            <p:ph type="subTitle" idx="4294967295"/>
+          </p:nvPr>
+        </p:nvSpPr>
+        <p:spPr>
+          <a:xfrm>
+            <a:off x="401652" y="855218"/>
+            <a:ext cx="10075492" cy="5477216"/>
+          </a:xfrm>
+        </p:spPr>
+        <p:txBody>
+          <a:bodyPr>
+            <a:noAutofit/>
+          </a:bodyPr>
+          <a:lstStyle/>
+          <a:p>
+            <a:pPr algn="l">
+              <a:buFont typeface="Wingdings" panose="05000000000000000000" pitchFamily="2" charset="2"/>
+              <a:buChar char="q"/>
+            </a:pPr>
+            <a:r>
+              <a:rPr lang="en-US" sz="1600" dirty="0" smtClean="0"/>
+              <a:t>Python string is a collection of Unicode Character.</a:t>
+            </a:r>
+          </a:p>
+          <a:p>
+            <a:pPr algn="l">
+              <a:buFont typeface="Wingdings" panose="05000000000000000000" pitchFamily="2" charset="2"/>
+              <a:buChar char="q"/>
+            </a:pPr>
+            <a:r>
+              <a:rPr lang="en-US" sz="1600" dirty="0" smtClean="0"/>
+              <a:t>String are immutable. They cannot be </a:t>
+            </a:r>
+            <a:r>
+              <a:rPr lang="en-US" sz="1600" dirty="0" smtClean="0"/>
+              <a:t>change.</a:t>
+            </a:r>
+            <a:endParaRPr lang="en-US" sz="1600" dirty="0" smtClean="0"/>
+          </a:p>
+          <a:p>
+            <a:pPr algn="l">
+              <a:buFont typeface="Wingdings" panose="05000000000000000000" pitchFamily="2" charset="2"/>
+              <a:buChar char="q"/>
+            </a:pPr>
+            <a:r>
+              <a:rPr lang="en-US" sz="1600" dirty="0" smtClean="0"/>
+              <a:t>Python string can be enclosed in single, double or triple quotes.</a:t>
+            </a:r>
+          </a:p>
+          <a:p>
             <a:pPr algn="l"/>
             <a:r>
-              <a:rPr lang="en-US" sz="1800" dirty="0"/>
-              <a:t>Decision making is required when we want to execute a code only if a certain condition is satisfied</a:t>
-            </a:r>
-            <a:r>
-              <a:rPr lang="en-US" sz="1800" dirty="0" smtClean="0"/>
-              <a:t>.</a:t>
-            </a:r>
+              <a:rPr lang="en-US" b="1" u="sng" dirty="0" smtClean="0"/>
+              <a:t>String index:</a:t>
+            </a:r>
+            <a:endParaRPr lang="en-US" b="1" u="sng" dirty="0" smtClean="0"/>
           </a:p>
           <a:p>
             <a:pPr algn="l"/>
             <a:r>
-              <a:rPr lang="en-US" sz="1800" dirty="0"/>
-              <a:t>The </a:t>
-            </a:r>
-            <a:r>
-              <a:rPr lang="en-US" sz="1800" b="1" dirty="0"/>
-              <a:t>if</a:t>
-            </a:r>
-            <a:r>
-              <a:rPr lang="en-US" sz="1800" dirty="0"/>
-              <a:t>…</a:t>
-            </a:r>
-            <a:r>
-              <a:rPr lang="en-US" sz="1800" b="1" dirty="0" err="1"/>
-              <a:t>elif</a:t>
-            </a:r>
-            <a:r>
-              <a:rPr lang="en-US" sz="1800" dirty="0"/>
-              <a:t>…</a:t>
-            </a:r>
-            <a:r>
-              <a:rPr lang="en-US" sz="1800" b="1" dirty="0"/>
-              <a:t>else</a:t>
-            </a:r>
-            <a:r>
-              <a:rPr lang="en-US" sz="1800" dirty="0"/>
-              <a:t> statement is used in Python for decision making.</a:t>
-            </a:r>
-            <a:endParaRPr lang="en-US" sz="1800" dirty="0" smtClean="0"/>
+              <a:rPr lang="en-US" sz="1600" dirty="0"/>
+              <a:t>	</a:t>
+            </a:r>
+            <a:r>
+              <a:rPr lang="en-US" sz="1600" dirty="0" err="1"/>
+              <a:t>M</a:t>
+            </a:r>
+            <a:r>
+              <a:rPr lang="en-US" sz="1600" dirty="0" err="1" smtClean="0"/>
+              <a:t>sg</a:t>
+            </a:r>
+            <a:r>
+              <a:rPr lang="en-US" sz="1600" dirty="0" smtClean="0"/>
+              <a:t> = “HELLO PYTHON”</a:t>
+            </a:r>
           </a:p>
           <a:p>
             <a:pPr algn="l"/>
-            <a:r>
-              <a:rPr lang="en-US" sz="1800" b="1" dirty="0" smtClean="0"/>
-              <a:t>if x expression:</a:t>
-            </a:r>
+            <a:endParaRPr lang="en-US" sz="1600" dirty="0" smtClean="0"/>
           </a:p>
           <a:p>
             <a:pPr algn="l"/>
-            <a:r>
-              <a:rPr lang="en-US" sz="1800" b="1" dirty="0" smtClean="0"/>
-              <a:t>    statement(s)</a:t>
-            </a:r>
+            <a:endParaRPr lang="en-US" sz="1600" dirty="0" smtClean="0"/>
           </a:p>
           <a:p>
             <a:pPr algn="l"/>
-            <a:endParaRPr lang="en-US" sz="1800" b="1" dirty="0" smtClean="0"/>
+            <a:endParaRPr lang="en-US" sz="1600" dirty="0" smtClean="0"/>
           </a:p>
           <a:p>
             <a:pPr algn="l"/>
-            <a:endParaRPr lang="en-US" sz="1800" b="1" dirty="0" smtClean="0"/>
+            <a:endParaRPr lang="en-US" sz="1600" dirty="0" smtClean="0"/>
           </a:p>
           <a:p>
             <a:pPr algn="l"/>
             <a:r>
-              <a:rPr lang="en-US" sz="1800" b="1" dirty="0"/>
-              <a:t/>
-            </a:r>
-            <a:br>
-              <a:rPr lang="en-US" sz="1800" b="1" dirty="0"/>
-            </a:br>
-            <a:endParaRPr lang="en-US" sz="1800" b="1" dirty="0" smtClean="0"/>
+              <a:rPr lang="en-US" sz="1600" dirty="0" smtClean="0"/>
+              <a:t>Accessing element:</a:t>
+            </a:r>
           </a:p>
           <a:p>
             <a:pPr algn="l"/>
-            <a:endParaRPr lang="en-US" sz="1800" dirty="0" smtClean="0"/>
+            <a:r>
+              <a:rPr lang="en-US" sz="1600" dirty="0" err="1" smtClean="0"/>
+              <a:t>Msg</a:t>
+            </a:r>
+            <a:r>
+              <a:rPr lang="en-US" sz="1600" dirty="0" smtClean="0"/>
+              <a:t>[0]	# H</a:t>
+            </a:r>
+          </a:p>
+          <a:p>
+            <a:pPr algn="l"/>
+            <a:r>
+              <a:rPr lang="en-US" sz="1600" dirty="0" err="1" smtClean="0"/>
+              <a:t>Msg</a:t>
+            </a:r>
+            <a:r>
+              <a:rPr lang="en-US" sz="1600" dirty="0" smtClean="0"/>
+              <a:t>[3]</a:t>
+            </a:r>
+            <a:r>
+              <a:rPr lang="en-US" sz="1600" dirty="0"/>
+              <a:t>	# </a:t>
+            </a:r>
+            <a:r>
+              <a:rPr lang="en-US" sz="1600" dirty="0" smtClean="0"/>
+              <a:t>L</a:t>
+            </a:r>
+          </a:p>
+          <a:p>
+            <a:pPr algn="l"/>
+            <a:r>
+              <a:rPr lang="en-US" sz="1600" dirty="0" err="1" smtClean="0"/>
+              <a:t>Msg</a:t>
+            </a:r>
+            <a:r>
+              <a:rPr lang="en-US" sz="1600" dirty="0" smtClean="0"/>
+              <a:t>[-1]</a:t>
+            </a:r>
+            <a:r>
+              <a:rPr lang="en-US" sz="1600" dirty="0"/>
+              <a:t>	# </a:t>
+            </a:r>
+            <a:r>
+              <a:rPr lang="en-US" sz="1600" dirty="0" smtClean="0"/>
+              <a:t>N</a:t>
+            </a:r>
+          </a:p>
+          <a:p>
+            <a:pPr algn="l"/>
+            <a:r>
+              <a:rPr lang="en-US" sz="1600" dirty="0" err="1" smtClean="0"/>
+              <a:t>Msg</a:t>
+            </a:r>
+            <a:r>
+              <a:rPr lang="en-US" sz="1600" dirty="0" smtClean="0"/>
+              <a:t>[2:7]</a:t>
+            </a:r>
+            <a:r>
+              <a:rPr lang="en-US" sz="1600" dirty="0"/>
+              <a:t>	# </a:t>
+            </a:r>
+            <a:r>
+              <a:rPr lang="en-US" sz="1600" dirty="0" smtClean="0"/>
+              <a:t>LLO P</a:t>
+            </a:r>
+            <a:endParaRPr lang="en-US" sz="1600" dirty="0"/>
+          </a:p>
+          <a:p>
+            <a:pPr algn="l"/>
+            <a:endParaRPr lang="en-US" sz="1600" dirty="0"/>
+          </a:p>
+          <a:p>
+            <a:pPr algn="l"/>
+            <a:endParaRPr lang="en-US" sz="1600" dirty="0"/>
+          </a:p>
+          <a:p>
+            <a:pPr algn="l"/>
+            <a:endParaRPr lang="en-US" sz="1600" dirty="0" smtClean="0"/>
+          </a:p>
+          <a:p>
+            <a:pPr algn="l"/>
+            <a:endParaRPr lang="en-US" sz="1600" dirty="0" smtClean="0"/>
+          </a:p>
+          <a:p>
+            <a:pPr algn="l"/>
+            <a:endParaRPr lang="en-US" sz="1600" dirty="0" smtClean="0"/>
+          </a:p>
+          <a:p>
+            <a:pPr algn="l"/>
+            <a:endParaRPr lang="en-US" sz="1600" dirty="0" smtClean="0"/>
+          </a:p>
+          <a:p>
+            <a:pPr algn="l"/>
+            <a:endParaRPr lang="en-US" sz="1600" dirty="0"/>
+          </a:p>
+          <a:p>
+            <a:pPr algn="l"/>
+            <a:endParaRPr lang="en-US" sz="1600" dirty="0" smtClean="0"/>
+          </a:p>
+          <a:p>
+            <a:pPr algn="l"/>
+            <a:endParaRPr lang="en-IN" sz="1600" dirty="0"/>
           </a:p>
         </p:txBody>
       </p:sp>
-      <p:grpSp>
-        <p:nvGrpSpPr>
-          <p:cNvPr id="1045" name="Group 1044"/>
-          <p:cNvGrpSpPr/>
-          <p:nvPr/>
-        </p:nvGrpSpPr>
-        <p:grpSpPr>
-          <a:xfrm>
-            <a:off x="4221621" y="2755589"/>
-            <a:ext cx="2768839" cy="3559753"/>
-            <a:chOff x="3956701" y="2714360"/>
-            <a:chExt cx="2768839" cy="3559753"/>
-          </a:xfrm>
-        </p:grpSpPr>
-        <p:sp>
-          <p:nvSpPr>
-            <p:cNvPr id="7" name="Round Same Side Corner Rectangle 6"/>
-            <p:cNvSpPr/>
-            <p:nvPr/>
-          </p:nvSpPr>
-          <p:spPr>
-            <a:xfrm>
-              <a:off x="4114798" y="2714360"/>
-              <a:ext cx="1700613" cy="290557"/>
-            </a:xfrm>
-            <a:prstGeom prst="round2SameRect">
-              <a:avLst/>
-            </a:prstGeom>
-          </p:spPr>
-          <p:style>
-            <a:lnRef idx="2">
-              <a:schemeClr val="accent1">
-                <a:shade val="50000"/>
-              </a:schemeClr>
-            </a:lnRef>
-            <a:fillRef idx="1">
-              <a:schemeClr val="accent1"/>
-            </a:fillRef>
-            <a:effectRef idx="0">
-              <a:schemeClr val="accent1"/>
-            </a:effectRef>
-            <a:fontRef idx="minor">
-              <a:schemeClr val="lt1"/>
-            </a:fontRef>
-          </p:style>
-          <p:txBody>
-            <a:bodyPr rtlCol="0" anchor="ctr"/>
-            <a:lstStyle/>
-            <a:p>
-              <a:pPr algn="ctr"/>
-              <a:r>
-                <a:rPr lang="en-US" dirty="0" smtClean="0"/>
-                <a:t>Start</a:t>
-              </a:r>
-              <a:endParaRPr lang="en-IN" dirty="0"/>
-            </a:p>
-          </p:txBody>
-        </p:sp>
-        <p:sp>
-          <p:nvSpPr>
-            <p:cNvPr id="9" name="Diamond 8"/>
-            <p:cNvSpPr/>
-            <p:nvPr/>
-          </p:nvSpPr>
-          <p:spPr>
-            <a:xfrm>
-              <a:off x="3956701" y="3401403"/>
-              <a:ext cx="2016808" cy="1255517"/>
-            </a:xfrm>
-            <a:prstGeom prst="diamond">
-              <a:avLst/>
-            </a:prstGeom>
-          </p:spPr>
-          <p:style>
-            <a:lnRef idx="2">
-              <a:schemeClr val="accent1">
-                <a:shade val="50000"/>
-              </a:schemeClr>
-            </a:lnRef>
-            <a:fillRef idx="1">
-              <a:schemeClr val="accent1"/>
-            </a:fillRef>
-            <a:effectRef idx="0">
-              <a:schemeClr val="accent1"/>
-            </a:effectRef>
-            <a:fontRef idx="minor">
-              <a:schemeClr val="lt1"/>
-            </a:fontRef>
-          </p:style>
-          <p:txBody>
-            <a:bodyPr rtlCol="0" anchor="ctr"/>
-            <a:lstStyle/>
-            <a:p>
-              <a:pPr algn="ctr"/>
-              <a:r>
-                <a:rPr lang="en-US" dirty="0" smtClean="0"/>
-                <a:t>Test</a:t>
-              </a:r>
-              <a:endParaRPr lang="en-IN" dirty="0"/>
-            </a:p>
-          </p:txBody>
-        </p:sp>
-        <p:cxnSp>
-          <p:nvCxnSpPr>
-            <p:cNvPr id="11" name="Straight Arrow Connector 10"/>
-            <p:cNvCxnSpPr>
-              <a:stCxn id="7" idx="1"/>
-              <a:endCxn id="9" idx="0"/>
-            </p:cNvCxnSpPr>
-            <p:nvPr/>
-          </p:nvCxnSpPr>
-          <p:spPr>
-            <a:xfrm>
-              <a:off x="4965105" y="3004917"/>
-              <a:ext cx="0" cy="396486"/>
-            </a:xfrm>
-            <a:prstGeom prst="straightConnector1">
-              <a:avLst/>
-            </a:prstGeom>
-            <a:ln>
-              <a:tailEnd type="triangle"/>
-            </a:ln>
-          </p:spPr>
-          <p:style>
-            <a:lnRef idx="1">
-              <a:schemeClr val="accent1"/>
-            </a:lnRef>
-            <a:fillRef idx="0">
-              <a:schemeClr val="accent1"/>
-            </a:fillRef>
-            <a:effectRef idx="0">
-              <a:schemeClr val="accent1"/>
-            </a:effectRef>
-            <a:fontRef idx="minor">
-              <a:schemeClr val="tx1"/>
-            </a:fontRef>
-          </p:style>
-        </p:cxnSp>
-        <p:cxnSp>
-          <p:nvCxnSpPr>
-            <p:cNvPr id="29" name="Straight Arrow Connector 28"/>
-            <p:cNvCxnSpPr/>
-            <p:nvPr/>
-          </p:nvCxnSpPr>
-          <p:spPr>
-            <a:xfrm>
-              <a:off x="4965104" y="4679724"/>
-              <a:ext cx="0" cy="561536"/>
-            </a:xfrm>
-            <a:prstGeom prst="straightConnector1">
-              <a:avLst/>
-            </a:prstGeom>
-            <a:ln>
-              <a:tailEnd type="triangle"/>
-            </a:ln>
-          </p:spPr>
-          <p:style>
-            <a:lnRef idx="1">
-              <a:schemeClr val="accent1"/>
-            </a:lnRef>
-            <a:fillRef idx="0">
-              <a:schemeClr val="accent1"/>
-            </a:fillRef>
-            <a:effectRef idx="0">
-              <a:schemeClr val="accent1"/>
-            </a:effectRef>
-            <a:fontRef idx="minor">
-              <a:schemeClr val="tx1"/>
-            </a:fontRef>
-          </p:style>
-        </p:cxnSp>
-        <p:sp>
-          <p:nvSpPr>
-            <p:cNvPr id="28" name="Rectangle 27"/>
-            <p:cNvSpPr/>
-            <p:nvPr/>
-          </p:nvSpPr>
-          <p:spPr>
-            <a:xfrm>
-              <a:off x="4007978" y="5284679"/>
-              <a:ext cx="1982624" cy="640934"/>
-            </a:xfrm>
-            <a:prstGeom prst="rect">
-              <a:avLst/>
-            </a:prstGeom>
-          </p:spPr>
-          <p:style>
-            <a:lnRef idx="2">
-              <a:schemeClr val="accent1">
-                <a:shade val="50000"/>
-              </a:schemeClr>
-            </a:lnRef>
-            <a:fillRef idx="1">
-              <a:schemeClr val="accent1"/>
-            </a:fillRef>
-            <a:effectRef idx="0">
-              <a:schemeClr val="accent1"/>
-            </a:effectRef>
-            <a:fontRef idx="minor">
-              <a:schemeClr val="lt1"/>
-            </a:fontRef>
-          </p:style>
-          <p:txBody>
-            <a:bodyPr rtlCol="0" anchor="ctr"/>
-            <a:lstStyle/>
-            <a:p>
-              <a:pPr algn="ctr"/>
-              <a:r>
-                <a:rPr lang="en-US" dirty="0" smtClean="0"/>
-                <a:t>Body of If</a:t>
-              </a:r>
-              <a:endParaRPr lang="en-IN" dirty="0"/>
-            </a:p>
-          </p:txBody>
-        </p:sp>
-        <p:cxnSp>
-          <p:nvCxnSpPr>
-            <p:cNvPr id="1033" name="Elbow Connector 1032"/>
-            <p:cNvCxnSpPr>
-              <a:stCxn id="9" idx="3"/>
-            </p:cNvCxnSpPr>
-            <p:nvPr/>
-          </p:nvCxnSpPr>
-          <p:spPr>
-            <a:xfrm>
-              <a:off x="5973509" y="4029162"/>
-              <a:ext cx="752031" cy="1575984"/>
-            </a:xfrm>
-            <a:prstGeom prst="bentConnector2">
-              <a:avLst/>
-            </a:prstGeom>
-          </p:spPr>
-          <p:style>
-            <a:lnRef idx="1">
-              <a:schemeClr val="accent1"/>
-            </a:lnRef>
-            <a:fillRef idx="0">
-              <a:schemeClr val="accent1"/>
-            </a:fillRef>
-            <a:effectRef idx="0">
-              <a:schemeClr val="accent1"/>
-            </a:effectRef>
-            <a:fontRef idx="minor">
-              <a:schemeClr val="tx1"/>
-            </a:fontRef>
-          </p:style>
-        </p:cxnSp>
-        <p:cxnSp>
-          <p:nvCxnSpPr>
-            <p:cNvPr id="1035" name="Straight Arrow Connector 1034"/>
-            <p:cNvCxnSpPr>
-              <a:endCxn id="28" idx="3"/>
-            </p:cNvCxnSpPr>
-            <p:nvPr/>
-          </p:nvCxnSpPr>
-          <p:spPr>
-            <a:xfrm flipH="1">
-              <a:off x="5990602" y="5605146"/>
-              <a:ext cx="734938" cy="0"/>
-            </a:xfrm>
-            <a:prstGeom prst="straightConnector1">
-              <a:avLst/>
-            </a:prstGeom>
-            <a:ln>
-              <a:tailEnd type="triangle"/>
-            </a:ln>
-          </p:spPr>
-          <p:style>
-            <a:lnRef idx="1">
-              <a:schemeClr val="accent1"/>
-            </a:lnRef>
-            <a:fillRef idx="0">
-              <a:schemeClr val="accent1"/>
-            </a:fillRef>
-            <a:effectRef idx="0">
-              <a:schemeClr val="accent1"/>
-            </a:effectRef>
-            <a:fontRef idx="minor">
-              <a:schemeClr val="tx1"/>
-            </a:fontRef>
-          </p:style>
-        </p:cxnSp>
-        <p:sp>
-          <p:nvSpPr>
-            <p:cNvPr id="1036" name="TextBox 1035"/>
-            <p:cNvSpPr txBox="1"/>
-            <p:nvPr/>
-          </p:nvSpPr>
-          <p:spPr>
-            <a:xfrm>
-              <a:off x="5973509" y="3678783"/>
-              <a:ext cx="734938" cy="369332"/>
-            </a:xfrm>
-            <a:prstGeom prst="rect">
-              <a:avLst/>
-            </a:prstGeom>
-            <a:noFill/>
-          </p:spPr>
-          <p:txBody>
-            <a:bodyPr wrap="square" rtlCol="0">
-              <a:spAutoFit/>
-            </a:bodyPr>
-            <a:lstStyle/>
-            <a:p>
-              <a:r>
-                <a:rPr lang="en-US" dirty="0" smtClean="0"/>
-                <a:t>False</a:t>
-              </a:r>
-              <a:endParaRPr lang="en-IN" dirty="0"/>
-            </a:p>
-          </p:txBody>
-        </p:sp>
-        <p:sp>
-          <p:nvSpPr>
-            <p:cNvPr id="46" name="TextBox 45"/>
-            <p:cNvSpPr txBox="1"/>
-            <p:nvPr/>
-          </p:nvSpPr>
-          <p:spPr>
-            <a:xfrm>
-              <a:off x="4982197" y="4679725"/>
-              <a:ext cx="734938" cy="369332"/>
-            </a:xfrm>
-            <a:prstGeom prst="rect">
-              <a:avLst/>
-            </a:prstGeom>
-            <a:noFill/>
-          </p:spPr>
-          <p:txBody>
-            <a:bodyPr wrap="square" rtlCol="0">
-              <a:spAutoFit/>
-            </a:bodyPr>
-            <a:lstStyle/>
-            <a:p>
-              <a:r>
-                <a:rPr lang="en-US" dirty="0" smtClean="0"/>
-                <a:t>True</a:t>
-              </a:r>
-              <a:endParaRPr lang="en-IN" dirty="0"/>
-            </a:p>
-          </p:txBody>
-        </p:sp>
-        <p:cxnSp>
-          <p:nvCxnSpPr>
-            <p:cNvPr id="1044" name="Straight Arrow Connector 1043"/>
-            <p:cNvCxnSpPr>
-              <a:stCxn id="28" idx="2"/>
-            </p:cNvCxnSpPr>
-            <p:nvPr/>
-          </p:nvCxnSpPr>
-          <p:spPr>
-            <a:xfrm flipH="1">
-              <a:off x="4982197" y="5925613"/>
-              <a:ext cx="17093" cy="348500"/>
-            </a:xfrm>
-            <a:prstGeom prst="straightConnector1">
-              <a:avLst/>
-            </a:prstGeom>
-            <a:ln>
-              <a:tailEnd type="triangle"/>
-            </a:ln>
-          </p:spPr>
-          <p:style>
-            <a:lnRef idx="1">
-              <a:schemeClr val="accent1"/>
-            </a:lnRef>
-            <a:fillRef idx="0">
-              <a:schemeClr val="accent1"/>
-            </a:fillRef>
-            <a:effectRef idx="0">
-              <a:schemeClr val="accent1"/>
-            </a:effectRef>
-            <a:fontRef idx="minor">
-              <a:schemeClr val="tx1"/>
-            </a:fontRef>
-          </p:style>
-        </p:cxnSp>
-      </p:grpSp>
+      <p:graphicFrame>
+        <p:nvGraphicFramePr>
+          <p:cNvPr id="4" name="Table 3"/>
+          <p:cNvGraphicFramePr>
+            <a:graphicFrameLocks noGrp="1"/>
+          </p:cNvGraphicFramePr>
+          <p:nvPr>
+            <p:extLst>
+              <p:ext uri="{D42A27DB-BD31-4B8C-83A1-F6EECF244321}">
+                <p14:modId xmlns:p14="http://schemas.microsoft.com/office/powerpoint/2010/main" val="1409182153"/>
+              </p:ext>
+            </p:extLst>
+          </p:nvPr>
+        </p:nvGraphicFramePr>
+        <p:xfrm>
+          <a:off x="2014907" y="3008118"/>
+          <a:ext cx="8128003" cy="1107440"/>
+        </p:xfrm>
+        <a:graphic>
+          <a:graphicData uri="http://schemas.openxmlformats.org/drawingml/2006/table">
+            <a:tbl>
+              <a:tblPr firstRow="1" bandRow="1">
+                <a:tableStyleId>{5C22544A-7EE6-4342-B048-85BDC9FD1C3A}</a:tableStyleId>
+              </a:tblPr>
+              <a:tblGrid>
+                <a:gridCol w="839387"/>
+                <a:gridCol w="512748"/>
+                <a:gridCol w="523558"/>
+                <a:gridCol w="625231"/>
+                <a:gridCol w="625231"/>
+                <a:gridCol w="625231"/>
+                <a:gridCol w="625231"/>
+                <a:gridCol w="625231"/>
+                <a:gridCol w="625231"/>
+                <a:gridCol w="625231"/>
+                <a:gridCol w="625231"/>
+                <a:gridCol w="625231"/>
+                <a:gridCol w="625231"/>
+              </a:tblGrid>
+              <a:tr h="364114">
+                <a:tc>
+                  <a:txBody>
+                    <a:bodyPr/>
+                    <a:lstStyle/>
+                    <a:p>
+                      <a:r>
+                        <a:rPr lang="en-US" dirty="0" err="1" smtClean="0"/>
+                        <a:t>Str</a:t>
+                      </a:r>
+                      <a:endParaRPr lang="en-IN" dirty="0"/>
+                    </a:p>
+                  </a:txBody>
+                  <a:tcPr/>
+                </a:tc>
+                <a:tc>
+                  <a:txBody>
+                    <a:bodyPr/>
+                    <a:lstStyle/>
+                    <a:p>
+                      <a:r>
+                        <a:rPr lang="en-US" dirty="0" smtClean="0"/>
+                        <a:t>H</a:t>
+                      </a:r>
+                      <a:endParaRPr lang="en-IN" dirty="0"/>
+                    </a:p>
+                  </a:txBody>
+                  <a:tcPr/>
+                </a:tc>
+                <a:tc>
+                  <a:txBody>
+                    <a:bodyPr/>
+                    <a:lstStyle/>
+                    <a:p>
+                      <a:r>
+                        <a:rPr lang="en-US" dirty="0" smtClean="0"/>
+                        <a:t>E</a:t>
+                      </a:r>
+                      <a:endParaRPr lang="en-IN" dirty="0"/>
+                    </a:p>
+                  </a:txBody>
+                  <a:tcPr/>
+                </a:tc>
+                <a:tc>
+                  <a:txBody>
+                    <a:bodyPr/>
+                    <a:lstStyle/>
+                    <a:p>
+                      <a:r>
+                        <a:rPr lang="en-US" dirty="0" smtClean="0"/>
+                        <a:t>L</a:t>
+                      </a:r>
+                      <a:endParaRPr lang="en-IN" dirty="0"/>
+                    </a:p>
+                  </a:txBody>
+                  <a:tcPr/>
+                </a:tc>
+                <a:tc>
+                  <a:txBody>
+                    <a:bodyPr/>
+                    <a:lstStyle/>
+                    <a:p>
+                      <a:r>
+                        <a:rPr lang="en-US" dirty="0" smtClean="0"/>
+                        <a:t>L</a:t>
+                      </a:r>
+                      <a:endParaRPr lang="en-IN" dirty="0"/>
+                    </a:p>
+                  </a:txBody>
+                  <a:tcPr/>
+                </a:tc>
+                <a:tc>
+                  <a:txBody>
+                    <a:bodyPr/>
+                    <a:lstStyle/>
+                    <a:p>
+                      <a:r>
+                        <a:rPr lang="en-US" dirty="0" smtClean="0"/>
+                        <a:t>O</a:t>
+                      </a:r>
+                      <a:endParaRPr lang="en-IN" dirty="0"/>
+                    </a:p>
+                  </a:txBody>
+                  <a:tcPr/>
+                </a:tc>
+                <a:tc>
+                  <a:txBody>
+                    <a:bodyPr/>
+                    <a:lstStyle/>
+                    <a:p>
+                      <a:endParaRPr lang="en-IN" dirty="0"/>
+                    </a:p>
+                  </a:txBody>
+                  <a:tcPr/>
+                </a:tc>
+                <a:tc>
+                  <a:txBody>
+                    <a:bodyPr/>
+                    <a:lstStyle/>
+                    <a:p>
+                      <a:r>
+                        <a:rPr lang="en-US" dirty="0" smtClean="0"/>
+                        <a:t>P</a:t>
+                      </a:r>
+                      <a:endParaRPr lang="en-IN" dirty="0"/>
+                    </a:p>
+                  </a:txBody>
+                  <a:tcPr/>
+                </a:tc>
+                <a:tc>
+                  <a:txBody>
+                    <a:bodyPr/>
+                    <a:lstStyle/>
+                    <a:p>
+                      <a:r>
+                        <a:rPr lang="en-US" dirty="0" smtClean="0"/>
+                        <a:t>Y</a:t>
+                      </a:r>
+                      <a:endParaRPr lang="en-IN" dirty="0"/>
+                    </a:p>
+                  </a:txBody>
+                  <a:tcPr/>
+                </a:tc>
+                <a:tc>
+                  <a:txBody>
+                    <a:bodyPr/>
+                    <a:lstStyle/>
+                    <a:p>
+                      <a:r>
+                        <a:rPr lang="en-US" dirty="0" smtClean="0"/>
+                        <a:t>T</a:t>
+                      </a:r>
+                      <a:endParaRPr lang="en-IN" dirty="0"/>
+                    </a:p>
+                  </a:txBody>
+                  <a:tcPr/>
+                </a:tc>
+                <a:tc>
+                  <a:txBody>
+                    <a:bodyPr/>
+                    <a:lstStyle/>
+                    <a:p>
+                      <a:r>
+                        <a:rPr lang="en-US" dirty="0" smtClean="0"/>
+                        <a:t>H</a:t>
+                      </a:r>
+                      <a:endParaRPr lang="en-IN" dirty="0"/>
+                    </a:p>
+                  </a:txBody>
+                  <a:tcPr/>
+                </a:tc>
+                <a:tc>
+                  <a:txBody>
+                    <a:bodyPr/>
+                    <a:lstStyle/>
+                    <a:p>
+                      <a:r>
+                        <a:rPr lang="en-US" dirty="0" smtClean="0"/>
+                        <a:t>O</a:t>
+                      </a:r>
+                      <a:endParaRPr lang="en-IN" dirty="0"/>
+                    </a:p>
+                  </a:txBody>
+                  <a:tcPr/>
+                </a:tc>
+                <a:tc>
+                  <a:txBody>
+                    <a:bodyPr/>
+                    <a:lstStyle/>
+                    <a:p>
+                      <a:r>
+                        <a:rPr lang="en-US" dirty="0" smtClean="0"/>
+                        <a:t>N</a:t>
+                      </a:r>
+                      <a:endParaRPr lang="en-IN" dirty="0"/>
+                    </a:p>
+                  </a:txBody>
+                  <a:tcPr/>
+                </a:tc>
+              </a:tr>
+              <a:tr h="370840">
+                <a:tc>
+                  <a:txBody>
+                    <a:bodyPr/>
+                    <a:lstStyle/>
+                    <a:p>
+                      <a:r>
+                        <a:rPr lang="en-US" dirty="0" smtClean="0"/>
+                        <a:t>+Index</a:t>
+                      </a:r>
+                      <a:endParaRPr lang="en-IN" dirty="0"/>
+                    </a:p>
+                  </a:txBody>
+                  <a:tcPr/>
+                </a:tc>
+                <a:tc>
+                  <a:txBody>
+                    <a:bodyPr/>
+                    <a:lstStyle/>
+                    <a:p>
+                      <a:r>
+                        <a:rPr lang="en-US" dirty="0" smtClean="0"/>
+                        <a:t>0</a:t>
+                      </a:r>
+                      <a:endParaRPr lang="en-IN" dirty="0"/>
+                    </a:p>
+                  </a:txBody>
+                  <a:tcPr/>
+                </a:tc>
+                <a:tc>
+                  <a:txBody>
+                    <a:bodyPr/>
+                    <a:lstStyle/>
+                    <a:p>
+                      <a:r>
+                        <a:rPr lang="en-US" dirty="0" smtClean="0"/>
+                        <a:t>1</a:t>
+                      </a:r>
+                      <a:endParaRPr lang="en-IN" dirty="0"/>
+                    </a:p>
+                  </a:txBody>
+                  <a:tcPr/>
+                </a:tc>
+                <a:tc>
+                  <a:txBody>
+                    <a:bodyPr/>
+                    <a:lstStyle/>
+                    <a:p>
+                      <a:r>
+                        <a:rPr lang="en-US" dirty="0" smtClean="0"/>
+                        <a:t>2</a:t>
+                      </a:r>
+                      <a:endParaRPr lang="en-IN" dirty="0"/>
+                    </a:p>
+                  </a:txBody>
+                  <a:tcPr/>
+                </a:tc>
+                <a:tc>
+                  <a:txBody>
+                    <a:bodyPr/>
+                    <a:lstStyle/>
+                    <a:p>
+                      <a:r>
+                        <a:rPr lang="en-US" dirty="0" smtClean="0"/>
+                        <a:t>3</a:t>
+                      </a:r>
+                      <a:endParaRPr lang="en-IN" dirty="0"/>
+                    </a:p>
+                  </a:txBody>
+                  <a:tcPr/>
+                </a:tc>
+                <a:tc>
+                  <a:txBody>
+                    <a:bodyPr/>
+                    <a:lstStyle/>
+                    <a:p>
+                      <a:r>
+                        <a:rPr lang="en-US" dirty="0" smtClean="0"/>
+                        <a:t>4</a:t>
+                      </a:r>
+                      <a:endParaRPr lang="en-IN" dirty="0"/>
+                    </a:p>
+                  </a:txBody>
+                  <a:tcPr/>
+                </a:tc>
+                <a:tc>
+                  <a:txBody>
+                    <a:bodyPr/>
+                    <a:lstStyle/>
+                    <a:p>
+                      <a:r>
+                        <a:rPr lang="en-US" dirty="0" smtClean="0"/>
+                        <a:t>5</a:t>
+                      </a:r>
+                      <a:endParaRPr lang="en-IN" dirty="0"/>
+                    </a:p>
+                  </a:txBody>
+                  <a:tcPr/>
+                </a:tc>
+                <a:tc>
+                  <a:txBody>
+                    <a:bodyPr/>
+                    <a:lstStyle/>
+                    <a:p>
+                      <a:r>
+                        <a:rPr lang="en-US" dirty="0" smtClean="0"/>
+                        <a:t>6</a:t>
+                      </a:r>
+                      <a:endParaRPr lang="en-IN" dirty="0"/>
+                    </a:p>
+                  </a:txBody>
+                  <a:tcPr/>
+                </a:tc>
+                <a:tc>
+                  <a:txBody>
+                    <a:bodyPr/>
+                    <a:lstStyle/>
+                    <a:p>
+                      <a:r>
+                        <a:rPr lang="en-US" dirty="0" smtClean="0"/>
+                        <a:t>7</a:t>
+                      </a:r>
+                      <a:endParaRPr lang="en-IN" dirty="0"/>
+                    </a:p>
+                  </a:txBody>
+                  <a:tcPr/>
+                </a:tc>
+                <a:tc>
+                  <a:txBody>
+                    <a:bodyPr/>
+                    <a:lstStyle/>
+                    <a:p>
+                      <a:r>
+                        <a:rPr lang="en-US" dirty="0" smtClean="0"/>
+                        <a:t>8</a:t>
+                      </a:r>
+                      <a:endParaRPr lang="en-IN" dirty="0"/>
+                    </a:p>
+                  </a:txBody>
+                  <a:tcPr/>
+                </a:tc>
+                <a:tc>
+                  <a:txBody>
+                    <a:bodyPr/>
+                    <a:lstStyle/>
+                    <a:p>
+                      <a:r>
+                        <a:rPr lang="en-US" dirty="0" smtClean="0"/>
+                        <a:t>9</a:t>
+                      </a:r>
+                      <a:endParaRPr lang="en-IN" dirty="0"/>
+                    </a:p>
+                  </a:txBody>
+                  <a:tcPr/>
+                </a:tc>
+                <a:tc>
+                  <a:txBody>
+                    <a:bodyPr/>
+                    <a:lstStyle/>
+                    <a:p>
+                      <a:r>
+                        <a:rPr lang="en-US" dirty="0" smtClean="0"/>
+                        <a:t>10</a:t>
+                      </a:r>
+                      <a:endParaRPr lang="en-IN" dirty="0"/>
+                    </a:p>
+                  </a:txBody>
+                  <a:tcPr/>
+                </a:tc>
+                <a:tc>
+                  <a:txBody>
+                    <a:bodyPr/>
+                    <a:lstStyle/>
+                    <a:p>
+                      <a:r>
+                        <a:rPr lang="en-US" dirty="0" smtClean="0"/>
+                        <a:t>11</a:t>
+                      </a:r>
+                      <a:endParaRPr lang="en-IN" dirty="0"/>
+                    </a:p>
+                  </a:txBody>
+                  <a:tcPr/>
+                </a:tc>
+              </a:tr>
+              <a:tr h="370840">
+                <a:tc>
+                  <a:txBody>
+                    <a:bodyPr/>
+                    <a:lstStyle/>
+                    <a:p>
+                      <a:r>
+                        <a:rPr lang="en-US" dirty="0" smtClean="0"/>
+                        <a:t>-Index</a:t>
+                      </a:r>
+                      <a:endParaRPr lang="en-IN" dirty="0"/>
+                    </a:p>
+                  </a:txBody>
+                  <a:tcPr/>
+                </a:tc>
+                <a:tc>
+                  <a:txBody>
+                    <a:bodyPr/>
+                    <a:lstStyle/>
+                    <a:p>
+                      <a:r>
+                        <a:rPr lang="en-US" dirty="0" smtClean="0"/>
+                        <a:t>-12</a:t>
+                      </a:r>
+                      <a:endParaRPr lang="en-IN" dirty="0"/>
+                    </a:p>
+                  </a:txBody>
+                  <a:tcPr/>
+                </a:tc>
+                <a:tc>
+                  <a:txBody>
+                    <a:bodyPr/>
+                    <a:lstStyle/>
+                    <a:p>
+                      <a:r>
+                        <a:rPr lang="en-US" dirty="0" smtClean="0"/>
+                        <a:t>-11</a:t>
+                      </a:r>
+                      <a:endParaRPr lang="en-IN" dirty="0"/>
+                    </a:p>
+                  </a:txBody>
+                  <a:tcPr/>
+                </a:tc>
+                <a:tc>
+                  <a:txBody>
+                    <a:bodyPr/>
+                    <a:lstStyle/>
+                    <a:p>
+                      <a:r>
+                        <a:rPr lang="en-US" dirty="0" smtClean="0"/>
+                        <a:t>-10</a:t>
+                      </a:r>
+                      <a:endParaRPr lang="en-IN" dirty="0"/>
+                    </a:p>
+                  </a:txBody>
+                  <a:tcPr/>
+                </a:tc>
+                <a:tc>
+                  <a:txBody>
+                    <a:bodyPr/>
+                    <a:lstStyle/>
+                    <a:p>
+                      <a:r>
+                        <a:rPr lang="en-US" dirty="0" smtClean="0"/>
+                        <a:t>-9</a:t>
+                      </a:r>
+                      <a:endParaRPr lang="en-IN" dirty="0"/>
+                    </a:p>
+                  </a:txBody>
+                  <a:tcPr/>
+                </a:tc>
+                <a:tc>
+                  <a:txBody>
+                    <a:bodyPr/>
+                    <a:lstStyle/>
+                    <a:p>
+                      <a:r>
+                        <a:rPr lang="en-US" dirty="0" smtClean="0"/>
+                        <a:t>-8</a:t>
+                      </a:r>
+                      <a:endParaRPr lang="en-IN" dirty="0"/>
+                    </a:p>
+                  </a:txBody>
+                  <a:tcPr/>
+                </a:tc>
+                <a:tc>
+                  <a:txBody>
+                    <a:bodyPr/>
+                    <a:lstStyle/>
+                    <a:p>
+                      <a:r>
+                        <a:rPr lang="en-US" dirty="0" smtClean="0"/>
+                        <a:t>-7</a:t>
+                      </a:r>
+                      <a:endParaRPr lang="en-IN" dirty="0"/>
+                    </a:p>
+                  </a:txBody>
+                  <a:tcPr/>
+                </a:tc>
+                <a:tc>
+                  <a:txBody>
+                    <a:bodyPr/>
+                    <a:lstStyle/>
+                    <a:p>
+                      <a:r>
+                        <a:rPr lang="en-US" dirty="0" smtClean="0"/>
+                        <a:t>-6</a:t>
+                      </a:r>
+                      <a:endParaRPr lang="en-IN" dirty="0"/>
+                    </a:p>
+                  </a:txBody>
+                  <a:tcPr/>
+                </a:tc>
+                <a:tc>
+                  <a:txBody>
+                    <a:bodyPr/>
+                    <a:lstStyle/>
+                    <a:p>
+                      <a:r>
+                        <a:rPr lang="en-US" dirty="0" smtClean="0"/>
+                        <a:t>-5</a:t>
+                      </a:r>
+                      <a:endParaRPr lang="en-IN" dirty="0"/>
+                    </a:p>
+                  </a:txBody>
+                  <a:tcPr/>
+                </a:tc>
+                <a:tc>
+                  <a:txBody>
+                    <a:bodyPr/>
+                    <a:lstStyle/>
+                    <a:p>
+                      <a:r>
+                        <a:rPr lang="en-US" dirty="0" smtClean="0"/>
+                        <a:t>-4</a:t>
+                      </a:r>
+                      <a:endParaRPr lang="en-IN" dirty="0"/>
+                    </a:p>
+                  </a:txBody>
+                  <a:tcPr/>
+                </a:tc>
+                <a:tc>
+                  <a:txBody>
+                    <a:bodyPr/>
+                    <a:lstStyle/>
+                    <a:p>
+                      <a:r>
+                        <a:rPr lang="en-US" dirty="0" smtClean="0"/>
+                        <a:t>-3</a:t>
+                      </a:r>
+                      <a:endParaRPr lang="en-IN" dirty="0"/>
+                    </a:p>
+                  </a:txBody>
+                  <a:tcPr/>
+                </a:tc>
+                <a:tc>
+                  <a:txBody>
+                    <a:bodyPr/>
+                    <a:lstStyle/>
+                    <a:p>
+                      <a:r>
+                        <a:rPr lang="en-US" dirty="0" smtClean="0"/>
+                        <a:t>-2</a:t>
+                      </a:r>
+                      <a:endParaRPr lang="en-IN" dirty="0"/>
+                    </a:p>
+                  </a:txBody>
+                  <a:tcPr/>
+                </a:tc>
+                <a:tc>
+                  <a:txBody>
+                    <a:bodyPr/>
+                    <a:lstStyle/>
+                    <a:p>
+                      <a:r>
+                        <a:rPr lang="en-US" dirty="0" smtClean="0"/>
+                        <a:t>-1</a:t>
+                      </a:r>
+                      <a:endParaRPr lang="en-IN" dirty="0"/>
+                    </a:p>
+                  </a:txBody>
+                  <a:tcPr/>
+                </a:tc>
+              </a:tr>
+            </a:tbl>
+          </a:graphicData>
+        </a:graphic>
+      </p:graphicFrame>
     </p:spTree>
     <p:extLst>
       <p:ext uri="{BB962C8B-B14F-4D97-AF65-F5344CB8AC3E}">
-        <p14:creationId xmlns:p14="http://schemas.microsoft.com/office/powerpoint/2010/main" val="3303740726"/>
+        <p14:creationId xmlns:p14="http://schemas.microsoft.com/office/powerpoint/2010/main" val="3378197744"/>
       </p:ext>
     </p:extLst>
   </p:cSld>
   <p:clrMapOvr>
     <a:masterClrMapping/>
   </p:clrMapOvr>
+  <mc:AlternateContent xmlns:mc="http://schemas.openxmlformats.org/markup-compatibility/2006">
+    <mc:Choice xmlns:p14="http://schemas.microsoft.com/office/powerpoint/2010/main" Requires="p14">
+      <p:transition spd="slow" p14:dur="1600">
+        <p:blinds dir="vert"/>
+      </p:transition>
+    </mc:Choice>
+    <mc:Fallback>
+      <p:transition spd="slow">
+        <p:blinds dir="vert"/>
+      </p:transition>
+    </mc:Fallback>
+  </mc:AlternateContent>
+  <p:timing>
+    <p:tnLst>
+      <p:par>
+        <p:cTn id="1" dur="indefinite" restart="never" nodeType="tmRoot">
+          <p:childTnLst>
+            <p:seq concurrent="1" nextAc="seek">
+              <p:cTn id="2" dur="indefinite" nodeType="mainSeq">
+                <p:childTnLst>
+                  <p:par>
+                    <p:cTn id="3" fill="hold">
+                      <p:stCondLst>
+                        <p:cond delay="indefinite"/>
+                      </p:stCondLst>
+                      <p:childTnLst>
+                        <p:par>
+                          <p:cTn id="4" fill="hold">
+                            <p:stCondLst>
+                              <p:cond delay="0"/>
+                            </p:stCondLst>
+                            <p:childTnLst>
+                              <p:par>
+                                <p:cTn id="5" presetID="55" presetClass="entr" presetSubtype="0" fill="hold" grpId="0" nodeType="clickEffect">
+                                  <p:stCondLst>
+                                    <p:cond delay="0"/>
+                                  </p:stCondLst>
+                                  <p:childTnLst>
+                                    <p:set>
+                                      <p:cBhvr>
+                                        <p:cTn id="6" dur="1" fill="hold">
+                                          <p:stCondLst>
+                                            <p:cond delay="0"/>
+                                          </p:stCondLst>
+                                        </p:cTn>
+                                        <p:tgtEl>
+                                          <p:spTgt spid="2"/>
+                                        </p:tgtEl>
+                                        <p:attrNameLst>
+                                          <p:attrName>style.visibility</p:attrName>
+                                        </p:attrNameLst>
+                                      </p:cBhvr>
+                                      <p:to>
+                                        <p:strVal val="visible"/>
+                                      </p:to>
+                                    </p:set>
+                                    <p:anim calcmode="lin" valueType="num">
+                                      <p:cBhvr>
+                                        <p:cTn id="7" dur="1000" fill="hold"/>
+                                        <p:tgtEl>
+                                          <p:spTgt spid="2"/>
+                                        </p:tgtEl>
+                                        <p:attrNameLst>
+                                          <p:attrName>ppt_w</p:attrName>
+                                        </p:attrNameLst>
+                                      </p:cBhvr>
+                                      <p:tavLst>
+                                        <p:tav tm="0">
+                                          <p:val>
+                                            <p:strVal val="#ppt_w*0.70"/>
+                                          </p:val>
+                                        </p:tav>
+                                        <p:tav tm="100000">
+                                          <p:val>
+                                            <p:strVal val="#ppt_w"/>
+                                          </p:val>
+                                        </p:tav>
+                                      </p:tavLst>
+                                    </p:anim>
+                                    <p:anim calcmode="lin" valueType="num">
+                                      <p:cBhvr>
+                                        <p:cTn id="8" dur="1000" fill="hold"/>
+                                        <p:tgtEl>
+                                          <p:spTgt spid="2"/>
+                                        </p:tgtEl>
+                                        <p:attrNameLst>
+                                          <p:attrName>ppt_h</p:attrName>
+                                        </p:attrNameLst>
+                                      </p:cBhvr>
+                                      <p:tavLst>
+                                        <p:tav tm="0">
+                                          <p:val>
+                                            <p:strVal val="#ppt_h"/>
+                                          </p:val>
+                                        </p:tav>
+                                        <p:tav tm="100000">
+                                          <p:val>
+                                            <p:strVal val="#ppt_h"/>
+                                          </p:val>
+                                        </p:tav>
+                                      </p:tavLst>
+                                    </p:anim>
+                                    <p:animEffect transition="in" filter="fade">
+                                      <p:cBhvr>
+                                        <p:cTn id="9" dur="1000"/>
+                                        <p:tgtEl>
+                                          <p:spTgt spid="2"/>
+                                        </p:tgtEl>
+                                      </p:cBhvr>
+                                    </p:animEffect>
+                                  </p:childTnLst>
+                                </p:cTn>
+                              </p:par>
+                            </p:childTnLst>
+                          </p:cTn>
+                        </p:par>
+                      </p:childTnLst>
+                    </p:cTn>
+                  </p:par>
+                  <p:par>
+                    <p:cTn id="10" fill="hold">
+                      <p:stCondLst>
+                        <p:cond delay="indefinite"/>
+                      </p:stCondLst>
+                      <p:childTnLst>
+                        <p:par>
+                          <p:cTn id="11" fill="hold">
+                            <p:stCondLst>
+                              <p:cond delay="0"/>
+                            </p:stCondLst>
+                            <p:childTnLst>
+                              <p:par>
+                                <p:cTn id="12" presetID="14" presetClass="entr" presetSubtype="10" fill="hold" grpId="0" nodeType="clickEffect">
+                                  <p:stCondLst>
+                                    <p:cond delay="0"/>
+                                  </p:stCondLst>
+                                  <p:childTnLst>
+                                    <p:set>
+                                      <p:cBhvr>
+                                        <p:cTn id="13" dur="1" fill="hold">
+                                          <p:stCondLst>
+                                            <p:cond delay="0"/>
+                                          </p:stCondLst>
+                                        </p:cTn>
+                                        <p:tgtEl>
+                                          <p:spTgt spid="3">
+                                            <p:txEl>
+                                              <p:pRg st="0" end="0"/>
+                                            </p:txEl>
+                                          </p:spTgt>
+                                        </p:tgtEl>
+                                        <p:attrNameLst>
+                                          <p:attrName>style.visibility</p:attrName>
+                                        </p:attrNameLst>
+                                      </p:cBhvr>
+                                      <p:to>
+                                        <p:strVal val="visible"/>
+                                      </p:to>
+                                    </p:set>
+                                    <p:animEffect transition="in" filter="randombar(horizontal)">
+                                      <p:cBhvr>
+                                        <p:cTn id="14" dur="500"/>
+                                        <p:tgtEl>
+                                          <p:spTgt spid="3">
+                                            <p:txEl>
+                                              <p:pRg st="0" end="0"/>
+                                            </p:txEl>
+                                          </p:spTgt>
+                                        </p:tgtEl>
+                                      </p:cBhvr>
+                                    </p:animEffect>
+                                  </p:childTnLst>
+                                </p:cTn>
+                              </p:par>
+                            </p:childTnLst>
+                          </p:cTn>
+                        </p:par>
+                      </p:childTnLst>
+                    </p:cTn>
+                  </p:par>
+                  <p:par>
+                    <p:cTn id="15" fill="hold">
+                      <p:stCondLst>
+                        <p:cond delay="indefinite"/>
+                      </p:stCondLst>
+                      <p:childTnLst>
+                        <p:par>
+                          <p:cTn id="16" fill="hold">
+                            <p:stCondLst>
+                              <p:cond delay="0"/>
+                            </p:stCondLst>
+                            <p:childTnLst>
+                              <p:par>
+                                <p:cTn id="17" presetID="14" presetClass="entr" presetSubtype="10" fill="hold" grpId="0" nodeType="clickEffect">
+                                  <p:stCondLst>
+                                    <p:cond delay="0"/>
+                                  </p:stCondLst>
+                                  <p:childTnLst>
+                                    <p:set>
+                                      <p:cBhvr>
+                                        <p:cTn id="18" dur="1" fill="hold">
+                                          <p:stCondLst>
+                                            <p:cond delay="0"/>
+                                          </p:stCondLst>
+                                        </p:cTn>
+                                        <p:tgtEl>
+                                          <p:spTgt spid="3">
+                                            <p:txEl>
+                                              <p:pRg st="1" end="1"/>
+                                            </p:txEl>
+                                          </p:spTgt>
+                                        </p:tgtEl>
+                                        <p:attrNameLst>
+                                          <p:attrName>style.visibility</p:attrName>
+                                        </p:attrNameLst>
+                                      </p:cBhvr>
+                                      <p:to>
+                                        <p:strVal val="visible"/>
+                                      </p:to>
+                                    </p:set>
+                                    <p:animEffect transition="in" filter="randombar(horizontal)">
+                                      <p:cBhvr>
+                                        <p:cTn id="19" dur="500"/>
+                                        <p:tgtEl>
+                                          <p:spTgt spid="3">
+                                            <p:txEl>
+                                              <p:pRg st="1" end="1"/>
+                                            </p:txEl>
+                                          </p:spTgt>
+                                        </p:tgtEl>
+                                      </p:cBhvr>
+                                    </p:animEffect>
+                                  </p:childTnLst>
+                                </p:cTn>
+                              </p:par>
+                            </p:childTnLst>
+                          </p:cTn>
+                        </p:par>
+                      </p:childTnLst>
+                    </p:cTn>
+                  </p:par>
+                  <p:par>
+                    <p:cTn id="20" fill="hold">
+                      <p:stCondLst>
+                        <p:cond delay="indefinite"/>
+                      </p:stCondLst>
+                      <p:childTnLst>
+                        <p:par>
+                          <p:cTn id="21" fill="hold">
+                            <p:stCondLst>
+                              <p:cond delay="0"/>
+                            </p:stCondLst>
+                            <p:childTnLst>
+                              <p:par>
+                                <p:cTn id="22" presetID="14" presetClass="entr" presetSubtype="10" fill="hold" grpId="0" nodeType="clickEffect">
+                                  <p:stCondLst>
+                                    <p:cond delay="0"/>
+                                  </p:stCondLst>
+                                  <p:childTnLst>
+                                    <p:set>
+                                      <p:cBhvr>
+                                        <p:cTn id="23" dur="1" fill="hold">
+                                          <p:stCondLst>
+                                            <p:cond delay="0"/>
+                                          </p:stCondLst>
+                                        </p:cTn>
+                                        <p:tgtEl>
+                                          <p:spTgt spid="3">
+                                            <p:txEl>
+                                              <p:pRg st="2" end="2"/>
+                                            </p:txEl>
+                                          </p:spTgt>
+                                        </p:tgtEl>
+                                        <p:attrNameLst>
+                                          <p:attrName>style.visibility</p:attrName>
+                                        </p:attrNameLst>
+                                      </p:cBhvr>
+                                      <p:to>
+                                        <p:strVal val="visible"/>
+                                      </p:to>
+                                    </p:set>
+                                    <p:animEffect transition="in" filter="randombar(horizontal)">
+                                      <p:cBhvr>
+                                        <p:cTn id="24" dur="500"/>
+                                        <p:tgtEl>
+                                          <p:spTgt spid="3">
+                                            <p:txEl>
+                                              <p:pRg st="2" end="2"/>
+                                            </p:txEl>
+                                          </p:spTgt>
+                                        </p:tgtEl>
+                                      </p:cBhvr>
+                                    </p:animEffect>
+                                  </p:childTnLst>
+                                </p:cTn>
+                              </p:par>
+                            </p:childTnLst>
+                          </p:cTn>
+                        </p:par>
+                      </p:childTnLst>
+                    </p:cTn>
+                  </p:par>
+                  <p:par>
+                    <p:cTn id="25" fill="hold">
+                      <p:stCondLst>
+                        <p:cond delay="indefinite"/>
+                      </p:stCondLst>
+                      <p:childTnLst>
+                        <p:par>
+                          <p:cTn id="26" fill="hold">
+                            <p:stCondLst>
+                              <p:cond delay="0"/>
+                            </p:stCondLst>
+                            <p:childTnLst>
+                              <p:par>
+                                <p:cTn id="27" presetID="14" presetClass="entr" presetSubtype="10" fill="hold" grpId="0" nodeType="clickEffect">
+                                  <p:stCondLst>
+                                    <p:cond delay="0"/>
+                                  </p:stCondLst>
+                                  <p:childTnLst>
+                                    <p:set>
+                                      <p:cBhvr>
+                                        <p:cTn id="28" dur="1" fill="hold">
+                                          <p:stCondLst>
+                                            <p:cond delay="0"/>
+                                          </p:stCondLst>
+                                        </p:cTn>
+                                        <p:tgtEl>
+                                          <p:spTgt spid="3">
+                                            <p:txEl>
+                                              <p:pRg st="3" end="3"/>
+                                            </p:txEl>
+                                          </p:spTgt>
+                                        </p:tgtEl>
+                                        <p:attrNameLst>
+                                          <p:attrName>style.visibility</p:attrName>
+                                        </p:attrNameLst>
+                                      </p:cBhvr>
+                                      <p:to>
+                                        <p:strVal val="visible"/>
+                                      </p:to>
+                                    </p:set>
+                                    <p:animEffect transition="in" filter="randombar(horizontal)">
+                                      <p:cBhvr>
+                                        <p:cTn id="29" dur="500"/>
+                                        <p:tgtEl>
+                                          <p:spTgt spid="3">
+                                            <p:txEl>
+                                              <p:pRg st="3" end="3"/>
+                                            </p:txEl>
+                                          </p:spTgt>
+                                        </p:tgtEl>
+                                      </p:cBhvr>
+                                    </p:animEffect>
+                                  </p:childTnLst>
+                                </p:cTn>
+                              </p:par>
+                            </p:childTnLst>
+                          </p:cTn>
+                        </p:par>
+                      </p:childTnLst>
+                    </p:cTn>
+                  </p:par>
+                  <p:par>
+                    <p:cTn id="30" fill="hold">
+                      <p:stCondLst>
+                        <p:cond delay="indefinite"/>
+                      </p:stCondLst>
+                      <p:childTnLst>
+                        <p:par>
+                          <p:cTn id="31" fill="hold">
+                            <p:stCondLst>
+                              <p:cond delay="0"/>
+                            </p:stCondLst>
+                            <p:childTnLst>
+                              <p:par>
+                                <p:cTn id="32" presetID="14" presetClass="entr" presetSubtype="10" fill="hold" grpId="0" nodeType="clickEffect">
+                                  <p:stCondLst>
+                                    <p:cond delay="0"/>
+                                  </p:stCondLst>
+                                  <p:childTnLst>
+                                    <p:set>
+                                      <p:cBhvr>
+                                        <p:cTn id="33" dur="1" fill="hold">
+                                          <p:stCondLst>
+                                            <p:cond delay="0"/>
+                                          </p:stCondLst>
+                                        </p:cTn>
+                                        <p:tgtEl>
+                                          <p:spTgt spid="3">
+                                            <p:txEl>
+                                              <p:pRg st="4" end="4"/>
+                                            </p:txEl>
+                                          </p:spTgt>
+                                        </p:tgtEl>
+                                        <p:attrNameLst>
+                                          <p:attrName>style.visibility</p:attrName>
+                                        </p:attrNameLst>
+                                      </p:cBhvr>
+                                      <p:to>
+                                        <p:strVal val="visible"/>
+                                      </p:to>
+                                    </p:set>
+                                    <p:animEffect transition="in" filter="randombar(horizontal)">
+                                      <p:cBhvr>
+                                        <p:cTn id="34" dur="500"/>
+                                        <p:tgtEl>
+                                          <p:spTgt spid="3">
+                                            <p:txEl>
+                                              <p:pRg st="4" end="4"/>
+                                            </p:txEl>
+                                          </p:spTgt>
+                                        </p:tgtEl>
+                                      </p:cBhvr>
+                                    </p:animEffect>
+                                  </p:childTnLst>
+                                </p:cTn>
+                              </p:par>
+                            </p:childTnLst>
+                          </p:cTn>
+                        </p:par>
+                      </p:childTnLst>
+                    </p:cTn>
+                  </p:par>
+                  <p:par>
+                    <p:cTn id="35" fill="hold">
+                      <p:stCondLst>
+                        <p:cond delay="indefinite"/>
+                      </p:stCondLst>
+                      <p:childTnLst>
+                        <p:par>
+                          <p:cTn id="36" fill="hold">
+                            <p:stCondLst>
+                              <p:cond delay="0"/>
+                            </p:stCondLst>
+                            <p:childTnLst>
+                              <p:par>
+                                <p:cTn id="37" presetID="14" presetClass="entr" presetSubtype="10" fill="hold" grpId="0" nodeType="clickEffect">
+                                  <p:stCondLst>
+                                    <p:cond delay="0"/>
+                                  </p:stCondLst>
+                                  <p:childTnLst>
+                                    <p:set>
+                                      <p:cBhvr>
+                                        <p:cTn id="38" dur="1" fill="hold">
+                                          <p:stCondLst>
+                                            <p:cond delay="0"/>
+                                          </p:stCondLst>
+                                        </p:cTn>
+                                        <p:tgtEl>
+                                          <p:spTgt spid="3">
+                                            <p:txEl>
+                                              <p:pRg st="9" end="9"/>
+                                            </p:txEl>
+                                          </p:spTgt>
+                                        </p:tgtEl>
+                                        <p:attrNameLst>
+                                          <p:attrName>style.visibility</p:attrName>
+                                        </p:attrNameLst>
+                                      </p:cBhvr>
+                                      <p:to>
+                                        <p:strVal val="visible"/>
+                                      </p:to>
+                                    </p:set>
+                                    <p:animEffect transition="in" filter="randombar(horizontal)">
+                                      <p:cBhvr>
+                                        <p:cTn id="39" dur="500"/>
+                                        <p:tgtEl>
+                                          <p:spTgt spid="3">
+                                            <p:txEl>
+                                              <p:pRg st="9" end="9"/>
+                                            </p:txEl>
+                                          </p:spTgt>
+                                        </p:tgtEl>
+                                      </p:cBhvr>
+                                    </p:animEffect>
+                                  </p:childTnLst>
+                                </p:cTn>
+                              </p:par>
+                            </p:childTnLst>
+                          </p:cTn>
+                        </p:par>
+                      </p:childTnLst>
+                    </p:cTn>
+                  </p:par>
+                  <p:par>
+                    <p:cTn id="40" fill="hold">
+                      <p:stCondLst>
+                        <p:cond delay="indefinite"/>
+                      </p:stCondLst>
+                      <p:childTnLst>
+                        <p:par>
+                          <p:cTn id="41" fill="hold">
+                            <p:stCondLst>
+                              <p:cond delay="0"/>
+                            </p:stCondLst>
+                            <p:childTnLst>
+                              <p:par>
+                                <p:cTn id="42" presetID="14" presetClass="entr" presetSubtype="10" fill="hold" grpId="0" nodeType="clickEffect">
+                                  <p:stCondLst>
+                                    <p:cond delay="0"/>
+                                  </p:stCondLst>
+                                  <p:childTnLst>
+                                    <p:set>
+                                      <p:cBhvr>
+                                        <p:cTn id="43" dur="1" fill="hold">
+                                          <p:stCondLst>
+                                            <p:cond delay="0"/>
+                                          </p:stCondLst>
+                                        </p:cTn>
+                                        <p:tgtEl>
+                                          <p:spTgt spid="3">
+                                            <p:txEl>
+                                              <p:pRg st="10" end="10"/>
+                                            </p:txEl>
+                                          </p:spTgt>
+                                        </p:tgtEl>
+                                        <p:attrNameLst>
+                                          <p:attrName>style.visibility</p:attrName>
+                                        </p:attrNameLst>
+                                      </p:cBhvr>
+                                      <p:to>
+                                        <p:strVal val="visible"/>
+                                      </p:to>
+                                    </p:set>
+                                    <p:animEffect transition="in" filter="randombar(horizontal)">
+                                      <p:cBhvr>
+                                        <p:cTn id="44" dur="500"/>
+                                        <p:tgtEl>
+                                          <p:spTgt spid="3">
+                                            <p:txEl>
+                                              <p:pRg st="10" end="10"/>
+                                            </p:txEl>
+                                          </p:spTgt>
+                                        </p:tgtEl>
+                                      </p:cBhvr>
+                                    </p:animEffect>
+                                  </p:childTnLst>
+                                </p:cTn>
+                              </p:par>
+                            </p:childTnLst>
+                          </p:cTn>
+                        </p:par>
+                      </p:childTnLst>
+                    </p:cTn>
+                  </p:par>
+                  <p:par>
+                    <p:cTn id="45" fill="hold">
+                      <p:stCondLst>
+                        <p:cond delay="indefinite"/>
+                      </p:stCondLst>
+                      <p:childTnLst>
+                        <p:par>
+                          <p:cTn id="46" fill="hold">
+                            <p:stCondLst>
+                              <p:cond delay="0"/>
+                            </p:stCondLst>
+                            <p:childTnLst>
+                              <p:par>
+                                <p:cTn id="47" presetID="14" presetClass="entr" presetSubtype="10" fill="hold" grpId="0" nodeType="clickEffect">
+                                  <p:stCondLst>
+                                    <p:cond delay="0"/>
+                                  </p:stCondLst>
+                                  <p:childTnLst>
+                                    <p:set>
+                                      <p:cBhvr>
+                                        <p:cTn id="48" dur="1" fill="hold">
+                                          <p:stCondLst>
+                                            <p:cond delay="0"/>
+                                          </p:stCondLst>
+                                        </p:cTn>
+                                        <p:tgtEl>
+                                          <p:spTgt spid="3">
+                                            <p:txEl>
+                                              <p:pRg st="11" end="11"/>
+                                            </p:txEl>
+                                          </p:spTgt>
+                                        </p:tgtEl>
+                                        <p:attrNameLst>
+                                          <p:attrName>style.visibility</p:attrName>
+                                        </p:attrNameLst>
+                                      </p:cBhvr>
+                                      <p:to>
+                                        <p:strVal val="visible"/>
+                                      </p:to>
+                                    </p:set>
+                                    <p:animEffect transition="in" filter="randombar(horizontal)">
+                                      <p:cBhvr>
+                                        <p:cTn id="49" dur="500"/>
+                                        <p:tgtEl>
+                                          <p:spTgt spid="3">
+                                            <p:txEl>
+                                              <p:pRg st="11" end="11"/>
+                                            </p:txEl>
+                                          </p:spTgt>
+                                        </p:tgtEl>
+                                      </p:cBhvr>
+                                    </p:animEffect>
+                                  </p:childTnLst>
+                                </p:cTn>
+                              </p:par>
+                            </p:childTnLst>
+                          </p:cTn>
+                        </p:par>
+                      </p:childTnLst>
+                    </p:cTn>
+                  </p:par>
+                  <p:par>
+                    <p:cTn id="50" fill="hold">
+                      <p:stCondLst>
+                        <p:cond delay="indefinite"/>
+                      </p:stCondLst>
+                      <p:childTnLst>
+                        <p:par>
+                          <p:cTn id="51" fill="hold">
+                            <p:stCondLst>
+                              <p:cond delay="0"/>
+                            </p:stCondLst>
+                            <p:childTnLst>
+                              <p:par>
+                                <p:cTn id="52" presetID="14" presetClass="entr" presetSubtype="10" fill="hold" grpId="0" nodeType="clickEffect">
+                                  <p:stCondLst>
+                                    <p:cond delay="0"/>
+                                  </p:stCondLst>
+                                  <p:childTnLst>
+                                    <p:set>
+                                      <p:cBhvr>
+                                        <p:cTn id="53" dur="1" fill="hold">
+                                          <p:stCondLst>
+                                            <p:cond delay="0"/>
+                                          </p:stCondLst>
+                                        </p:cTn>
+                                        <p:tgtEl>
+                                          <p:spTgt spid="3">
+                                            <p:txEl>
+                                              <p:pRg st="12" end="12"/>
+                                            </p:txEl>
+                                          </p:spTgt>
+                                        </p:tgtEl>
+                                        <p:attrNameLst>
+                                          <p:attrName>style.visibility</p:attrName>
+                                        </p:attrNameLst>
+                                      </p:cBhvr>
+                                      <p:to>
+                                        <p:strVal val="visible"/>
+                                      </p:to>
+                                    </p:set>
+                                    <p:animEffect transition="in" filter="randombar(horizontal)">
+                                      <p:cBhvr>
+                                        <p:cTn id="54" dur="500"/>
+                                        <p:tgtEl>
+                                          <p:spTgt spid="3">
+                                            <p:txEl>
+                                              <p:pRg st="12" end="12"/>
+                                            </p:txEl>
+                                          </p:spTgt>
+                                        </p:tgtEl>
+                                      </p:cBhvr>
+                                    </p:animEffect>
+                                  </p:childTnLst>
+                                </p:cTn>
+                              </p:par>
+                            </p:childTnLst>
+                          </p:cTn>
+                        </p:par>
+                      </p:childTnLst>
+                    </p:cTn>
+                  </p:par>
+                  <p:par>
+                    <p:cTn id="55" fill="hold">
+                      <p:stCondLst>
+                        <p:cond delay="indefinite"/>
+                      </p:stCondLst>
+                      <p:childTnLst>
+                        <p:par>
+                          <p:cTn id="56" fill="hold">
+                            <p:stCondLst>
+                              <p:cond delay="0"/>
+                            </p:stCondLst>
+                            <p:childTnLst>
+                              <p:par>
+                                <p:cTn id="57" presetID="14" presetClass="entr" presetSubtype="10" fill="hold" grpId="0" nodeType="clickEffect">
+                                  <p:stCondLst>
+                                    <p:cond delay="0"/>
+                                  </p:stCondLst>
+                                  <p:childTnLst>
+                                    <p:set>
+                                      <p:cBhvr>
+                                        <p:cTn id="58" dur="1" fill="hold">
+                                          <p:stCondLst>
+                                            <p:cond delay="0"/>
+                                          </p:stCondLst>
+                                        </p:cTn>
+                                        <p:tgtEl>
+                                          <p:spTgt spid="3">
+                                            <p:txEl>
+                                              <p:pRg st="13" end="13"/>
+                                            </p:txEl>
+                                          </p:spTgt>
+                                        </p:tgtEl>
+                                        <p:attrNameLst>
+                                          <p:attrName>style.visibility</p:attrName>
+                                        </p:attrNameLst>
+                                      </p:cBhvr>
+                                      <p:to>
+                                        <p:strVal val="visible"/>
+                                      </p:to>
+                                    </p:set>
+                                    <p:animEffect transition="in" filter="randombar(horizontal)">
+                                      <p:cBhvr>
+                                        <p:cTn id="59" dur="500"/>
+                                        <p:tgtEl>
+                                          <p:spTgt spid="3">
+                                            <p:txEl>
+                                              <p:pRg st="13" end="13"/>
+                                            </p:txEl>
+                                          </p:spTgt>
+                                        </p:tgtEl>
+                                      </p:cBhvr>
+                                    </p:animEffect>
+                                  </p:childTnLst>
+                                </p:cTn>
+                              </p:par>
+                            </p:childTnLst>
+                          </p:cTn>
+                        </p:par>
+                      </p:childTnLst>
+                    </p:cTn>
+                  </p:par>
+                  <p:par>
+                    <p:cTn id="60" fill="hold">
+                      <p:stCondLst>
+                        <p:cond delay="indefinite"/>
+                      </p:stCondLst>
+                      <p:childTnLst>
+                        <p:par>
+                          <p:cTn id="61" fill="hold">
+                            <p:stCondLst>
+                              <p:cond delay="0"/>
+                            </p:stCondLst>
+                            <p:childTnLst>
+                              <p:par>
+                                <p:cTn id="62" presetID="10" presetClass="entr" presetSubtype="0" fill="hold" nodeType="clickEffect">
+                                  <p:stCondLst>
+                                    <p:cond delay="0"/>
+                                  </p:stCondLst>
+                                  <p:childTnLst>
+                                    <p:set>
+                                      <p:cBhvr>
+                                        <p:cTn id="63" dur="1" fill="hold">
+                                          <p:stCondLst>
+                                            <p:cond delay="0"/>
+                                          </p:stCondLst>
+                                        </p:cTn>
+                                        <p:tgtEl>
+                                          <p:spTgt spid="4"/>
+                                        </p:tgtEl>
+                                        <p:attrNameLst>
+                                          <p:attrName>style.visibility</p:attrName>
+                                        </p:attrNameLst>
+                                      </p:cBhvr>
+                                      <p:to>
+                                        <p:strVal val="visible"/>
+                                      </p:to>
+                                    </p:set>
+                                    <p:animEffect transition="in" filter="fade">
+                                      <p:cBhvr>
+                                        <p:cTn id="64" dur="500"/>
+                                        <p:tgtEl>
+                                          <p:spTgt spid="4"/>
+                                        </p:tgtEl>
+                                      </p:cBhvr>
+                                    </p:animEffect>
+                                  </p:childTnLst>
+                                </p:cTn>
+                              </p:par>
+                            </p:childTnLst>
+                          </p:cTn>
+                        </p:par>
+                      </p:childTnLst>
+                    </p:cTn>
+                  </p:par>
+                </p:childTnLst>
+              </p:cTn>
+              <p:prevCondLst>
+                <p:cond evt="onPrev" delay="0">
+                  <p:tgtEl>
+                    <p:sldTgt/>
+                  </p:tgtEl>
+                </p:cond>
+              </p:prevCondLst>
+              <p:nextCondLst>
+                <p:cond evt="onNext" delay="0">
+                  <p:tgtEl>
+                    <p:sldTgt/>
+                  </p:tgtEl>
+                </p:cond>
+              </p:nextCondLst>
+            </p:seq>
+          </p:childTnLst>
+        </p:cTn>
+      </p:par>
+    </p:tnLst>
+    <p:bldLst>
+      <p:bldP spid="2" grpId="0"/>
+      <p:bldP spid="3" grpId="0" build="p"/>
+    </p:bldLst>
+  </p:timing>
 </p:sld>
 </file>
 
@@ -3550,13 +5494,13 @@
             <a:spLocks noGrp="1"/>
           </p:cNvSpPr>
           <p:nvPr>
-            <p:ph type="ctrTitle"/>
+            <p:ph type="ctrTitle" idx="4294967295"/>
           </p:nvPr>
         </p:nvSpPr>
         <p:spPr>
           <a:xfrm>
-            <a:off x="1857286" y="205099"/>
-            <a:ext cx="7756733" cy="897308"/>
+            <a:off x="4631821" y="123009"/>
+            <a:ext cx="2264636" cy="749300"/>
           </a:xfrm>
         </p:spPr>
         <p:txBody>
@@ -3566,52 +5510,679 @@
           <a:lstStyle/>
           <a:p>
             <a:r>
-              <a:rPr lang="en-IN" sz="2800" b="1" dirty="0"/>
-              <a:t>Python if...else Statement</a:t>
-            </a:r>
+              <a:rPr lang="en-US" u="sng" dirty="0" smtClean="0">
+                <a:latin typeface="Algerian" panose="04020705040A02060702" pitchFamily="82" charset="0"/>
+              </a:rPr>
+              <a:t>Lists</a:t>
+            </a:r>
+            <a:endParaRPr lang="en-IN" u="sng" dirty="0">
+              <a:latin typeface="Algerian" panose="04020705040A02060702" pitchFamily="82" charset="0"/>
+            </a:endParaRPr>
           </a:p>
         </p:txBody>
       </p:sp>
-      <p:pic>
-        <p:nvPicPr>
-          <p:cNvPr id="49" name="Picture 48"/>
-          <p:cNvPicPr>
-            <a:picLocks noChangeAspect="1"/>
-          </p:cNvPicPr>
-          <p:nvPr/>
-        </p:nvPicPr>
-        <p:blipFill>
-          <a:blip r:embed="rId2" cstate="print">
-            <a:extLst>
-              <a:ext uri="{28A0092B-C50C-407E-A947-70E740481C1C}">
-                <a14:useLocalDpi xmlns:a14="http://schemas.microsoft.com/office/drawing/2010/main" val="0"/>
-              </a:ext>
-            </a:extLst>
-          </a:blip>
-          <a:stretch>
-            <a:fillRect/>
-          </a:stretch>
-        </p:blipFill>
+      <p:sp>
+        <p:nvSpPr>
+          <p:cNvPr id="3" name="Subtitle 2"/>
+          <p:cNvSpPr>
+            <a:spLocks noGrp="1"/>
+          </p:cNvSpPr>
+          <p:nvPr>
+            <p:ph type="subTitle" idx="4294967295"/>
+          </p:nvPr>
+        </p:nvSpPr>
         <p:spPr>
           <a:xfrm>
-            <a:off x="2667882" y="1781950"/>
-            <a:ext cx="5655722" cy="4304985"/>
+            <a:off x="744449" y="1376200"/>
+            <a:ext cx="10971835" cy="4289425"/>
           </a:xfrm>
-          <a:prstGeom prst="rect">
-            <a:avLst/>
-          </a:prstGeom>
         </p:spPr>
-      </p:pic>
+        <p:txBody>
+          <a:bodyPr>
+            <a:normAutofit/>
+          </a:bodyPr>
+          <a:lstStyle/>
+          <a:p>
+            <a:pPr algn="l">
+              <a:buFont typeface="Wingdings" panose="05000000000000000000" pitchFamily="2" charset="2"/>
+              <a:buChar char="q"/>
+            </a:pPr>
+            <a:r>
+              <a:rPr lang="en-US" sz="2000" dirty="0" smtClean="0"/>
+              <a:t>A list is a collection of values or an ordered sequence of values/items. </a:t>
+            </a:r>
+          </a:p>
+          <a:p>
+            <a:pPr algn="l">
+              <a:buFont typeface="Wingdings" panose="05000000000000000000" pitchFamily="2" charset="2"/>
+              <a:buChar char="q"/>
+            </a:pPr>
+            <a:r>
+              <a:rPr lang="en-US" sz="2000" dirty="0" smtClean="0"/>
+              <a:t>The item in list can be of any type such as string, integer, float, objects or even list.</a:t>
+            </a:r>
+          </a:p>
+          <a:p>
+            <a:pPr algn="l">
+              <a:buFont typeface="Wingdings" panose="05000000000000000000" pitchFamily="2" charset="2"/>
+              <a:buChar char="q"/>
+            </a:pPr>
+            <a:r>
+              <a:rPr lang="en-US" sz="2000" dirty="0" smtClean="0"/>
+              <a:t>Elements of a list are enclosed in</a:t>
+            </a:r>
+            <a:r>
+              <a:rPr lang="en-US" sz="2000" b="1" dirty="0" smtClean="0"/>
+              <a:t> square </a:t>
+            </a:r>
+            <a:r>
+              <a:rPr lang="en-US" sz="2000" b="1" dirty="0" err="1" smtClean="0"/>
+              <a:t>brakets</a:t>
+            </a:r>
+            <a:r>
+              <a:rPr lang="en-US" sz="2000" b="1" dirty="0" smtClean="0"/>
+              <a:t> [] </a:t>
+            </a:r>
+            <a:r>
+              <a:rPr lang="en-US" sz="2000" dirty="0" smtClean="0"/>
+              <a:t>&amp; separated by commas.</a:t>
+            </a:r>
+          </a:p>
+          <a:p>
+            <a:pPr algn="l">
+              <a:buFont typeface="Wingdings" panose="05000000000000000000" pitchFamily="2" charset="2"/>
+              <a:buChar char="q"/>
+            </a:pPr>
+            <a:r>
+              <a:rPr lang="en-US" sz="2000" dirty="0" smtClean="0"/>
+              <a:t>Lists are mutable, value in the list can be change.</a:t>
+            </a:r>
+          </a:p>
+          <a:p>
+            <a:pPr algn="l"/>
+            <a:endParaRPr lang="en-US" sz="2000" dirty="0"/>
+          </a:p>
+          <a:p>
+            <a:pPr algn="l"/>
+            <a:r>
+              <a:rPr lang="en-US" sz="2400" b="1" u="sng" dirty="0" smtClean="0"/>
+              <a:t>Declaring List:</a:t>
+            </a:r>
+          </a:p>
+          <a:p>
+            <a:pPr algn="l"/>
+            <a:r>
+              <a:rPr lang="en-US" sz="2000" dirty="0" smtClean="0"/>
+              <a:t>l1 = []		# empty list</a:t>
+            </a:r>
+          </a:p>
+          <a:p>
+            <a:pPr algn="l"/>
+            <a:r>
+              <a:rPr lang="en-US" sz="2000" dirty="0"/>
+              <a:t>l</a:t>
+            </a:r>
+            <a:r>
+              <a:rPr lang="en-US" sz="2000" dirty="0" smtClean="0"/>
+              <a:t>2 = [1,2,5,8]	# list of integers</a:t>
+            </a:r>
+          </a:p>
+          <a:p>
+            <a:pPr algn="l"/>
+            <a:r>
+              <a:rPr lang="en-US" sz="2000" dirty="0" smtClean="0"/>
+              <a:t>L3 = [“Apple”,50,55.55,”Delhi”]	# List of different data types</a:t>
+            </a:r>
+          </a:p>
+          <a:p>
+            <a:pPr algn="l"/>
+            <a:endParaRPr lang="en-IN" sz="2000" dirty="0"/>
+          </a:p>
+        </p:txBody>
+      </p:sp>
     </p:spTree>
     <p:extLst>
       <p:ext uri="{BB962C8B-B14F-4D97-AF65-F5344CB8AC3E}">
-        <p14:creationId xmlns:p14="http://schemas.microsoft.com/office/powerpoint/2010/main" val="485936874"/>
+        <p14:creationId xmlns:p14="http://schemas.microsoft.com/office/powerpoint/2010/main" val="3012338386"/>
       </p:ext>
     </p:extLst>
   </p:cSld>
   <p:clrMapOvr>
     <a:masterClrMapping/>
   </p:clrMapOvr>
+  <mc:AlternateContent xmlns:mc="http://schemas.openxmlformats.org/markup-compatibility/2006">
+    <mc:Choice xmlns:p14="http://schemas.microsoft.com/office/powerpoint/2010/main" Requires="p14">
+      <p:transition spd="slow" p14:dur="1600">
+        <p:blinds dir="vert"/>
+      </p:transition>
+    </mc:Choice>
+    <mc:Fallback>
+      <p:transition spd="slow">
+        <p:blinds dir="vert"/>
+      </p:transition>
+    </mc:Fallback>
+  </mc:AlternateContent>
+  <p:timing>
+    <p:tnLst>
+      <p:par>
+        <p:cTn id="1" dur="indefinite" restart="never" nodeType="tmRoot">
+          <p:childTnLst>
+            <p:seq concurrent="1" nextAc="seek">
+              <p:cTn id="2" dur="indefinite" nodeType="mainSeq">
+                <p:childTnLst>
+                  <p:par>
+                    <p:cTn id="3" fill="hold">
+                      <p:stCondLst>
+                        <p:cond delay="indefinite"/>
+                      </p:stCondLst>
+                      <p:childTnLst>
+                        <p:par>
+                          <p:cTn id="4" fill="hold">
+                            <p:stCondLst>
+                              <p:cond delay="0"/>
+                            </p:stCondLst>
+                            <p:childTnLst>
+                              <p:par>
+                                <p:cTn id="5" presetID="14" presetClass="entr" presetSubtype="10" fill="hold" grpId="0" nodeType="clickEffect">
+                                  <p:stCondLst>
+                                    <p:cond delay="0"/>
+                                  </p:stCondLst>
+                                  <p:childTnLst>
+                                    <p:set>
+                                      <p:cBhvr>
+                                        <p:cTn id="6" dur="1" fill="hold">
+                                          <p:stCondLst>
+                                            <p:cond delay="0"/>
+                                          </p:stCondLst>
+                                        </p:cTn>
+                                        <p:tgtEl>
+                                          <p:spTgt spid="3">
+                                            <p:txEl>
+                                              <p:pRg st="0" end="0"/>
+                                            </p:txEl>
+                                          </p:spTgt>
+                                        </p:tgtEl>
+                                        <p:attrNameLst>
+                                          <p:attrName>style.visibility</p:attrName>
+                                        </p:attrNameLst>
+                                      </p:cBhvr>
+                                      <p:to>
+                                        <p:strVal val="visible"/>
+                                      </p:to>
+                                    </p:set>
+                                    <p:animEffect transition="in" filter="randombar(horizontal)">
+                                      <p:cBhvr>
+                                        <p:cTn id="7" dur="500"/>
+                                        <p:tgtEl>
+                                          <p:spTgt spid="3">
+                                            <p:txEl>
+                                              <p:pRg st="0" end="0"/>
+                                            </p:txEl>
+                                          </p:spTgt>
+                                        </p:tgtEl>
+                                      </p:cBhvr>
+                                    </p:animEffect>
+                                  </p:childTnLst>
+                                </p:cTn>
+                              </p:par>
+                            </p:childTnLst>
+                          </p:cTn>
+                        </p:par>
+                      </p:childTnLst>
+                    </p:cTn>
+                  </p:par>
+                  <p:par>
+                    <p:cTn id="8" fill="hold">
+                      <p:stCondLst>
+                        <p:cond delay="indefinite"/>
+                      </p:stCondLst>
+                      <p:childTnLst>
+                        <p:par>
+                          <p:cTn id="9" fill="hold">
+                            <p:stCondLst>
+                              <p:cond delay="0"/>
+                            </p:stCondLst>
+                            <p:childTnLst>
+                              <p:par>
+                                <p:cTn id="10" presetID="14" presetClass="entr" presetSubtype="10" fill="hold" grpId="0" nodeType="clickEffect">
+                                  <p:stCondLst>
+                                    <p:cond delay="0"/>
+                                  </p:stCondLst>
+                                  <p:childTnLst>
+                                    <p:set>
+                                      <p:cBhvr>
+                                        <p:cTn id="11" dur="1" fill="hold">
+                                          <p:stCondLst>
+                                            <p:cond delay="0"/>
+                                          </p:stCondLst>
+                                        </p:cTn>
+                                        <p:tgtEl>
+                                          <p:spTgt spid="3">
+                                            <p:txEl>
+                                              <p:pRg st="1" end="1"/>
+                                            </p:txEl>
+                                          </p:spTgt>
+                                        </p:tgtEl>
+                                        <p:attrNameLst>
+                                          <p:attrName>style.visibility</p:attrName>
+                                        </p:attrNameLst>
+                                      </p:cBhvr>
+                                      <p:to>
+                                        <p:strVal val="visible"/>
+                                      </p:to>
+                                    </p:set>
+                                    <p:animEffect transition="in" filter="randombar(horizontal)">
+                                      <p:cBhvr>
+                                        <p:cTn id="12" dur="500"/>
+                                        <p:tgtEl>
+                                          <p:spTgt spid="3">
+                                            <p:txEl>
+                                              <p:pRg st="1" end="1"/>
+                                            </p:txEl>
+                                          </p:spTgt>
+                                        </p:tgtEl>
+                                      </p:cBhvr>
+                                    </p:animEffect>
+                                  </p:childTnLst>
+                                </p:cTn>
+                              </p:par>
+                            </p:childTnLst>
+                          </p:cTn>
+                        </p:par>
+                      </p:childTnLst>
+                    </p:cTn>
+                  </p:par>
+                  <p:par>
+                    <p:cTn id="13" fill="hold">
+                      <p:stCondLst>
+                        <p:cond delay="indefinite"/>
+                      </p:stCondLst>
+                      <p:childTnLst>
+                        <p:par>
+                          <p:cTn id="14" fill="hold">
+                            <p:stCondLst>
+                              <p:cond delay="0"/>
+                            </p:stCondLst>
+                            <p:childTnLst>
+                              <p:par>
+                                <p:cTn id="15" presetID="14" presetClass="entr" presetSubtype="10" fill="hold" grpId="0" nodeType="clickEffect">
+                                  <p:stCondLst>
+                                    <p:cond delay="0"/>
+                                  </p:stCondLst>
+                                  <p:childTnLst>
+                                    <p:set>
+                                      <p:cBhvr>
+                                        <p:cTn id="16" dur="1" fill="hold">
+                                          <p:stCondLst>
+                                            <p:cond delay="0"/>
+                                          </p:stCondLst>
+                                        </p:cTn>
+                                        <p:tgtEl>
+                                          <p:spTgt spid="3">
+                                            <p:txEl>
+                                              <p:pRg st="2" end="2"/>
+                                            </p:txEl>
+                                          </p:spTgt>
+                                        </p:tgtEl>
+                                        <p:attrNameLst>
+                                          <p:attrName>style.visibility</p:attrName>
+                                        </p:attrNameLst>
+                                      </p:cBhvr>
+                                      <p:to>
+                                        <p:strVal val="visible"/>
+                                      </p:to>
+                                    </p:set>
+                                    <p:animEffect transition="in" filter="randombar(horizontal)">
+                                      <p:cBhvr>
+                                        <p:cTn id="17" dur="500"/>
+                                        <p:tgtEl>
+                                          <p:spTgt spid="3">
+                                            <p:txEl>
+                                              <p:pRg st="2" end="2"/>
+                                            </p:txEl>
+                                          </p:spTgt>
+                                        </p:tgtEl>
+                                      </p:cBhvr>
+                                    </p:animEffect>
+                                  </p:childTnLst>
+                                </p:cTn>
+                              </p:par>
+                            </p:childTnLst>
+                          </p:cTn>
+                        </p:par>
+                      </p:childTnLst>
+                    </p:cTn>
+                  </p:par>
+                  <p:par>
+                    <p:cTn id="18" fill="hold">
+                      <p:stCondLst>
+                        <p:cond delay="indefinite"/>
+                      </p:stCondLst>
+                      <p:childTnLst>
+                        <p:par>
+                          <p:cTn id="19" fill="hold">
+                            <p:stCondLst>
+                              <p:cond delay="0"/>
+                            </p:stCondLst>
+                            <p:childTnLst>
+                              <p:par>
+                                <p:cTn id="20" presetID="14" presetClass="entr" presetSubtype="10" fill="hold" grpId="0" nodeType="clickEffect">
+                                  <p:stCondLst>
+                                    <p:cond delay="0"/>
+                                  </p:stCondLst>
+                                  <p:childTnLst>
+                                    <p:set>
+                                      <p:cBhvr>
+                                        <p:cTn id="21" dur="1" fill="hold">
+                                          <p:stCondLst>
+                                            <p:cond delay="0"/>
+                                          </p:stCondLst>
+                                        </p:cTn>
+                                        <p:tgtEl>
+                                          <p:spTgt spid="3">
+                                            <p:txEl>
+                                              <p:pRg st="3" end="3"/>
+                                            </p:txEl>
+                                          </p:spTgt>
+                                        </p:tgtEl>
+                                        <p:attrNameLst>
+                                          <p:attrName>style.visibility</p:attrName>
+                                        </p:attrNameLst>
+                                      </p:cBhvr>
+                                      <p:to>
+                                        <p:strVal val="visible"/>
+                                      </p:to>
+                                    </p:set>
+                                    <p:animEffect transition="in" filter="randombar(horizontal)">
+                                      <p:cBhvr>
+                                        <p:cTn id="22" dur="500"/>
+                                        <p:tgtEl>
+                                          <p:spTgt spid="3">
+                                            <p:txEl>
+                                              <p:pRg st="3" end="3"/>
+                                            </p:txEl>
+                                          </p:spTgt>
+                                        </p:tgtEl>
+                                      </p:cBhvr>
+                                    </p:animEffect>
+                                  </p:childTnLst>
+                                </p:cTn>
+                              </p:par>
+                            </p:childTnLst>
+                          </p:cTn>
+                        </p:par>
+                      </p:childTnLst>
+                    </p:cTn>
+                  </p:par>
+                  <p:par>
+                    <p:cTn id="23" fill="hold">
+                      <p:stCondLst>
+                        <p:cond delay="indefinite"/>
+                      </p:stCondLst>
+                      <p:childTnLst>
+                        <p:par>
+                          <p:cTn id="24" fill="hold">
+                            <p:stCondLst>
+                              <p:cond delay="0"/>
+                            </p:stCondLst>
+                            <p:childTnLst>
+                              <p:par>
+                                <p:cTn id="25" presetID="14" presetClass="entr" presetSubtype="10" fill="hold" grpId="0" nodeType="clickEffect">
+                                  <p:stCondLst>
+                                    <p:cond delay="0"/>
+                                  </p:stCondLst>
+                                  <p:childTnLst>
+                                    <p:set>
+                                      <p:cBhvr>
+                                        <p:cTn id="26" dur="1" fill="hold">
+                                          <p:stCondLst>
+                                            <p:cond delay="0"/>
+                                          </p:stCondLst>
+                                        </p:cTn>
+                                        <p:tgtEl>
+                                          <p:spTgt spid="3">
+                                            <p:txEl>
+                                              <p:pRg st="5" end="5"/>
+                                            </p:txEl>
+                                          </p:spTgt>
+                                        </p:tgtEl>
+                                        <p:attrNameLst>
+                                          <p:attrName>style.visibility</p:attrName>
+                                        </p:attrNameLst>
+                                      </p:cBhvr>
+                                      <p:to>
+                                        <p:strVal val="visible"/>
+                                      </p:to>
+                                    </p:set>
+                                    <p:animEffect transition="in" filter="randombar(horizontal)">
+                                      <p:cBhvr>
+                                        <p:cTn id="27" dur="500"/>
+                                        <p:tgtEl>
+                                          <p:spTgt spid="3">
+                                            <p:txEl>
+                                              <p:pRg st="5" end="5"/>
+                                            </p:txEl>
+                                          </p:spTgt>
+                                        </p:tgtEl>
+                                      </p:cBhvr>
+                                    </p:animEffect>
+                                  </p:childTnLst>
+                                </p:cTn>
+                              </p:par>
+                            </p:childTnLst>
+                          </p:cTn>
+                        </p:par>
+                      </p:childTnLst>
+                    </p:cTn>
+                  </p:par>
+                  <p:par>
+                    <p:cTn id="28" fill="hold">
+                      <p:stCondLst>
+                        <p:cond delay="indefinite"/>
+                      </p:stCondLst>
+                      <p:childTnLst>
+                        <p:par>
+                          <p:cTn id="29" fill="hold">
+                            <p:stCondLst>
+                              <p:cond delay="0"/>
+                            </p:stCondLst>
+                            <p:childTnLst>
+                              <p:par>
+                                <p:cTn id="30" presetID="14" presetClass="entr" presetSubtype="10" fill="hold" grpId="0" nodeType="clickEffect">
+                                  <p:stCondLst>
+                                    <p:cond delay="0"/>
+                                  </p:stCondLst>
+                                  <p:childTnLst>
+                                    <p:set>
+                                      <p:cBhvr>
+                                        <p:cTn id="31" dur="1" fill="hold">
+                                          <p:stCondLst>
+                                            <p:cond delay="0"/>
+                                          </p:stCondLst>
+                                        </p:cTn>
+                                        <p:tgtEl>
+                                          <p:spTgt spid="3">
+                                            <p:txEl>
+                                              <p:pRg st="6" end="6"/>
+                                            </p:txEl>
+                                          </p:spTgt>
+                                        </p:tgtEl>
+                                        <p:attrNameLst>
+                                          <p:attrName>style.visibility</p:attrName>
+                                        </p:attrNameLst>
+                                      </p:cBhvr>
+                                      <p:to>
+                                        <p:strVal val="visible"/>
+                                      </p:to>
+                                    </p:set>
+                                    <p:animEffect transition="in" filter="randombar(horizontal)">
+                                      <p:cBhvr>
+                                        <p:cTn id="32" dur="500"/>
+                                        <p:tgtEl>
+                                          <p:spTgt spid="3">
+                                            <p:txEl>
+                                              <p:pRg st="6" end="6"/>
+                                            </p:txEl>
+                                          </p:spTgt>
+                                        </p:tgtEl>
+                                      </p:cBhvr>
+                                    </p:animEffect>
+                                  </p:childTnLst>
+                                </p:cTn>
+                              </p:par>
+                            </p:childTnLst>
+                          </p:cTn>
+                        </p:par>
+                      </p:childTnLst>
+                    </p:cTn>
+                  </p:par>
+                  <p:par>
+                    <p:cTn id="33" fill="hold">
+                      <p:stCondLst>
+                        <p:cond delay="indefinite"/>
+                      </p:stCondLst>
+                      <p:childTnLst>
+                        <p:par>
+                          <p:cTn id="34" fill="hold">
+                            <p:stCondLst>
+                              <p:cond delay="0"/>
+                            </p:stCondLst>
+                            <p:childTnLst>
+                              <p:par>
+                                <p:cTn id="35" presetID="14" presetClass="entr" presetSubtype="10" fill="hold" grpId="0" nodeType="clickEffect">
+                                  <p:stCondLst>
+                                    <p:cond delay="0"/>
+                                  </p:stCondLst>
+                                  <p:childTnLst>
+                                    <p:set>
+                                      <p:cBhvr>
+                                        <p:cTn id="36" dur="1" fill="hold">
+                                          <p:stCondLst>
+                                            <p:cond delay="0"/>
+                                          </p:stCondLst>
+                                        </p:cTn>
+                                        <p:tgtEl>
+                                          <p:spTgt spid="3">
+                                            <p:txEl>
+                                              <p:pRg st="7" end="7"/>
+                                            </p:txEl>
+                                          </p:spTgt>
+                                        </p:tgtEl>
+                                        <p:attrNameLst>
+                                          <p:attrName>style.visibility</p:attrName>
+                                        </p:attrNameLst>
+                                      </p:cBhvr>
+                                      <p:to>
+                                        <p:strVal val="visible"/>
+                                      </p:to>
+                                    </p:set>
+                                    <p:animEffect transition="in" filter="randombar(horizontal)">
+                                      <p:cBhvr>
+                                        <p:cTn id="37" dur="500"/>
+                                        <p:tgtEl>
+                                          <p:spTgt spid="3">
+                                            <p:txEl>
+                                              <p:pRg st="7" end="7"/>
+                                            </p:txEl>
+                                          </p:spTgt>
+                                        </p:tgtEl>
+                                      </p:cBhvr>
+                                    </p:animEffect>
+                                  </p:childTnLst>
+                                </p:cTn>
+                              </p:par>
+                            </p:childTnLst>
+                          </p:cTn>
+                        </p:par>
+                      </p:childTnLst>
+                    </p:cTn>
+                  </p:par>
+                  <p:par>
+                    <p:cTn id="38" fill="hold">
+                      <p:stCondLst>
+                        <p:cond delay="indefinite"/>
+                      </p:stCondLst>
+                      <p:childTnLst>
+                        <p:par>
+                          <p:cTn id="39" fill="hold">
+                            <p:stCondLst>
+                              <p:cond delay="0"/>
+                            </p:stCondLst>
+                            <p:childTnLst>
+                              <p:par>
+                                <p:cTn id="40" presetID="14" presetClass="entr" presetSubtype="10" fill="hold" grpId="0" nodeType="clickEffect">
+                                  <p:stCondLst>
+                                    <p:cond delay="0"/>
+                                  </p:stCondLst>
+                                  <p:childTnLst>
+                                    <p:set>
+                                      <p:cBhvr>
+                                        <p:cTn id="41" dur="1" fill="hold">
+                                          <p:stCondLst>
+                                            <p:cond delay="0"/>
+                                          </p:stCondLst>
+                                        </p:cTn>
+                                        <p:tgtEl>
+                                          <p:spTgt spid="3">
+                                            <p:txEl>
+                                              <p:pRg st="8" end="8"/>
+                                            </p:txEl>
+                                          </p:spTgt>
+                                        </p:tgtEl>
+                                        <p:attrNameLst>
+                                          <p:attrName>style.visibility</p:attrName>
+                                        </p:attrNameLst>
+                                      </p:cBhvr>
+                                      <p:to>
+                                        <p:strVal val="visible"/>
+                                      </p:to>
+                                    </p:set>
+                                    <p:animEffect transition="in" filter="randombar(horizontal)">
+                                      <p:cBhvr>
+                                        <p:cTn id="42" dur="500"/>
+                                        <p:tgtEl>
+                                          <p:spTgt spid="3">
+                                            <p:txEl>
+                                              <p:pRg st="8" end="8"/>
+                                            </p:txEl>
+                                          </p:spTgt>
+                                        </p:tgtEl>
+                                      </p:cBhvr>
+                                    </p:animEffect>
+                                  </p:childTnLst>
+                                </p:cTn>
+                              </p:par>
+                            </p:childTnLst>
+                          </p:cTn>
+                        </p:par>
+                      </p:childTnLst>
+                    </p:cTn>
+                  </p:par>
+                </p:childTnLst>
+              </p:cTn>
+              <p:prevCondLst>
+                <p:cond evt="onPrev" delay="0">
+                  <p:tgtEl>
+                    <p:sldTgt/>
+                  </p:tgtEl>
+                </p:cond>
+              </p:prevCondLst>
+              <p:nextCondLst>
+                <p:cond evt="onNext" delay="0">
+                  <p:tgtEl>
+                    <p:sldTgt/>
+                  </p:tgtEl>
+                </p:cond>
+              </p:nextCondLst>
+            </p:seq>
+          </p:childTnLst>
+        </p:cTn>
+      </p:par>
+    </p:tnLst>
+    <p:bldLst>
+      <p:bldP spid="3" grpId="0" build="p"/>
+    </p:bldLst>
+  </p:timing>
 </p:sld>
 </file>
 
@@ -3632,530 +6203,1442 @@
           <a:chExt cx="0" cy="0"/>
         </a:xfrm>
       </p:grpSpPr>
-      <p:sp>
-        <p:nvSpPr>
-          <p:cNvPr id="2" name="Title 1"/>
-          <p:cNvSpPr>
-            <a:spLocks noGrp="1"/>
-          </p:cNvSpPr>
+      <p:graphicFrame>
+        <p:nvGraphicFramePr>
+          <p:cNvPr id="7" name="Table 6"/>
+          <p:cNvGraphicFramePr>
+            <a:graphicFrameLocks noGrp="1"/>
+          </p:cNvGraphicFramePr>
           <p:nvPr>
-            <p:ph type="ctrTitle"/>
+            <p:extLst>
+              <p:ext uri="{D42A27DB-BD31-4B8C-83A1-F6EECF244321}">
+                <p14:modId xmlns:p14="http://schemas.microsoft.com/office/powerpoint/2010/main" val="377789927"/>
+              </p:ext>
+            </p:extLst>
           </p:nvPr>
-        </p:nvSpPr>
-        <p:spPr>
-          <a:xfrm>
-            <a:off x="1959836" y="393106"/>
-            <a:ext cx="6620142" cy="897308"/>
-          </a:xfrm>
-        </p:spPr>
-        <p:txBody>
-          <a:bodyPr>
-            <a:normAutofit/>
-          </a:bodyPr>
-          <a:lstStyle/>
-          <a:p>
-            <a:r>
-              <a:rPr lang="en-US" sz="2800" b="1" dirty="0"/>
-              <a:t>Flowchart of if...</a:t>
-            </a:r>
-            <a:r>
-              <a:rPr lang="en-US" sz="2800" b="1" dirty="0" err="1"/>
-              <a:t>elif</a:t>
-            </a:r>
-            <a:r>
-              <a:rPr lang="en-US" sz="2800" b="1" dirty="0"/>
-              <a:t>...else</a:t>
-            </a:r>
-            <a:endParaRPr lang="en-US" sz="2800" b="1" dirty="0"/>
-          </a:p>
-        </p:txBody>
-      </p:sp>
-      <p:pic>
-        <p:nvPicPr>
-          <p:cNvPr id="5" name="Picture 4"/>
-          <p:cNvPicPr>
-            <a:picLocks noChangeAspect="1"/>
-          </p:cNvPicPr>
-          <p:nvPr/>
-        </p:nvPicPr>
-        <p:blipFill>
-          <a:blip r:embed="rId2">
-            <a:extLst>
-              <a:ext uri="{28A0092B-C50C-407E-A947-70E740481C1C}">
-                <a14:useLocalDpi xmlns:a14="http://schemas.microsoft.com/office/drawing/2010/main" val="0"/>
-              </a:ext>
-            </a:extLst>
-          </a:blip>
-          <a:stretch>
-            <a:fillRect/>
-          </a:stretch>
-        </p:blipFill>
-        <p:spPr>
-          <a:xfrm>
-            <a:off x="2445190" y="1541480"/>
-            <a:ext cx="6740713" cy="4389301"/>
-          </a:xfrm>
-          <a:prstGeom prst="rect">
-            <a:avLst/>
-          </a:prstGeom>
-        </p:spPr>
-      </p:pic>
+        </p:nvGraphicFramePr>
+        <p:xfrm>
+          <a:off x="391208" y="103090"/>
+          <a:ext cx="10897786" cy="6161180"/>
+        </p:xfrm>
+        <a:graphic>
+          <a:graphicData uri="http://schemas.openxmlformats.org/drawingml/2006/table">
+            <a:tbl>
+              <a:tblPr firstRow="1" bandRow="1">
+                <a:tableStyleId>{5C22544A-7EE6-4342-B048-85BDC9FD1C3A}</a:tableStyleId>
+              </a:tblPr>
+              <a:tblGrid>
+                <a:gridCol w="5448893"/>
+                <a:gridCol w="5448893"/>
+              </a:tblGrid>
+              <a:tr h="284814">
+                <a:tc>
+                  <a:txBody>
+                    <a:bodyPr/>
+                    <a:lstStyle/>
+                    <a:p>
+                      <a:r>
+                        <a:rPr lang="en-IN" sz="1400" dirty="0" smtClean="0">
+                          <a:solidFill>
+                            <a:schemeClr val="tx2">
+                              <a:lumMod val="75000"/>
+                            </a:schemeClr>
+                          </a:solidFill>
+                        </a:rPr>
+                        <a:t>Method</a:t>
+                      </a:r>
+                      <a:endParaRPr lang="en-IN" sz="1400" dirty="0">
+                        <a:solidFill>
+                          <a:schemeClr val="tx2">
+                            <a:lumMod val="75000"/>
+                          </a:schemeClr>
+                        </a:solidFill>
+                      </a:endParaRPr>
+                    </a:p>
+                  </a:txBody>
+                  <a:tcPr>
+                    <a:lnL w="12700" cap="flat" cmpd="sng" algn="ctr">
+                      <a:noFill/>
+                      <a:prstDash val="solid"/>
+                      <a:round/>
+                      <a:headEnd type="none" w="med" len="med"/>
+                      <a:tailEnd type="none" w="med" len="med"/>
+                    </a:lnL>
+                    <a:lnT w="12700" cap="flat" cmpd="sng" algn="ctr">
+                      <a:noFill/>
+                      <a:prstDash val="solid"/>
+                      <a:round/>
+                      <a:headEnd type="none" w="med" len="med"/>
+                      <a:tailEnd type="none" w="med" len="med"/>
+                    </a:lnT>
+                  </a:tcPr>
+                </a:tc>
+                <a:tc>
+                  <a:txBody>
+                    <a:bodyPr/>
+                    <a:lstStyle/>
+                    <a:p>
+                      <a:r>
+                        <a:rPr lang="en-IN" sz="1400" dirty="0" smtClean="0">
+                          <a:solidFill>
+                            <a:schemeClr val="tx2">
+                              <a:lumMod val="75000"/>
+                            </a:schemeClr>
+                          </a:solidFill>
+                        </a:rPr>
+                        <a:t>Description</a:t>
+                      </a:r>
+                      <a:endParaRPr lang="en-IN" sz="1400" dirty="0">
+                        <a:solidFill>
+                          <a:schemeClr val="tx2">
+                            <a:lumMod val="75000"/>
+                          </a:schemeClr>
+                        </a:solidFill>
+                      </a:endParaRPr>
+                    </a:p>
+                  </a:txBody>
+                  <a:tcPr>
+                    <a:lnR w="12700" cap="flat" cmpd="sng" algn="ctr">
+                      <a:noFill/>
+                      <a:prstDash val="solid"/>
+                      <a:round/>
+                      <a:headEnd type="none" w="med" len="med"/>
+                      <a:tailEnd type="none" w="med" len="med"/>
+                    </a:lnR>
+                    <a:lnT w="12700" cap="flat" cmpd="sng" algn="ctr">
+                      <a:noFill/>
+                      <a:prstDash val="solid"/>
+                      <a:round/>
+                      <a:headEnd type="none" w="med" len="med"/>
+                      <a:tailEnd type="none" w="med" len="med"/>
+                    </a:lnT>
+                  </a:tcPr>
+                </a:tc>
+              </a:tr>
+              <a:tr h="284814">
+                <a:tc>
+                  <a:txBody>
+                    <a:bodyPr/>
+                    <a:lstStyle/>
+                    <a:p>
+                      <a:r>
+                        <a:rPr lang="en-IN" sz="1400" dirty="0" err="1" smtClean="0">
+                          <a:solidFill>
+                            <a:schemeClr val="tx2">
+                              <a:lumMod val="75000"/>
+                            </a:schemeClr>
+                          </a:solidFill>
+                        </a:rPr>
+                        <a:t>len</a:t>
+                      </a:r>
+                      <a:r>
+                        <a:rPr lang="en-IN" sz="1400" dirty="0" smtClean="0">
+                          <a:solidFill>
+                            <a:schemeClr val="tx2">
+                              <a:lumMod val="75000"/>
+                            </a:schemeClr>
+                          </a:solidFill>
+                        </a:rPr>
+                        <a:t>() </a:t>
+                      </a:r>
+                      <a:endParaRPr lang="en-IN" sz="1400" dirty="0">
+                        <a:solidFill>
+                          <a:schemeClr val="tx2">
+                            <a:lumMod val="75000"/>
+                          </a:schemeClr>
+                        </a:solidFill>
+                      </a:endParaRPr>
+                    </a:p>
+                  </a:txBody>
+                  <a:tcPr>
+                    <a:lnL w="12700" cap="flat" cmpd="sng" algn="ctr">
+                      <a:noFill/>
+                      <a:prstDash val="solid"/>
+                      <a:round/>
+                      <a:headEnd type="none" w="med" len="med"/>
+                      <a:tailEnd type="none" w="med" len="med"/>
+                    </a:lnL>
+                  </a:tcPr>
+                </a:tc>
+                <a:tc>
+                  <a:txBody>
+                    <a:bodyPr/>
+                    <a:lstStyle/>
+                    <a:p>
+                      <a:r>
+                        <a:rPr lang="en-US" sz="1400" dirty="0" smtClean="0">
+                          <a:solidFill>
+                            <a:schemeClr val="tx2">
+                              <a:lumMod val="75000"/>
+                            </a:schemeClr>
+                          </a:solidFill>
+                        </a:rPr>
+                        <a:t>Returns the length of the list passed as the argument</a:t>
+                      </a:r>
+                      <a:endParaRPr lang="en-IN" sz="1400" dirty="0">
+                        <a:solidFill>
+                          <a:schemeClr val="tx2">
+                            <a:lumMod val="75000"/>
+                          </a:schemeClr>
+                        </a:solidFill>
+                      </a:endParaRPr>
+                    </a:p>
+                  </a:txBody>
+                  <a:tcPr>
+                    <a:lnR w="12700" cap="flat" cmpd="sng" algn="ctr">
+                      <a:noFill/>
+                      <a:prstDash val="solid"/>
+                      <a:round/>
+                      <a:headEnd type="none" w="med" len="med"/>
+                      <a:tailEnd type="none" w="med" len="med"/>
+                    </a:lnR>
+                  </a:tcPr>
+                </a:tc>
+              </a:tr>
+              <a:tr h="284814">
+                <a:tc>
+                  <a:txBody>
+                    <a:bodyPr/>
+                    <a:lstStyle/>
+                    <a:p>
+                      <a:r>
+                        <a:rPr lang="en-IN" sz="1400" dirty="0" err="1" smtClean="0">
+                          <a:solidFill>
+                            <a:schemeClr val="tx2">
+                              <a:lumMod val="75000"/>
+                            </a:schemeClr>
+                          </a:solidFill>
+                        </a:rPr>
+                        <a:t>ist</a:t>
+                      </a:r>
+                      <a:r>
+                        <a:rPr lang="en-IN" sz="1400" dirty="0" smtClean="0">
+                          <a:solidFill>
+                            <a:schemeClr val="tx2">
+                              <a:lumMod val="75000"/>
+                            </a:schemeClr>
+                          </a:solidFill>
+                        </a:rPr>
+                        <a:t>() </a:t>
+                      </a:r>
+                      <a:endParaRPr lang="en-IN" sz="1400" dirty="0">
+                        <a:solidFill>
+                          <a:schemeClr val="tx2">
+                            <a:lumMod val="75000"/>
+                          </a:schemeClr>
+                        </a:solidFill>
+                      </a:endParaRPr>
+                    </a:p>
+                  </a:txBody>
+                  <a:tcPr>
+                    <a:lnL w="12700" cap="flat" cmpd="sng" algn="ctr">
+                      <a:noFill/>
+                      <a:prstDash val="solid"/>
+                      <a:round/>
+                      <a:headEnd type="none" w="med" len="med"/>
+                      <a:tailEnd type="none" w="med" len="med"/>
+                    </a:lnL>
+                  </a:tcPr>
+                </a:tc>
+                <a:tc>
+                  <a:txBody>
+                    <a:bodyPr/>
+                    <a:lstStyle/>
+                    <a:p>
+                      <a:r>
+                        <a:rPr lang="en-US" sz="1400" dirty="0" smtClean="0">
+                          <a:solidFill>
+                            <a:schemeClr val="tx2">
+                              <a:lumMod val="75000"/>
+                            </a:schemeClr>
+                          </a:solidFill>
+                        </a:rPr>
+                        <a:t>Creates an empty list if no argument is </a:t>
+                      </a:r>
+                      <a:r>
+                        <a:rPr lang="en-US" sz="1400" dirty="0" err="1" smtClean="0">
+                          <a:solidFill>
+                            <a:schemeClr val="tx2">
+                              <a:lumMod val="75000"/>
+                            </a:schemeClr>
+                          </a:solidFill>
+                        </a:rPr>
+                        <a:t>passe</a:t>
+                      </a:r>
+                      <a:endParaRPr lang="en-IN" sz="1400" dirty="0">
+                        <a:solidFill>
+                          <a:schemeClr val="tx2">
+                            <a:lumMod val="75000"/>
+                          </a:schemeClr>
+                        </a:solidFill>
+                      </a:endParaRPr>
+                    </a:p>
+                  </a:txBody>
+                  <a:tcPr>
+                    <a:lnR w="12700" cap="flat" cmpd="sng" algn="ctr">
+                      <a:noFill/>
+                      <a:prstDash val="solid"/>
+                      <a:round/>
+                      <a:headEnd type="none" w="med" len="med"/>
+                      <a:tailEnd type="none" w="med" len="med"/>
+                    </a:lnR>
+                  </a:tcPr>
+                </a:tc>
+              </a:tr>
+              <a:tr h="410808">
+                <a:tc>
+                  <a:txBody>
+                    <a:bodyPr/>
+                    <a:lstStyle/>
+                    <a:p>
+                      <a:r>
+                        <a:rPr lang="en-IN" sz="1400" dirty="0" smtClean="0">
+                          <a:solidFill>
+                            <a:schemeClr val="tx2">
+                              <a:lumMod val="75000"/>
+                            </a:schemeClr>
+                          </a:solidFill>
+                        </a:rPr>
+                        <a:t>append()</a:t>
+                      </a:r>
+                      <a:endParaRPr lang="en-IN" sz="1400" dirty="0">
+                        <a:solidFill>
+                          <a:schemeClr val="tx2">
+                            <a:lumMod val="75000"/>
+                          </a:schemeClr>
+                        </a:solidFill>
+                      </a:endParaRPr>
+                    </a:p>
+                  </a:txBody>
+                  <a:tcPr>
+                    <a:lnL w="12700" cap="flat" cmpd="sng" algn="ctr">
+                      <a:noFill/>
+                      <a:prstDash val="solid"/>
+                      <a:round/>
+                      <a:headEnd type="none" w="med" len="med"/>
+                      <a:tailEnd type="none" w="med" len="med"/>
+                    </a:lnL>
+                  </a:tcPr>
+                </a:tc>
+                <a:tc>
+                  <a:txBody>
+                    <a:bodyPr/>
+                    <a:lstStyle/>
+                    <a:p>
+                      <a:r>
+                        <a:rPr lang="en-US" sz="1400" dirty="0" smtClean="0">
+                          <a:solidFill>
+                            <a:schemeClr val="tx2">
+                              <a:lumMod val="75000"/>
+                            </a:schemeClr>
+                          </a:solidFill>
+                        </a:rPr>
+                        <a:t>Appends a single element passed as an argument at the end of the </a:t>
+                      </a:r>
+                      <a:r>
+                        <a:rPr lang="en-US" sz="1400" dirty="0" err="1" smtClean="0">
+                          <a:solidFill>
+                            <a:schemeClr val="tx2">
+                              <a:lumMod val="75000"/>
+                            </a:schemeClr>
+                          </a:solidFill>
+                        </a:rPr>
+                        <a:t>lis</a:t>
+                      </a:r>
+                      <a:endParaRPr lang="en-IN" sz="1400" dirty="0">
+                        <a:solidFill>
+                          <a:schemeClr val="tx2">
+                            <a:lumMod val="75000"/>
+                          </a:schemeClr>
+                        </a:solidFill>
+                      </a:endParaRPr>
+                    </a:p>
+                  </a:txBody>
+                  <a:tcPr>
+                    <a:lnR w="12700" cap="flat" cmpd="sng" algn="ctr">
+                      <a:noFill/>
+                      <a:prstDash val="solid"/>
+                      <a:round/>
+                      <a:headEnd type="none" w="med" len="med"/>
+                      <a:tailEnd type="none" w="med" len="med"/>
+                    </a:lnR>
+                  </a:tcPr>
+                </a:tc>
+              </a:tr>
+              <a:tr h="484184">
+                <a:tc>
+                  <a:txBody>
+                    <a:bodyPr/>
+                    <a:lstStyle/>
+                    <a:p>
+                      <a:r>
+                        <a:rPr lang="en-IN" sz="1400" dirty="0" smtClean="0">
+                          <a:solidFill>
+                            <a:schemeClr val="tx2">
+                              <a:lumMod val="75000"/>
+                            </a:schemeClr>
+                          </a:solidFill>
+                        </a:rPr>
+                        <a:t>extend()</a:t>
+                      </a:r>
+                      <a:endParaRPr lang="en-IN" sz="1400" dirty="0">
+                        <a:solidFill>
+                          <a:schemeClr val="tx2">
+                            <a:lumMod val="75000"/>
+                          </a:schemeClr>
+                        </a:solidFill>
+                      </a:endParaRPr>
+                    </a:p>
+                  </a:txBody>
+                  <a:tcPr>
+                    <a:lnL w="12700" cap="flat" cmpd="sng" algn="ctr">
+                      <a:noFill/>
+                      <a:prstDash val="solid"/>
+                      <a:round/>
+                      <a:headEnd type="none" w="med" len="med"/>
+                      <a:tailEnd type="none" w="med" len="med"/>
+                    </a:lnL>
+                  </a:tcPr>
+                </a:tc>
+                <a:tc>
+                  <a:txBody>
+                    <a:bodyPr/>
+                    <a:lstStyle/>
+                    <a:p>
+                      <a:r>
+                        <a:rPr lang="en-US" sz="1400" dirty="0" smtClean="0">
+                          <a:solidFill>
+                            <a:schemeClr val="tx2">
+                              <a:lumMod val="75000"/>
+                            </a:schemeClr>
+                          </a:solidFill>
+                        </a:rPr>
+                        <a:t>Appends each element of the list passed as argument at the end of the given list</a:t>
+                      </a:r>
+                      <a:endParaRPr lang="en-IN" sz="1400" dirty="0">
+                        <a:solidFill>
+                          <a:schemeClr val="tx2">
+                            <a:lumMod val="75000"/>
+                          </a:schemeClr>
+                        </a:solidFill>
+                      </a:endParaRPr>
+                    </a:p>
+                  </a:txBody>
+                  <a:tcPr>
+                    <a:lnR w="12700" cap="flat" cmpd="sng" algn="ctr">
+                      <a:noFill/>
+                      <a:prstDash val="solid"/>
+                      <a:round/>
+                      <a:headEnd type="none" w="med" len="med"/>
+                      <a:tailEnd type="none" w="med" len="med"/>
+                    </a:lnR>
+                  </a:tcPr>
+                </a:tc>
+              </a:tr>
+              <a:tr h="284814">
+                <a:tc>
+                  <a:txBody>
+                    <a:bodyPr/>
+                    <a:lstStyle/>
+                    <a:p>
+                      <a:r>
+                        <a:rPr lang="en-IN" sz="1400" dirty="0" smtClean="0">
+                          <a:solidFill>
+                            <a:schemeClr val="tx2">
+                              <a:lumMod val="75000"/>
+                            </a:schemeClr>
+                          </a:solidFill>
+                        </a:rPr>
+                        <a:t>insert()</a:t>
+                      </a:r>
+                      <a:endParaRPr lang="en-IN" sz="1400" dirty="0">
+                        <a:solidFill>
+                          <a:schemeClr val="tx2">
+                            <a:lumMod val="75000"/>
+                          </a:schemeClr>
+                        </a:solidFill>
+                      </a:endParaRPr>
+                    </a:p>
+                  </a:txBody>
+                  <a:tcPr>
+                    <a:lnL w="12700" cap="flat" cmpd="sng" algn="ctr">
+                      <a:noFill/>
+                      <a:prstDash val="solid"/>
+                      <a:round/>
+                      <a:headEnd type="none" w="med" len="med"/>
+                      <a:tailEnd type="none" w="med" len="med"/>
+                    </a:lnL>
+                  </a:tcPr>
+                </a:tc>
+                <a:tc>
+                  <a:txBody>
+                    <a:bodyPr/>
+                    <a:lstStyle/>
+                    <a:p>
+                      <a:r>
+                        <a:rPr lang="en-US" sz="1400" dirty="0" smtClean="0">
+                          <a:solidFill>
+                            <a:schemeClr val="tx2">
+                              <a:lumMod val="75000"/>
+                            </a:schemeClr>
+                          </a:solidFill>
+                        </a:rPr>
+                        <a:t>Inserts an element at a particular index in the list</a:t>
+                      </a:r>
+                      <a:endParaRPr lang="en-IN" sz="1400" dirty="0">
+                        <a:solidFill>
+                          <a:schemeClr val="tx2">
+                            <a:lumMod val="75000"/>
+                          </a:schemeClr>
+                        </a:solidFill>
+                      </a:endParaRPr>
+                    </a:p>
+                  </a:txBody>
+                  <a:tcPr>
+                    <a:lnR w="12700" cap="flat" cmpd="sng" algn="ctr">
+                      <a:noFill/>
+                      <a:prstDash val="solid"/>
+                      <a:round/>
+                      <a:headEnd type="none" w="med" len="med"/>
+                      <a:tailEnd type="none" w="med" len="med"/>
+                    </a:lnR>
+                  </a:tcPr>
+                </a:tc>
+              </a:tr>
+              <a:tr h="410808">
+                <a:tc>
+                  <a:txBody>
+                    <a:bodyPr/>
+                    <a:lstStyle/>
+                    <a:p>
+                      <a:r>
+                        <a:rPr lang="en-IN" sz="1400" dirty="0" smtClean="0">
+                          <a:solidFill>
+                            <a:schemeClr val="tx2">
+                              <a:lumMod val="75000"/>
+                            </a:schemeClr>
+                          </a:solidFill>
+                        </a:rPr>
+                        <a:t>count()</a:t>
+                      </a:r>
+                      <a:endParaRPr lang="en-IN" sz="1400" dirty="0">
+                        <a:solidFill>
+                          <a:schemeClr val="tx2">
+                            <a:lumMod val="75000"/>
+                          </a:schemeClr>
+                        </a:solidFill>
+                      </a:endParaRPr>
+                    </a:p>
+                  </a:txBody>
+                  <a:tcPr>
+                    <a:lnL w="12700" cap="flat" cmpd="sng" algn="ctr">
+                      <a:noFill/>
+                      <a:prstDash val="solid"/>
+                      <a:round/>
+                      <a:headEnd type="none" w="med" len="med"/>
+                      <a:tailEnd type="none" w="med" len="med"/>
+                    </a:lnL>
+                  </a:tcPr>
+                </a:tc>
+                <a:tc>
+                  <a:txBody>
+                    <a:bodyPr/>
+                    <a:lstStyle/>
+                    <a:p>
+                      <a:r>
+                        <a:rPr lang="en-US" sz="1400" dirty="0" smtClean="0">
+                          <a:solidFill>
+                            <a:schemeClr val="tx2">
+                              <a:lumMod val="75000"/>
+                            </a:schemeClr>
+                          </a:solidFill>
+                        </a:rPr>
+                        <a:t>Returns the number of times a given element appears in the list</a:t>
+                      </a:r>
+                      <a:endParaRPr lang="en-IN" sz="1400" dirty="0">
+                        <a:solidFill>
+                          <a:schemeClr val="tx2">
+                            <a:lumMod val="75000"/>
+                          </a:schemeClr>
+                        </a:solidFill>
+                      </a:endParaRPr>
+                    </a:p>
+                  </a:txBody>
+                  <a:tcPr>
+                    <a:lnR w="12700" cap="flat" cmpd="sng" algn="ctr">
+                      <a:noFill/>
+                      <a:prstDash val="solid"/>
+                      <a:round/>
+                      <a:headEnd type="none" w="med" len="med"/>
+                      <a:tailEnd type="none" w="med" len="med"/>
+                    </a:lnR>
+                  </a:tcPr>
+                </a:tc>
+              </a:tr>
+              <a:tr h="749120">
+                <a:tc>
+                  <a:txBody>
+                    <a:bodyPr/>
+                    <a:lstStyle/>
+                    <a:p>
+                      <a:r>
+                        <a:rPr lang="en-IN" sz="1400" dirty="0" smtClean="0">
+                          <a:solidFill>
+                            <a:schemeClr val="tx2">
+                              <a:lumMod val="75000"/>
+                            </a:schemeClr>
+                          </a:solidFill>
+                        </a:rPr>
+                        <a:t>remove()</a:t>
+                      </a:r>
+                      <a:endParaRPr lang="en-IN" sz="1400" dirty="0">
+                        <a:solidFill>
+                          <a:schemeClr val="tx2">
+                            <a:lumMod val="75000"/>
+                          </a:schemeClr>
+                        </a:solidFill>
+                      </a:endParaRPr>
+                    </a:p>
+                  </a:txBody>
+                  <a:tcPr>
+                    <a:lnL w="12700" cap="flat" cmpd="sng" algn="ctr">
+                      <a:noFill/>
+                      <a:prstDash val="solid"/>
+                      <a:round/>
+                      <a:headEnd type="none" w="med" len="med"/>
+                      <a:tailEnd type="none" w="med" len="med"/>
+                    </a:lnL>
+                  </a:tcPr>
+                </a:tc>
+                <a:tc>
+                  <a:txBody>
+                    <a:bodyPr/>
+                    <a:lstStyle/>
+                    <a:p>
+                      <a:r>
+                        <a:rPr lang="en-US" sz="1400" dirty="0" smtClean="0">
+                          <a:solidFill>
+                            <a:schemeClr val="tx2">
+                              <a:lumMod val="75000"/>
+                            </a:schemeClr>
+                          </a:solidFill>
+                        </a:rPr>
+                        <a:t>Removes the given element from the list. If the element is present </a:t>
+                      </a:r>
+                      <a:r>
+                        <a:rPr lang="en-US" sz="1400" dirty="0" err="1" smtClean="0">
+                          <a:solidFill>
+                            <a:schemeClr val="tx2">
+                              <a:lumMod val="75000"/>
+                            </a:schemeClr>
+                          </a:solidFill>
+                        </a:rPr>
+                        <a:t>multiple</a:t>
+                      </a:r>
+                      <a:r>
+                        <a:rPr lang="en-US" sz="1400" dirty="0" smtClean="0">
+                          <a:solidFill>
+                            <a:schemeClr val="tx2">
+                              <a:lumMod val="75000"/>
+                            </a:schemeClr>
+                          </a:solidFill>
+                        </a:rPr>
+                        <a:t> times, only the first occurrence is removed. If the element is not present, then </a:t>
+                      </a:r>
+                      <a:r>
+                        <a:rPr lang="en-US" sz="1400" dirty="0" err="1" smtClean="0">
+                          <a:solidFill>
+                            <a:schemeClr val="tx2">
+                              <a:lumMod val="75000"/>
+                            </a:schemeClr>
+                          </a:solidFill>
+                        </a:rPr>
+                        <a:t>ValueError</a:t>
+                      </a:r>
+                      <a:r>
+                        <a:rPr lang="en-US" sz="1400" dirty="0" smtClean="0">
+                          <a:solidFill>
+                            <a:schemeClr val="tx2">
+                              <a:lumMod val="75000"/>
+                            </a:schemeClr>
+                          </a:solidFill>
+                        </a:rPr>
+                        <a:t> is generated</a:t>
+                      </a:r>
+                      <a:endParaRPr lang="en-IN" sz="1400" dirty="0">
+                        <a:solidFill>
+                          <a:schemeClr val="tx2">
+                            <a:lumMod val="75000"/>
+                          </a:schemeClr>
+                        </a:solidFill>
+                      </a:endParaRPr>
+                    </a:p>
+                  </a:txBody>
+                  <a:tcPr>
+                    <a:lnR w="12700" cap="flat" cmpd="sng" algn="ctr">
+                      <a:noFill/>
+                      <a:prstDash val="solid"/>
+                      <a:round/>
+                      <a:headEnd type="none" w="med" len="med"/>
+                      <a:tailEnd type="none" w="med" len="med"/>
+                    </a:lnR>
+                  </a:tcPr>
+                </a:tc>
+              </a:tr>
+              <a:tr h="749120">
+                <a:tc>
+                  <a:txBody>
+                    <a:bodyPr/>
+                    <a:lstStyle/>
+                    <a:p>
+                      <a:r>
+                        <a:rPr lang="en-IN" sz="1400" dirty="0" smtClean="0">
+                          <a:solidFill>
+                            <a:schemeClr val="tx2">
+                              <a:lumMod val="75000"/>
+                            </a:schemeClr>
+                          </a:solidFill>
+                        </a:rPr>
+                        <a:t>pop()</a:t>
+                      </a:r>
+                      <a:endParaRPr lang="en-IN" sz="1400" dirty="0">
+                        <a:solidFill>
+                          <a:schemeClr val="tx2">
+                            <a:lumMod val="75000"/>
+                          </a:schemeClr>
+                        </a:solidFill>
+                      </a:endParaRPr>
+                    </a:p>
+                  </a:txBody>
+                  <a:tcPr>
+                    <a:lnL w="12700" cap="flat" cmpd="sng" algn="ctr">
+                      <a:noFill/>
+                      <a:prstDash val="solid"/>
+                      <a:round/>
+                      <a:headEnd type="none" w="med" len="med"/>
+                      <a:tailEnd type="none" w="med" len="med"/>
+                    </a:lnL>
+                  </a:tcPr>
+                </a:tc>
+                <a:tc>
+                  <a:txBody>
+                    <a:bodyPr/>
+                    <a:lstStyle/>
+                    <a:p>
+                      <a:r>
+                        <a:rPr lang="en-US" sz="1400" dirty="0" smtClean="0">
+                          <a:solidFill>
+                            <a:schemeClr val="tx2">
+                              <a:lumMod val="75000"/>
+                            </a:schemeClr>
+                          </a:solidFill>
+                        </a:rPr>
+                        <a:t>Returns the element whose index is passed as argument to this function and also removes it from the list. If no argument is given, then it returns and removes the last element of the list</a:t>
+                      </a:r>
+                      <a:endParaRPr lang="en-IN" sz="1400" dirty="0">
+                        <a:solidFill>
+                          <a:schemeClr val="tx2">
+                            <a:lumMod val="75000"/>
+                          </a:schemeClr>
+                        </a:solidFill>
+                      </a:endParaRPr>
+                    </a:p>
+                  </a:txBody>
+                  <a:tcPr>
+                    <a:lnR w="12700" cap="flat" cmpd="sng" algn="ctr">
+                      <a:noFill/>
+                      <a:prstDash val="solid"/>
+                      <a:round/>
+                      <a:headEnd type="none" w="med" len="med"/>
+                      <a:tailEnd type="none" w="med" len="med"/>
+                    </a:lnR>
+                  </a:tcPr>
+                </a:tc>
+              </a:tr>
+              <a:tr h="284814">
+                <a:tc>
+                  <a:txBody>
+                    <a:bodyPr/>
+                    <a:lstStyle/>
+                    <a:p>
+                      <a:r>
+                        <a:rPr lang="en-IN" sz="1400" dirty="0" smtClean="0">
+                          <a:solidFill>
+                            <a:schemeClr val="tx2">
+                              <a:lumMod val="75000"/>
+                            </a:schemeClr>
+                          </a:solidFill>
+                        </a:rPr>
+                        <a:t>reverse()</a:t>
+                      </a:r>
+                      <a:endParaRPr lang="en-IN" sz="1400" dirty="0">
+                        <a:solidFill>
+                          <a:schemeClr val="tx2">
+                            <a:lumMod val="75000"/>
+                          </a:schemeClr>
+                        </a:solidFill>
+                      </a:endParaRPr>
+                    </a:p>
+                  </a:txBody>
+                  <a:tcPr>
+                    <a:lnL w="12700" cap="flat" cmpd="sng" algn="ctr">
+                      <a:noFill/>
+                      <a:prstDash val="solid"/>
+                      <a:round/>
+                      <a:headEnd type="none" w="med" len="med"/>
+                      <a:tailEnd type="none" w="med" len="med"/>
+                    </a:lnL>
+                  </a:tcPr>
+                </a:tc>
+                <a:tc>
+                  <a:txBody>
+                    <a:bodyPr/>
+                    <a:lstStyle/>
+                    <a:p>
+                      <a:r>
+                        <a:rPr lang="en-US" sz="1400" dirty="0" smtClean="0">
+                          <a:solidFill>
+                            <a:schemeClr val="tx2">
+                              <a:lumMod val="75000"/>
+                            </a:schemeClr>
+                          </a:solidFill>
+                        </a:rPr>
+                        <a:t>Reverses the order of elements in the given </a:t>
+                      </a:r>
+                      <a:r>
+                        <a:rPr lang="en-US" sz="1400" dirty="0" err="1" smtClean="0">
+                          <a:solidFill>
+                            <a:schemeClr val="tx2">
+                              <a:lumMod val="75000"/>
+                            </a:schemeClr>
+                          </a:solidFill>
+                        </a:rPr>
+                        <a:t>lis</a:t>
+                      </a:r>
+                      <a:endParaRPr lang="en-IN" sz="1400" dirty="0">
+                        <a:solidFill>
+                          <a:schemeClr val="tx2">
+                            <a:lumMod val="75000"/>
+                          </a:schemeClr>
+                        </a:solidFill>
+                      </a:endParaRPr>
+                    </a:p>
+                  </a:txBody>
+                  <a:tcPr>
+                    <a:lnR w="12700" cap="flat" cmpd="sng" algn="ctr">
+                      <a:noFill/>
+                      <a:prstDash val="solid"/>
+                      <a:round/>
+                      <a:headEnd type="none" w="med" len="med"/>
+                      <a:tailEnd type="none" w="med" len="med"/>
+                    </a:lnR>
+                  </a:tcPr>
+                </a:tc>
+              </a:tr>
+              <a:tr h="284814">
+                <a:tc>
+                  <a:txBody>
+                    <a:bodyPr/>
+                    <a:lstStyle/>
+                    <a:p>
+                      <a:r>
+                        <a:rPr lang="en-US" sz="1400" dirty="0" smtClean="0">
+                          <a:solidFill>
+                            <a:schemeClr val="tx2">
+                              <a:lumMod val="75000"/>
+                            </a:schemeClr>
+                          </a:solidFill>
+                        </a:rPr>
+                        <a:t>s</a:t>
+                      </a:r>
+                      <a:r>
+                        <a:rPr lang="en-IN" sz="1400" dirty="0" smtClean="0">
+                          <a:solidFill>
+                            <a:schemeClr val="tx2">
+                              <a:lumMod val="75000"/>
+                            </a:schemeClr>
+                          </a:solidFill>
+                        </a:rPr>
+                        <a:t>ort()</a:t>
+                      </a:r>
+                      <a:endParaRPr lang="en-IN" sz="1400" dirty="0">
+                        <a:solidFill>
+                          <a:schemeClr val="tx2">
+                            <a:lumMod val="75000"/>
+                          </a:schemeClr>
+                        </a:solidFill>
+                      </a:endParaRPr>
+                    </a:p>
+                  </a:txBody>
+                  <a:tcPr>
+                    <a:lnL w="12700" cap="flat" cmpd="sng" algn="ctr">
+                      <a:noFill/>
+                      <a:prstDash val="solid"/>
+                      <a:round/>
+                      <a:headEnd type="none" w="med" len="med"/>
+                      <a:tailEnd type="none" w="med" len="med"/>
+                    </a:lnL>
+                  </a:tcPr>
+                </a:tc>
+                <a:tc>
+                  <a:txBody>
+                    <a:bodyPr/>
+                    <a:lstStyle/>
+                    <a:p>
+                      <a:r>
+                        <a:rPr lang="en-US" sz="1400" dirty="0" smtClean="0">
+                          <a:solidFill>
+                            <a:schemeClr val="tx2">
+                              <a:lumMod val="75000"/>
+                            </a:schemeClr>
+                          </a:solidFill>
+                        </a:rPr>
+                        <a:t>Sorts the elements of the given list in </a:t>
+                      </a:r>
+                      <a:r>
+                        <a:rPr lang="en-US" sz="1400" dirty="0" err="1" smtClean="0">
+                          <a:solidFill>
+                            <a:schemeClr val="tx2">
+                              <a:lumMod val="75000"/>
+                            </a:schemeClr>
+                          </a:solidFill>
+                        </a:rPr>
+                        <a:t>plac</a:t>
+                      </a:r>
+                      <a:endParaRPr lang="en-IN" sz="1400" dirty="0">
+                        <a:solidFill>
+                          <a:schemeClr val="tx2">
+                            <a:lumMod val="75000"/>
+                          </a:schemeClr>
+                        </a:solidFill>
+                      </a:endParaRPr>
+                    </a:p>
+                  </a:txBody>
+                  <a:tcPr>
+                    <a:lnR w="12700" cap="flat" cmpd="sng" algn="ctr">
+                      <a:noFill/>
+                      <a:prstDash val="solid"/>
+                      <a:round/>
+                      <a:headEnd type="none" w="med" len="med"/>
+                      <a:tailEnd type="none" w="med" len="med"/>
+                    </a:lnR>
+                  </a:tcPr>
+                </a:tc>
+              </a:tr>
+              <a:tr h="579964">
+                <a:tc>
+                  <a:txBody>
+                    <a:bodyPr/>
+                    <a:lstStyle/>
+                    <a:p>
+                      <a:r>
+                        <a:rPr lang="en-IN" sz="1400" dirty="0" smtClean="0">
+                          <a:solidFill>
+                            <a:schemeClr val="tx2">
+                              <a:lumMod val="75000"/>
+                            </a:schemeClr>
+                          </a:solidFill>
+                        </a:rPr>
+                        <a:t>sorted()</a:t>
+                      </a:r>
+                      <a:endParaRPr lang="en-IN" sz="1400" dirty="0">
+                        <a:solidFill>
+                          <a:schemeClr val="tx2">
+                            <a:lumMod val="75000"/>
+                          </a:schemeClr>
+                        </a:solidFill>
+                      </a:endParaRPr>
+                    </a:p>
+                  </a:txBody>
+                  <a:tcPr>
+                    <a:lnL w="12700" cap="flat" cmpd="sng" algn="ctr">
+                      <a:noFill/>
+                      <a:prstDash val="solid"/>
+                      <a:round/>
+                      <a:headEnd type="none" w="med" len="med"/>
+                      <a:tailEnd type="none" w="med" len="med"/>
+                    </a:lnL>
+                  </a:tcPr>
+                </a:tc>
+                <a:tc>
+                  <a:txBody>
+                    <a:bodyPr/>
+                    <a:lstStyle/>
+                    <a:p>
+                      <a:r>
+                        <a:rPr lang="en-US" sz="1400" dirty="0" smtClean="0">
+                          <a:solidFill>
+                            <a:schemeClr val="tx2">
+                              <a:lumMod val="75000"/>
+                            </a:schemeClr>
+                          </a:solidFill>
+                        </a:rPr>
+                        <a:t>It takes a list as parameter and creates a new list consisting of the same </a:t>
+                      </a:r>
+                      <a:r>
+                        <a:rPr lang="en-US" sz="1400" dirty="0" err="1" smtClean="0">
+                          <a:solidFill>
+                            <a:schemeClr val="tx2">
+                              <a:lumMod val="75000"/>
+                            </a:schemeClr>
+                          </a:solidFill>
+                        </a:rPr>
+                        <a:t>elements</a:t>
+                      </a:r>
+                      <a:r>
+                        <a:rPr lang="en-US" sz="1400" dirty="0" smtClean="0">
+                          <a:solidFill>
+                            <a:schemeClr val="tx2">
+                              <a:lumMod val="75000"/>
+                            </a:schemeClr>
+                          </a:solidFill>
+                        </a:rPr>
+                        <a:t> but arranged in ascending order</a:t>
+                      </a:r>
+                      <a:endParaRPr lang="en-IN" sz="1400" dirty="0">
+                        <a:solidFill>
+                          <a:schemeClr val="tx2">
+                            <a:lumMod val="75000"/>
+                          </a:schemeClr>
+                        </a:solidFill>
+                      </a:endParaRPr>
+                    </a:p>
+                  </a:txBody>
+                  <a:tcPr>
+                    <a:lnR w="12700" cap="flat" cmpd="sng" algn="ctr">
+                      <a:noFill/>
+                      <a:prstDash val="solid"/>
+                      <a:round/>
+                      <a:headEnd type="none" w="med" len="med"/>
+                      <a:tailEnd type="none" w="med" len="med"/>
+                    </a:lnR>
+                  </a:tcPr>
+                </a:tc>
+              </a:tr>
+              <a:tr h="284814">
+                <a:tc>
+                  <a:txBody>
+                    <a:bodyPr/>
+                    <a:lstStyle/>
+                    <a:p>
+                      <a:r>
+                        <a:rPr lang="en-IN" sz="1400" dirty="0" smtClean="0">
+                          <a:solidFill>
+                            <a:schemeClr val="tx2">
+                              <a:lumMod val="75000"/>
+                            </a:schemeClr>
+                          </a:solidFill>
+                        </a:rPr>
+                        <a:t>min()</a:t>
+                      </a:r>
+                      <a:endParaRPr lang="en-IN" sz="1400" dirty="0">
+                        <a:solidFill>
+                          <a:schemeClr val="tx2">
+                            <a:lumMod val="75000"/>
+                          </a:schemeClr>
+                        </a:solidFill>
+                      </a:endParaRPr>
+                    </a:p>
+                  </a:txBody>
+                  <a:tcPr>
+                    <a:lnL w="12700" cap="flat" cmpd="sng" algn="ctr">
+                      <a:noFill/>
+                      <a:prstDash val="solid"/>
+                      <a:round/>
+                      <a:headEnd type="none" w="med" len="med"/>
+                      <a:tailEnd type="none" w="med" len="med"/>
+                    </a:lnL>
+                  </a:tcPr>
+                </a:tc>
+                <a:tc>
+                  <a:txBody>
+                    <a:bodyPr/>
+                    <a:lstStyle/>
+                    <a:p>
+                      <a:r>
+                        <a:rPr lang="en-US" sz="1400" dirty="0" smtClean="0">
+                          <a:solidFill>
+                            <a:schemeClr val="tx2">
+                              <a:lumMod val="75000"/>
+                            </a:schemeClr>
+                          </a:solidFill>
+                        </a:rPr>
+                        <a:t>Returns minimum or smallest element of the list</a:t>
+                      </a:r>
+                      <a:endParaRPr lang="en-IN" sz="1400" dirty="0">
+                        <a:solidFill>
+                          <a:schemeClr val="tx2">
+                            <a:lumMod val="75000"/>
+                          </a:schemeClr>
+                        </a:solidFill>
+                      </a:endParaRPr>
+                    </a:p>
+                  </a:txBody>
+                  <a:tcPr>
+                    <a:lnR w="12700" cap="flat" cmpd="sng" algn="ctr">
+                      <a:noFill/>
+                      <a:prstDash val="solid"/>
+                      <a:round/>
+                      <a:headEnd type="none" w="med" len="med"/>
+                      <a:tailEnd type="none" w="med" len="med"/>
+                    </a:lnR>
+                  </a:tcPr>
+                </a:tc>
+              </a:tr>
+              <a:tr h="284814">
+                <a:tc>
+                  <a:txBody>
+                    <a:bodyPr/>
+                    <a:lstStyle/>
+                    <a:p>
+                      <a:r>
+                        <a:rPr lang="en-IN" sz="1400" dirty="0" smtClean="0">
+                          <a:solidFill>
+                            <a:schemeClr val="tx2">
+                              <a:lumMod val="75000"/>
+                            </a:schemeClr>
+                          </a:solidFill>
+                        </a:rPr>
+                        <a:t>max()</a:t>
+                      </a:r>
+                      <a:endParaRPr lang="en-IN" sz="1400" dirty="0">
+                        <a:solidFill>
+                          <a:schemeClr val="tx2">
+                            <a:lumMod val="75000"/>
+                          </a:schemeClr>
+                        </a:solidFill>
+                      </a:endParaRPr>
+                    </a:p>
+                  </a:txBody>
+                  <a:tcPr>
+                    <a:lnL w="12700" cap="flat" cmpd="sng" algn="ctr">
+                      <a:noFill/>
+                      <a:prstDash val="solid"/>
+                      <a:round/>
+                      <a:headEnd type="none" w="med" len="med"/>
+                      <a:tailEnd type="none" w="med" len="med"/>
+                    </a:lnL>
+                  </a:tcPr>
+                </a:tc>
+                <a:tc>
+                  <a:txBody>
+                    <a:bodyPr/>
+                    <a:lstStyle/>
+                    <a:p>
+                      <a:r>
+                        <a:rPr lang="en-US" sz="1400" dirty="0" smtClean="0">
+                          <a:solidFill>
+                            <a:schemeClr val="tx2">
+                              <a:lumMod val="75000"/>
+                            </a:schemeClr>
+                          </a:solidFill>
+                        </a:rPr>
+                        <a:t>Returns maximum or largest element of the list</a:t>
+                      </a:r>
+                      <a:endParaRPr lang="en-IN" sz="1400" dirty="0">
+                        <a:solidFill>
+                          <a:schemeClr val="tx2">
+                            <a:lumMod val="75000"/>
+                          </a:schemeClr>
+                        </a:solidFill>
+                      </a:endParaRPr>
+                    </a:p>
+                  </a:txBody>
+                  <a:tcPr>
+                    <a:lnR w="12700" cap="flat" cmpd="sng" algn="ctr">
+                      <a:noFill/>
+                      <a:prstDash val="solid"/>
+                      <a:round/>
+                      <a:headEnd type="none" w="med" len="med"/>
+                      <a:tailEnd type="none" w="med" len="med"/>
+                    </a:lnR>
+                  </a:tcPr>
+                </a:tc>
+              </a:tr>
+              <a:tr h="284814">
+                <a:tc>
+                  <a:txBody>
+                    <a:bodyPr/>
+                    <a:lstStyle/>
+                    <a:p>
+                      <a:r>
+                        <a:rPr lang="en-IN" sz="1400" dirty="0" smtClean="0">
+                          <a:solidFill>
+                            <a:schemeClr val="tx2">
+                              <a:lumMod val="75000"/>
+                            </a:schemeClr>
+                          </a:solidFill>
+                        </a:rPr>
+                        <a:t>sum() </a:t>
+                      </a:r>
+                      <a:endParaRPr lang="en-IN" sz="1400" dirty="0">
+                        <a:solidFill>
+                          <a:schemeClr val="tx2">
+                            <a:lumMod val="75000"/>
+                          </a:schemeClr>
+                        </a:solidFill>
+                      </a:endParaRPr>
+                    </a:p>
+                  </a:txBody>
+                  <a:tcPr>
+                    <a:lnL w="12700" cap="flat" cmpd="sng" algn="ctr">
+                      <a:noFill/>
+                      <a:prstDash val="solid"/>
+                      <a:round/>
+                      <a:headEnd type="none" w="med" len="med"/>
+                      <a:tailEnd type="none" w="med" len="med"/>
+                    </a:lnL>
+                    <a:lnB w="12700" cap="flat" cmpd="sng" algn="ctr">
+                      <a:noFill/>
+                      <a:prstDash val="solid"/>
+                      <a:round/>
+                      <a:headEnd type="none" w="med" len="med"/>
+                      <a:tailEnd type="none" w="med" len="med"/>
+                    </a:lnB>
+                  </a:tcPr>
+                </a:tc>
+                <a:tc>
+                  <a:txBody>
+                    <a:bodyPr/>
+                    <a:lstStyle/>
+                    <a:p>
+                      <a:r>
+                        <a:rPr lang="en-US" sz="1400" dirty="0" smtClean="0">
+                          <a:solidFill>
+                            <a:schemeClr val="tx2">
+                              <a:lumMod val="75000"/>
+                            </a:schemeClr>
+                          </a:solidFill>
+                        </a:rPr>
+                        <a:t>Returns sum of the elements of the list</a:t>
+                      </a:r>
+                      <a:endParaRPr lang="en-IN" sz="1400" dirty="0">
+                        <a:solidFill>
+                          <a:schemeClr val="tx2">
+                            <a:lumMod val="75000"/>
+                          </a:schemeClr>
+                        </a:solidFill>
+                      </a:endParaRPr>
+                    </a:p>
+                  </a:txBody>
+                  <a:tcPr>
+                    <a:lnR w="12700" cap="flat" cmpd="sng" algn="ctr">
+                      <a:noFill/>
+                      <a:prstDash val="solid"/>
+                      <a:round/>
+                      <a:headEnd type="none" w="med" len="med"/>
+                      <a:tailEnd type="none" w="med" len="med"/>
+                    </a:lnR>
+                    <a:lnB w="12700" cap="flat" cmpd="sng" algn="ctr">
+                      <a:noFill/>
+                      <a:prstDash val="solid"/>
+                      <a:round/>
+                      <a:headEnd type="none" w="med" len="med"/>
+                      <a:tailEnd type="none" w="med" len="med"/>
+                    </a:lnB>
+                  </a:tcPr>
+                </a:tc>
+              </a:tr>
+            </a:tbl>
+          </a:graphicData>
+        </a:graphic>
+      </p:graphicFrame>
     </p:spTree>
     <p:extLst>
       <p:ext uri="{BB962C8B-B14F-4D97-AF65-F5344CB8AC3E}">
-        <p14:creationId xmlns:p14="http://schemas.microsoft.com/office/powerpoint/2010/main" val="3705714209"/>
+        <p14:creationId xmlns:p14="http://schemas.microsoft.com/office/powerpoint/2010/main" val="696744671"/>
       </p:ext>
     </p:extLst>
   </p:cSld>
   <p:clrMapOvr>
     <a:masterClrMapping/>
   </p:clrMapOvr>
-</p:sld>
-</file>
-
-<file path=ppt/slides/slide4.xml><?xml version="1.0" encoding="utf-8"?>
-<p:sld xmlns:a="http://schemas.openxmlformats.org/drawingml/2006/main" xmlns:r="http://schemas.openxmlformats.org/officeDocument/2006/relationships" xmlns:p="http://schemas.openxmlformats.org/presentationml/2006/main">
-  <p:cSld>
-    <p:spTree>
-      <p:nvGrpSpPr>
-        <p:cNvPr id="1" name=""/>
-        <p:cNvGrpSpPr/>
-        <p:nvPr/>
-      </p:nvGrpSpPr>
-      <p:grpSpPr>
-        <a:xfrm>
-          <a:off x="0" y="0"/>
-          <a:ext cx="0" cy="0"/>
-          <a:chOff x="0" y="0"/>
-          <a:chExt cx="0" cy="0"/>
-        </a:xfrm>
-      </p:grpSpPr>
-      <p:sp>
-        <p:nvSpPr>
-          <p:cNvPr id="2" name="Title 1"/>
-          <p:cNvSpPr>
-            <a:spLocks noGrp="1"/>
-          </p:cNvSpPr>
-          <p:nvPr>
-            <p:ph type="ctrTitle"/>
-          </p:nvPr>
-        </p:nvSpPr>
-        <p:spPr>
-          <a:xfrm>
-            <a:off x="1857286" y="427289"/>
-            <a:ext cx="7756733" cy="675117"/>
-          </a:xfrm>
-        </p:spPr>
-        <p:txBody>
-          <a:bodyPr>
-            <a:normAutofit fontScale="90000"/>
-          </a:bodyPr>
-          <a:lstStyle/>
-          <a:p>
-            <a:r>
-              <a:rPr lang="en-IN" sz="2800" b="1" dirty="0" smtClean="0"/>
-              <a:t/>
-            </a:r>
-            <a:br>
-              <a:rPr lang="en-IN" sz="2800" b="1" dirty="0" smtClean="0"/>
-            </a:br>
-            <a:r>
-              <a:rPr lang="en-IN" sz="2800" b="1" dirty="0"/>
-              <a:t/>
-            </a:r>
-            <a:br>
-              <a:rPr lang="en-IN" sz="2800" b="1" dirty="0"/>
-            </a:br>
-            <a:r>
-              <a:rPr lang="en-IN" sz="2800" b="1" dirty="0" smtClean="0"/>
-              <a:t/>
-            </a:r>
-            <a:br>
-              <a:rPr lang="en-IN" sz="2800" b="1" dirty="0" smtClean="0"/>
-            </a:br>
-            <a:r>
-              <a:rPr lang="en-IN" sz="2800" b="1" dirty="0"/>
-              <a:t/>
-            </a:r>
-            <a:br>
-              <a:rPr lang="en-IN" sz="2800" b="1" dirty="0"/>
-            </a:br>
-            <a:r>
-              <a:rPr lang="en-IN" sz="2800" b="1" dirty="0" smtClean="0"/>
-              <a:t>For Loop</a:t>
-            </a:r>
-            <a:endParaRPr lang="en-US" sz="2800" b="1" dirty="0"/>
-          </a:p>
-        </p:txBody>
-      </p:sp>
-      <p:sp>
-        <p:nvSpPr>
-          <p:cNvPr id="3" name="Subtitle 2"/>
-          <p:cNvSpPr>
-            <a:spLocks noGrp="1"/>
-          </p:cNvSpPr>
-          <p:nvPr>
-            <p:ph type="subTitle" idx="1"/>
-          </p:nvPr>
-        </p:nvSpPr>
-        <p:spPr>
-          <a:xfrm>
-            <a:off x="1632246" y="1410056"/>
-            <a:ext cx="6358071" cy="367469"/>
-          </a:xfrm>
-        </p:spPr>
-        <p:txBody>
-          <a:bodyPr>
-            <a:noAutofit/>
-          </a:bodyPr>
-          <a:lstStyle/>
-          <a:p>
-            <a:pPr algn="l"/>
-            <a:r>
-              <a:rPr lang="en-US" sz="1800" dirty="0"/>
-              <a:t>The for loop in Python is used to iterate over a sequence</a:t>
-            </a:r>
-            <a:endParaRPr lang="en-US" sz="1800" b="1" dirty="0" smtClean="0"/>
-          </a:p>
-          <a:p>
-            <a:pPr algn="l"/>
-            <a:r>
-              <a:rPr lang="en-US" sz="1800" b="1" dirty="0"/>
-              <a:t/>
-            </a:r>
-            <a:br>
-              <a:rPr lang="en-US" sz="1800" b="1" dirty="0"/>
-            </a:br>
-            <a:endParaRPr lang="en-US" sz="1800" b="1" dirty="0" smtClean="0"/>
-          </a:p>
-          <a:p>
-            <a:pPr algn="l"/>
-            <a:endParaRPr lang="en-US" sz="1800" dirty="0" smtClean="0"/>
-          </a:p>
-        </p:txBody>
-      </p:sp>
-      <p:pic>
-        <p:nvPicPr>
-          <p:cNvPr id="4" name="Picture 3"/>
-          <p:cNvPicPr>
-            <a:picLocks noChangeAspect="1"/>
-          </p:cNvPicPr>
-          <p:nvPr/>
-        </p:nvPicPr>
-        <p:blipFill>
-          <a:blip r:embed="rId2" cstate="print">
-            <a:extLst>
-              <a:ext uri="{28A0092B-C50C-407E-A947-70E740481C1C}">
-                <a14:useLocalDpi xmlns:a14="http://schemas.microsoft.com/office/drawing/2010/main" val="0"/>
-              </a:ext>
-            </a:extLst>
-          </a:blip>
-          <a:stretch>
-            <a:fillRect/>
-          </a:stretch>
-        </p:blipFill>
-        <p:spPr>
-          <a:xfrm>
-            <a:off x="2516588" y="2085175"/>
-            <a:ext cx="5251540" cy="4249626"/>
-          </a:xfrm>
-          <a:prstGeom prst="rect">
-            <a:avLst/>
-          </a:prstGeom>
-        </p:spPr>
-      </p:pic>
-    </p:spTree>
-    <p:extLst>
-      <p:ext uri="{BB962C8B-B14F-4D97-AF65-F5344CB8AC3E}">
-        <p14:creationId xmlns:p14="http://schemas.microsoft.com/office/powerpoint/2010/main" val="2871951639"/>
-      </p:ext>
-    </p:extLst>
-  </p:cSld>
-  <p:clrMapOvr>
-    <a:masterClrMapping/>
-  </p:clrMapOvr>
-</p:sld>
-</file>
-
-<file path=ppt/slides/slide5.xml><?xml version="1.0" encoding="utf-8"?>
-<p:sld xmlns:a="http://schemas.openxmlformats.org/drawingml/2006/main" xmlns:r="http://schemas.openxmlformats.org/officeDocument/2006/relationships" xmlns:p="http://schemas.openxmlformats.org/presentationml/2006/main">
-  <p:cSld>
-    <p:spTree>
-      <p:nvGrpSpPr>
-        <p:cNvPr id="1" name=""/>
-        <p:cNvGrpSpPr/>
-        <p:nvPr/>
-      </p:nvGrpSpPr>
-      <p:grpSpPr>
-        <a:xfrm>
-          <a:off x="0" y="0"/>
-          <a:ext cx="0" cy="0"/>
-          <a:chOff x="0" y="0"/>
-          <a:chExt cx="0" cy="0"/>
-        </a:xfrm>
-      </p:grpSpPr>
-      <p:sp>
-        <p:nvSpPr>
-          <p:cNvPr id="2" name="Title 1"/>
-          <p:cNvSpPr>
-            <a:spLocks noGrp="1"/>
-          </p:cNvSpPr>
-          <p:nvPr>
-            <p:ph type="ctrTitle"/>
-          </p:nvPr>
-        </p:nvSpPr>
-        <p:spPr>
-          <a:xfrm>
-            <a:off x="1857286" y="427289"/>
-            <a:ext cx="7756733" cy="675117"/>
-          </a:xfrm>
-        </p:spPr>
-        <p:txBody>
-          <a:bodyPr>
-            <a:normAutofit fontScale="90000"/>
-          </a:bodyPr>
-          <a:lstStyle/>
-          <a:p>
-            <a:r>
-              <a:rPr lang="en-IN" sz="2800" b="1" dirty="0" smtClean="0"/>
-              <a:t/>
-            </a:r>
-            <a:br>
-              <a:rPr lang="en-IN" sz="2800" b="1" dirty="0" smtClean="0"/>
-            </a:br>
-            <a:r>
-              <a:rPr lang="en-IN" sz="2800" b="1" dirty="0"/>
-              <a:t/>
-            </a:r>
-            <a:br>
-              <a:rPr lang="en-IN" sz="2800" b="1" dirty="0"/>
-            </a:br>
-            <a:r>
-              <a:rPr lang="en-IN" sz="2800" b="1" dirty="0" smtClean="0"/>
-              <a:t/>
-            </a:r>
-            <a:br>
-              <a:rPr lang="en-IN" sz="2800" b="1" dirty="0" smtClean="0"/>
-            </a:br>
-            <a:r>
-              <a:rPr lang="en-IN" sz="2800" b="1" dirty="0"/>
-              <a:t/>
-            </a:r>
-            <a:br>
-              <a:rPr lang="en-IN" sz="2800" b="1" dirty="0"/>
-            </a:br>
-            <a:r>
-              <a:rPr lang="en-IN" sz="2800" b="1" dirty="0" smtClean="0"/>
-              <a:t>While</a:t>
-            </a:r>
-            <a:r>
-              <a:rPr lang="en-IN" sz="2800" b="1" dirty="0" smtClean="0"/>
-              <a:t> Loop</a:t>
-            </a:r>
-            <a:endParaRPr lang="en-US" sz="2800" b="1" dirty="0"/>
-          </a:p>
-        </p:txBody>
-      </p:sp>
-      <p:sp>
-        <p:nvSpPr>
-          <p:cNvPr id="3" name="Subtitle 2"/>
-          <p:cNvSpPr>
-            <a:spLocks noGrp="1"/>
-          </p:cNvSpPr>
-          <p:nvPr>
-            <p:ph type="subTitle" idx="1"/>
-          </p:nvPr>
-        </p:nvSpPr>
-        <p:spPr>
-          <a:xfrm>
-            <a:off x="1632246" y="1410056"/>
-            <a:ext cx="6511896" cy="615297"/>
-          </a:xfrm>
-        </p:spPr>
-        <p:txBody>
-          <a:bodyPr>
-            <a:noAutofit/>
-          </a:bodyPr>
-          <a:lstStyle/>
-          <a:p>
-            <a:pPr algn="l"/>
-            <a:r>
-              <a:rPr lang="en-US" sz="1800" dirty="0"/>
-              <a:t>The while loop in Python is used to iterate over a block of code as long as the test expression (condition) is true</a:t>
-            </a:r>
-            <a:r>
-              <a:rPr lang="en-US" sz="1800" b="1" dirty="0"/>
-              <a:t/>
-            </a:r>
-            <a:br>
-              <a:rPr lang="en-US" sz="1800" b="1" dirty="0"/>
-            </a:br>
-            <a:endParaRPr lang="en-US" sz="1800" b="1" dirty="0" smtClean="0"/>
-          </a:p>
-          <a:p>
-            <a:pPr algn="l"/>
-            <a:endParaRPr lang="en-US" sz="1800" dirty="0" smtClean="0"/>
-          </a:p>
-        </p:txBody>
-      </p:sp>
-      <p:pic>
-        <p:nvPicPr>
-          <p:cNvPr id="5" name="Picture 4"/>
-          <p:cNvPicPr>
-            <a:picLocks noChangeAspect="1"/>
-          </p:cNvPicPr>
-          <p:nvPr/>
-        </p:nvPicPr>
-        <p:blipFill>
-          <a:blip r:embed="rId2" cstate="print">
-            <a:extLst>
-              <a:ext uri="{28A0092B-C50C-407E-A947-70E740481C1C}">
-                <a14:useLocalDpi xmlns:a14="http://schemas.microsoft.com/office/drawing/2010/main" val="0"/>
-              </a:ext>
-            </a:extLst>
-          </a:blip>
-          <a:stretch>
-            <a:fillRect/>
-          </a:stretch>
-        </p:blipFill>
-        <p:spPr>
-          <a:xfrm>
-            <a:off x="3001168" y="1939315"/>
-            <a:ext cx="4160208" cy="4546637"/>
-          </a:xfrm>
-          <a:prstGeom prst="rect">
-            <a:avLst/>
-          </a:prstGeom>
-        </p:spPr>
-      </p:pic>
-    </p:spTree>
-    <p:extLst>
-      <p:ext uri="{BB962C8B-B14F-4D97-AF65-F5344CB8AC3E}">
-        <p14:creationId xmlns:p14="http://schemas.microsoft.com/office/powerpoint/2010/main" val="3663138024"/>
-      </p:ext>
-    </p:extLst>
-  </p:cSld>
-  <p:clrMapOvr>
-    <a:masterClrMapping/>
-  </p:clrMapOvr>
-</p:sld>
-</file>
-
-<file path=ppt/slides/slide6.xml><?xml version="1.0" encoding="utf-8"?>
-<p:sld xmlns:a="http://schemas.openxmlformats.org/drawingml/2006/main" xmlns:r="http://schemas.openxmlformats.org/officeDocument/2006/relationships" xmlns:p="http://schemas.openxmlformats.org/presentationml/2006/main">
-  <p:cSld>
-    <p:spTree>
-      <p:nvGrpSpPr>
-        <p:cNvPr id="1" name=""/>
-        <p:cNvGrpSpPr/>
-        <p:nvPr/>
-      </p:nvGrpSpPr>
-      <p:grpSpPr>
-        <a:xfrm>
-          <a:off x="0" y="0"/>
-          <a:ext cx="0" cy="0"/>
-          <a:chOff x="0" y="0"/>
-          <a:chExt cx="0" cy="0"/>
-        </a:xfrm>
-      </p:grpSpPr>
-      <p:sp>
-        <p:nvSpPr>
-          <p:cNvPr id="2" name="Title 1"/>
-          <p:cNvSpPr>
-            <a:spLocks noGrp="1"/>
-          </p:cNvSpPr>
-          <p:nvPr>
-            <p:ph type="ctrTitle"/>
-          </p:nvPr>
-        </p:nvSpPr>
-        <p:spPr>
-          <a:xfrm>
-            <a:off x="1370175" y="2290273"/>
-            <a:ext cx="7970378" cy="1324598"/>
-          </a:xfrm>
-        </p:spPr>
-        <p:txBody>
-          <a:bodyPr>
-            <a:noAutofit/>
-          </a:bodyPr>
-          <a:lstStyle/>
-          <a:p>
-            <a:r>
-              <a:rPr lang="en-IN" sz="6600" b="1" dirty="0" err="1"/>
-              <a:t>Jupyter</a:t>
-            </a:r>
-            <a:r>
-              <a:rPr lang="en-IN" sz="6600" b="1" dirty="0"/>
-              <a:t> Notebook</a:t>
-            </a:r>
-            <a:br>
-              <a:rPr lang="en-IN" sz="6600" b="1" dirty="0"/>
-            </a:br>
-            <a:r>
-              <a:rPr lang="en-IN" sz="1200" b="1" dirty="0">
-                <a:hlinkClick r:id="rId2"/>
-              </a:rPr>
-              <a:t>https://jupyter.org/install</a:t>
-            </a:r>
-            <a:endParaRPr lang="en-IN" sz="1200" b="1" dirty="0"/>
-          </a:p>
-        </p:txBody>
-      </p:sp>
-    </p:spTree>
-    <p:extLst>
-      <p:ext uri="{BB962C8B-B14F-4D97-AF65-F5344CB8AC3E}">
-        <p14:creationId xmlns:p14="http://schemas.microsoft.com/office/powerpoint/2010/main" val="2987147354"/>
-      </p:ext>
-    </p:extLst>
-  </p:cSld>
-  <p:clrMapOvr>
-    <a:masterClrMapping/>
-  </p:clrMapOvr>
+  <mc:AlternateContent xmlns:mc="http://schemas.openxmlformats.org/markup-compatibility/2006">
+    <mc:Choice xmlns:p14="http://schemas.microsoft.com/office/powerpoint/2010/main" Requires="p14">
+      <p:transition spd="slow" p14:dur="1600">
+        <p:blinds dir="vert"/>
+      </p:transition>
+    </mc:Choice>
+    <mc:Fallback>
+      <p:transition spd="slow">
+        <p:blinds dir="vert"/>
+      </p:transition>
+    </mc:Fallback>
+  </mc:AlternateContent>
+  <p:timing>
+    <p:tnLst>
+      <p:par>
+        <p:cTn id="1" dur="indefinite" restart="never" nodeType="tmRoot">
+          <p:childTnLst>
+            <p:seq concurrent="1" nextAc="seek">
+              <p:cTn id="2" dur="indefinite" nodeType="mainSeq">
+                <p:childTnLst>
+                  <p:par>
+                    <p:cTn id="3" fill="hold">
+                      <p:stCondLst>
+                        <p:cond delay="indefinite"/>
+                      </p:stCondLst>
+                      <p:childTnLst>
+                        <p:par>
+                          <p:cTn id="4" fill="hold">
+                            <p:stCondLst>
+                              <p:cond delay="0"/>
+                            </p:stCondLst>
+                            <p:childTnLst>
+                              <p:par>
+                                <p:cTn id="5" presetID="47" presetClass="entr" presetSubtype="0" fill="hold" nodeType="clickEffect">
+                                  <p:stCondLst>
+                                    <p:cond delay="0"/>
+                                  </p:stCondLst>
+                                  <p:childTnLst>
+                                    <p:set>
+                                      <p:cBhvr>
+                                        <p:cTn id="6" dur="1" fill="hold">
+                                          <p:stCondLst>
+                                            <p:cond delay="0"/>
+                                          </p:stCondLst>
+                                        </p:cTn>
+                                        <p:tgtEl>
+                                          <p:spTgt spid="7"/>
+                                        </p:tgtEl>
+                                        <p:attrNameLst>
+                                          <p:attrName>style.visibility</p:attrName>
+                                        </p:attrNameLst>
+                                      </p:cBhvr>
+                                      <p:to>
+                                        <p:strVal val="visible"/>
+                                      </p:to>
+                                    </p:set>
+                                    <p:animEffect transition="in" filter="fade">
+                                      <p:cBhvr>
+                                        <p:cTn id="7" dur="1000"/>
+                                        <p:tgtEl>
+                                          <p:spTgt spid="7"/>
+                                        </p:tgtEl>
+                                      </p:cBhvr>
+                                    </p:animEffect>
+                                    <p:anim calcmode="lin" valueType="num">
+                                      <p:cBhvr>
+                                        <p:cTn id="8" dur="1000" fill="hold"/>
+                                        <p:tgtEl>
+                                          <p:spTgt spid="7"/>
+                                        </p:tgtEl>
+                                        <p:attrNameLst>
+                                          <p:attrName>ppt_x</p:attrName>
+                                        </p:attrNameLst>
+                                      </p:cBhvr>
+                                      <p:tavLst>
+                                        <p:tav tm="0">
+                                          <p:val>
+                                            <p:strVal val="#ppt_x"/>
+                                          </p:val>
+                                        </p:tav>
+                                        <p:tav tm="100000">
+                                          <p:val>
+                                            <p:strVal val="#ppt_x"/>
+                                          </p:val>
+                                        </p:tav>
+                                      </p:tavLst>
+                                    </p:anim>
+                                    <p:anim calcmode="lin" valueType="num">
+                                      <p:cBhvr>
+                                        <p:cTn id="9" dur="1000" fill="hold"/>
+                                        <p:tgtEl>
+                                          <p:spTgt spid="7"/>
+                                        </p:tgtEl>
+                                        <p:attrNameLst>
+                                          <p:attrName>ppt_y</p:attrName>
+                                        </p:attrNameLst>
+                                      </p:cBhvr>
+                                      <p:tavLst>
+                                        <p:tav tm="0">
+                                          <p:val>
+                                            <p:strVal val="#ppt_y-.1"/>
+                                          </p:val>
+                                        </p:tav>
+                                        <p:tav tm="100000">
+                                          <p:val>
+                                            <p:strVal val="#ppt_y"/>
+                                          </p:val>
+                                        </p:tav>
+                                      </p:tavLst>
+                                    </p:anim>
+                                  </p:childTnLst>
+                                </p:cTn>
+                              </p:par>
+                            </p:childTnLst>
+                          </p:cTn>
+                        </p:par>
+                      </p:childTnLst>
+                    </p:cTn>
+                  </p:par>
+                </p:childTnLst>
+              </p:cTn>
+              <p:prevCondLst>
+                <p:cond evt="onPrev" delay="0">
+                  <p:tgtEl>
+                    <p:sldTgt/>
+                  </p:tgtEl>
+                </p:cond>
+              </p:prevCondLst>
+              <p:nextCondLst>
+                <p:cond evt="onNext" delay="0">
+                  <p:tgtEl>
+                    <p:sldTgt/>
+                  </p:tgtEl>
+                </p:cond>
+              </p:nextCondLst>
+            </p:seq>
+          </p:childTnLst>
+        </p:cTn>
+      </p:par>
+    </p:tnLst>
+  </p:timing>
 </p:sld>
 </file>
 
 <file path=ppt/theme/theme1.xml><?xml version="1.0" encoding="utf-8"?>
-<a:theme xmlns:a="http://schemas.openxmlformats.org/drawingml/2006/main" name="Office Theme">
+<a:theme xmlns:a="http://schemas.openxmlformats.org/drawingml/2006/main" name="Retrospect">
   <a:themeElements>
-    <a:clrScheme name="Office">
+    <a:clrScheme name="Retrospect">
       <a:dk1>
-        <a:sysClr val="windowText" lastClr="000000"/>
+        <a:srgbClr val="000000"/>
       </a:dk1>
       <a:lt1>
         <a:sysClr val="window" lastClr="FFFFFF"/>
       </a:lt1>
       <a:dk2>
-        <a:srgbClr val="44546A"/>
+        <a:srgbClr val="637052"/>
       </a:dk2>
       <a:lt2>
-        <a:srgbClr val="E7E6E6"/>
+        <a:srgbClr val="CCDDEA"/>
       </a:lt2>
       <a:accent1>
-        <a:srgbClr val="5B9BD5"/>
+        <a:srgbClr val="E48312"/>
       </a:accent1>
       <a:accent2>
-        <a:srgbClr val="ED7D31"/>
+        <a:srgbClr val="BD582C"/>
       </a:accent2>
       <a:accent3>
-        <a:srgbClr val="A5A5A5"/>
+        <a:srgbClr val="865640"/>
       </a:accent3>
       <a:accent4>
-        <a:srgbClr val="FFC000"/>
+        <a:srgbClr val="9B8357"/>
       </a:accent4>
       <a:accent5>
-        <a:srgbClr val="4472C4"/>
+        <a:srgbClr val="C2BC80"/>
       </a:accent5>
       <a:accent6>
-        <a:srgbClr val="70AD47"/>
+        <a:srgbClr val="94A088"/>
       </a:accent6>
       <a:hlink>
-        <a:srgbClr val="0563C1"/>
+        <a:srgbClr val="2998E3"/>
       </a:hlink>
       <a:folHlink>
-        <a:srgbClr val="954F72"/>
+        <a:srgbClr val="8C8C8C"/>
       </a:folHlink>
     </a:clrScheme>
-    <a:fontScheme name="Office">
+    <a:fontScheme name="Retrospect">
       <a:majorFont>
         <a:latin typeface="Calibri Light" panose="020F0302020204030204"/>
         <a:ea typeface=""/>
@@ -4227,7 +7710,7 @@
         <a:font script="Geor" typeface="Sylfaen"/>
       </a:minorFont>
     </a:fontScheme>
-    <a:fmtScheme name="Office">
+    <a:fmtScheme name="Retrospect">
       <a:fillStyleLst>
         <a:solidFill>
           <a:schemeClr val="phClr"/>
@@ -4236,76 +7719,81 @@
           <a:gsLst>
             <a:gs pos="0">
               <a:schemeClr val="phClr">
-                <a:lumMod val="110000"/>
-                <a:satMod val="105000"/>
-                <a:tint val="67000"/>
+                <a:tint val="65000"/>
+                <a:shade val="92000"/>
+                <a:satMod val="130000"/>
               </a:schemeClr>
             </a:gs>
-            <a:gs pos="50000">
+            <a:gs pos="45000">
               <a:schemeClr val="phClr">
-                <a:lumMod val="105000"/>
-                <a:satMod val="103000"/>
-                <a:tint val="73000"/>
+                <a:tint val="60000"/>
+                <a:shade val="99000"/>
+                <a:satMod val="120000"/>
               </a:schemeClr>
             </a:gs>
             <a:gs pos="100000">
               <a:schemeClr val="phClr">
-                <a:lumMod val="105000"/>
-                <a:satMod val="109000"/>
-                <a:tint val="81000"/>
+                <a:tint val="55000"/>
+                <a:satMod val="140000"/>
               </a:schemeClr>
             </a:gs>
           </a:gsLst>
-          <a:lin ang="5400000" scaled="0"/>
+          <a:path path="circle">
+            <a:fillToRect l="100000" t="100000" r="100000" b="100000"/>
+          </a:path>
         </a:gradFill>
         <a:gradFill rotWithShape="1">
           <a:gsLst>
             <a:gs pos="0">
               <a:schemeClr val="phClr">
-                <a:satMod val="103000"/>
-                <a:lumMod val="102000"/>
-                <a:tint val="94000"/>
+                <a:shade val="85000"/>
+                <a:satMod val="130000"/>
               </a:schemeClr>
             </a:gs>
-            <a:gs pos="50000">
+            <a:gs pos="34000">
               <a:schemeClr val="phClr">
-                <a:satMod val="110000"/>
-                <a:lumMod val="100000"/>
-                <a:shade val="100000"/>
+                <a:shade val="87000"/>
+                <a:satMod val="125000"/>
+              </a:schemeClr>
+            </a:gs>
+            <a:gs pos="70000">
+              <a:schemeClr val="phClr">
+                <a:tint val="100000"/>
+                <a:shade val="90000"/>
+                <a:satMod val="130000"/>
               </a:schemeClr>
             </a:gs>
             <a:gs pos="100000">
               <a:schemeClr val="phClr">
-                <a:lumMod val="99000"/>
-                <a:satMod val="120000"/>
-                <a:shade val="78000"/>
+                <a:tint val="100000"/>
+                <a:shade val="100000"/>
+                <a:satMod val="110000"/>
               </a:schemeClr>
             </a:gs>
           </a:gsLst>
-          <a:lin ang="5400000" scaled="0"/>
+          <a:path path="circle">
+            <a:fillToRect l="100000" t="100000" r="100000" b="100000"/>
+          </a:path>
         </a:gradFill>
       </a:fillStyleLst>
       <a:lnStyleLst>
-        <a:ln w="6350" cap="flat" cmpd="sng" algn="ctr">
-          <a:solidFill>
-            <a:schemeClr val="phClr"/>
-          </a:solidFill>
-          <a:prstDash val="solid"/>
-          <a:miter lim="800000"/>
-        </a:ln>
         <a:ln w="12700" cap="flat" cmpd="sng" algn="ctr">
           <a:solidFill>
             <a:schemeClr val="phClr"/>
           </a:solidFill>
           <a:prstDash val="solid"/>
-          <a:miter lim="800000"/>
         </a:ln>
-        <a:ln w="19050" cap="flat" cmpd="sng" algn="ctr">
+        <a:ln w="15875" cap="flat" cmpd="sng" algn="ctr">
           <a:solidFill>
             <a:schemeClr val="phClr"/>
           </a:solidFill>
           <a:prstDash val="solid"/>
-          <a:miter lim="800000"/>
+        </a:ln>
+        <a:ln w="25400" cap="flat" cmpd="sng" algn="ctr">
+          <a:solidFill>
+            <a:schemeClr val="phClr"/>
+          </a:solidFill>
+          <a:prstDash val="solid"/>
         </a:ln>
       </a:lnStyleLst>
       <a:effectStyleLst>
@@ -4313,16 +7801,33 @@
           <a:effectLst/>
         </a:effectStyle>
         <a:effectStyle>
-          <a:effectLst/>
+          <a:effectLst>
+            <a:outerShdw blurRad="38100" dist="25400" dir="2700000" algn="br" rotWithShape="0">
+              <a:srgbClr val="000000">
+                <a:alpha val="60000"/>
+              </a:srgbClr>
+            </a:outerShdw>
+          </a:effectLst>
         </a:effectStyle>
         <a:effectStyle>
           <a:effectLst>
-            <a:outerShdw blurRad="57150" dist="19050" dir="5400000" algn="ctr" rotWithShape="0">
+            <a:outerShdw blurRad="44450" dist="25400" dir="2700000" algn="br" rotWithShape="0">
               <a:srgbClr val="000000">
-                <a:alpha val="63000"/>
+                <a:alpha val="60000"/>
               </a:srgbClr>
             </a:outerShdw>
           </a:effectLst>
+          <a:scene3d>
+            <a:camera prst="orthographicFront">
+              <a:rot lat="0" lon="0" rev="0"/>
+            </a:camera>
+            <a:lightRig rig="threePt" dir="t">
+              <a:rot lat="0" lon="0" rev="19800000"/>
+            </a:lightRig>
+          </a:scene3d>
+          <a:sp3d prstMaterial="flat">
+            <a:bevelT w="25400" h="31750"/>
+          </a:sp3d>
         </a:effectStyle>
       </a:effectStyleLst>
       <a:bgFillStyleLst>
@@ -4331,36 +7836,36 @@
         </a:solidFill>
         <a:solidFill>
           <a:schemeClr val="phClr">
-            <a:tint val="95000"/>
-            <a:satMod val="170000"/>
+            <a:tint val="90000"/>
+            <a:shade val="97000"/>
+            <a:satMod val="130000"/>
           </a:schemeClr>
         </a:solidFill>
         <a:gradFill rotWithShape="1">
           <a:gsLst>
             <a:gs pos="0">
               <a:schemeClr val="phClr">
-                <a:tint val="93000"/>
-                <a:satMod val="150000"/>
-                <a:shade val="98000"/>
-                <a:lumMod val="102000"/>
+                <a:tint val="96000"/>
+                <a:shade val="99000"/>
+                <a:satMod val="140000"/>
               </a:schemeClr>
             </a:gs>
-            <a:gs pos="50000">
+            <a:gs pos="65000">
               <a:schemeClr val="phClr">
-                <a:tint val="98000"/>
+                <a:tint val="100000"/>
+                <a:shade val="80000"/>
                 <a:satMod val="130000"/>
-                <a:shade val="90000"/>
-                <a:lumMod val="103000"/>
               </a:schemeClr>
             </a:gs>
             <a:gs pos="100000">
               <a:schemeClr val="phClr">
-                <a:shade val="63000"/>
+                <a:tint val="100000"/>
+                <a:shade val="48000"/>
                 <a:satMod val="120000"/>
               </a:schemeClr>
             </a:gs>
           </a:gsLst>
-          <a:lin ang="5400000" scaled="0"/>
+          <a:lin ang="16200000" scaled="0"/>
         </a:gradFill>
       </a:bgFillStyleLst>
     </a:fmtScheme>
@@ -4369,7 +7874,7 @@
   <a:extraClrSchemeLst/>
   <a:extLst>
     <a:ext uri="{05A4C25C-085E-4340-85A3-A5531E510DB2}">
-      <thm15:themeFamily xmlns:thm15="http://schemas.microsoft.com/office/thememl/2012/main" name="Office Theme" id="{62F939B6-93AF-4DB8-9C6B-D6C7DFDC589F}" vid="{4A3C46E8-61CC-4603-A589-7422A47A8E4A}"/>
+      <thm15:themeFamily xmlns:thm15="http://schemas.microsoft.com/office/thememl/2012/main" name="Retrospect" id="{5F128B03-DCCA-4EEB-AB3B-CF2899314A46}" vid="{3F1AAB62-24C6-49D2-8E01-B56FAC9A3DCD}"/>
     </a:ext>
   </a:extLst>
 </a:theme>

--- a/Python Session/Python_12_may.pptx
+++ b/Python Session/Python_12_may.pptx
@@ -6,8 +6,9 @@
   </p:sldMasterIdLst>
   <p:sldIdLst>
     <p:sldId id="256" r:id="rId2"/>
-    <p:sldId id="259" r:id="rId3"/>
-    <p:sldId id="257" r:id="rId4"/>
+    <p:sldId id="260" r:id="rId3"/>
+    <p:sldId id="259" r:id="rId4"/>
+    <p:sldId id="257" r:id="rId5"/>
   </p:sldIdLst>
   <p:sldSz cx="12192000" cy="6858000"/>
   <p:notesSz cx="6858000" cy="9144000"/>
@@ -340,7 +341,7 @@
           <a:p>
             <a:fld id="{89423816-5A68-4C9F-82ED-FF89F03C3494}" type="datetimeFigureOut">
               <a:rPr lang="en-IN" smtClean="0"/>
-              <a:t>08-05-2022</a:t>
+              <a:t>12-05-2022</a:t>
             </a:fld>
             <a:endParaRPr lang="en-IN"/>
           </a:p>
@@ -548,7 +549,7 @@
           <a:p>
             <a:fld id="{89423816-5A68-4C9F-82ED-FF89F03C3494}" type="datetimeFigureOut">
               <a:rPr lang="en-IN" smtClean="0"/>
-              <a:t>08-05-2022</a:t>
+              <a:t>12-05-2022</a:t>
             </a:fld>
             <a:endParaRPr lang="en-IN"/>
           </a:p>
@@ -804,7 +805,7 @@
           <a:p>
             <a:fld id="{89423816-5A68-4C9F-82ED-FF89F03C3494}" type="datetimeFigureOut">
               <a:rPr lang="en-IN" smtClean="0"/>
-              <a:t>08-05-2022</a:t>
+              <a:t>12-05-2022</a:t>
             </a:fld>
             <a:endParaRPr lang="en-IN"/>
           </a:p>
@@ -978,7 +979,7 @@
           <a:p>
             <a:fld id="{89423816-5A68-4C9F-82ED-FF89F03C3494}" type="datetimeFigureOut">
               <a:rPr lang="en-IN" smtClean="0"/>
-              <a:t>08-05-2022</a:t>
+              <a:t>12-05-2022</a:t>
             </a:fld>
             <a:endParaRPr lang="en-IN"/>
           </a:p>
@@ -1321,7 +1322,7 @@
           <a:p>
             <a:fld id="{89423816-5A68-4C9F-82ED-FF89F03C3494}" type="datetimeFigureOut">
               <a:rPr lang="en-IN" smtClean="0"/>
-              <a:t>08-05-2022</a:t>
+              <a:t>12-05-2022</a:t>
             </a:fld>
             <a:endParaRPr lang="en-IN"/>
           </a:p>
@@ -1596,7 +1597,7 @@
           <a:p>
             <a:fld id="{89423816-5A68-4C9F-82ED-FF89F03C3494}" type="datetimeFigureOut">
               <a:rPr lang="en-IN" smtClean="0"/>
-              <a:t>08-05-2022</a:t>
+              <a:t>12-05-2022</a:t>
             </a:fld>
             <a:endParaRPr lang="en-IN"/>
           </a:p>
@@ -1975,7 +1976,7 @@
           <a:p>
             <a:fld id="{89423816-5A68-4C9F-82ED-FF89F03C3494}" type="datetimeFigureOut">
               <a:rPr lang="en-IN" smtClean="0"/>
-              <a:t>08-05-2022</a:t>
+              <a:t>12-05-2022</a:t>
             </a:fld>
             <a:endParaRPr lang="en-IN"/>
           </a:p>
@@ -2093,7 +2094,7 @@
           <a:p>
             <a:fld id="{89423816-5A68-4C9F-82ED-FF89F03C3494}" type="datetimeFigureOut">
               <a:rPr lang="en-IN" smtClean="0"/>
-              <a:t>08-05-2022</a:t>
+              <a:t>12-05-2022</a:t>
             </a:fld>
             <a:endParaRPr lang="en-IN"/>
           </a:p>
@@ -2264,7 +2265,7 @@
           <a:p>
             <a:fld id="{89423816-5A68-4C9F-82ED-FF89F03C3494}" type="datetimeFigureOut">
               <a:rPr lang="en-IN" smtClean="0"/>
-              <a:t>08-05-2022</a:t>
+              <a:t>12-05-2022</a:t>
             </a:fld>
             <a:endParaRPr lang="en-IN"/>
           </a:p>
@@ -2618,7 +2619,7 @@
           <a:p>
             <a:fld id="{89423816-5A68-4C9F-82ED-FF89F03C3494}" type="datetimeFigureOut">
               <a:rPr lang="en-IN" smtClean="0"/>
-              <a:t>08-05-2022</a:t>
+              <a:t>12-05-2022</a:t>
             </a:fld>
             <a:endParaRPr lang="en-IN"/>
           </a:p>
@@ -3000,7 +3001,7 @@
           <a:p>
             <a:fld id="{89423816-5A68-4C9F-82ED-FF89F03C3494}" type="datetimeFigureOut">
               <a:rPr lang="en-IN" smtClean="0"/>
-              <a:t>08-05-2022</a:t>
+              <a:t>12-05-2022</a:t>
             </a:fld>
             <a:endParaRPr lang="en-IN"/>
           </a:p>
@@ -3287,7 +3288,7 @@
           <a:p>
             <a:fld id="{89423816-5A68-4C9F-82ED-FF89F03C3494}" type="datetimeFigureOut">
               <a:rPr lang="en-IN" smtClean="0"/>
-              <a:t>08-05-2022</a:t>
+              <a:t>12-05-2022</a:t>
             </a:fld>
             <a:endParaRPr lang="en-IN"/>
           </a:p>
@@ -3873,8 +3874,13 @@
             </a:pPr>
             <a:r>
               <a:rPr lang="en-US" sz="1600" dirty="0" smtClean="0"/>
-              <a:t>Python string is a collection of Unicode Character.</a:t>
-            </a:r>
+              <a:t>Python string is a collection of </a:t>
+            </a:r>
+            <a:r>
+              <a:rPr lang="en-US" sz="1600" dirty="0" smtClean="0"/>
+              <a:t>Characters.</a:t>
+            </a:r>
+            <a:endParaRPr lang="en-US" sz="1600" dirty="0" smtClean="0"/>
           </a:p>
           <a:p>
             <a:pPr algn="l">
@@ -3883,13 +3889,8 @@
             </a:pPr>
             <a:r>
               <a:rPr lang="en-US" sz="1600" dirty="0" smtClean="0"/>
-              <a:t>String are immutable. They cannot be </a:t>
-            </a:r>
-            <a:r>
-              <a:rPr lang="en-US" sz="1600" dirty="0" smtClean="0"/>
-              <a:t>change.</a:t>
-            </a:r>
-            <a:endParaRPr lang="en-US" sz="1600" dirty="0" smtClean="0"/>
+              <a:t>String are immutable. They cannot be change.</a:t>
+            </a:r>
           </a:p>
           <a:p>
             <a:pPr algn="l">
@@ -3907,7 +3908,6 @@
               <a:rPr lang="en-US" b="1" u="sng" dirty="0" smtClean="0"/>
               <a:t>String index:</a:t>
             </a:r>
-            <a:endParaRPr lang="en-US" b="1" u="sng" dirty="0" smtClean="0"/>
           </a:p>
           <a:p>
             <a:pPr algn="l"/>
@@ -4659,13 +4659,13 @@
   <p:clrMapOvr>
     <a:masterClrMapping/>
   </p:clrMapOvr>
-  <mc:AlternateContent xmlns:mc="http://schemas.openxmlformats.org/markup-compatibility/2006">
-    <mc:Choice xmlns:p14="http://schemas.microsoft.com/office/powerpoint/2010/main" Requires="p14">
+  <mc:AlternateContent xmlns:mc="http://schemas.openxmlformats.org/markup-compatibility/2006" xmlns:p14="http://schemas.microsoft.com/office/powerpoint/2010/main">
+    <mc:Choice Requires="p14">
       <p:transition spd="slow" p14:dur="1600">
         <p:blinds dir="vert"/>
       </p:transition>
     </mc:Choice>
-    <mc:Fallback>
+    <mc:Fallback xmlns="">
       <p:transition spd="slow">
         <p:blinds dir="vert"/>
       </p:transition>
@@ -5487,6 +5487,1595 @@
           <a:chExt cx="0" cy="0"/>
         </a:xfrm>
       </p:grpSpPr>
+      <p:graphicFrame>
+        <p:nvGraphicFramePr>
+          <p:cNvPr id="7" name="Table 6"/>
+          <p:cNvGraphicFramePr>
+            <a:graphicFrameLocks noGrp="1"/>
+          </p:cNvGraphicFramePr>
+          <p:nvPr>
+            <p:extLst>
+              <p:ext uri="{D42A27DB-BD31-4B8C-83A1-F6EECF244321}">
+                <p14:modId xmlns:p14="http://schemas.microsoft.com/office/powerpoint/2010/main" val="3190320071"/>
+              </p:ext>
+            </p:extLst>
+          </p:nvPr>
+        </p:nvGraphicFramePr>
+        <p:xfrm>
+          <a:off x="391208" y="103090"/>
+          <a:ext cx="10897786" cy="5102997"/>
+        </p:xfrm>
+        <a:graphic>
+          <a:graphicData uri="http://schemas.openxmlformats.org/drawingml/2006/table">
+            <a:tbl>
+              <a:tblPr firstRow="1" bandRow="1">
+                <a:tableStyleId>{5C22544A-7EE6-4342-B048-85BDC9FD1C3A}</a:tableStyleId>
+              </a:tblPr>
+              <a:tblGrid>
+                <a:gridCol w="5448893"/>
+                <a:gridCol w="5448893"/>
+              </a:tblGrid>
+              <a:tr h="284814">
+                <a:tc>
+                  <a:txBody>
+                    <a:bodyPr/>
+                    <a:lstStyle/>
+                    <a:p>
+                      <a:r>
+                        <a:rPr lang="en-IN" sz="1400" dirty="0" smtClean="0">
+                          <a:solidFill>
+                            <a:schemeClr val="tx2">
+                              <a:lumMod val="75000"/>
+                            </a:schemeClr>
+                          </a:solidFill>
+                        </a:rPr>
+                        <a:t>Method</a:t>
+                      </a:r>
+                      <a:endParaRPr lang="en-IN" sz="1400" dirty="0">
+                        <a:solidFill>
+                          <a:schemeClr val="tx2">
+                            <a:lumMod val="75000"/>
+                          </a:schemeClr>
+                        </a:solidFill>
+                      </a:endParaRPr>
+                    </a:p>
+                  </a:txBody>
+                  <a:tcPr>
+                    <a:lnL w="12700" cap="flat" cmpd="sng" algn="ctr">
+                      <a:noFill/>
+                      <a:prstDash val="solid"/>
+                      <a:round/>
+                      <a:headEnd type="none" w="med" len="med"/>
+                      <a:tailEnd type="none" w="med" len="med"/>
+                    </a:lnL>
+                    <a:lnT w="12700" cap="flat" cmpd="sng" algn="ctr">
+                      <a:noFill/>
+                      <a:prstDash val="solid"/>
+                      <a:round/>
+                      <a:headEnd type="none" w="med" len="med"/>
+                      <a:tailEnd type="none" w="med" len="med"/>
+                    </a:lnT>
+                  </a:tcPr>
+                </a:tc>
+                <a:tc>
+                  <a:txBody>
+                    <a:bodyPr/>
+                    <a:lstStyle/>
+                    <a:p>
+                      <a:r>
+                        <a:rPr lang="en-IN" sz="1400" dirty="0" smtClean="0">
+                          <a:solidFill>
+                            <a:schemeClr val="tx2">
+                              <a:lumMod val="75000"/>
+                            </a:schemeClr>
+                          </a:solidFill>
+                        </a:rPr>
+                        <a:t>Description</a:t>
+                      </a:r>
+                      <a:endParaRPr lang="en-IN" sz="1400" dirty="0">
+                        <a:solidFill>
+                          <a:schemeClr val="tx2">
+                            <a:lumMod val="75000"/>
+                          </a:schemeClr>
+                        </a:solidFill>
+                      </a:endParaRPr>
+                    </a:p>
+                  </a:txBody>
+                  <a:tcPr>
+                    <a:lnR w="12700" cap="flat" cmpd="sng" algn="ctr">
+                      <a:noFill/>
+                      <a:prstDash val="solid"/>
+                      <a:round/>
+                      <a:headEnd type="none" w="med" len="med"/>
+                      <a:tailEnd type="none" w="med" len="med"/>
+                    </a:lnR>
+                    <a:lnT w="12700" cap="flat" cmpd="sng" algn="ctr">
+                      <a:noFill/>
+                      <a:prstDash val="solid"/>
+                      <a:round/>
+                      <a:headEnd type="none" w="med" len="med"/>
+                      <a:tailEnd type="none" w="med" len="med"/>
+                    </a:lnT>
+                  </a:tcPr>
+                </a:tc>
+              </a:tr>
+              <a:tr h="284814">
+                <a:tc>
+                  <a:txBody>
+                    <a:bodyPr/>
+                    <a:lstStyle/>
+                    <a:p>
+                      <a:r>
+                        <a:rPr lang="en-IN" sz="1400" b="1" i="0" kern="1200" dirty="0" err="1" smtClean="0">
+                          <a:solidFill>
+                            <a:schemeClr val="dk1"/>
+                          </a:solidFill>
+                          <a:effectLst/>
+                          <a:latin typeface="+mn-lt"/>
+                          <a:ea typeface="+mn-ea"/>
+                          <a:cs typeface="+mn-cs"/>
+                        </a:rPr>
+                        <a:t>s.capitalize</a:t>
+                      </a:r>
+                      <a:r>
+                        <a:rPr lang="en-IN" sz="1400" b="1" i="0" kern="1200" dirty="0" smtClean="0">
+                          <a:solidFill>
+                            <a:schemeClr val="dk1"/>
+                          </a:solidFill>
+                          <a:effectLst/>
+                          <a:latin typeface="+mn-lt"/>
+                          <a:ea typeface="+mn-ea"/>
+                          <a:cs typeface="+mn-cs"/>
+                        </a:rPr>
+                        <a:t>()</a:t>
+                      </a:r>
+                      <a:endParaRPr lang="en-IN" sz="1400" b="1" dirty="0">
+                        <a:solidFill>
+                          <a:schemeClr val="tx2">
+                            <a:lumMod val="75000"/>
+                          </a:schemeClr>
+                        </a:solidFill>
+                      </a:endParaRPr>
+                    </a:p>
+                  </a:txBody>
+                  <a:tcPr>
+                    <a:lnL w="12700" cap="flat" cmpd="sng" algn="ctr">
+                      <a:noFill/>
+                      <a:prstDash val="solid"/>
+                      <a:round/>
+                      <a:headEnd type="none" w="med" len="med"/>
+                      <a:tailEnd type="none" w="med" len="med"/>
+                    </a:lnL>
+                  </a:tcPr>
+                </a:tc>
+                <a:tc>
+                  <a:txBody>
+                    <a:bodyPr/>
+                    <a:lstStyle/>
+                    <a:p>
+                      <a:r>
+                        <a:rPr lang="en-IN" sz="1400" b="1" i="0" kern="1200" dirty="0" smtClean="0">
+                          <a:solidFill>
+                            <a:schemeClr val="dk1"/>
+                          </a:solidFill>
+                          <a:effectLst/>
+                          <a:latin typeface="+mn-lt"/>
+                          <a:ea typeface="+mn-ea"/>
+                          <a:cs typeface="+mn-cs"/>
+                        </a:rPr>
+                        <a:t>Capitalize s # 'hello' =&gt; 'Hello'</a:t>
+                      </a:r>
+                      <a:endParaRPr lang="en-IN" sz="1400" b="1" dirty="0">
+                        <a:solidFill>
+                          <a:schemeClr val="tx2">
+                            <a:lumMod val="75000"/>
+                          </a:schemeClr>
+                        </a:solidFill>
+                      </a:endParaRPr>
+                    </a:p>
+                  </a:txBody>
+                  <a:tcPr>
+                    <a:lnR w="12700" cap="flat" cmpd="sng" algn="ctr">
+                      <a:noFill/>
+                      <a:prstDash val="solid"/>
+                      <a:round/>
+                      <a:headEnd type="none" w="med" len="med"/>
+                      <a:tailEnd type="none" w="med" len="med"/>
+                    </a:lnR>
+                  </a:tcPr>
+                </a:tc>
+              </a:tr>
+              <a:tr h="284814">
+                <a:tc>
+                  <a:txBody>
+                    <a:bodyPr/>
+                    <a:lstStyle/>
+                    <a:p>
+                      <a:r>
+                        <a:rPr lang="en-IN" sz="1400" b="1" i="0" kern="1200" dirty="0" err="1" smtClean="0">
+                          <a:solidFill>
+                            <a:schemeClr val="dk1"/>
+                          </a:solidFill>
+                          <a:effectLst/>
+                          <a:latin typeface="+mn-lt"/>
+                          <a:ea typeface="+mn-ea"/>
+                          <a:cs typeface="+mn-cs"/>
+                        </a:rPr>
+                        <a:t>s.lower</a:t>
+                      </a:r>
+                      <a:r>
+                        <a:rPr lang="en-IN" sz="1400" b="1" i="0" kern="1200" dirty="0" smtClean="0">
+                          <a:solidFill>
+                            <a:schemeClr val="dk1"/>
+                          </a:solidFill>
+                          <a:effectLst/>
+                          <a:latin typeface="+mn-lt"/>
+                          <a:ea typeface="+mn-ea"/>
+                          <a:cs typeface="+mn-cs"/>
+                        </a:rPr>
+                        <a:t>()</a:t>
+                      </a:r>
+                      <a:endParaRPr lang="en-IN" sz="1400" b="1" dirty="0">
+                        <a:solidFill>
+                          <a:schemeClr val="tx2">
+                            <a:lumMod val="75000"/>
+                          </a:schemeClr>
+                        </a:solidFill>
+                      </a:endParaRPr>
+                    </a:p>
+                  </a:txBody>
+                  <a:tcPr>
+                    <a:lnL w="12700" cap="flat" cmpd="sng" algn="ctr">
+                      <a:noFill/>
+                      <a:prstDash val="solid"/>
+                      <a:round/>
+                      <a:headEnd type="none" w="med" len="med"/>
+                      <a:tailEnd type="none" w="med" len="med"/>
+                    </a:lnL>
+                  </a:tcPr>
+                </a:tc>
+                <a:tc>
+                  <a:txBody>
+                    <a:bodyPr/>
+                    <a:lstStyle/>
+                    <a:p>
+                      <a:r>
+                        <a:rPr lang="en-IN" sz="1400" b="1" i="0" kern="1200" dirty="0" smtClean="0">
+                          <a:solidFill>
+                            <a:schemeClr val="dk1"/>
+                          </a:solidFill>
+                          <a:effectLst/>
+                          <a:latin typeface="+mn-lt"/>
+                          <a:ea typeface="+mn-ea"/>
+                          <a:cs typeface="+mn-cs"/>
+                        </a:rPr>
+                        <a:t>Lowercase s # 'HELLO' =&gt; 'hello'</a:t>
+                      </a:r>
+                      <a:endParaRPr lang="en-IN" sz="1400" b="1" dirty="0">
+                        <a:solidFill>
+                          <a:schemeClr val="tx2">
+                            <a:lumMod val="75000"/>
+                          </a:schemeClr>
+                        </a:solidFill>
+                      </a:endParaRPr>
+                    </a:p>
+                  </a:txBody>
+                  <a:tcPr>
+                    <a:lnR w="12700" cap="flat" cmpd="sng" algn="ctr">
+                      <a:noFill/>
+                      <a:prstDash val="solid"/>
+                      <a:round/>
+                      <a:headEnd type="none" w="med" len="med"/>
+                      <a:tailEnd type="none" w="med" len="med"/>
+                    </a:lnR>
+                  </a:tcPr>
+                </a:tc>
+              </a:tr>
+              <a:tr h="410808">
+                <a:tc>
+                  <a:txBody>
+                    <a:bodyPr/>
+                    <a:lstStyle/>
+                    <a:p>
+                      <a:r>
+                        <a:rPr lang="en-IN" sz="1400" b="1" i="0" kern="1200" dirty="0" err="1" smtClean="0">
+                          <a:solidFill>
+                            <a:schemeClr val="dk1"/>
+                          </a:solidFill>
+                          <a:effectLst/>
+                          <a:latin typeface="+mn-lt"/>
+                          <a:ea typeface="+mn-ea"/>
+                          <a:cs typeface="+mn-cs"/>
+                        </a:rPr>
+                        <a:t>s.swapcase</a:t>
+                      </a:r>
+                      <a:r>
+                        <a:rPr lang="en-IN" sz="1400" b="1" i="0" kern="1200" dirty="0" smtClean="0">
+                          <a:solidFill>
+                            <a:schemeClr val="dk1"/>
+                          </a:solidFill>
+                          <a:effectLst/>
+                          <a:latin typeface="+mn-lt"/>
+                          <a:ea typeface="+mn-ea"/>
+                          <a:cs typeface="+mn-cs"/>
+                        </a:rPr>
+                        <a:t>()</a:t>
+                      </a:r>
+                      <a:endParaRPr lang="en-IN" sz="1400" b="1" dirty="0">
+                        <a:solidFill>
+                          <a:schemeClr val="tx2">
+                            <a:lumMod val="75000"/>
+                          </a:schemeClr>
+                        </a:solidFill>
+                      </a:endParaRPr>
+                    </a:p>
+                  </a:txBody>
+                  <a:tcPr>
+                    <a:lnL w="12700" cap="flat" cmpd="sng" algn="ctr">
+                      <a:noFill/>
+                      <a:prstDash val="solid"/>
+                      <a:round/>
+                      <a:headEnd type="none" w="med" len="med"/>
+                      <a:tailEnd type="none" w="med" len="med"/>
+                    </a:lnL>
+                  </a:tcPr>
+                </a:tc>
+                <a:tc>
+                  <a:txBody>
+                    <a:bodyPr/>
+                    <a:lstStyle/>
+                    <a:p>
+                      <a:r>
+                        <a:rPr lang="en-US" sz="1400" b="1" i="0" kern="1200" dirty="0" smtClean="0">
+                          <a:solidFill>
+                            <a:schemeClr val="dk1"/>
+                          </a:solidFill>
+                          <a:effectLst/>
+                          <a:latin typeface="+mn-lt"/>
+                          <a:ea typeface="+mn-ea"/>
+                          <a:cs typeface="+mn-cs"/>
+                        </a:rPr>
+                        <a:t>Swap cases of all characters in s # 'Hello' =&gt; "</a:t>
+                      </a:r>
+                      <a:r>
+                        <a:rPr lang="en-US" sz="1400" b="1" i="0" kern="1200" dirty="0" err="1" smtClean="0">
+                          <a:solidFill>
+                            <a:schemeClr val="dk1"/>
+                          </a:solidFill>
+                          <a:effectLst/>
+                          <a:latin typeface="+mn-lt"/>
+                          <a:ea typeface="+mn-ea"/>
+                          <a:cs typeface="+mn-cs"/>
+                        </a:rPr>
+                        <a:t>hELLO</a:t>
+                      </a:r>
+                      <a:r>
+                        <a:rPr lang="en-US" sz="1400" b="1" i="0" kern="1200" dirty="0" smtClean="0">
+                          <a:solidFill>
+                            <a:schemeClr val="dk1"/>
+                          </a:solidFill>
+                          <a:effectLst/>
+                          <a:latin typeface="+mn-lt"/>
+                          <a:ea typeface="+mn-ea"/>
+                          <a:cs typeface="+mn-cs"/>
+                        </a:rPr>
+                        <a:t>"</a:t>
+                      </a:r>
+                      <a:endParaRPr lang="en-IN" sz="1400" b="1" dirty="0">
+                        <a:solidFill>
+                          <a:schemeClr val="tx2">
+                            <a:lumMod val="75000"/>
+                          </a:schemeClr>
+                        </a:solidFill>
+                      </a:endParaRPr>
+                    </a:p>
+                  </a:txBody>
+                  <a:tcPr>
+                    <a:lnR w="12700" cap="flat" cmpd="sng" algn="ctr">
+                      <a:noFill/>
+                      <a:prstDash val="solid"/>
+                      <a:round/>
+                      <a:headEnd type="none" w="med" len="med"/>
+                      <a:tailEnd type="none" w="med" len="med"/>
+                    </a:lnR>
+                  </a:tcPr>
+                </a:tc>
+              </a:tr>
+              <a:tr h="272315">
+                <a:tc>
+                  <a:txBody>
+                    <a:bodyPr/>
+                    <a:lstStyle/>
+                    <a:p>
+                      <a:r>
+                        <a:rPr lang="en-IN" sz="1400" b="1" i="0" kern="1200" dirty="0" err="1" smtClean="0">
+                          <a:solidFill>
+                            <a:schemeClr val="dk1"/>
+                          </a:solidFill>
+                          <a:effectLst/>
+                          <a:latin typeface="+mn-lt"/>
+                          <a:ea typeface="+mn-ea"/>
+                          <a:cs typeface="+mn-cs"/>
+                        </a:rPr>
+                        <a:t>s.title</a:t>
+                      </a:r>
+                      <a:r>
+                        <a:rPr lang="en-IN" sz="1400" b="1" i="0" kern="1200" dirty="0" smtClean="0">
+                          <a:solidFill>
+                            <a:schemeClr val="dk1"/>
+                          </a:solidFill>
+                          <a:effectLst/>
+                          <a:latin typeface="+mn-lt"/>
+                          <a:ea typeface="+mn-ea"/>
+                          <a:cs typeface="+mn-cs"/>
+                        </a:rPr>
+                        <a:t>()</a:t>
+                      </a:r>
+                      <a:endParaRPr lang="en-IN" sz="1400" b="1" dirty="0">
+                        <a:solidFill>
+                          <a:schemeClr val="tx2">
+                            <a:lumMod val="75000"/>
+                          </a:schemeClr>
+                        </a:solidFill>
+                      </a:endParaRPr>
+                    </a:p>
+                  </a:txBody>
+                  <a:tcPr>
+                    <a:lnL w="12700" cap="flat" cmpd="sng" algn="ctr">
+                      <a:noFill/>
+                      <a:prstDash val="solid"/>
+                      <a:round/>
+                      <a:headEnd type="none" w="med" len="med"/>
+                      <a:tailEnd type="none" w="med" len="med"/>
+                    </a:lnL>
+                  </a:tcPr>
+                </a:tc>
+                <a:tc>
+                  <a:txBody>
+                    <a:bodyPr/>
+                    <a:lstStyle/>
+                    <a:p>
+                      <a:r>
+                        <a:rPr lang="en-US" sz="1400" b="1" i="0" kern="1200" dirty="0" err="1" smtClean="0">
+                          <a:solidFill>
+                            <a:schemeClr val="dk1"/>
+                          </a:solidFill>
+                          <a:effectLst/>
+                          <a:latin typeface="+mn-lt"/>
+                          <a:ea typeface="+mn-ea"/>
+                          <a:cs typeface="+mn-cs"/>
+                        </a:rPr>
+                        <a:t>Titlecase</a:t>
+                      </a:r>
+                      <a:r>
+                        <a:rPr lang="en-US" sz="1400" b="1" i="0" kern="1200" dirty="0" smtClean="0">
+                          <a:solidFill>
+                            <a:schemeClr val="dk1"/>
+                          </a:solidFill>
+                          <a:effectLst/>
+                          <a:latin typeface="+mn-lt"/>
+                          <a:ea typeface="+mn-ea"/>
+                          <a:cs typeface="+mn-cs"/>
+                        </a:rPr>
+                        <a:t> s # 'hello world' =&gt; 'Hello World'</a:t>
+                      </a:r>
+                      <a:endParaRPr lang="en-IN" sz="1400" b="1" dirty="0">
+                        <a:solidFill>
+                          <a:schemeClr val="tx2">
+                            <a:lumMod val="75000"/>
+                          </a:schemeClr>
+                        </a:solidFill>
+                      </a:endParaRPr>
+                    </a:p>
+                  </a:txBody>
+                  <a:tcPr>
+                    <a:lnR w="12700" cap="flat" cmpd="sng" algn="ctr">
+                      <a:noFill/>
+                      <a:prstDash val="solid"/>
+                      <a:round/>
+                      <a:headEnd type="none" w="med" len="med"/>
+                      <a:tailEnd type="none" w="med" len="med"/>
+                    </a:lnR>
+                  </a:tcPr>
+                </a:tc>
+              </a:tr>
+              <a:tr h="161867">
+                <a:tc>
+                  <a:txBody>
+                    <a:bodyPr/>
+                    <a:lstStyle/>
+                    <a:p>
+                      <a:r>
+                        <a:rPr lang="en-IN" sz="1400" b="1" i="0" kern="1200" dirty="0" err="1" smtClean="0">
+                          <a:solidFill>
+                            <a:schemeClr val="dk1"/>
+                          </a:solidFill>
+                          <a:effectLst/>
+                          <a:latin typeface="+mn-lt"/>
+                          <a:ea typeface="+mn-ea"/>
+                          <a:cs typeface="+mn-cs"/>
+                        </a:rPr>
+                        <a:t>s.upper</a:t>
+                      </a:r>
+                      <a:r>
+                        <a:rPr lang="en-IN" sz="1400" b="1" i="0" kern="1200" dirty="0" smtClean="0">
+                          <a:solidFill>
+                            <a:schemeClr val="dk1"/>
+                          </a:solidFill>
+                          <a:effectLst/>
+                          <a:latin typeface="+mn-lt"/>
+                          <a:ea typeface="+mn-ea"/>
+                          <a:cs typeface="+mn-cs"/>
+                        </a:rPr>
+                        <a:t>()</a:t>
+                      </a:r>
+                      <a:endParaRPr lang="en-IN" sz="1400" b="1" dirty="0">
+                        <a:solidFill>
+                          <a:schemeClr val="tx2">
+                            <a:lumMod val="75000"/>
+                          </a:schemeClr>
+                        </a:solidFill>
+                      </a:endParaRPr>
+                    </a:p>
+                  </a:txBody>
+                  <a:tcPr>
+                    <a:lnL w="12700" cap="flat" cmpd="sng" algn="ctr">
+                      <a:noFill/>
+                      <a:prstDash val="solid"/>
+                      <a:round/>
+                      <a:headEnd type="none" w="med" len="med"/>
+                      <a:tailEnd type="none" w="med" len="med"/>
+                    </a:lnL>
+                  </a:tcPr>
+                </a:tc>
+                <a:tc>
+                  <a:txBody>
+                    <a:bodyPr/>
+                    <a:lstStyle/>
+                    <a:p>
+                      <a:r>
+                        <a:rPr lang="en-IN" sz="1400" b="1" i="0" kern="1200" dirty="0" smtClean="0">
+                          <a:solidFill>
+                            <a:schemeClr val="dk1"/>
+                          </a:solidFill>
+                          <a:effectLst/>
+                          <a:latin typeface="+mn-lt"/>
+                          <a:ea typeface="+mn-ea"/>
+                          <a:cs typeface="+mn-cs"/>
+                        </a:rPr>
+                        <a:t>Uppercase s # 'hello' =&gt; 'HELLO'</a:t>
+                      </a:r>
+                      <a:endParaRPr lang="en-IN" sz="1400" b="1" dirty="0">
+                        <a:solidFill>
+                          <a:schemeClr val="tx2">
+                            <a:lumMod val="75000"/>
+                          </a:schemeClr>
+                        </a:solidFill>
+                      </a:endParaRPr>
+                    </a:p>
+                  </a:txBody>
+                  <a:tcPr>
+                    <a:lnR w="12700" cap="flat" cmpd="sng" algn="ctr">
+                      <a:noFill/>
+                      <a:prstDash val="solid"/>
+                      <a:round/>
+                      <a:headEnd type="none" w="med" len="med"/>
+                      <a:tailEnd type="none" w="med" len="med"/>
+                    </a:lnR>
+                  </a:tcPr>
+                </a:tc>
+              </a:tr>
+              <a:tr h="278012">
+                <a:tc>
+                  <a:txBody>
+                    <a:bodyPr/>
+                    <a:lstStyle/>
+                    <a:p>
+                      <a:r>
+                        <a:rPr lang="en-IN" sz="1400" b="1" i="0" kern="1200" dirty="0" smtClean="0">
+                          <a:solidFill>
+                            <a:schemeClr val="dk1"/>
+                          </a:solidFill>
+                          <a:effectLst/>
+                          <a:latin typeface="+mn-lt"/>
+                          <a:ea typeface="+mn-ea"/>
+                          <a:cs typeface="+mn-cs"/>
+                        </a:rPr>
+                        <a:t>s2 in s</a:t>
+                      </a:r>
+                      <a:endParaRPr lang="en-IN" sz="1400" b="1" dirty="0">
+                        <a:solidFill>
+                          <a:schemeClr val="tx2">
+                            <a:lumMod val="75000"/>
+                          </a:schemeClr>
+                        </a:solidFill>
+                      </a:endParaRPr>
+                    </a:p>
+                  </a:txBody>
+                  <a:tcPr>
+                    <a:lnL w="12700" cap="flat" cmpd="sng" algn="ctr">
+                      <a:noFill/>
+                      <a:prstDash val="solid"/>
+                      <a:round/>
+                      <a:headEnd type="none" w="med" len="med"/>
+                      <a:tailEnd type="none" w="med" len="med"/>
+                    </a:lnL>
+                  </a:tcPr>
+                </a:tc>
+                <a:tc>
+                  <a:txBody>
+                    <a:bodyPr/>
+                    <a:lstStyle/>
+                    <a:p>
+                      <a:r>
+                        <a:rPr lang="en-US" sz="1400" b="1" i="0" kern="1200" dirty="0" smtClean="0">
+                          <a:solidFill>
+                            <a:schemeClr val="dk1"/>
+                          </a:solidFill>
+                          <a:effectLst/>
+                          <a:latin typeface="+mn-lt"/>
+                          <a:ea typeface="+mn-ea"/>
+                          <a:cs typeface="+mn-cs"/>
+                        </a:rPr>
+                        <a:t>Return true if s contains s2</a:t>
+                      </a:r>
+                      <a:endParaRPr lang="en-IN" sz="1400" b="1" dirty="0">
+                        <a:solidFill>
+                          <a:schemeClr val="tx2">
+                            <a:lumMod val="75000"/>
+                          </a:schemeClr>
+                        </a:solidFill>
+                      </a:endParaRPr>
+                    </a:p>
+                  </a:txBody>
+                  <a:tcPr>
+                    <a:lnR w="12700" cap="flat" cmpd="sng" algn="ctr">
+                      <a:noFill/>
+                      <a:prstDash val="solid"/>
+                      <a:round/>
+                      <a:headEnd type="none" w="med" len="med"/>
+                      <a:tailEnd type="none" w="med" len="med"/>
+                    </a:lnR>
+                  </a:tcPr>
+                </a:tc>
+              </a:tr>
+              <a:tr h="371484">
+                <a:tc>
+                  <a:txBody>
+                    <a:bodyPr/>
+                    <a:lstStyle/>
+                    <a:p>
+                      <a:r>
+                        <a:rPr lang="en-IN" sz="1400" b="1" i="0" kern="1200" dirty="0" smtClean="0">
+                          <a:solidFill>
+                            <a:schemeClr val="dk1"/>
+                          </a:solidFill>
+                          <a:effectLst/>
+                          <a:latin typeface="+mn-lt"/>
+                          <a:ea typeface="+mn-ea"/>
+                          <a:cs typeface="+mn-cs"/>
+                        </a:rPr>
+                        <a:t>s + s2</a:t>
+                      </a:r>
+                      <a:endParaRPr lang="en-IN" sz="1400" b="1" dirty="0">
+                        <a:solidFill>
+                          <a:schemeClr val="tx2">
+                            <a:lumMod val="75000"/>
+                          </a:schemeClr>
+                        </a:solidFill>
+                      </a:endParaRPr>
+                    </a:p>
+                  </a:txBody>
+                  <a:tcPr>
+                    <a:lnL w="12700" cap="flat" cmpd="sng" algn="ctr">
+                      <a:noFill/>
+                      <a:prstDash val="solid"/>
+                      <a:round/>
+                      <a:headEnd type="none" w="med" len="med"/>
+                      <a:tailEnd type="none" w="med" len="med"/>
+                    </a:lnL>
+                  </a:tcPr>
+                </a:tc>
+                <a:tc>
+                  <a:txBody>
+                    <a:bodyPr/>
+                    <a:lstStyle/>
+                    <a:p>
+                      <a:r>
+                        <a:rPr lang="en-IN" sz="1400" b="1" i="0" kern="1200" dirty="0" err="1" smtClean="0">
+                          <a:solidFill>
+                            <a:schemeClr val="dk1"/>
+                          </a:solidFill>
+                          <a:effectLst/>
+                          <a:latin typeface="+mn-lt"/>
+                          <a:ea typeface="+mn-ea"/>
+                          <a:cs typeface="+mn-cs"/>
+                        </a:rPr>
+                        <a:t>Concat</a:t>
+                      </a:r>
+                      <a:r>
+                        <a:rPr lang="en-IN" sz="1400" b="1" i="0" kern="1200" dirty="0" smtClean="0">
+                          <a:solidFill>
+                            <a:schemeClr val="dk1"/>
+                          </a:solidFill>
+                          <a:effectLst/>
+                          <a:latin typeface="+mn-lt"/>
+                          <a:ea typeface="+mn-ea"/>
+                          <a:cs typeface="+mn-cs"/>
+                        </a:rPr>
+                        <a:t> s and s2</a:t>
+                      </a:r>
+                      <a:endParaRPr lang="en-IN" sz="1400" b="1" dirty="0">
+                        <a:solidFill>
+                          <a:schemeClr val="tx2">
+                            <a:lumMod val="75000"/>
+                          </a:schemeClr>
+                        </a:solidFill>
+                      </a:endParaRPr>
+                    </a:p>
+                  </a:txBody>
+                  <a:tcPr>
+                    <a:lnR w="12700" cap="flat" cmpd="sng" algn="ctr">
+                      <a:noFill/>
+                      <a:prstDash val="solid"/>
+                      <a:round/>
+                      <a:headEnd type="none" w="med" len="med"/>
+                      <a:tailEnd type="none" w="med" len="med"/>
+                    </a:lnR>
+                  </a:tcPr>
+                </a:tc>
+              </a:tr>
+              <a:tr h="387941">
+                <a:tc>
+                  <a:txBody>
+                    <a:bodyPr/>
+                    <a:lstStyle/>
+                    <a:p>
+                      <a:r>
+                        <a:rPr lang="en-IN" sz="1400" b="1" i="0" kern="1200" dirty="0" err="1" smtClean="0">
+                          <a:solidFill>
+                            <a:schemeClr val="dk1"/>
+                          </a:solidFill>
+                          <a:effectLst/>
+                          <a:latin typeface="+mn-lt"/>
+                          <a:ea typeface="+mn-ea"/>
+                          <a:cs typeface="+mn-cs"/>
+                        </a:rPr>
+                        <a:t>len</a:t>
+                      </a:r>
+                      <a:r>
+                        <a:rPr lang="en-IN" sz="1400" b="1" i="0" kern="1200" dirty="0" smtClean="0">
+                          <a:solidFill>
+                            <a:schemeClr val="dk1"/>
+                          </a:solidFill>
+                          <a:effectLst/>
+                          <a:latin typeface="+mn-lt"/>
+                          <a:ea typeface="+mn-ea"/>
+                          <a:cs typeface="+mn-cs"/>
+                        </a:rPr>
+                        <a:t>(s)</a:t>
+                      </a:r>
+                      <a:endParaRPr lang="en-IN" sz="1400" b="1" dirty="0">
+                        <a:solidFill>
+                          <a:schemeClr val="tx2">
+                            <a:lumMod val="75000"/>
+                          </a:schemeClr>
+                        </a:solidFill>
+                      </a:endParaRPr>
+                    </a:p>
+                  </a:txBody>
+                  <a:tcPr>
+                    <a:lnL w="12700" cap="flat" cmpd="sng" algn="ctr">
+                      <a:noFill/>
+                      <a:prstDash val="solid"/>
+                      <a:round/>
+                      <a:headEnd type="none" w="med" len="med"/>
+                      <a:tailEnd type="none" w="med" len="med"/>
+                    </a:lnL>
+                  </a:tcPr>
+                </a:tc>
+                <a:tc>
+                  <a:txBody>
+                    <a:bodyPr/>
+                    <a:lstStyle/>
+                    <a:p>
+                      <a:r>
+                        <a:rPr lang="en-IN" sz="1400" b="1" i="0" kern="1200" dirty="0" smtClean="0">
+                          <a:solidFill>
+                            <a:schemeClr val="dk1"/>
+                          </a:solidFill>
+                          <a:effectLst/>
+                          <a:latin typeface="+mn-lt"/>
+                          <a:ea typeface="+mn-ea"/>
+                          <a:cs typeface="+mn-cs"/>
+                        </a:rPr>
+                        <a:t>Length of s</a:t>
+                      </a:r>
+                      <a:endParaRPr lang="en-IN" sz="1400" b="1" dirty="0">
+                        <a:solidFill>
+                          <a:schemeClr val="tx2">
+                            <a:lumMod val="75000"/>
+                          </a:schemeClr>
+                        </a:solidFill>
+                      </a:endParaRPr>
+                    </a:p>
+                  </a:txBody>
+                  <a:tcPr>
+                    <a:lnR w="12700" cap="flat" cmpd="sng" algn="ctr">
+                      <a:noFill/>
+                      <a:prstDash val="solid"/>
+                      <a:round/>
+                      <a:headEnd type="none" w="med" len="med"/>
+                      <a:tailEnd type="none" w="med" len="med"/>
+                    </a:lnR>
+                  </a:tcPr>
+                </a:tc>
+              </a:tr>
+              <a:tr h="284814">
+                <a:tc>
+                  <a:txBody>
+                    <a:bodyPr/>
+                    <a:lstStyle/>
+                    <a:p>
+                      <a:r>
+                        <a:rPr lang="en-IN" sz="1400" b="1" i="0" kern="1200" dirty="0" err="1" smtClean="0">
+                          <a:solidFill>
+                            <a:schemeClr val="dk1"/>
+                          </a:solidFill>
+                          <a:effectLst/>
+                          <a:latin typeface="+mn-lt"/>
+                          <a:ea typeface="+mn-ea"/>
+                          <a:cs typeface="+mn-cs"/>
+                        </a:rPr>
+                        <a:t>s.strip</a:t>
+                      </a:r>
+                      <a:r>
+                        <a:rPr lang="en-IN" sz="1400" b="1" i="0" kern="1200" dirty="0" smtClean="0">
+                          <a:solidFill>
+                            <a:schemeClr val="dk1"/>
+                          </a:solidFill>
+                          <a:effectLst/>
+                          <a:latin typeface="+mn-lt"/>
+                          <a:ea typeface="+mn-ea"/>
+                          <a:cs typeface="+mn-cs"/>
+                        </a:rPr>
+                        <a:t>()</a:t>
+                      </a:r>
+                      <a:endParaRPr lang="en-IN" sz="1400" b="1" dirty="0">
+                        <a:solidFill>
+                          <a:schemeClr val="tx2">
+                            <a:lumMod val="75000"/>
+                          </a:schemeClr>
+                        </a:solidFill>
+                      </a:endParaRPr>
+                    </a:p>
+                  </a:txBody>
+                  <a:tcPr>
+                    <a:lnL w="12700" cap="flat" cmpd="sng" algn="ctr">
+                      <a:noFill/>
+                      <a:prstDash val="solid"/>
+                      <a:round/>
+                      <a:headEnd type="none" w="med" len="med"/>
+                      <a:tailEnd type="none" w="med" len="med"/>
+                    </a:lnL>
+                  </a:tcPr>
+                </a:tc>
+                <a:tc>
+                  <a:txBody>
+                    <a:bodyPr/>
+                    <a:lstStyle/>
+                    <a:p>
+                      <a:r>
+                        <a:rPr lang="en-US" sz="1400" b="1" i="0" kern="1200" dirty="0" smtClean="0">
+                          <a:solidFill>
+                            <a:schemeClr val="dk1"/>
+                          </a:solidFill>
+                          <a:effectLst/>
+                          <a:latin typeface="+mn-lt"/>
+                          <a:ea typeface="+mn-ea"/>
+                          <a:cs typeface="+mn-cs"/>
+                        </a:rPr>
+                        <a:t>Remove leading and trailing whitespace from s # ' hello ' =&gt; 'hello'</a:t>
+                      </a:r>
+                      <a:endParaRPr lang="en-IN" sz="1400" b="1" dirty="0">
+                        <a:solidFill>
+                          <a:schemeClr val="tx2">
+                            <a:lumMod val="75000"/>
+                          </a:schemeClr>
+                        </a:solidFill>
+                      </a:endParaRPr>
+                    </a:p>
+                  </a:txBody>
+                  <a:tcPr>
+                    <a:lnR w="12700" cap="flat" cmpd="sng" algn="ctr">
+                      <a:noFill/>
+                      <a:prstDash val="solid"/>
+                      <a:round/>
+                      <a:headEnd type="none" w="med" len="med"/>
+                      <a:tailEnd type="none" w="med" len="med"/>
+                    </a:lnR>
+                  </a:tcPr>
+                </a:tc>
+              </a:tr>
+              <a:tr h="284814">
+                <a:tc>
+                  <a:txBody>
+                    <a:bodyPr/>
+                    <a:lstStyle/>
+                    <a:p>
+                      <a:r>
+                        <a:rPr lang="en-IN" sz="1400" b="1" i="0" kern="1200" dirty="0" err="1" smtClean="0">
+                          <a:solidFill>
+                            <a:schemeClr val="dk1"/>
+                          </a:solidFill>
+                          <a:effectLst/>
+                          <a:latin typeface="+mn-lt"/>
+                          <a:ea typeface="+mn-ea"/>
+                          <a:cs typeface="+mn-cs"/>
+                        </a:rPr>
+                        <a:t>s.islower</a:t>
+                      </a:r>
+                      <a:r>
+                        <a:rPr lang="en-IN" sz="1400" b="1" i="0" kern="1200" dirty="0" smtClean="0">
+                          <a:solidFill>
+                            <a:schemeClr val="dk1"/>
+                          </a:solidFill>
+                          <a:effectLst/>
+                          <a:latin typeface="+mn-lt"/>
+                          <a:ea typeface="+mn-ea"/>
+                          <a:cs typeface="+mn-cs"/>
+                        </a:rPr>
+                        <a:t>()</a:t>
+                      </a:r>
+                      <a:endParaRPr lang="en-IN" sz="1400" b="1" dirty="0">
+                        <a:solidFill>
+                          <a:schemeClr val="tx2">
+                            <a:lumMod val="75000"/>
+                          </a:schemeClr>
+                        </a:solidFill>
+                      </a:endParaRPr>
+                    </a:p>
+                  </a:txBody>
+                  <a:tcPr>
+                    <a:lnL w="12700" cap="flat" cmpd="sng" algn="ctr">
+                      <a:noFill/>
+                      <a:prstDash val="solid"/>
+                      <a:round/>
+                      <a:headEnd type="none" w="med" len="med"/>
+                      <a:tailEnd type="none" w="med" len="med"/>
+                    </a:lnL>
+                  </a:tcPr>
+                </a:tc>
+                <a:tc>
+                  <a:txBody>
+                    <a:bodyPr/>
+                    <a:lstStyle/>
+                    <a:p>
+                      <a:r>
+                        <a:rPr lang="en-US" sz="1400" b="1" i="0" kern="1200" dirty="0" smtClean="0">
+                          <a:solidFill>
+                            <a:schemeClr val="dk1"/>
+                          </a:solidFill>
+                          <a:effectLst/>
+                          <a:latin typeface="+mn-lt"/>
+                          <a:ea typeface="+mn-ea"/>
+                          <a:cs typeface="+mn-cs"/>
+                        </a:rPr>
+                        <a:t>Return true if s is lowercase</a:t>
+                      </a:r>
+                      <a:endParaRPr lang="en-IN" sz="1400" b="1" dirty="0">
+                        <a:solidFill>
+                          <a:schemeClr val="tx2">
+                            <a:lumMod val="75000"/>
+                          </a:schemeClr>
+                        </a:solidFill>
+                      </a:endParaRPr>
+                    </a:p>
+                  </a:txBody>
+                  <a:tcPr>
+                    <a:lnR w="12700" cap="flat" cmpd="sng" algn="ctr">
+                      <a:noFill/>
+                      <a:prstDash val="solid"/>
+                      <a:round/>
+                      <a:headEnd type="none" w="med" len="med"/>
+                      <a:tailEnd type="none" w="med" len="med"/>
+                    </a:lnR>
+                  </a:tcPr>
+                </a:tc>
+              </a:tr>
+              <a:tr h="579964">
+                <a:tc>
+                  <a:txBody>
+                    <a:bodyPr/>
+                    <a:lstStyle/>
+                    <a:p>
+                      <a:r>
+                        <a:rPr lang="en-IN" sz="1400" b="1" i="0" kern="1200" dirty="0" err="1" smtClean="0">
+                          <a:solidFill>
+                            <a:schemeClr val="dk1"/>
+                          </a:solidFill>
+                          <a:effectLst/>
+                          <a:latin typeface="+mn-lt"/>
+                          <a:ea typeface="+mn-ea"/>
+                          <a:cs typeface="+mn-cs"/>
+                        </a:rPr>
+                        <a:t>s.isupper</a:t>
+                      </a:r>
+                      <a:r>
+                        <a:rPr lang="en-IN" sz="1400" b="1" i="0" kern="1200" dirty="0" smtClean="0">
+                          <a:solidFill>
+                            <a:schemeClr val="dk1"/>
+                          </a:solidFill>
+                          <a:effectLst/>
+                          <a:latin typeface="+mn-lt"/>
+                          <a:ea typeface="+mn-ea"/>
+                          <a:cs typeface="+mn-cs"/>
+                        </a:rPr>
+                        <a:t>()</a:t>
+                      </a:r>
+                      <a:endParaRPr lang="en-IN" sz="1400" b="1" dirty="0">
+                        <a:solidFill>
+                          <a:schemeClr val="tx2">
+                            <a:lumMod val="75000"/>
+                          </a:schemeClr>
+                        </a:solidFill>
+                      </a:endParaRPr>
+                    </a:p>
+                  </a:txBody>
+                  <a:tcPr>
+                    <a:lnL w="12700" cap="flat" cmpd="sng" algn="ctr">
+                      <a:noFill/>
+                      <a:prstDash val="solid"/>
+                      <a:round/>
+                      <a:headEnd type="none" w="med" len="med"/>
+                      <a:tailEnd type="none" w="med" len="med"/>
+                    </a:lnL>
+                  </a:tcPr>
+                </a:tc>
+                <a:tc>
+                  <a:txBody>
+                    <a:bodyPr/>
+                    <a:lstStyle/>
+                    <a:p>
+                      <a:r>
+                        <a:rPr lang="en-US" sz="1400" b="1" i="0" kern="1200" dirty="0" smtClean="0">
+                          <a:solidFill>
+                            <a:schemeClr val="dk1"/>
+                          </a:solidFill>
+                          <a:effectLst/>
+                          <a:latin typeface="+mn-lt"/>
+                          <a:ea typeface="+mn-ea"/>
+                          <a:cs typeface="+mn-cs"/>
+                        </a:rPr>
+                        <a:t>Return true if s is uppercase</a:t>
+                      </a:r>
+                      <a:endParaRPr lang="en-IN" sz="1400" b="1" dirty="0">
+                        <a:solidFill>
+                          <a:schemeClr val="tx2">
+                            <a:lumMod val="75000"/>
+                          </a:schemeClr>
+                        </a:solidFill>
+                      </a:endParaRPr>
+                    </a:p>
+                  </a:txBody>
+                  <a:tcPr>
+                    <a:lnR w="12700" cap="flat" cmpd="sng" algn="ctr">
+                      <a:noFill/>
+                      <a:prstDash val="solid"/>
+                      <a:round/>
+                      <a:headEnd type="none" w="med" len="med"/>
+                      <a:tailEnd type="none" w="med" len="med"/>
+                    </a:lnR>
+                  </a:tcPr>
+                </a:tc>
+              </a:tr>
+              <a:tr h="284814">
+                <a:tc>
+                  <a:txBody>
+                    <a:bodyPr/>
+                    <a:lstStyle/>
+                    <a:p>
+                      <a:r>
+                        <a:rPr lang="en-IN" sz="1400" b="1" i="0" kern="1200" dirty="0" err="1" smtClean="0">
+                          <a:solidFill>
+                            <a:schemeClr val="dk1"/>
+                          </a:solidFill>
+                          <a:effectLst/>
+                          <a:latin typeface="+mn-lt"/>
+                          <a:ea typeface="+mn-ea"/>
+                          <a:cs typeface="+mn-cs"/>
+                        </a:rPr>
+                        <a:t>s.split</a:t>
+                      </a:r>
+                      <a:r>
+                        <a:rPr lang="en-IN" sz="1400" b="1" i="0" kern="1200" dirty="0" smtClean="0">
+                          <a:solidFill>
+                            <a:schemeClr val="dk1"/>
+                          </a:solidFill>
+                          <a:effectLst/>
+                          <a:latin typeface="+mn-lt"/>
+                          <a:ea typeface="+mn-ea"/>
+                          <a:cs typeface="+mn-cs"/>
+                        </a:rPr>
+                        <a:t>()</a:t>
+                      </a:r>
+                      <a:endParaRPr lang="en-IN" sz="1400" b="1" dirty="0">
+                        <a:solidFill>
+                          <a:schemeClr val="tx2">
+                            <a:lumMod val="75000"/>
+                          </a:schemeClr>
+                        </a:solidFill>
+                      </a:endParaRPr>
+                    </a:p>
+                  </a:txBody>
+                  <a:tcPr>
+                    <a:lnL w="12700" cap="flat" cmpd="sng" algn="ctr">
+                      <a:noFill/>
+                      <a:prstDash val="solid"/>
+                      <a:round/>
+                      <a:headEnd type="none" w="med" len="med"/>
+                      <a:tailEnd type="none" w="med" len="med"/>
+                    </a:lnL>
+                  </a:tcPr>
+                </a:tc>
+                <a:tc>
+                  <a:txBody>
+                    <a:bodyPr/>
+                    <a:lstStyle/>
+                    <a:p>
+                      <a:r>
+                        <a:rPr lang="en-US" sz="1400" b="1" i="0" kern="1200" dirty="0" smtClean="0">
+                          <a:solidFill>
+                            <a:schemeClr val="dk1"/>
+                          </a:solidFill>
+                          <a:effectLst/>
+                          <a:latin typeface="+mn-lt"/>
+                          <a:ea typeface="+mn-ea"/>
+                          <a:cs typeface="+mn-cs"/>
+                        </a:rPr>
+                        <a:t>Return list of s split by </a:t>
+                      </a:r>
+                      <a:r>
+                        <a:rPr lang="en-US" sz="1400" b="1" i="0" kern="1200" dirty="0" err="1" smtClean="0">
+                          <a:solidFill>
+                            <a:schemeClr val="dk1"/>
+                          </a:solidFill>
+                          <a:effectLst/>
+                          <a:latin typeface="+mn-lt"/>
+                          <a:ea typeface="+mn-ea"/>
+                          <a:cs typeface="+mn-cs"/>
+                        </a:rPr>
+                        <a:t>sep</a:t>
+                      </a:r>
+                      <a:r>
+                        <a:rPr lang="en-US" sz="1400" b="1" i="0" kern="1200" dirty="0" smtClean="0">
+                          <a:solidFill>
+                            <a:schemeClr val="dk1"/>
+                          </a:solidFill>
+                          <a:effectLst/>
+                          <a:latin typeface="+mn-lt"/>
+                          <a:ea typeface="+mn-ea"/>
+                          <a:cs typeface="+mn-cs"/>
+                        </a:rPr>
+                        <a:t> </a:t>
+                      </a:r>
+                      <a:endParaRPr lang="en-IN" sz="1400" b="1" dirty="0">
+                        <a:solidFill>
+                          <a:schemeClr val="tx2">
+                            <a:lumMod val="75000"/>
+                          </a:schemeClr>
+                        </a:solidFill>
+                      </a:endParaRPr>
+                    </a:p>
+                  </a:txBody>
+                  <a:tcPr>
+                    <a:lnR w="12700" cap="flat" cmpd="sng" algn="ctr">
+                      <a:noFill/>
+                      <a:prstDash val="solid"/>
+                      <a:round/>
+                      <a:headEnd type="none" w="med" len="med"/>
+                      <a:tailEnd type="none" w="med" len="med"/>
+                    </a:lnR>
+                  </a:tcPr>
+                </a:tc>
+              </a:tr>
+              <a:tr h="284814">
+                <a:tc>
+                  <a:txBody>
+                    <a:bodyPr/>
+                    <a:lstStyle/>
+                    <a:p>
+                      <a:r>
+                        <a:rPr lang="en-IN" sz="1400" b="1" i="0" kern="1200" dirty="0" err="1" smtClean="0">
+                          <a:solidFill>
+                            <a:schemeClr val="dk1"/>
+                          </a:solidFill>
+                          <a:effectLst/>
+                          <a:latin typeface="+mn-lt"/>
+                          <a:ea typeface="+mn-ea"/>
+                          <a:cs typeface="+mn-cs"/>
+                        </a:rPr>
+                        <a:t>s.isnumeric</a:t>
+                      </a:r>
+                      <a:r>
+                        <a:rPr lang="en-IN" sz="1400" b="1" i="0" kern="1200" dirty="0" smtClean="0">
+                          <a:solidFill>
+                            <a:schemeClr val="dk1"/>
+                          </a:solidFill>
+                          <a:effectLst/>
+                          <a:latin typeface="+mn-lt"/>
+                          <a:ea typeface="+mn-ea"/>
+                          <a:cs typeface="+mn-cs"/>
+                        </a:rPr>
+                        <a:t>()</a:t>
+                      </a:r>
+                      <a:endParaRPr lang="en-IN" sz="1400" b="1" dirty="0">
+                        <a:solidFill>
+                          <a:schemeClr val="tx2">
+                            <a:lumMod val="75000"/>
+                          </a:schemeClr>
+                        </a:solidFill>
+                      </a:endParaRPr>
+                    </a:p>
+                  </a:txBody>
+                  <a:tcPr>
+                    <a:lnL w="12700" cap="flat" cmpd="sng" algn="ctr">
+                      <a:noFill/>
+                      <a:prstDash val="solid"/>
+                      <a:round/>
+                      <a:headEnd type="none" w="med" len="med"/>
+                      <a:tailEnd type="none" w="med" len="med"/>
+                    </a:lnL>
+                  </a:tcPr>
+                </a:tc>
+                <a:tc>
+                  <a:txBody>
+                    <a:bodyPr/>
+                    <a:lstStyle/>
+                    <a:p>
+                      <a:r>
+                        <a:rPr lang="en-US" sz="1400" b="1" i="0" kern="1200" dirty="0" smtClean="0">
+                          <a:solidFill>
+                            <a:schemeClr val="dk1"/>
+                          </a:solidFill>
+                          <a:effectLst/>
+                          <a:latin typeface="+mn-lt"/>
+                          <a:ea typeface="+mn-ea"/>
+                          <a:cs typeface="+mn-cs"/>
+                        </a:rPr>
+                        <a:t>Return true if s is numeric</a:t>
+                      </a:r>
+                      <a:endParaRPr lang="en-IN" sz="1400" b="1" dirty="0">
+                        <a:solidFill>
+                          <a:schemeClr val="tx2">
+                            <a:lumMod val="75000"/>
+                          </a:schemeClr>
+                        </a:solidFill>
+                      </a:endParaRPr>
+                    </a:p>
+                  </a:txBody>
+                  <a:tcPr>
+                    <a:lnR w="12700" cap="flat" cmpd="sng" algn="ctr">
+                      <a:noFill/>
+                      <a:prstDash val="solid"/>
+                      <a:round/>
+                      <a:headEnd type="none" w="med" len="med"/>
+                      <a:tailEnd type="none" w="med" len="med"/>
+                    </a:lnR>
+                  </a:tcPr>
+                </a:tc>
+              </a:tr>
+              <a:tr h="284814">
+                <a:tc>
+                  <a:txBody>
+                    <a:bodyPr/>
+                    <a:lstStyle/>
+                    <a:p>
+                      <a:r>
+                        <a:rPr lang="en-IN" sz="1400" b="1" i="0" kern="1200" dirty="0" smtClean="0">
+                          <a:solidFill>
+                            <a:schemeClr val="dk1"/>
+                          </a:solidFill>
+                          <a:effectLst/>
+                          <a:latin typeface="+mn-lt"/>
+                          <a:ea typeface="+mn-ea"/>
+                          <a:cs typeface="+mn-cs"/>
+                        </a:rPr>
+                        <a:t>s[</a:t>
+                      </a:r>
+                      <a:r>
+                        <a:rPr lang="en-IN" sz="1400" b="1" i="0" kern="1200" dirty="0" err="1" smtClean="0">
+                          <a:solidFill>
+                            <a:schemeClr val="dk1"/>
+                          </a:solidFill>
+                          <a:effectLst/>
+                          <a:latin typeface="+mn-lt"/>
+                          <a:ea typeface="+mn-ea"/>
+                          <a:cs typeface="+mn-cs"/>
+                        </a:rPr>
+                        <a:t>i:j:k</a:t>
+                      </a:r>
+                      <a:r>
+                        <a:rPr lang="en-IN" sz="1400" b="1" i="0" kern="1200" dirty="0" smtClean="0">
+                          <a:solidFill>
+                            <a:schemeClr val="dk1"/>
+                          </a:solidFill>
+                          <a:effectLst/>
+                          <a:latin typeface="+mn-lt"/>
+                          <a:ea typeface="+mn-ea"/>
+                          <a:cs typeface="+mn-cs"/>
+                        </a:rPr>
+                        <a:t>]</a:t>
+                      </a:r>
+                      <a:endParaRPr lang="en-IN" sz="1400" b="1" dirty="0">
+                        <a:solidFill>
+                          <a:schemeClr val="tx2">
+                            <a:lumMod val="75000"/>
+                          </a:schemeClr>
+                        </a:solidFill>
+                      </a:endParaRPr>
+                    </a:p>
+                  </a:txBody>
+                  <a:tcPr>
+                    <a:lnL w="12700" cap="flat" cmpd="sng" algn="ctr">
+                      <a:noFill/>
+                      <a:prstDash val="solid"/>
+                      <a:round/>
+                      <a:headEnd type="none" w="med" len="med"/>
+                      <a:tailEnd type="none" w="med" len="med"/>
+                    </a:lnL>
+                    <a:lnB w="12700" cap="flat" cmpd="sng" algn="ctr">
+                      <a:noFill/>
+                      <a:prstDash val="solid"/>
+                      <a:round/>
+                      <a:headEnd type="none" w="med" len="med"/>
+                      <a:tailEnd type="none" w="med" len="med"/>
+                    </a:lnB>
+                  </a:tcPr>
+                </a:tc>
+                <a:tc>
+                  <a:txBody>
+                    <a:bodyPr/>
+                    <a:lstStyle/>
+                    <a:p>
+                      <a:r>
+                        <a:rPr lang="en-US" sz="1400" b="1" i="0" kern="1200" dirty="0" smtClean="0">
+                          <a:solidFill>
+                            <a:schemeClr val="dk1"/>
+                          </a:solidFill>
+                          <a:effectLst/>
+                          <a:latin typeface="+mn-lt"/>
+                          <a:ea typeface="+mn-ea"/>
+                          <a:cs typeface="+mn-cs"/>
+                        </a:rPr>
+                        <a:t>Slice of s from </a:t>
+                      </a:r>
+                      <a:r>
+                        <a:rPr lang="en-US" sz="1400" b="1" i="0" kern="1200" dirty="0" err="1" smtClean="0">
+                          <a:solidFill>
+                            <a:schemeClr val="dk1"/>
+                          </a:solidFill>
+                          <a:effectLst/>
+                          <a:latin typeface="+mn-lt"/>
+                          <a:ea typeface="+mn-ea"/>
+                          <a:cs typeface="+mn-cs"/>
+                        </a:rPr>
+                        <a:t>i</a:t>
+                      </a:r>
+                      <a:r>
+                        <a:rPr lang="en-US" sz="1400" b="1" i="0" kern="1200" dirty="0" smtClean="0">
+                          <a:solidFill>
+                            <a:schemeClr val="dk1"/>
+                          </a:solidFill>
+                          <a:effectLst/>
+                          <a:latin typeface="+mn-lt"/>
+                          <a:ea typeface="+mn-ea"/>
+                          <a:cs typeface="+mn-cs"/>
+                        </a:rPr>
+                        <a:t> to j with step k</a:t>
+                      </a:r>
+                      <a:endParaRPr lang="en-IN" sz="1400" b="1" dirty="0">
+                        <a:solidFill>
+                          <a:schemeClr val="tx2">
+                            <a:lumMod val="75000"/>
+                          </a:schemeClr>
+                        </a:solidFill>
+                      </a:endParaRPr>
+                    </a:p>
+                  </a:txBody>
+                  <a:tcPr>
+                    <a:lnR w="12700" cap="flat" cmpd="sng" algn="ctr">
+                      <a:noFill/>
+                      <a:prstDash val="solid"/>
+                      <a:round/>
+                      <a:headEnd type="none" w="med" len="med"/>
+                      <a:tailEnd type="none" w="med" len="med"/>
+                    </a:lnR>
+                    <a:lnB w="12700" cap="flat" cmpd="sng" algn="ctr">
+                      <a:noFill/>
+                      <a:prstDash val="solid"/>
+                      <a:round/>
+                      <a:headEnd type="none" w="med" len="med"/>
+                      <a:tailEnd type="none" w="med" len="med"/>
+                    </a:lnB>
+                  </a:tcPr>
+                </a:tc>
+              </a:tr>
+            </a:tbl>
+          </a:graphicData>
+        </a:graphic>
+      </p:graphicFrame>
+    </p:spTree>
+    <p:extLst>
+      <p:ext uri="{BB962C8B-B14F-4D97-AF65-F5344CB8AC3E}">
+        <p14:creationId xmlns:p14="http://schemas.microsoft.com/office/powerpoint/2010/main" val="645718304"/>
+      </p:ext>
+    </p:extLst>
+  </p:cSld>
+  <p:clrMapOvr>
+    <a:masterClrMapping/>
+  </p:clrMapOvr>
+  <mc:AlternateContent xmlns:mc="http://schemas.openxmlformats.org/markup-compatibility/2006" xmlns:p14="http://schemas.microsoft.com/office/powerpoint/2010/main">
+    <mc:Choice Requires="p14">
+      <p:transition spd="slow" p14:dur="1600">
+        <p:blinds dir="vert"/>
+      </p:transition>
+    </mc:Choice>
+    <mc:Fallback xmlns="">
+      <p:transition spd="slow">
+        <p:blinds dir="vert"/>
+      </p:transition>
+    </mc:Fallback>
+  </mc:AlternateContent>
+  <p:timing>
+    <p:tnLst>
+      <p:par>
+        <p:cTn id="1" dur="indefinite" restart="never" nodeType="tmRoot">
+          <p:childTnLst>
+            <p:seq concurrent="1" nextAc="seek">
+              <p:cTn id="2" dur="indefinite" nodeType="mainSeq">
+                <p:childTnLst>
+                  <p:par>
+                    <p:cTn id="3" fill="hold">
+                      <p:stCondLst>
+                        <p:cond delay="indefinite"/>
+                      </p:stCondLst>
+                      <p:childTnLst>
+                        <p:par>
+                          <p:cTn id="4" fill="hold">
+                            <p:stCondLst>
+                              <p:cond delay="0"/>
+                            </p:stCondLst>
+                            <p:childTnLst>
+                              <p:par>
+                                <p:cTn id="5" presetID="47" presetClass="entr" presetSubtype="0" fill="hold" nodeType="clickEffect">
+                                  <p:stCondLst>
+                                    <p:cond delay="0"/>
+                                  </p:stCondLst>
+                                  <p:childTnLst>
+                                    <p:set>
+                                      <p:cBhvr>
+                                        <p:cTn id="6" dur="1" fill="hold">
+                                          <p:stCondLst>
+                                            <p:cond delay="0"/>
+                                          </p:stCondLst>
+                                        </p:cTn>
+                                        <p:tgtEl>
+                                          <p:spTgt spid="7"/>
+                                        </p:tgtEl>
+                                        <p:attrNameLst>
+                                          <p:attrName>style.visibility</p:attrName>
+                                        </p:attrNameLst>
+                                      </p:cBhvr>
+                                      <p:to>
+                                        <p:strVal val="visible"/>
+                                      </p:to>
+                                    </p:set>
+                                    <p:animEffect transition="in" filter="fade">
+                                      <p:cBhvr>
+                                        <p:cTn id="7" dur="1000"/>
+                                        <p:tgtEl>
+                                          <p:spTgt spid="7"/>
+                                        </p:tgtEl>
+                                      </p:cBhvr>
+                                    </p:animEffect>
+                                    <p:anim calcmode="lin" valueType="num">
+                                      <p:cBhvr>
+                                        <p:cTn id="8" dur="1000" fill="hold"/>
+                                        <p:tgtEl>
+                                          <p:spTgt spid="7"/>
+                                        </p:tgtEl>
+                                        <p:attrNameLst>
+                                          <p:attrName>ppt_x</p:attrName>
+                                        </p:attrNameLst>
+                                      </p:cBhvr>
+                                      <p:tavLst>
+                                        <p:tav tm="0">
+                                          <p:val>
+                                            <p:strVal val="#ppt_x"/>
+                                          </p:val>
+                                        </p:tav>
+                                        <p:tav tm="100000">
+                                          <p:val>
+                                            <p:strVal val="#ppt_x"/>
+                                          </p:val>
+                                        </p:tav>
+                                      </p:tavLst>
+                                    </p:anim>
+                                    <p:anim calcmode="lin" valueType="num">
+                                      <p:cBhvr>
+                                        <p:cTn id="9" dur="1000" fill="hold"/>
+                                        <p:tgtEl>
+                                          <p:spTgt spid="7"/>
+                                        </p:tgtEl>
+                                        <p:attrNameLst>
+                                          <p:attrName>ppt_y</p:attrName>
+                                        </p:attrNameLst>
+                                      </p:cBhvr>
+                                      <p:tavLst>
+                                        <p:tav tm="0">
+                                          <p:val>
+                                            <p:strVal val="#ppt_y-.1"/>
+                                          </p:val>
+                                        </p:tav>
+                                        <p:tav tm="100000">
+                                          <p:val>
+                                            <p:strVal val="#ppt_y"/>
+                                          </p:val>
+                                        </p:tav>
+                                      </p:tavLst>
+                                    </p:anim>
+                                  </p:childTnLst>
+                                </p:cTn>
+                              </p:par>
+                            </p:childTnLst>
+                          </p:cTn>
+                        </p:par>
+                      </p:childTnLst>
+                    </p:cTn>
+                  </p:par>
+                </p:childTnLst>
+              </p:cTn>
+              <p:prevCondLst>
+                <p:cond evt="onPrev" delay="0">
+                  <p:tgtEl>
+                    <p:sldTgt/>
+                  </p:tgtEl>
+                </p:cond>
+              </p:prevCondLst>
+              <p:nextCondLst>
+                <p:cond evt="onNext" delay="0">
+                  <p:tgtEl>
+                    <p:sldTgt/>
+                  </p:tgtEl>
+                </p:cond>
+              </p:nextCondLst>
+            </p:seq>
+          </p:childTnLst>
+        </p:cTn>
+      </p:par>
+    </p:tnLst>
+  </p:timing>
+</p:sld>
+</file>
+
+<file path=ppt/slides/slide3.xml><?xml version="1.0" encoding="utf-8"?>
+<p:sld xmlns:a="http://schemas.openxmlformats.org/drawingml/2006/main" xmlns:r="http://schemas.openxmlformats.org/officeDocument/2006/relationships" xmlns:p="http://schemas.openxmlformats.org/presentationml/2006/main">
+  <p:cSld>
+    <p:spTree>
+      <p:nvGrpSpPr>
+        <p:cNvPr id="1" name=""/>
+        <p:cNvGrpSpPr/>
+        <p:nvPr/>
+      </p:nvGrpSpPr>
+      <p:grpSpPr>
+        <a:xfrm>
+          <a:off x="0" y="0"/>
+          <a:ext cx="0" cy="0"/>
+          <a:chOff x="0" y="0"/>
+          <a:chExt cx="0" cy="0"/>
+        </a:xfrm>
+      </p:grpSpPr>
       <p:sp>
         <p:nvSpPr>
           <p:cNvPr id="2" name="Title 1"/>
@@ -5650,13 +7239,13 @@
   <p:clrMapOvr>
     <a:masterClrMapping/>
   </p:clrMapOvr>
-  <mc:AlternateContent xmlns:mc="http://schemas.openxmlformats.org/markup-compatibility/2006">
-    <mc:Choice xmlns:p14="http://schemas.microsoft.com/office/powerpoint/2010/main" Requires="p14">
+  <mc:AlternateContent xmlns:mc="http://schemas.openxmlformats.org/markup-compatibility/2006" xmlns:p14="http://schemas.microsoft.com/office/powerpoint/2010/main">
+    <mc:Choice Requires="p14">
       <p:transition spd="slow" p14:dur="1600">
         <p:blinds dir="vert"/>
       </p:transition>
     </mc:Choice>
-    <mc:Fallback>
+    <mc:Fallback xmlns="">
       <p:transition spd="slow">
         <p:blinds dir="vert"/>
       </p:transition>
@@ -6186,7 +7775,7 @@
 </p:sld>
 </file>
 
-<file path=ppt/slides/slide3.xml><?xml version="1.0" encoding="utf-8"?>
+<file path=ppt/slides/slide4.xml><?xml version="1.0" encoding="utf-8"?>
 <p:sld xmlns:a="http://schemas.openxmlformats.org/drawingml/2006/main" xmlns:r="http://schemas.openxmlformats.org/officeDocument/2006/relationships" xmlns:p="http://schemas.openxmlformats.org/presentationml/2006/main">
   <p:cSld>
     <p:spTree>
@@ -7453,13 +9042,13 @@
   <p:clrMapOvr>
     <a:masterClrMapping/>
   </p:clrMapOvr>
-  <mc:AlternateContent xmlns:mc="http://schemas.openxmlformats.org/markup-compatibility/2006">
-    <mc:Choice xmlns:p14="http://schemas.microsoft.com/office/powerpoint/2010/main" Requires="p14">
+  <mc:AlternateContent xmlns:mc="http://schemas.openxmlformats.org/markup-compatibility/2006" xmlns:p14="http://schemas.microsoft.com/office/powerpoint/2010/main">
+    <mc:Choice Requires="p14">
       <p:transition spd="slow" p14:dur="1600">
         <p:blinds dir="vert"/>
       </p:transition>
     </mc:Choice>
-    <mc:Fallback>
+    <mc:Fallback xmlns="">
       <p:transition spd="slow">
         <p:blinds dir="vert"/>
       </p:transition>

--- a/Python Session/Python_12_may.pptx
+++ b/Python Session/Python_12_may.pptx
@@ -7,8 +7,6 @@
   <p:sldIdLst>
     <p:sldId id="256" r:id="rId2"/>
     <p:sldId id="260" r:id="rId3"/>
-    <p:sldId id="259" r:id="rId4"/>
-    <p:sldId id="257" r:id="rId5"/>
   </p:sldIdLst>
   <p:sldSz cx="12192000" cy="6858000"/>
   <p:notesSz cx="6858000" cy="9144000"/>
@@ -341,7 +339,7 @@
           <a:p>
             <a:fld id="{89423816-5A68-4C9F-82ED-FF89F03C3494}" type="datetimeFigureOut">
               <a:rPr lang="en-IN" smtClean="0"/>
-              <a:t>12-05-2022</a:t>
+              <a:t>13-05-2022</a:t>
             </a:fld>
             <a:endParaRPr lang="en-IN"/>
           </a:p>
@@ -549,7 +547,7 @@
           <a:p>
             <a:fld id="{89423816-5A68-4C9F-82ED-FF89F03C3494}" type="datetimeFigureOut">
               <a:rPr lang="en-IN" smtClean="0"/>
-              <a:t>12-05-2022</a:t>
+              <a:t>13-05-2022</a:t>
             </a:fld>
             <a:endParaRPr lang="en-IN"/>
           </a:p>
@@ -805,7 +803,7 @@
           <a:p>
             <a:fld id="{89423816-5A68-4C9F-82ED-FF89F03C3494}" type="datetimeFigureOut">
               <a:rPr lang="en-IN" smtClean="0"/>
-              <a:t>12-05-2022</a:t>
+              <a:t>13-05-2022</a:t>
             </a:fld>
             <a:endParaRPr lang="en-IN"/>
           </a:p>
@@ -979,7 +977,7 @@
           <a:p>
             <a:fld id="{89423816-5A68-4C9F-82ED-FF89F03C3494}" type="datetimeFigureOut">
               <a:rPr lang="en-IN" smtClean="0"/>
-              <a:t>12-05-2022</a:t>
+              <a:t>13-05-2022</a:t>
             </a:fld>
             <a:endParaRPr lang="en-IN"/>
           </a:p>
@@ -1322,7 +1320,7 @@
           <a:p>
             <a:fld id="{89423816-5A68-4C9F-82ED-FF89F03C3494}" type="datetimeFigureOut">
               <a:rPr lang="en-IN" smtClean="0"/>
-              <a:t>12-05-2022</a:t>
+              <a:t>13-05-2022</a:t>
             </a:fld>
             <a:endParaRPr lang="en-IN"/>
           </a:p>
@@ -1597,7 +1595,7 @@
           <a:p>
             <a:fld id="{89423816-5A68-4C9F-82ED-FF89F03C3494}" type="datetimeFigureOut">
               <a:rPr lang="en-IN" smtClean="0"/>
-              <a:t>12-05-2022</a:t>
+              <a:t>13-05-2022</a:t>
             </a:fld>
             <a:endParaRPr lang="en-IN"/>
           </a:p>
@@ -1976,7 +1974,7 @@
           <a:p>
             <a:fld id="{89423816-5A68-4C9F-82ED-FF89F03C3494}" type="datetimeFigureOut">
               <a:rPr lang="en-IN" smtClean="0"/>
-              <a:t>12-05-2022</a:t>
+              <a:t>13-05-2022</a:t>
             </a:fld>
             <a:endParaRPr lang="en-IN"/>
           </a:p>
@@ -2094,7 +2092,7 @@
           <a:p>
             <a:fld id="{89423816-5A68-4C9F-82ED-FF89F03C3494}" type="datetimeFigureOut">
               <a:rPr lang="en-IN" smtClean="0"/>
-              <a:t>12-05-2022</a:t>
+              <a:t>13-05-2022</a:t>
             </a:fld>
             <a:endParaRPr lang="en-IN"/>
           </a:p>
@@ -2265,7 +2263,7 @@
           <a:p>
             <a:fld id="{89423816-5A68-4C9F-82ED-FF89F03C3494}" type="datetimeFigureOut">
               <a:rPr lang="en-IN" smtClean="0"/>
-              <a:t>12-05-2022</a:t>
+              <a:t>13-05-2022</a:t>
             </a:fld>
             <a:endParaRPr lang="en-IN"/>
           </a:p>
@@ -2619,7 +2617,7 @@
           <a:p>
             <a:fld id="{89423816-5A68-4C9F-82ED-FF89F03C3494}" type="datetimeFigureOut">
               <a:rPr lang="en-IN" smtClean="0"/>
-              <a:t>12-05-2022</a:t>
+              <a:t>13-05-2022</a:t>
             </a:fld>
             <a:endParaRPr lang="en-IN"/>
           </a:p>
@@ -3001,7 +2999,7 @@
           <a:p>
             <a:fld id="{89423816-5A68-4C9F-82ED-FF89F03C3494}" type="datetimeFigureOut">
               <a:rPr lang="en-IN" smtClean="0"/>
-              <a:t>12-05-2022</a:t>
+              <a:t>13-05-2022</a:t>
             </a:fld>
             <a:endParaRPr lang="en-IN"/>
           </a:p>
@@ -3288,7 +3286,7 @@
           <a:p>
             <a:fld id="{89423816-5A68-4C9F-82ED-FF89F03C3494}" type="datetimeFigureOut">
               <a:rPr lang="en-IN" smtClean="0"/>
-              <a:t>12-05-2022</a:t>
+              <a:t>13-05-2022</a:t>
             </a:fld>
             <a:endParaRPr lang="en-IN"/>
           </a:p>
@@ -3874,13 +3872,8 @@
             </a:pPr>
             <a:r>
               <a:rPr lang="en-US" sz="1600" dirty="0" smtClean="0"/>
-              <a:t>Python string is a collection of </a:t>
-            </a:r>
-            <a:r>
-              <a:rPr lang="en-US" sz="1600" dirty="0" smtClean="0"/>
-              <a:t>Characters.</a:t>
-            </a:r>
-            <a:endParaRPr lang="en-US" sz="1600" dirty="0" smtClean="0"/>
+              <a:t>Python string is a collection of Characters.</a:t>
+            </a:r>
           </a:p>
           <a:p>
             <a:pPr algn="l">
@@ -7059,2133 +7052,6 @@
 </p:sld>
 </file>
 
-<file path=ppt/slides/slide3.xml><?xml version="1.0" encoding="utf-8"?>
-<p:sld xmlns:a="http://schemas.openxmlformats.org/drawingml/2006/main" xmlns:r="http://schemas.openxmlformats.org/officeDocument/2006/relationships" xmlns:p="http://schemas.openxmlformats.org/presentationml/2006/main">
-  <p:cSld>
-    <p:spTree>
-      <p:nvGrpSpPr>
-        <p:cNvPr id="1" name=""/>
-        <p:cNvGrpSpPr/>
-        <p:nvPr/>
-      </p:nvGrpSpPr>
-      <p:grpSpPr>
-        <a:xfrm>
-          <a:off x="0" y="0"/>
-          <a:ext cx="0" cy="0"/>
-          <a:chOff x="0" y="0"/>
-          <a:chExt cx="0" cy="0"/>
-        </a:xfrm>
-      </p:grpSpPr>
-      <p:sp>
-        <p:nvSpPr>
-          <p:cNvPr id="2" name="Title 1"/>
-          <p:cNvSpPr>
-            <a:spLocks noGrp="1"/>
-          </p:cNvSpPr>
-          <p:nvPr>
-            <p:ph type="ctrTitle" idx="4294967295"/>
-          </p:nvPr>
-        </p:nvSpPr>
-        <p:spPr>
-          <a:xfrm>
-            <a:off x="4631821" y="123009"/>
-            <a:ext cx="2264636" cy="749300"/>
-          </a:xfrm>
-        </p:spPr>
-        <p:txBody>
-          <a:bodyPr>
-            <a:normAutofit/>
-          </a:bodyPr>
-          <a:lstStyle/>
-          <a:p>
-            <a:r>
-              <a:rPr lang="en-US" u="sng" dirty="0" smtClean="0">
-                <a:latin typeface="Algerian" panose="04020705040A02060702" pitchFamily="82" charset="0"/>
-              </a:rPr>
-              <a:t>Lists</a:t>
-            </a:r>
-            <a:endParaRPr lang="en-IN" u="sng" dirty="0">
-              <a:latin typeface="Algerian" panose="04020705040A02060702" pitchFamily="82" charset="0"/>
-            </a:endParaRPr>
-          </a:p>
-        </p:txBody>
-      </p:sp>
-      <p:sp>
-        <p:nvSpPr>
-          <p:cNvPr id="3" name="Subtitle 2"/>
-          <p:cNvSpPr>
-            <a:spLocks noGrp="1"/>
-          </p:cNvSpPr>
-          <p:nvPr>
-            <p:ph type="subTitle" idx="4294967295"/>
-          </p:nvPr>
-        </p:nvSpPr>
-        <p:spPr>
-          <a:xfrm>
-            <a:off x="744449" y="1376200"/>
-            <a:ext cx="10971835" cy="4289425"/>
-          </a:xfrm>
-        </p:spPr>
-        <p:txBody>
-          <a:bodyPr>
-            <a:normAutofit/>
-          </a:bodyPr>
-          <a:lstStyle/>
-          <a:p>
-            <a:pPr algn="l">
-              <a:buFont typeface="Wingdings" panose="05000000000000000000" pitchFamily="2" charset="2"/>
-              <a:buChar char="q"/>
-            </a:pPr>
-            <a:r>
-              <a:rPr lang="en-US" sz="2000" dirty="0" smtClean="0"/>
-              <a:t>A list is a collection of values or an ordered sequence of values/items. </a:t>
-            </a:r>
-          </a:p>
-          <a:p>
-            <a:pPr algn="l">
-              <a:buFont typeface="Wingdings" panose="05000000000000000000" pitchFamily="2" charset="2"/>
-              <a:buChar char="q"/>
-            </a:pPr>
-            <a:r>
-              <a:rPr lang="en-US" sz="2000" dirty="0" smtClean="0"/>
-              <a:t>The item in list can be of any type such as string, integer, float, objects or even list.</a:t>
-            </a:r>
-          </a:p>
-          <a:p>
-            <a:pPr algn="l">
-              <a:buFont typeface="Wingdings" panose="05000000000000000000" pitchFamily="2" charset="2"/>
-              <a:buChar char="q"/>
-            </a:pPr>
-            <a:r>
-              <a:rPr lang="en-US" sz="2000" dirty="0" smtClean="0"/>
-              <a:t>Elements of a list are enclosed in</a:t>
-            </a:r>
-            <a:r>
-              <a:rPr lang="en-US" sz="2000" b="1" dirty="0" smtClean="0"/>
-              <a:t> square </a:t>
-            </a:r>
-            <a:r>
-              <a:rPr lang="en-US" sz="2000" b="1" dirty="0" err="1" smtClean="0"/>
-              <a:t>brakets</a:t>
-            </a:r>
-            <a:r>
-              <a:rPr lang="en-US" sz="2000" b="1" dirty="0" smtClean="0"/>
-              <a:t> [] </a:t>
-            </a:r>
-            <a:r>
-              <a:rPr lang="en-US" sz="2000" dirty="0" smtClean="0"/>
-              <a:t>&amp; separated by commas.</a:t>
-            </a:r>
-          </a:p>
-          <a:p>
-            <a:pPr algn="l">
-              <a:buFont typeface="Wingdings" panose="05000000000000000000" pitchFamily="2" charset="2"/>
-              <a:buChar char="q"/>
-            </a:pPr>
-            <a:r>
-              <a:rPr lang="en-US" sz="2000" dirty="0" smtClean="0"/>
-              <a:t>Lists are mutable, value in the list can be change.</a:t>
-            </a:r>
-          </a:p>
-          <a:p>
-            <a:pPr algn="l"/>
-            <a:endParaRPr lang="en-US" sz="2000" dirty="0"/>
-          </a:p>
-          <a:p>
-            <a:pPr algn="l"/>
-            <a:r>
-              <a:rPr lang="en-US" sz="2400" b="1" u="sng" dirty="0" smtClean="0"/>
-              <a:t>Declaring List:</a:t>
-            </a:r>
-          </a:p>
-          <a:p>
-            <a:pPr algn="l"/>
-            <a:r>
-              <a:rPr lang="en-US" sz="2000" dirty="0" smtClean="0"/>
-              <a:t>l1 = []		# empty list</a:t>
-            </a:r>
-          </a:p>
-          <a:p>
-            <a:pPr algn="l"/>
-            <a:r>
-              <a:rPr lang="en-US" sz="2000" dirty="0"/>
-              <a:t>l</a:t>
-            </a:r>
-            <a:r>
-              <a:rPr lang="en-US" sz="2000" dirty="0" smtClean="0"/>
-              <a:t>2 = [1,2,5,8]	# list of integers</a:t>
-            </a:r>
-          </a:p>
-          <a:p>
-            <a:pPr algn="l"/>
-            <a:r>
-              <a:rPr lang="en-US" sz="2000" dirty="0" smtClean="0"/>
-              <a:t>L3 = [“Apple”,50,55.55,”Delhi”]	# List of different data types</a:t>
-            </a:r>
-          </a:p>
-          <a:p>
-            <a:pPr algn="l"/>
-            <a:endParaRPr lang="en-IN" sz="2000" dirty="0"/>
-          </a:p>
-        </p:txBody>
-      </p:sp>
-    </p:spTree>
-    <p:extLst>
-      <p:ext uri="{BB962C8B-B14F-4D97-AF65-F5344CB8AC3E}">
-        <p14:creationId xmlns:p14="http://schemas.microsoft.com/office/powerpoint/2010/main" val="3012338386"/>
-      </p:ext>
-    </p:extLst>
-  </p:cSld>
-  <p:clrMapOvr>
-    <a:masterClrMapping/>
-  </p:clrMapOvr>
-  <mc:AlternateContent xmlns:mc="http://schemas.openxmlformats.org/markup-compatibility/2006" xmlns:p14="http://schemas.microsoft.com/office/powerpoint/2010/main">
-    <mc:Choice Requires="p14">
-      <p:transition spd="slow" p14:dur="1600">
-        <p:blinds dir="vert"/>
-      </p:transition>
-    </mc:Choice>
-    <mc:Fallback xmlns="">
-      <p:transition spd="slow">
-        <p:blinds dir="vert"/>
-      </p:transition>
-    </mc:Fallback>
-  </mc:AlternateContent>
-  <p:timing>
-    <p:tnLst>
-      <p:par>
-        <p:cTn id="1" dur="indefinite" restart="never" nodeType="tmRoot">
-          <p:childTnLst>
-            <p:seq concurrent="1" nextAc="seek">
-              <p:cTn id="2" dur="indefinite" nodeType="mainSeq">
-                <p:childTnLst>
-                  <p:par>
-                    <p:cTn id="3" fill="hold">
-                      <p:stCondLst>
-                        <p:cond delay="indefinite"/>
-                      </p:stCondLst>
-                      <p:childTnLst>
-                        <p:par>
-                          <p:cTn id="4" fill="hold">
-                            <p:stCondLst>
-                              <p:cond delay="0"/>
-                            </p:stCondLst>
-                            <p:childTnLst>
-                              <p:par>
-                                <p:cTn id="5" presetID="14" presetClass="entr" presetSubtype="10" fill="hold" grpId="0" nodeType="clickEffect">
-                                  <p:stCondLst>
-                                    <p:cond delay="0"/>
-                                  </p:stCondLst>
-                                  <p:childTnLst>
-                                    <p:set>
-                                      <p:cBhvr>
-                                        <p:cTn id="6" dur="1" fill="hold">
-                                          <p:stCondLst>
-                                            <p:cond delay="0"/>
-                                          </p:stCondLst>
-                                        </p:cTn>
-                                        <p:tgtEl>
-                                          <p:spTgt spid="3">
-                                            <p:txEl>
-                                              <p:pRg st="0" end="0"/>
-                                            </p:txEl>
-                                          </p:spTgt>
-                                        </p:tgtEl>
-                                        <p:attrNameLst>
-                                          <p:attrName>style.visibility</p:attrName>
-                                        </p:attrNameLst>
-                                      </p:cBhvr>
-                                      <p:to>
-                                        <p:strVal val="visible"/>
-                                      </p:to>
-                                    </p:set>
-                                    <p:animEffect transition="in" filter="randombar(horizontal)">
-                                      <p:cBhvr>
-                                        <p:cTn id="7" dur="500"/>
-                                        <p:tgtEl>
-                                          <p:spTgt spid="3">
-                                            <p:txEl>
-                                              <p:pRg st="0" end="0"/>
-                                            </p:txEl>
-                                          </p:spTgt>
-                                        </p:tgtEl>
-                                      </p:cBhvr>
-                                    </p:animEffect>
-                                  </p:childTnLst>
-                                </p:cTn>
-                              </p:par>
-                            </p:childTnLst>
-                          </p:cTn>
-                        </p:par>
-                      </p:childTnLst>
-                    </p:cTn>
-                  </p:par>
-                  <p:par>
-                    <p:cTn id="8" fill="hold">
-                      <p:stCondLst>
-                        <p:cond delay="indefinite"/>
-                      </p:stCondLst>
-                      <p:childTnLst>
-                        <p:par>
-                          <p:cTn id="9" fill="hold">
-                            <p:stCondLst>
-                              <p:cond delay="0"/>
-                            </p:stCondLst>
-                            <p:childTnLst>
-                              <p:par>
-                                <p:cTn id="10" presetID="14" presetClass="entr" presetSubtype="10" fill="hold" grpId="0" nodeType="clickEffect">
-                                  <p:stCondLst>
-                                    <p:cond delay="0"/>
-                                  </p:stCondLst>
-                                  <p:childTnLst>
-                                    <p:set>
-                                      <p:cBhvr>
-                                        <p:cTn id="11" dur="1" fill="hold">
-                                          <p:stCondLst>
-                                            <p:cond delay="0"/>
-                                          </p:stCondLst>
-                                        </p:cTn>
-                                        <p:tgtEl>
-                                          <p:spTgt spid="3">
-                                            <p:txEl>
-                                              <p:pRg st="1" end="1"/>
-                                            </p:txEl>
-                                          </p:spTgt>
-                                        </p:tgtEl>
-                                        <p:attrNameLst>
-                                          <p:attrName>style.visibility</p:attrName>
-                                        </p:attrNameLst>
-                                      </p:cBhvr>
-                                      <p:to>
-                                        <p:strVal val="visible"/>
-                                      </p:to>
-                                    </p:set>
-                                    <p:animEffect transition="in" filter="randombar(horizontal)">
-                                      <p:cBhvr>
-                                        <p:cTn id="12" dur="500"/>
-                                        <p:tgtEl>
-                                          <p:spTgt spid="3">
-                                            <p:txEl>
-                                              <p:pRg st="1" end="1"/>
-                                            </p:txEl>
-                                          </p:spTgt>
-                                        </p:tgtEl>
-                                      </p:cBhvr>
-                                    </p:animEffect>
-                                  </p:childTnLst>
-                                </p:cTn>
-                              </p:par>
-                            </p:childTnLst>
-                          </p:cTn>
-                        </p:par>
-                      </p:childTnLst>
-                    </p:cTn>
-                  </p:par>
-                  <p:par>
-                    <p:cTn id="13" fill="hold">
-                      <p:stCondLst>
-                        <p:cond delay="indefinite"/>
-                      </p:stCondLst>
-                      <p:childTnLst>
-                        <p:par>
-                          <p:cTn id="14" fill="hold">
-                            <p:stCondLst>
-                              <p:cond delay="0"/>
-                            </p:stCondLst>
-                            <p:childTnLst>
-                              <p:par>
-                                <p:cTn id="15" presetID="14" presetClass="entr" presetSubtype="10" fill="hold" grpId="0" nodeType="clickEffect">
-                                  <p:stCondLst>
-                                    <p:cond delay="0"/>
-                                  </p:stCondLst>
-                                  <p:childTnLst>
-                                    <p:set>
-                                      <p:cBhvr>
-                                        <p:cTn id="16" dur="1" fill="hold">
-                                          <p:stCondLst>
-                                            <p:cond delay="0"/>
-                                          </p:stCondLst>
-                                        </p:cTn>
-                                        <p:tgtEl>
-                                          <p:spTgt spid="3">
-                                            <p:txEl>
-                                              <p:pRg st="2" end="2"/>
-                                            </p:txEl>
-                                          </p:spTgt>
-                                        </p:tgtEl>
-                                        <p:attrNameLst>
-                                          <p:attrName>style.visibility</p:attrName>
-                                        </p:attrNameLst>
-                                      </p:cBhvr>
-                                      <p:to>
-                                        <p:strVal val="visible"/>
-                                      </p:to>
-                                    </p:set>
-                                    <p:animEffect transition="in" filter="randombar(horizontal)">
-                                      <p:cBhvr>
-                                        <p:cTn id="17" dur="500"/>
-                                        <p:tgtEl>
-                                          <p:spTgt spid="3">
-                                            <p:txEl>
-                                              <p:pRg st="2" end="2"/>
-                                            </p:txEl>
-                                          </p:spTgt>
-                                        </p:tgtEl>
-                                      </p:cBhvr>
-                                    </p:animEffect>
-                                  </p:childTnLst>
-                                </p:cTn>
-                              </p:par>
-                            </p:childTnLst>
-                          </p:cTn>
-                        </p:par>
-                      </p:childTnLst>
-                    </p:cTn>
-                  </p:par>
-                  <p:par>
-                    <p:cTn id="18" fill="hold">
-                      <p:stCondLst>
-                        <p:cond delay="indefinite"/>
-                      </p:stCondLst>
-                      <p:childTnLst>
-                        <p:par>
-                          <p:cTn id="19" fill="hold">
-                            <p:stCondLst>
-                              <p:cond delay="0"/>
-                            </p:stCondLst>
-                            <p:childTnLst>
-                              <p:par>
-                                <p:cTn id="20" presetID="14" presetClass="entr" presetSubtype="10" fill="hold" grpId="0" nodeType="clickEffect">
-                                  <p:stCondLst>
-                                    <p:cond delay="0"/>
-                                  </p:stCondLst>
-                                  <p:childTnLst>
-                                    <p:set>
-                                      <p:cBhvr>
-                                        <p:cTn id="21" dur="1" fill="hold">
-                                          <p:stCondLst>
-                                            <p:cond delay="0"/>
-                                          </p:stCondLst>
-                                        </p:cTn>
-                                        <p:tgtEl>
-                                          <p:spTgt spid="3">
-                                            <p:txEl>
-                                              <p:pRg st="3" end="3"/>
-                                            </p:txEl>
-                                          </p:spTgt>
-                                        </p:tgtEl>
-                                        <p:attrNameLst>
-                                          <p:attrName>style.visibility</p:attrName>
-                                        </p:attrNameLst>
-                                      </p:cBhvr>
-                                      <p:to>
-                                        <p:strVal val="visible"/>
-                                      </p:to>
-                                    </p:set>
-                                    <p:animEffect transition="in" filter="randombar(horizontal)">
-                                      <p:cBhvr>
-                                        <p:cTn id="22" dur="500"/>
-                                        <p:tgtEl>
-                                          <p:spTgt spid="3">
-                                            <p:txEl>
-                                              <p:pRg st="3" end="3"/>
-                                            </p:txEl>
-                                          </p:spTgt>
-                                        </p:tgtEl>
-                                      </p:cBhvr>
-                                    </p:animEffect>
-                                  </p:childTnLst>
-                                </p:cTn>
-                              </p:par>
-                            </p:childTnLst>
-                          </p:cTn>
-                        </p:par>
-                      </p:childTnLst>
-                    </p:cTn>
-                  </p:par>
-                  <p:par>
-                    <p:cTn id="23" fill="hold">
-                      <p:stCondLst>
-                        <p:cond delay="indefinite"/>
-                      </p:stCondLst>
-                      <p:childTnLst>
-                        <p:par>
-                          <p:cTn id="24" fill="hold">
-                            <p:stCondLst>
-                              <p:cond delay="0"/>
-                            </p:stCondLst>
-                            <p:childTnLst>
-                              <p:par>
-                                <p:cTn id="25" presetID="14" presetClass="entr" presetSubtype="10" fill="hold" grpId="0" nodeType="clickEffect">
-                                  <p:stCondLst>
-                                    <p:cond delay="0"/>
-                                  </p:stCondLst>
-                                  <p:childTnLst>
-                                    <p:set>
-                                      <p:cBhvr>
-                                        <p:cTn id="26" dur="1" fill="hold">
-                                          <p:stCondLst>
-                                            <p:cond delay="0"/>
-                                          </p:stCondLst>
-                                        </p:cTn>
-                                        <p:tgtEl>
-                                          <p:spTgt spid="3">
-                                            <p:txEl>
-                                              <p:pRg st="5" end="5"/>
-                                            </p:txEl>
-                                          </p:spTgt>
-                                        </p:tgtEl>
-                                        <p:attrNameLst>
-                                          <p:attrName>style.visibility</p:attrName>
-                                        </p:attrNameLst>
-                                      </p:cBhvr>
-                                      <p:to>
-                                        <p:strVal val="visible"/>
-                                      </p:to>
-                                    </p:set>
-                                    <p:animEffect transition="in" filter="randombar(horizontal)">
-                                      <p:cBhvr>
-                                        <p:cTn id="27" dur="500"/>
-                                        <p:tgtEl>
-                                          <p:spTgt spid="3">
-                                            <p:txEl>
-                                              <p:pRg st="5" end="5"/>
-                                            </p:txEl>
-                                          </p:spTgt>
-                                        </p:tgtEl>
-                                      </p:cBhvr>
-                                    </p:animEffect>
-                                  </p:childTnLst>
-                                </p:cTn>
-                              </p:par>
-                            </p:childTnLst>
-                          </p:cTn>
-                        </p:par>
-                      </p:childTnLst>
-                    </p:cTn>
-                  </p:par>
-                  <p:par>
-                    <p:cTn id="28" fill="hold">
-                      <p:stCondLst>
-                        <p:cond delay="indefinite"/>
-                      </p:stCondLst>
-                      <p:childTnLst>
-                        <p:par>
-                          <p:cTn id="29" fill="hold">
-                            <p:stCondLst>
-                              <p:cond delay="0"/>
-                            </p:stCondLst>
-                            <p:childTnLst>
-                              <p:par>
-                                <p:cTn id="30" presetID="14" presetClass="entr" presetSubtype="10" fill="hold" grpId="0" nodeType="clickEffect">
-                                  <p:stCondLst>
-                                    <p:cond delay="0"/>
-                                  </p:stCondLst>
-                                  <p:childTnLst>
-                                    <p:set>
-                                      <p:cBhvr>
-                                        <p:cTn id="31" dur="1" fill="hold">
-                                          <p:stCondLst>
-                                            <p:cond delay="0"/>
-                                          </p:stCondLst>
-                                        </p:cTn>
-                                        <p:tgtEl>
-                                          <p:spTgt spid="3">
-                                            <p:txEl>
-                                              <p:pRg st="6" end="6"/>
-                                            </p:txEl>
-                                          </p:spTgt>
-                                        </p:tgtEl>
-                                        <p:attrNameLst>
-                                          <p:attrName>style.visibility</p:attrName>
-                                        </p:attrNameLst>
-                                      </p:cBhvr>
-                                      <p:to>
-                                        <p:strVal val="visible"/>
-                                      </p:to>
-                                    </p:set>
-                                    <p:animEffect transition="in" filter="randombar(horizontal)">
-                                      <p:cBhvr>
-                                        <p:cTn id="32" dur="500"/>
-                                        <p:tgtEl>
-                                          <p:spTgt spid="3">
-                                            <p:txEl>
-                                              <p:pRg st="6" end="6"/>
-                                            </p:txEl>
-                                          </p:spTgt>
-                                        </p:tgtEl>
-                                      </p:cBhvr>
-                                    </p:animEffect>
-                                  </p:childTnLst>
-                                </p:cTn>
-                              </p:par>
-                            </p:childTnLst>
-                          </p:cTn>
-                        </p:par>
-                      </p:childTnLst>
-                    </p:cTn>
-                  </p:par>
-                  <p:par>
-                    <p:cTn id="33" fill="hold">
-                      <p:stCondLst>
-                        <p:cond delay="indefinite"/>
-                      </p:stCondLst>
-                      <p:childTnLst>
-                        <p:par>
-                          <p:cTn id="34" fill="hold">
-                            <p:stCondLst>
-                              <p:cond delay="0"/>
-                            </p:stCondLst>
-                            <p:childTnLst>
-                              <p:par>
-                                <p:cTn id="35" presetID="14" presetClass="entr" presetSubtype="10" fill="hold" grpId="0" nodeType="clickEffect">
-                                  <p:stCondLst>
-                                    <p:cond delay="0"/>
-                                  </p:stCondLst>
-                                  <p:childTnLst>
-                                    <p:set>
-                                      <p:cBhvr>
-                                        <p:cTn id="36" dur="1" fill="hold">
-                                          <p:stCondLst>
-                                            <p:cond delay="0"/>
-                                          </p:stCondLst>
-                                        </p:cTn>
-                                        <p:tgtEl>
-                                          <p:spTgt spid="3">
-                                            <p:txEl>
-                                              <p:pRg st="7" end="7"/>
-                                            </p:txEl>
-                                          </p:spTgt>
-                                        </p:tgtEl>
-                                        <p:attrNameLst>
-                                          <p:attrName>style.visibility</p:attrName>
-                                        </p:attrNameLst>
-                                      </p:cBhvr>
-                                      <p:to>
-                                        <p:strVal val="visible"/>
-                                      </p:to>
-                                    </p:set>
-                                    <p:animEffect transition="in" filter="randombar(horizontal)">
-                                      <p:cBhvr>
-                                        <p:cTn id="37" dur="500"/>
-                                        <p:tgtEl>
-                                          <p:spTgt spid="3">
-                                            <p:txEl>
-                                              <p:pRg st="7" end="7"/>
-                                            </p:txEl>
-                                          </p:spTgt>
-                                        </p:tgtEl>
-                                      </p:cBhvr>
-                                    </p:animEffect>
-                                  </p:childTnLst>
-                                </p:cTn>
-                              </p:par>
-                            </p:childTnLst>
-                          </p:cTn>
-                        </p:par>
-                      </p:childTnLst>
-                    </p:cTn>
-                  </p:par>
-                  <p:par>
-                    <p:cTn id="38" fill="hold">
-                      <p:stCondLst>
-                        <p:cond delay="indefinite"/>
-                      </p:stCondLst>
-                      <p:childTnLst>
-                        <p:par>
-                          <p:cTn id="39" fill="hold">
-                            <p:stCondLst>
-                              <p:cond delay="0"/>
-                            </p:stCondLst>
-                            <p:childTnLst>
-                              <p:par>
-                                <p:cTn id="40" presetID="14" presetClass="entr" presetSubtype="10" fill="hold" grpId="0" nodeType="clickEffect">
-                                  <p:stCondLst>
-                                    <p:cond delay="0"/>
-                                  </p:stCondLst>
-                                  <p:childTnLst>
-                                    <p:set>
-                                      <p:cBhvr>
-                                        <p:cTn id="41" dur="1" fill="hold">
-                                          <p:stCondLst>
-                                            <p:cond delay="0"/>
-                                          </p:stCondLst>
-                                        </p:cTn>
-                                        <p:tgtEl>
-                                          <p:spTgt spid="3">
-                                            <p:txEl>
-                                              <p:pRg st="8" end="8"/>
-                                            </p:txEl>
-                                          </p:spTgt>
-                                        </p:tgtEl>
-                                        <p:attrNameLst>
-                                          <p:attrName>style.visibility</p:attrName>
-                                        </p:attrNameLst>
-                                      </p:cBhvr>
-                                      <p:to>
-                                        <p:strVal val="visible"/>
-                                      </p:to>
-                                    </p:set>
-                                    <p:animEffect transition="in" filter="randombar(horizontal)">
-                                      <p:cBhvr>
-                                        <p:cTn id="42" dur="500"/>
-                                        <p:tgtEl>
-                                          <p:spTgt spid="3">
-                                            <p:txEl>
-                                              <p:pRg st="8" end="8"/>
-                                            </p:txEl>
-                                          </p:spTgt>
-                                        </p:tgtEl>
-                                      </p:cBhvr>
-                                    </p:animEffect>
-                                  </p:childTnLst>
-                                </p:cTn>
-                              </p:par>
-                            </p:childTnLst>
-                          </p:cTn>
-                        </p:par>
-                      </p:childTnLst>
-                    </p:cTn>
-                  </p:par>
-                </p:childTnLst>
-              </p:cTn>
-              <p:prevCondLst>
-                <p:cond evt="onPrev" delay="0">
-                  <p:tgtEl>
-                    <p:sldTgt/>
-                  </p:tgtEl>
-                </p:cond>
-              </p:prevCondLst>
-              <p:nextCondLst>
-                <p:cond evt="onNext" delay="0">
-                  <p:tgtEl>
-                    <p:sldTgt/>
-                  </p:tgtEl>
-                </p:cond>
-              </p:nextCondLst>
-            </p:seq>
-          </p:childTnLst>
-        </p:cTn>
-      </p:par>
-    </p:tnLst>
-    <p:bldLst>
-      <p:bldP spid="3" grpId="0" build="p"/>
-    </p:bldLst>
-  </p:timing>
-</p:sld>
-</file>
-
-<file path=ppt/slides/slide4.xml><?xml version="1.0" encoding="utf-8"?>
-<p:sld xmlns:a="http://schemas.openxmlformats.org/drawingml/2006/main" xmlns:r="http://schemas.openxmlformats.org/officeDocument/2006/relationships" xmlns:p="http://schemas.openxmlformats.org/presentationml/2006/main">
-  <p:cSld>
-    <p:spTree>
-      <p:nvGrpSpPr>
-        <p:cNvPr id="1" name=""/>
-        <p:cNvGrpSpPr/>
-        <p:nvPr/>
-      </p:nvGrpSpPr>
-      <p:grpSpPr>
-        <a:xfrm>
-          <a:off x="0" y="0"/>
-          <a:ext cx="0" cy="0"/>
-          <a:chOff x="0" y="0"/>
-          <a:chExt cx="0" cy="0"/>
-        </a:xfrm>
-      </p:grpSpPr>
-      <p:graphicFrame>
-        <p:nvGraphicFramePr>
-          <p:cNvPr id="7" name="Table 6"/>
-          <p:cNvGraphicFramePr>
-            <a:graphicFrameLocks noGrp="1"/>
-          </p:cNvGraphicFramePr>
-          <p:nvPr>
-            <p:extLst>
-              <p:ext uri="{D42A27DB-BD31-4B8C-83A1-F6EECF244321}">
-                <p14:modId xmlns:p14="http://schemas.microsoft.com/office/powerpoint/2010/main" val="377789927"/>
-              </p:ext>
-            </p:extLst>
-          </p:nvPr>
-        </p:nvGraphicFramePr>
-        <p:xfrm>
-          <a:off x="391208" y="103090"/>
-          <a:ext cx="10897786" cy="6161180"/>
-        </p:xfrm>
-        <a:graphic>
-          <a:graphicData uri="http://schemas.openxmlformats.org/drawingml/2006/table">
-            <a:tbl>
-              <a:tblPr firstRow="1" bandRow="1">
-                <a:tableStyleId>{5C22544A-7EE6-4342-B048-85BDC9FD1C3A}</a:tableStyleId>
-              </a:tblPr>
-              <a:tblGrid>
-                <a:gridCol w="5448893"/>
-                <a:gridCol w="5448893"/>
-              </a:tblGrid>
-              <a:tr h="284814">
-                <a:tc>
-                  <a:txBody>
-                    <a:bodyPr/>
-                    <a:lstStyle/>
-                    <a:p>
-                      <a:r>
-                        <a:rPr lang="en-IN" sz="1400" dirty="0" smtClean="0">
-                          <a:solidFill>
-                            <a:schemeClr val="tx2">
-                              <a:lumMod val="75000"/>
-                            </a:schemeClr>
-                          </a:solidFill>
-                        </a:rPr>
-                        <a:t>Method</a:t>
-                      </a:r>
-                      <a:endParaRPr lang="en-IN" sz="1400" dirty="0">
-                        <a:solidFill>
-                          <a:schemeClr val="tx2">
-                            <a:lumMod val="75000"/>
-                          </a:schemeClr>
-                        </a:solidFill>
-                      </a:endParaRPr>
-                    </a:p>
-                  </a:txBody>
-                  <a:tcPr>
-                    <a:lnL w="12700" cap="flat" cmpd="sng" algn="ctr">
-                      <a:noFill/>
-                      <a:prstDash val="solid"/>
-                      <a:round/>
-                      <a:headEnd type="none" w="med" len="med"/>
-                      <a:tailEnd type="none" w="med" len="med"/>
-                    </a:lnL>
-                    <a:lnT w="12700" cap="flat" cmpd="sng" algn="ctr">
-                      <a:noFill/>
-                      <a:prstDash val="solid"/>
-                      <a:round/>
-                      <a:headEnd type="none" w="med" len="med"/>
-                      <a:tailEnd type="none" w="med" len="med"/>
-                    </a:lnT>
-                  </a:tcPr>
-                </a:tc>
-                <a:tc>
-                  <a:txBody>
-                    <a:bodyPr/>
-                    <a:lstStyle/>
-                    <a:p>
-                      <a:r>
-                        <a:rPr lang="en-IN" sz="1400" dirty="0" smtClean="0">
-                          <a:solidFill>
-                            <a:schemeClr val="tx2">
-                              <a:lumMod val="75000"/>
-                            </a:schemeClr>
-                          </a:solidFill>
-                        </a:rPr>
-                        <a:t>Description</a:t>
-                      </a:r>
-                      <a:endParaRPr lang="en-IN" sz="1400" dirty="0">
-                        <a:solidFill>
-                          <a:schemeClr val="tx2">
-                            <a:lumMod val="75000"/>
-                          </a:schemeClr>
-                        </a:solidFill>
-                      </a:endParaRPr>
-                    </a:p>
-                  </a:txBody>
-                  <a:tcPr>
-                    <a:lnR w="12700" cap="flat" cmpd="sng" algn="ctr">
-                      <a:noFill/>
-                      <a:prstDash val="solid"/>
-                      <a:round/>
-                      <a:headEnd type="none" w="med" len="med"/>
-                      <a:tailEnd type="none" w="med" len="med"/>
-                    </a:lnR>
-                    <a:lnT w="12700" cap="flat" cmpd="sng" algn="ctr">
-                      <a:noFill/>
-                      <a:prstDash val="solid"/>
-                      <a:round/>
-                      <a:headEnd type="none" w="med" len="med"/>
-                      <a:tailEnd type="none" w="med" len="med"/>
-                    </a:lnT>
-                  </a:tcPr>
-                </a:tc>
-              </a:tr>
-              <a:tr h="284814">
-                <a:tc>
-                  <a:txBody>
-                    <a:bodyPr/>
-                    <a:lstStyle/>
-                    <a:p>
-                      <a:r>
-                        <a:rPr lang="en-IN" sz="1400" dirty="0" err="1" smtClean="0">
-                          <a:solidFill>
-                            <a:schemeClr val="tx2">
-                              <a:lumMod val="75000"/>
-                            </a:schemeClr>
-                          </a:solidFill>
-                        </a:rPr>
-                        <a:t>len</a:t>
-                      </a:r>
-                      <a:r>
-                        <a:rPr lang="en-IN" sz="1400" dirty="0" smtClean="0">
-                          <a:solidFill>
-                            <a:schemeClr val="tx2">
-                              <a:lumMod val="75000"/>
-                            </a:schemeClr>
-                          </a:solidFill>
-                        </a:rPr>
-                        <a:t>() </a:t>
-                      </a:r>
-                      <a:endParaRPr lang="en-IN" sz="1400" dirty="0">
-                        <a:solidFill>
-                          <a:schemeClr val="tx2">
-                            <a:lumMod val="75000"/>
-                          </a:schemeClr>
-                        </a:solidFill>
-                      </a:endParaRPr>
-                    </a:p>
-                  </a:txBody>
-                  <a:tcPr>
-                    <a:lnL w="12700" cap="flat" cmpd="sng" algn="ctr">
-                      <a:noFill/>
-                      <a:prstDash val="solid"/>
-                      <a:round/>
-                      <a:headEnd type="none" w="med" len="med"/>
-                      <a:tailEnd type="none" w="med" len="med"/>
-                    </a:lnL>
-                  </a:tcPr>
-                </a:tc>
-                <a:tc>
-                  <a:txBody>
-                    <a:bodyPr/>
-                    <a:lstStyle/>
-                    <a:p>
-                      <a:r>
-                        <a:rPr lang="en-US" sz="1400" dirty="0" smtClean="0">
-                          <a:solidFill>
-                            <a:schemeClr val="tx2">
-                              <a:lumMod val="75000"/>
-                            </a:schemeClr>
-                          </a:solidFill>
-                        </a:rPr>
-                        <a:t>Returns the length of the list passed as the argument</a:t>
-                      </a:r>
-                      <a:endParaRPr lang="en-IN" sz="1400" dirty="0">
-                        <a:solidFill>
-                          <a:schemeClr val="tx2">
-                            <a:lumMod val="75000"/>
-                          </a:schemeClr>
-                        </a:solidFill>
-                      </a:endParaRPr>
-                    </a:p>
-                  </a:txBody>
-                  <a:tcPr>
-                    <a:lnR w="12700" cap="flat" cmpd="sng" algn="ctr">
-                      <a:noFill/>
-                      <a:prstDash val="solid"/>
-                      <a:round/>
-                      <a:headEnd type="none" w="med" len="med"/>
-                      <a:tailEnd type="none" w="med" len="med"/>
-                    </a:lnR>
-                  </a:tcPr>
-                </a:tc>
-              </a:tr>
-              <a:tr h="284814">
-                <a:tc>
-                  <a:txBody>
-                    <a:bodyPr/>
-                    <a:lstStyle/>
-                    <a:p>
-                      <a:r>
-                        <a:rPr lang="en-IN" sz="1400" dirty="0" err="1" smtClean="0">
-                          <a:solidFill>
-                            <a:schemeClr val="tx2">
-                              <a:lumMod val="75000"/>
-                            </a:schemeClr>
-                          </a:solidFill>
-                        </a:rPr>
-                        <a:t>ist</a:t>
-                      </a:r>
-                      <a:r>
-                        <a:rPr lang="en-IN" sz="1400" dirty="0" smtClean="0">
-                          <a:solidFill>
-                            <a:schemeClr val="tx2">
-                              <a:lumMod val="75000"/>
-                            </a:schemeClr>
-                          </a:solidFill>
-                        </a:rPr>
-                        <a:t>() </a:t>
-                      </a:r>
-                      <a:endParaRPr lang="en-IN" sz="1400" dirty="0">
-                        <a:solidFill>
-                          <a:schemeClr val="tx2">
-                            <a:lumMod val="75000"/>
-                          </a:schemeClr>
-                        </a:solidFill>
-                      </a:endParaRPr>
-                    </a:p>
-                  </a:txBody>
-                  <a:tcPr>
-                    <a:lnL w="12700" cap="flat" cmpd="sng" algn="ctr">
-                      <a:noFill/>
-                      <a:prstDash val="solid"/>
-                      <a:round/>
-                      <a:headEnd type="none" w="med" len="med"/>
-                      <a:tailEnd type="none" w="med" len="med"/>
-                    </a:lnL>
-                  </a:tcPr>
-                </a:tc>
-                <a:tc>
-                  <a:txBody>
-                    <a:bodyPr/>
-                    <a:lstStyle/>
-                    <a:p>
-                      <a:r>
-                        <a:rPr lang="en-US" sz="1400" dirty="0" smtClean="0">
-                          <a:solidFill>
-                            <a:schemeClr val="tx2">
-                              <a:lumMod val="75000"/>
-                            </a:schemeClr>
-                          </a:solidFill>
-                        </a:rPr>
-                        <a:t>Creates an empty list if no argument is </a:t>
-                      </a:r>
-                      <a:r>
-                        <a:rPr lang="en-US" sz="1400" dirty="0" err="1" smtClean="0">
-                          <a:solidFill>
-                            <a:schemeClr val="tx2">
-                              <a:lumMod val="75000"/>
-                            </a:schemeClr>
-                          </a:solidFill>
-                        </a:rPr>
-                        <a:t>passe</a:t>
-                      </a:r>
-                      <a:endParaRPr lang="en-IN" sz="1400" dirty="0">
-                        <a:solidFill>
-                          <a:schemeClr val="tx2">
-                            <a:lumMod val="75000"/>
-                          </a:schemeClr>
-                        </a:solidFill>
-                      </a:endParaRPr>
-                    </a:p>
-                  </a:txBody>
-                  <a:tcPr>
-                    <a:lnR w="12700" cap="flat" cmpd="sng" algn="ctr">
-                      <a:noFill/>
-                      <a:prstDash val="solid"/>
-                      <a:round/>
-                      <a:headEnd type="none" w="med" len="med"/>
-                      <a:tailEnd type="none" w="med" len="med"/>
-                    </a:lnR>
-                  </a:tcPr>
-                </a:tc>
-              </a:tr>
-              <a:tr h="410808">
-                <a:tc>
-                  <a:txBody>
-                    <a:bodyPr/>
-                    <a:lstStyle/>
-                    <a:p>
-                      <a:r>
-                        <a:rPr lang="en-IN" sz="1400" dirty="0" smtClean="0">
-                          <a:solidFill>
-                            <a:schemeClr val="tx2">
-                              <a:lumMod val="75000"/>
-                            </a:schemeClr>
-                          </a:solidFill>
-                        </a:rPr>
-                        <a:t>append()</a:t>
-                      </a:r>
-                      <a:endParaRPr lang="en-IN" sz="1400" dirty="0">
-                        <a:solidFill>
-                          <a:schemeClr val="tx2">
-                            <a:lumMod val="75000"/>
-                          </a:schemeClr>
-                        </a:solidFill>
-                      </a:endParaRPr>
-                    </a:p>
-                  </a:txBody>
-                  <a:tcPr>
-                    <a:lnL w="12700" cap="flat" cmpd="sng" algn="ctr">
-                      <a:noFill/>
-                      <a:prstDash val="solid"/>
-                      <a:round/>
-                      <a:headEnd type="none" w="med" len="med"/>
-                      <a:tailEnd type="none" w="med" len="med"/>
-                    </a:lnL>
-                  </a:tcPr>
-                </a:tc>
-                <a:tc>
-                  <a:txBody>
-                    <a:bodyPr/>
-                    <a:lstStyle/>
-                    <a:p>
-                      <a:r>
-                        <a:rPr lang="en-US" sz="1400" dirty="0" smtClean="0">
-                          <a:solidFill>
-                            <a:schemeClr val="tx2">
-                              <a:lumMod val="75000"/>
-                            </a:schemeClr>
-                          </a:solidFill>
-                        </a:rPr>
-                        <a:t>Appends a single element passed as an argument at the end of the </a:t>
-                      </a:r>
-                      <a:r>
-                        <a:rPr lang="en-US" sz="1400" dirty="0" err="1" smtClean="0">
-                          <a:solidFill>
-                            <a:schemeClr val="tx2">
-                              <a:lumMod val="75000"/>
-                            </a:schemeClr>
-                          </a:solidFill>
-                        </a:rPr>
-                        <a:t>lis</a:t>
-                      </a:r>
-                      <a:endParaRPr lang="en-IN" sz="1400" dirty="0">
-                        <a:solidFill>
-                          <a:schemeClr val="tx2">
-                            <a:lumMod val="75000"/>
-                          </a:schemeClr>
-                        </a:solidFill>
-                      </a:endParaRPr>
-                    </a:p>
-                  </a:txBody>
-                  <a:tcPr>
-                    <a:lnR w="12700" cap="flat" cmpd="sng" algn="ctr">
-                      <a:noFill/>
-                      <a:prstDash val="solid"/>
-                      <a:round/>
-                      <a:headEnd type="none" w="med" len="med"/>
-                      <a:tailEnd type="none" w="med" len="med"/>
-                    </a:lnR>
-                  </a:tcPr>
-                </a:tc>
-              </a:tr>
-              <a:tr h="484184">
-                <a:tc>
-                  <a:txBody>
-                    <a:bodyPr/>
-                    <a:lstStyle/>
-                    <a:p>
-                      <a:r>
-                        <a:rPr lang="en-IN" sz="1400" dirty="0" smtClean="0">
-                          <a:solidFill>
-                            <a:schemeClr val="tx2">
-                              <a:lumMod val="75000"/>
-                            </a:schemeClr>
-                          </a:solidFill>
-                        </a:rPr>
-                        <a:t>extend()</a:t>
-                      </a:r>
-                      <a:endParaRPr lang="en-IN" sz="1400" dirty="0">
-                        <a:solidFill>
-                          <a:schemeClr val="tx2">
-                            <a:lumMod val="75000"/>
-                          </a:schemeClr>
-                        </a:solidFill>
-                      </a:endParaRPr>
-                    </a:p>
-                  </a:txBody>
-                  <a:tcPr>
-                    <a:lnL w="12700" cap="flat" cmpd="sng" algn="ctr">
-                      <a:noFill/>
-                      <a:prstDash val="solid"/>
-                      <a:round/>
-                      <a:headEnd type="none" w="med" len="med"/>
-                      <a:tailEnd type="none" w="med" len="med"/>
-                    </a:lnL>
-                  </a:tcPr>
-                </a:tc>
-                <a:tc>
-                  <a:txBody>
-                    <a:bodyPr/>
-                    <a:lstStyle/>
-                    <a:p>
-                      <a:r>
-                        <a:rPr lang="en-US" sz="1400" dirty="0" smtClean="0">
-                          <a:solidFill>
-                            <a:schemeClr val="tx2">
-                              <a:lumMod val="75000"/>
-                            </a:schemeClr>
-                          </a:solidFill>
-                        </a:rPr>
-                        <a:t>Appends each element of the list passed as argument at the end of the given list</a:t>
-                      </a:r>
-                      <a:endParaRPr lang="en-IN" sz="1400" dirty="0">
-                        <a:solidFill>
-                          <a:schemeClr val="tx2">
-                            <a:lumMod val="75000"/>
-                          </a:schemeClr>
-                        </a:solidFill>
-                      </a:endParaRPr>
-                    </a:p>
-                  </a:txBody>
-                  <a:tcPr>
-                    <a:lnR w="12700" cap="flat" cmpd="sng" algn="ctr">
-                      <a:noFill/>
-                      <a:prstDash val="solid"/>
-                      <a:round/>
-                      <a:headEnd type="none" w="med" len="med"/>
-                      <a:tailEnd type="none" w="med" len="med"/>
-                    </a:lnR>
-                  </a:tcPr>
-                </a:tc>
-              </a:tr>
-              <a:tr h="284814">
-                <a:tc>
-                  <a:txBody>
-                    <a:bodyPr/>
-                    <a:lstStyle/>
-                    <a:p>
-                      <a:r>
-                        <a:rPr lang="en-IN" sz="1400" dirty="0" smtClean="0">
-                          <a:solidFill>
-                            <a:schemeClr val="tx2">
-                              <a:lumMod val="75000"/>
-                            </a:schemeClr>
-                          </a:solidFill>
-                        </a:rPr>
-                        <a:t>insert()</a:t>
-                      </a:r>
-                      <a:endParaRPr lang="en-IN" sz="1400" dirty="0">
-                        <a:solidFill>
-                          <a:schemeClr val="tx2">
-                            <a:lumMod val="75000"/>
-                          </a:schemeClr>
-                        </a:solidFill>
-                      </a:endParaRPr>
-                    </a:p>
-                  </a:txBody>
-                  <a:tcPr>
-                    <a:lnL w="12700" cap="flat" cmpd="sng" algn="ctr">
-                      <a:noFill/>
-                      <a:prstDash val="solid"/>
-                      <a:round/>
-                      <a:headEnd type="none" w="med" len="med"/>
-                      <a:tailEnd type="none" w="med" len="med"/>
-                    </a:lnL>
-                  </a:tcPr>
-                </a:tc>
-                <a:tc>
-                  <a:txBody>
-                    <a:bodyPr/>
-                    <a:lstStyle/>
-                    <a:p>
-                      <a:r>
-                        <a:rPr lang="en-US" sz="1400" dirty="0" smtClean="0">
-                          <a:solidFill>
-                            <a:schemeClr val="tx2">
-                              <a:lumMod val="75000"/>
-                            </a:schemeClr>
-                          </a:solidFill>
-                        </a:rPr>
-                        <a:t>Inserts an element at a particular index in the list</a:t>
-                      </a:r>
-                      <a:endParaRPr lang="en-IN" sz="1400" dirty="0">
-                        <a:solidFill>
-                          <a:schemeClr val="tx2">
-                            <a:lumMod val="75000"/>
-                          </a:schemeClr>
-                        </a:solidFill>
-                      </a:endParaRPr>
-                    </a:p>
-                  </a:txBody>
-                  <a:tcPr>
-                    <a:lnR w="12700" cap="flat" cmpd="sng" algn="ctr">
-                      <a:noFill/>
-                      <a:prstDash val="solid"/>
-                      <a:round/>
-                      <a:headEnd type="none" w="med" len="med"/>
-                      <a:tailEnd type="none" w="med" len="med"/>
-                    </a:lnR>
-                  </a:tcPr>
-                </a:tc>
-              </a:tr>
-              <a:tr h="410808">
-                <a:tc>
-                  <a:txBody>
-                    <a:bodyPr/>
-                    <a:lstStyle/>
-                    <a:p>
-                      <a:r>
-                        <a:rPr lang="en-IN" sz="1400" dirty="0" smtClean="0">
-                          <a:solidFill>
-                            <a:schemeClr val="tx2">
-                              <a:lumMod val="75000"/>
-                            </a:schemeClr>
-                          </a:solidFill>
-                        </a:rPr>
-                        <a:t>count()</a:t>
-                      </a:r>
-                      <a:endParaRPr lang="en-IN" sz="1400" dirty="0">
-                        <a:solidFill>
-                          <a:schemeClr val="tx2">
-                            <a:lumMod val="75000"/>
-                          </a:schemeClr>
-                        </a:solidFill>
-                      </a:endParaRPr>
-                    </a:p>
-                  </a:txBody>
-                  <a:tcPr>
-                    <a:lnL w="12700" cap="flat" cmpd="sng" algn="ctr">
-                      <a:noFill/>
-                      <a:prstDash val="solid"/>
-                      <a:round/>
-                      <a:headEnd type="none" w="med" len="med"/>
-                      <a:tailEnd type="none" w="med" len="med"/>
-                    </a:lnL>
-                  </a:tcPr>
-                </a:tc>
-                <a:tc>
-                  <a:txBody>
-                    <a:bodyPr/>
-                    <a:lstStyle/>
-                    <a:p>
-                      <a:r>
-                        <a:rPr lang="en-US" sz="1400" dirty="0" smtClean="0">
-                          <a:solidFill>
-                            <a:schemeClr val="tx2">
-                              <a:lumMod val="75000"/>
-                            </a:schemeClr>
-                          </a:solidFill>
-                        </a:rPr>
-                        <a:t>Returns the number of times a given element appears in the list</a:t>
-                      </a:r>
-                      <a:endParaRPr lang="en-IN" sz="1400" dirty="0">
-                        <a:solidFill>
-                          <a:schemeClr val="tx2">
-                            <a:lumMod val="75000"/>
-                          </a:schemeClr>
-                        </a:solidFill>
-                      </a:endParaRPr>
-                    </a:p>
-                  </a:txBody>
-                  <a:tcPr>
-                    <a:lnR w="12700" cap="flat" cmpd="sng" algn="ctr">
-                      <a:noFill/>
-                      <a:prstDash val="solid"/>
-                      <a:round/>
-                      <a:headEnd type="none" w="med" len="med"/>
-                      <a:tailEnd type="none" w="med" len="med"/>
-                    </a:lnR>
-                  </a:tcPr>
-                </a:tc>
-              </a:tr>
-              <a:tr h="749120">
-                <a:tc>
-                  <a:txBody>
-                    <a:bodyPr/>
-                    <a:lstStyle/>
-                    <a:p>
-                      <a:r>
-                        <a:rPr lang="en-IN" sz="1400" dirty="0" smtClean="0">
-                          <a:solidFill>
-                            <a:schemeClr val="tx2">
-                              <a:lumMod val="75000"/>
-                            </a:schemeClr>
-                          </a:solidFill>
-                        </a:rPr>
-                        <a:t>remove()</a:t>
-                      </a:r>
-                      <a:endParaRPr lang="en-IN" sz="1400" dirty="0">
-                        <a:solidFill>
-                          <a:schemeClr val="tx2">
-                            <a:lumMod val="75000"/>
-                          </a:schemeClr>
-                        </a:solidFill>
-                      </a:endParaRPr>
-                    </a:p>
-                  </a:txBody>
-                  <a:tcPr>
-                    <a:lnL w="12700" cap="flat" cmpd="sng" algn="ctr">
-                      <a:noFill/>
-                      <a:prstDash val="solid"/>
-                      <a:round/>
-                      <a:headEnd type="none" w="med" len="med"/>
-                      <a:tailEnd type="none" w="med" len="med"/>
-                    </a:lnL>
-                  </a:tcPr>
-                </a:tc>
-                <a:tc>
-                  <a:txBody>
-                    <a:bodyPr/>
-                    <a:lstStyle/>
-                    <a:p>
-                      <a:r>
-                        <a:rPr lang="en-US" sz="1400" dirty="0" smtClean="0">
-                          <a:solidFill>
-                            <a:schemeClr val="tx2">
-                              <a:lumMod val="75000"/>
-                            </a:schemeClr>
-                          </a:solidFill>
-                        </a:rPr>
-                        <a:t>Removes the given element from the list. If the element is present </a:t>
-                      </a:r>
-                      <a:r>
-                        <a:rPr lang="en-US" sz="1400" dirty="0" err="1" smtClean="0">
-                          <a:solidFill>
-                            <a:schemeClr val="tx2">
-                              <a:lumMod val="75000"/>
-                            </a:schemeClr>
-                          </a:solidFill>
-                        </a:rPr>
-                        <a:t>multiple</a:t>
-                      </a:r>
-                      <a:r>
-                        <a:rPr lang="en-US" sz="1400" dirty="0" smtClean="0">
-                          <a:solidFill>
-                            <a:schemeClr val="tx2">
-                              <a:lumMod val="75000"/>
-                            </a:schemeClr>
-                          </a:solidFill>
-                        </a:rPr>
-                        <a:t> times, only the first occurrence is removed. If the element is not present, then </a:t>
-                      </a:r>
-                      <a:r>
-                        <a:rPr lang="en-US" sz="1400" dirty="0" err="1" smtClean="0">
-                          <a:solidFill>
-                            <a:schemeClr val="tx2">
-                              <a:lumMod val="75000"/>
-                            </a:schemeClr>
-                          </a:solidFill>
-                        </a:rPr>
-                        <a:t>ValueError</a:t>
-                      </a:r>
-                      <a:r>
-                        <a:rPr lang="en-US" sz="1400" dirty="0" smtClean="0">
-                          <a:solidFill>
-                            <a:schemeClr val="tx2">
-                              <a:lumMod val="75000"/>
-                            </a:schemeClr>
-                          </a:solidFill>
-                        </a:rPr>
-                        <a:t> is generated</a:t>
-                      </a:r>
-                      <a:endParaRPr lang="en-IN" sz="1400" dirty="0">
-                        <a:solidFill>
-                          <a:schemeClr val="tx2">
-                            <a:lumMod val="75000"/>
-                          </a:schemeClr>
-                        </a:solidFill>
-                      </a:endParaRPr>
-                    </a:p>
-                  </a:txBody>
-                  <a:tcPr>
-                    <a:lnR w="12700" cap="flat" cmpd="sng" algn="ctr">
-                      <a:noFill/>
-                      <a:prstDash val="solid"/>
-                      <a:round/>
-                      <a:headEnd type="none" w="med" len="med"/>
-                      <a:tailEnd type="none" w="med" len="med"/>
-                    </a:lnR>
-                  </a:tcPr>
-                </a:tc>
-              </a:tr>
-              <a:tr h="749120">
-                <a:tc>
-                  <a:txBody>
-                    <a:bodyPr/>
-                    <a:lstStyle/>
-                    <a:p>
-                      <a:r>
-                        <a:rPr lang="en-IN" sz="1400" dirty="0" smtClean="0">
-                          <a:solidFill>
-                            <a:schemeClr val="tx2">
-                              <a:lumMod val="75000"/>
-                            </a:schemeClr>
-                          </a:solidFill>
-                        </a:rPr>
-                        <a:t>pop()</a:t>
-                      </a:r>
-                      <a:endParaRPr lang="en-IN" sz="1400" dirty="0">
-                        <a:solidFill>
-                          <a:schemeClr val="tx2">
-                            <a:lumMod val="75000"/>
-                          </a:schemeClr>
-                        </a:solidFill>
-                      </a:endParaRPr>
-                    </a:p>
-                  </a:txBody>
-                  <a:tcPr>
-                    <a:lnL w="12700" cap="flat" cmpd="sng" algn="ctr">
-                      <a:noFill/>
-                      <a:prstDash val="solid"/>
-                      <a:round/>
-                      <a:headEnd type="none" w="med" len="med"/>
-                      <a:tailEnd type="none" w="med" len="med"/>
-                    </a:lnL>
-                  </a:tcPr>
-                </a:tc>
-                <a:tc>
-                  <a:txBody>
-                    <a:bodyPr/>
-                    <a:lstStyle/>
-                    <a:p>
-                      <a:r>
-                        <a:rPr lang="en-US" sz="1400" dirty="0" smtClean="0">
-                          <a:solidFill>
-                            <a:schemeClr val="tx2">
-                              <a:lumMod val="75000"/>
-                            </a:schemeClr>
-                          </a:solidFill>
-                        </a:rPr>
-                        <a:t>Returns the element whose index is passed as argument to this function and also removes it from the list. If no argument is given, then it returns and removes the last element of the list</a:t>
-                      </a:r>
-                      <a:endParaRPr lang="en-IN" sz="1400" dirty="0">
-                        <a:solidFill>
-                          <a:schemeClr val="tx2">
-                            <a:lumMod val="75000"/>
-                          </a:schemeClr>
-                        </a:solidFill>
-                      </a:endParaRPr>
-                    </a:p>
-                  </a:txBody>
-                  <a:tcPr>
-                    <a:lnR w="12700" cap="flat" cmpd="sng" algn="ctr">
-                      <a:noFill/>
-                      <a:prstDash val="solid"/>
-                      <a:round/>
-                      <a:headEnd type="none" w="med" len="med"/>
-                      <a:tailEnd type="none" w="med" len="med"/>
-                    </a:lnR>
-                  </a:tcPr>
-                </a:tc>
-              </a:tr>
-              <a:tr h="284814">
-                <a:tc>
-                  <a:txBody>
-                    <a:bodyPr/>
-                    <a:lstStyle/>
-                    <a:p>
-                      <a:r>
-                        <a:rPr lang="en-IN" sz="1400" dirty="0" smtClean="0">
-                          <a:solidFill>
-                            <a:schemeClr val="tx2">
-                              <a:lumMod val="75000"/>
-                            </a:schemeClr>
-                          </a:solidFill>
-                        </a:rPr>
-                        <a:t>reverse()</a:t>
-                      </a:r>
-                      <a:endParaRPr lang="en-IN" sz="1400" dirty="0">
-                        <a:solidFill>
-                          <a:schemeClr val="tx2">
-                            <a:lumMod val="75000"/>
-                          </a:schemeClr>
-                        </a:solidFill>
-                      </a:endParaRPr>
-                    </a:p>
-                  </a:txBody>
-                  <a:tcPr>
-                    <a:lnL w="12700" cap="flat" cmpd="sng" algn="ctr">
-                      <a:noFill/>
-                      <a:prstDash val="solid"/>
-                      <a:round/>
-                      <a:headEnd type="none" w="med" len="med"/>
-                      <a:tailEnd type="none" w="med" len="med"/>
-                    </a:lnL>
-                  </a:tcPr>
-                </a:tc>
-                <a:tc>
-                  <a:txBody>
-                    <a:bodyPr/>
-                    <a:lstStyle/>
-                    <a:p>
-                      <a:r>
-                        <a:rPr lang="en-US" sz="1400" dirty="0" smtClean="0">
-                          <a:solidFill>
-                            <a:schemeClr val="tx2">
-                              <a:lumMod val="75000"/>
-                            </a:schemeClr>
-                          </a:solidFill>
-                        </a:rPr>
-                        <a:t>Reverses the order of elements in the given </a:t>
-                      </a:r>
-                      <a:r>
-                        <a:rPr lang="en-US" sz="1400" dirty="0" err="1" smtClean="0">
-                          <a:solidFill>
-                            <a:schemeClr val="tx2">
-                              <a:lumMod val="75000"/>
-                            </a:schemeClr>
-                          </a:solidFill>
-                        </a:rPr>
-                        <a:t>lis</a:t>
-                      </a:r>
-                      <a:endParaRPr lang="en-IN" sz="1400" dirty="0">
-                        <a:solidFill>
-                          <a:schemeClr val="tx2">
-                            <a:lumMod val="75000"/>
-                          </a:schemeClr>
-                        </a:solidFill>
-                      </a:endParaRPr>
-                    </a:p>
-                  </a:txBody>
-                  <a:tcPr>
-                    <a:lnR w="12700" cap="flat" cmpd="sng" algn="ctr">
-                      <a:noFill/>
-                      <a:prstDash val="solid"/>
-                      <a:round/>
-                      <a:headEnd type="none" w="med" len="med"/>
-                      <a:tailEnd type="none" w="med" len="med"/>
-                    </a:lnR>
-                  </a:tcPr>
-                </a:tc>
-              </a:tr>
-              <a:tr h="284814">
-                <a:tc>
-                  <a:txBody>
-                    <a:bodyPr/>
-                    <a:lstStyle/>
-                    <a:p>
-                      <a:r>
-                        <a:rPr lang="en-US" sz="1400" dirty="0" smtClean="0">
-                          <a:solidFill>
-                            <a:schemeClr val="tx2">
-                              <a:lumMod val="75000"/>
-                            </a:schemeClr>
-                          </a:solidFill>
-                        </a:rPr>
-                        <a:t>s</a:t>
-                      </a:r>
-                      <a:r>
-                        <a:rPr lang="en-IN" sz="1400" dirty="0" smtClean="0">
-                          <a:solidFill>
-                            <a:schemeClr val="tx2">
-                              <a:lumMod val="75000"/>
-                            </a:schemeClr>
-                          </a:solidFill>
-                        </a:rPr>
-                        <a:t>ort()</a:t>
-                      </a:r>
-                      <a:endParaRPr lang="en-IN" sz="1400" dirty="0">
-                        <a:solidFill>
-                          <a:schemeClr val="tx2">
-                            <a:lumMod val="75000"/>
-                          </a:schemeClr>
-                        </a:solidFill>
-                      </a:endParaRPr>
-                    </a:p>
-                  </a:txBody>
-                  <a:tcPr>
-                    <a:lnL w="12700" cap="flat" cmpd="sng" algn="ctr">
-                      <a:noFill/>
-                      <a:prstDash val="solid"/>
-                      <a:round/>
-                      <a:headEnd type="none" w="med" len="med"/>
-                      <a:tailEnd type="none" w="med" len="med"/>
-                    </a:lnL>
-                  </a:tcPr>
-                </a:tc>
-                <a:tc>
-                  <a:txBody>
-                    <a:bodyPr/>
-                    <a:lstStyle/>
-                    <a:p>
-                      <a:r>
-                        <a:rPr lang="en-US" sz="1400" dirty="0" smtClean="0">
-                          <a:solidFill>
-                            <a:schemeClr val="tx2">
-                              <a:lumMod val="75000"/>
-                            </a:schemeClr>
-                          </a:solidFill>
-                        </a:rPr>
-                        <a:t>Sorts the elements of the given list in </a:t>
-                      </a:r>
-                      <a:r>
-                        <a:rPr lang="en-US" sz="1400" dirty="0" err="1" smtClean="0">
-                          <a:solidFill>
-                            <a:schemeClr val="tx2">
-                              <a:lumMod val="75000"/>
-                            </a:schemeClr>
-                          </a:solidFill>
-                        </a:rPr>
-                        <a:t>plac</a:t>
-                      </a:r>
-                      <a:endParaRPr lang="en-IN" sz="1400" dirty="0">
-                        <a:solidFill>
-                          <a:schemeClr val="tx2">
-                            <a:lumMod val="75000"/>
-                          </a:schemeClr>
-                        </a:solidFill>
-                      </a:endParaRPr>
-                    </a:p>
-                  </a:txBody>
-                  <a:tcPr>
-                    <a:lnR w="12700" cap="flat" cmpd="sng" algn="ctr">
-                      <a:noFill/>
-                      <a:prstDash val="solid"/>
-                      <a:round/>
-                      <a:headEnd type="none" w="med" len="med"/>
-                      <a:tailEnd type="none" w="med" len="med"/>
-                    </a:lnR>
-                  </a:tcPr>
-                </a:tc>
-              </a:tr>
-              <a:tr h="579964">
-                <a:tc>
-                  <a:txBody>
-                    <a:bodyPr/>
-                    <a:lstStyle/>
-                    <a:p>
-                      <a:r>
-                        <a:rPr lang="en-IN" sz="1400" dirty="0" smtClean="0">
-                          <a:solidFill>
-                            <a:schemeClr val="tx2">
-                              <a:lumMod val="75000"/>
-                            </a:schemeClr>
-                          </a:solidFill>
-                        </a:rPr>
-                        <a:t>sorted()</a:t>
-                      </a:r>
-                      <a:endParaRPr lang="en-IN" sz="1400" dirty="0">
-                        <a:solidFill>
-                          <a:schemeClr val="tx2">
-                            <a:lumMod val="75000"/>
-                          </a:schemeClr>
-                        </a:solidFill>
-                      </a:endParaRPr>
-                    </a:p>
-                  </a:txBody>
-                  <a:tcPr>
-                    <a:lnL w="12700" cap="flat" cmpd="sng" algn="ctr">
-                      <a:noFill/>
-                      <a:prstDash val="solid"/>
-                      <a:round/>
-                      <a:headEnd type="none" w="med" len="med"/>
-                      <a:tailEnd type="none" w="med" len="med"/>
-                    </a:lnL>
-                  </a:tcPr>
-                </a:tc>
-                <a:tc>
-                  <a:txBody>
-                    <a:bodyPr/>
-                    <a:lstStyle/>
-                    <a:p>
-                      <a:r>
-                        <a:rPr lang="en-US" sz="1400" dirty="0" smtClean="0">
-                          <a:solidFill>
-                            <a:schemeClr val="tx2">
-                              <a:lumMod val="75000"/>
-                            </a:schemeClr>
-                          </a:solidFill>
-                        </a:rPr>
-                        <a:t>It takes a list as parameter and creates a new list consisting of the same </a:t>
-                      </a:r>
-                      <a:r>
-                        <a:rPr lang="en-US" sz="1400" dirty="0" err="1" smtClean="0">
-                          <a:solidFill>
-                            <a:schemeClr val="tx2">
-                              <a:lumMod val="75000"/>
-                            </a:schemeClr>
-                          </a:solidFill>
-                        </a:rPr>
-                        <a:t>elements</a:t>
-                      </a:r>
-                      <a:r>
-                        <a:rPr lang="en-US" sz="1400" dirty="0" smtClean="0">
-                          <a:solidFill>
-                            <a:schemeClr val="tx2">
-                              <a:lumMod val="75000"/>
-                            </a:schemeClr>
-                          </a:solidFill>
-                        </a:rPr>
-                        <a:t> but arranged in ascending order</a:t>
-                      </a:r>
-                      <a:endParaRPr lang="en-IN" sz="1400" dirty="0">
-                        <a:solidFill>
-                          <a:schemeClr val="tx2">
-                            <a:lumMod val="75000"/>
-                          </a:schemeClr>
-                        </a:solidFill>
-                      </a:endParaRPr>
-                    </a:p>
-                  </a:txBody>
-                  <a:tcPr>
-                    <a:lnR w="12700" cap="flat" cmpd="sng" algn="ctr">
-                      <a:noFill/>
-                      <a:prstDash val="solid"/>
-                      <a:round/>
-                      <a:headEnd type="none" w="med" len="med"/>
-                      <a:tailEnd type="none" w="med" len="med"/>
-                    </a:lnR>
-                  </a:tcPr>
-                </a:tc>
-              </a:tr>
-              <a:tr h="284814">
-                <a:tc>
-                  <a:txBody>
-                    <a:bodyPr/>
-                    <a:lstStyle/>
-                    <a:p>
-                      <a:r>
-                        <a:rPr lang="en-IN" sz="1400" dirty="0" smtClean="0">
-                          <a:solidFill>
-                            <a:schemeClr val="tx2">
-                              <a:lumMod val="75000"/>
-                            </a:schemeClr>
-                          </a:solidFill>
-                        </a:rPr>
-                        <a:t>min()</a:t>
-                      </a:r>
-                      <a:endParaRPr lang="en-IN" sz="1400" dirty="0">
-                        <a:solidFill>
-                          <a:schemeClr val="tx2">
-                            <a:lumMod val="75000"/>
-                          </a:schemeClr>
-                        </a:solidFill>
-                      </a:endParaRPr>
-                    </a:p>
-                  </a:txBody>
-                  <a:tcPr>
-                    <a:lnL w="12700" cap="flat" cmpd="sng" algn="ctr">
-                      <a:noFill/>
-                      <a:prstDash val="solid"/>
-                      <a:round/>
-                      <a:headEnd type="none" w="med" len="med"/>
-                      <a:tailEnd type="none" w="med" len="med"/>
-                    </a:lnL>
-                  </a:tcPr>
-                </a:tc>
-                <a:tc>
-                  <a:txBody>
-                    <a:bodyPr/>
-                    <a:lstStyle/>
-                    <a:p>
-                      <a:r>
-                        <a:rPr lang="en-US" sz="1400" dirty="0" smtClean="0">
-                          <a:solidFill>
-                            <a:schemeClr val="tx2">
-                              <a:lumMod val="75000"/>
-                            </a:schemeClr>
-                          </a:solidFill>
-                        </a:rPr>
-                        <a:t>Returns minimum or smallest element of the list</a:t>
-                      </a:r>
-                      <a:endParaRPr lang="en-IN" sz="1400" dirty="0">
-                        <a:solidFill>
-                          <a:schemeClr val="tx2">
-                            <a:lumMod val="75000"/>
-                          </a:schemeClr>
-                        </a:solidFill>
-                      </a:endParaRPr>
-                    </a:p>
-                  </a:txBody>
-                  <a:tcPr>
-                    <a:lnR w="12700" cap="flat" cmpd="sng" algn="ctr">
-                      <a:noFill/>
-                      <a:prstDash val="solid"/>
-                      <a:round/>
-                      <a:headEnd type="none" w="med" len="med"/>
-                      <a:tailEnd type="none" w="med" len="med"/>
-                    </a:lnR>
-                  </a:tcPr>
-                </a:tc>
-              </a:tr>
-              <a:tr h="284814">
-                <a:tc>
-                  <a:txBody>
-                    <a:bodyPr/>
-                    <a:lstStyle/>
-                    <a:p>
-                      <a:r>
-                        <a:rPr lang="en-IN" sz="1400" dirty="0" smtClean="0">
-                          <a:solidFill>
-                            <a:schemeClr val="tx2">
-                              <a:lumMod val="75000"/>
-                            </a:schemeClr>
-                          </a:solidFill>
-                        </a:rPr>
-                        <a:t>max()</a:t>
-                      </a:r>
-                      <a:endParaRPr lang="en-IN" sz="1400" dirty="0">
-                        <a:solidFill>
-                          <a:schemeClr val="tx2">
-                            <a:lumMod val="75000"/>
-                          </a:schemeClr>
-                        </a:solidFill>
-                      </a:endParaRPr>
-                    </a:p>
-                  </a:txBody>
-                  <a:tcPr>
-                    <a:lnL w="12700" cap="flat" cmpd="sng" algn="ctr">
-                      <a:noFill/>
-                      <a:prstDash val="solid"/>
-                      <a:round/>
-                      <a:headEnd type="none" w="med" len="med"/>
-                      <a:tailEnd type="none" w="med" len="med"/>
-                    </a:lnL>
-                  </a:tcPr>
-                </a:tc>
-                <a:tc>
-                  <a:txBody>
-                    <a:bodyPr/>
-                    <a:lstStyle/>
-                    <a:p>
-                      <a:r>
-                        <a:rPr lang="en-US" sz="1400" dirty="0" smtClean="0">
-                          <a:solidFill>
-                            <a:schemeClr val="tx2">
-                              <a:lumMod val="75000"/>
-                            </a:schemeClr>
-                          </a:solidFill>
-                        </a:rPr>
-                        <a:t>Returns maximum or largest element of the list</a:t>
-                      </a:r>
-                      <a:endParaRPr lang="en-IN" sz="1400" dirty="0">
-                        <a:solidFill>
-                          <a:schemeClr val="tx2">
-                            <a:lumMod val="75000"/>
-                          </a:schemeClr>
-                        </a:solidFill>
-                      </a:endParaRPr>
-                    </a:p>
-                  </a:txBody>
-                  <a:tcPr>
-                    <a:lnR w="12700" cap="flat" cmpd="sng" algn="ctr">
-                      <a:noFill/>
-                      <a:prstDash val="solid"/>
-                      <a:round/>
-                      <a:headEnd type="none" w="med" len="med"/>
-                      <a:tailEnd type="none" w="med" len="med"/>
-                    </a:lnR>
-                  </a:tcPr>
-                </a:tc>
-              </a:tr>
-              <a:tr h="284814">
-                <a:tc>
-                  <a:txBody>
-                    <a:bodyPr/>
-                    <a:lstStyle/>
-                    <a:p>
-                      <a:r>
-                        <a:rPr lang="en-IN" sz="1400" dirty="0" smtClean="0">
-                          <a:solidFill>
-                            <a:schemeClr val="tx2">
-                              <a:lumMod val="75000"/>
-                            </a:schemeClr>
-                          </a:solidFill>
-                        </a:rPr>
-                        <a:t>sum() </a:t>
-                      </a:r>
-                      <a:endParaRPr lang="en-IN" sz="1400" dirty="0">
-                        <a:solidFill>
-                          <a:schemeClr val="tx2">
-                            <a:lumMod val="75000"/>
-                          </a:schemeClr>
-                        </a:solidFill>
-                      </a:endParaRPr>
-                    </a:p>
-                  </a:txBody>
-                  <a:tcPr>
-                    <a:lnL w="12700" cap="flat" cmpd="sng" algn="ctr">
-                      <a:noFill/>
-                      <a:prstDash val="solid"/>
-                      <a:round/>
-                      <a:headEnd type="none" w="med" len="med"/>
-                      <a:tailEnd type="none" w="med" len="med"/>
-                    </a:lnL>
-                    <a:lnB w="12700" cap="flat" cmpd="sng" algn="ctr">
-                      <a:noFill/>
-                      <a:prstDash val="solid"/>
-                      <a:round/>
-                      <a:headEnd type="none" w="med" len="med"/>
-                      <a:tailEnd type="none" w="med" len="med"/>
-                    </a:lnB>
-                  </a:tcPr>
-                </a:tc>
-                <a:tc>
-                  <a:txBody>
-                    <a:bodyPr/>
-                    <a:lstStyle/>
-                    <a:p>
-                      <a:r>
-                        <a:rPr lang="en-US" sz="1400" dirty="0" smtClean="0">
-                          <a:solidFill>
-                            <a:schemeClr val="tx2">
-                              <a:lumMod val="75000"/>
-                            </a:schemeClr>
-                          </a:solidFill>
-                        </a:rPr>
-                        <a:t>Returns sum of the elements of the list</a:t>
-                      </a:r>
-                      <a:endParaRPr lang="en-IN" sz="1400" dirty="0">
-                        <a:solidFill>
-                          <a:schemeClr val="tx2">
-                            <a:lumMod val="75000"/>
-                          </a:schemeClr>
-                        </a:solidFill>
-                      </a:endParaRPr>
-                    </a:p>
-                  </a:txBody>
-                  <a:tcPr>
-                    <a:lnR w="12700" cap="flat" cmpd="sng" algn="ctr">
-                      <a:noFill/>
-                      <a:prstDash val="solid"/>
-                      <a:round/>
-                      <a:headEnd type="none" w="med" len="med"/>
-                      <a:tailEnd type="none" w="med" len="med"/>
-                    </a:lnR>
-                    <a:lnB w="12700" cap="flat" cmpd="sng" algn="ctr">
-                      <a:noFill/>
-                      <a:prstDash val="solid"/>
-                      <a:round/>
-                      <a:headEnd type="none" w="med" len="med"/>
-                      <a:tailEnd type="none" w="med" len="med"/>
-                    </a:lnB>
-                  </a:tcPr>
-                </a:tc>
-              </a:tr>
-            </a:tbl>
-          </a:graphicData>
-        </a:graphic>
-      </p:graphicFrame>
-    </p:spTree>
-    <p:extLst>
-      <p:ext uri="{BB962C8B-B14F-4D97-AF65-F5344CB8AC3E}">
-        <p14:creationId xmlns:p14="http://schemas.microsoft.com/office/powerpoint/2010/main" val="696744671"/>
-      </p:ext>
-    </p:extLst>
-  </p:cSld>
-  <p:clrMapOvr>
-    <a:masterClrMapping/>
-  </p:clrMapOvr>
-  <mc:AlternateContent xmlns:mc="http://schemas.openxmlformats.org/markup-compatibility/2006" xmlns:p14="http://schemas.microsoft.com/office/powerpoint/2010/main">
-    <mc:Choice Requires="p14">
-      <p:transition spd="slow" p14:dur="1600">
-        <p:blinds dir="vert"/>
-      </p:transition>
-    </mc:Choice>
-    <mc:Fallback xmlns="">
-      <p:transition spd="slow">
-        <p:blinds dir="vert"/>
-      </p:transition>
-    </mc:Fallback>
-  </mc:AlternateContent>
-  <p:timing>
-    <p:tnLst>
-      <p:par>
-        <p:cTn id="1" dur="indefinite" restart="never" nodeType="tmRoot">
-          <p:childTnLst>
-            <p:seq concurrent="1" nextAc="seek">
-              <p:cTn id="2" dur="indefinite" nodeType="mainSeq">
-                <p:childTnLst>
-                  <p:par>
-                    <p:cTn id="3" fill="hold">
-                      <p:stCondLst>
-                        <p:cond delay="indefinite"/>
-                      </p:stCondLst>
-                      <p:childTnLst>
-                        <p:par>
-                          <p:cTn id="4" fill="hold">
-                            <p:stCondLst>
-                              <p:cond delay="0"/>
-                            </p:stCondLst>
-                            <p:childTnLst>
-                              <p:par>
-                                <p:cTn id="5" presetID="47" presetClass="entr" presetSubtype="0" fill="hold" nodeType="clickEffect">
-                                  <p:stCondLst>
-                                    <p:cond delay="0"/>
-                                  </p:stCondLst>
-                                  <p:childTnLst>
-                                    <p:set>
-                                      <p:cBhvr>
-                                        <p:cTn id="6" dur="1" fill="hold">
-                                          <p:stCondLst>
-                                            <p:cond delay="0"/>
-                                          </p:stCondLst>
-                                        </p:cTn>
-                                        <p:tgtEl>
-                                          <p:spTgt spid="7"/>
-                                        </p:tgtEl>
-                                        <p:attrNameLst>
-                                          <p:attrName>style.visibility</p:attrName>
-                                        </p:attrNameLst>
-                                      </p:cBhvr>
-                                      <p:to>
-                                        <p:strVal val="visible"/>
-                                      </p:to>
-                                    </p:set>
-                                    <p:animEffect transition="in" filter="fade">
-                                      <p:cBhvr>
-                                        <p:cTn id="7" dur="1000"/>
-                                        <p:tgtEl>
-                                          <p:spTgt spid="7"/>
-                                        </p:tgtEl>
-                                      </p:cBhvr>
-                                    </p:animEffect>
-                                    <p:anim calcmode="lin" valueType="num">
-                                      <p:cBhvr>
-                                        <p:cTn id="8" dur="1000" fill="hold"/>
-                                        <p:tgtEl>
-                                          <p:spTgt spid="7"/>
-                                        </p:tgtEl>
-                                        <p:attrNameLst>
-                                          <p:attrName>ppt_x</p:attrName>
-                                        </p:attrNameLst>
-                                      </p:cBhvr>
-                                      <p:tavLst>
-                                        <p:tav tm="0">
-                                          <p:val>
-                                            <p:strVal val="#ppt_x"/>
-                                          </p:val>
-                                        </p:tav>
-                                        <p:tav tm="100000">
-                                          <p:val>
-                                            <p:strVal val="#ppt_x"/>
-                                          </p:val>
-                                        </p:tav>
-                                      </p:tavLst>
-                                    </p:anim>
-                                    <p:anim calcmode="lin" valueType="num">
-                                      <p:cBhvr>
-                                        <p:cTn id="9" dur="1000" fill="hold"/>
-                                        <p:tgtEl>
-                                          <p:spTgt spid="7"/>
-                                        </p:tgtEl>
-                                        <p:attrNameLst>
-                                          <p:attrName>ppt_y</p:attrName>
-                                        </p:attrNameLst>
-                                      </p:cBhvr>
-                                      <p:tavLst>
-                                        <p:tav tm="0">
-                                          <p:val>
-                                            <p:strVal val="#ppt_y-.1"/>
-                                          </p:val>
-                                        </p:tav>
-                                        <p:tav tm="100000">
-                                          <p:val>
-                                            <p:strVal val="#ppt_y"/>
-                                          </p:val>
-                                        </p:tav>
-                                      </p:tavLst>
-                                    </p:anim>
-                                  </p:childTnLst>
-                                </p:cTn>
-                              </p:par>
-                            </p:childTnLst>
-                          </p:cTn>
-                        </p:par>
-                      </p:childTnLst>
-                    </p:cTn>
-                  </p:par>
-                </p:childTnLst>
-              </p:cTn>
-              <p:prevCondLst>
-                <p:cond evt="onPrev" delay="0">
-                  <p:tgtEl>
-                    <p:sldTgt/>
-                  </p:tgtEl>
-                </p:cond>
-              </p:prevCondLst>
-              <p:nextCondLst>
-                <p:cond evt="onNext" delay="0">
-                  <p:tgtEl>
-                    <p:sldTgt/>
-                  </p:tgtEl>
-                </p:cond>
-              </p:nextCondLst>
-            </p:seq>
-          </p:childTnLst>
-        </p:cTn>
-      </p:par>
-    </p:tnLst>
-  </p:timing>
-</p:sld>
-</file>
-
 <file path=ppt/theme/theme1.xml><?xml version="1.0" encoding="utf-8"?>
 <a:theme xmlns:a="http://schemas.openxmlformats.org/drawingml/2006/main" name="Retrospect">
   <a:themeElements>
